--- a/COMPSAC-COMA/ppt/co-sim.pptx
+++ b/COMPSAC-COMA/ppt/co-sim.pptx
@@ -5,11 +5,10 @@
     <p:sldMasterId id="2147483648" r:id="rId1"/>
   </p:sldMasterIdLst>
   <p:notesMasterIdLst>
-    <p:notesMasterId r:id="rId4"/>
+    <p:notesMasterId r:id="rId3"/>
   </p:notesMasterIdLst>
   <p:sldIdLst>
-    <p:sldId id="256" r:id="rId2"/>
-    <p:sldId id="257" r:id="rId3"/>
+    <p:sldId id="257" r:id="rId2"/>
   </p:sldIdLst>
   <p:sldSz cx="12192000" cy="6858000"/>
   <p:notesSz cx="6858000" cy="9144000"/>
@@ -198,7 +197,7 @@
           <a:p>
             <a:fld id="{D38FC75E-566F-8C4B-92C9-B07534AD11D1}" type="datetimeFigureOut">
               <a:rPr kumimoji="1" lang="zh-CN" altLang="en-US" smtClean="0"/>
-              <a:t>2018/1/5</a:t>
+              <a:t>2018/1/8</a:t>
             </a:fld>
             <a:endParaRPr kumimoji="1" lang="zh-CN" altLang="en-US"/>
           </a:p>
@@ -597,7 +596,7 @@
           <a:p>
             <a:fld id="{4A633183-09AE-CC40-B5FC-8B4DA727F5C8}" type="datetimeFigureOut">
               <a:rPr kumimoji="1" lang="zh-CN" altLang="en-US" smtClean="0"/>
-              <a:t>2018/1/5</a:t>
+              <a:t>2018/1/8</a:t>
             </a:fld>
             <a:endParaRPr kumimoji="1" lang="zh-CN" altLang="en-US"/>
           </a:p>
@@ -767,7 +766,7 @@
           <a:p>
             <a:fld id="{4A633183-09AE-CC40-B5FC-8B4DA727F5C8}" type="datetimeFigureOut">
               <a:rPr kumimoji="1" lang="zh-CN" altLang="en-US" smtClean="0"/>
-              <a:t>2018/1/5</a:t>
+              <a:t>2018/1/8</a:t>
             </a:fld>
             <a:endParaRPr kumimoji="1" lang="zh-CN" altLang="en-US"/>
           </a:p>
@@ -947,7 +946,7 @@
           <a:p>
             <a:fld id="{4A633183-09AE-CC40-B5FC-8B4DA727F5C8}" type="datetimeFigureOut">
               <a:rPr kumimoji="1" lang="zh-CN" altLang="en-US" smtClean="0"/>
-              <a:t>2018/1/5</a:t>
+              <a:t>2018/1/8</a:t>
             </a:fld>
             <a:endParaRPr kumimoji="1" lang="zh-CN" altLang="en-US"/>
           </a:p>
@@ -1117,7 +1116,7 @@
           <a:p>
             <a:fld id="{4A633183-09AE-CC40-B5FC-8B4DA727F5C8}" type="datetimeFigureOut">
               <a:rPr kumimoji="1" lang="zh-CN" altLang="en-US" smtClean="0"/>
-              <a:t>2018/1/5</a:t>
+              <a:t>2018/1/8</a:t>
             </a:fld>
             <a:endParaRPr kumimoji="1" lang="zh-CN" altLang="en-US"/>
           </a:p>
@@ -1363,7 +1362,7 @@
           <a:p>
             <a:fld id="{4A633183-09AE-CC40-B5FC-8B4DA727F5C8}" type="datetimeFigureOut">
               <a:rPr kumimoji="1" lang="zh-CN" altLang="en-US" smtClean="0"/>
-              <a:t>2018/1/5</a:t>
+              <a:t>2018/1/8</a:t>
             </a:fld>
             <a:endParaRPr kumimoji="1" lang="zh-CN" altLang="en-US"/>
           </a:p>
@@ -1595,7 +1594,7 @@
           <a:p>
             <a:fld id="{4A633183-09AE-CC40-B5FC-8B4DA727F5C8}" type="datetimeFigureOut">
               <a:rPr kumimoji="1" lang="zh-CN" altLang="en-US" smtClean="0"/>
-              <a:t>2018/1/5</a:t>
+              <a:t>2018/1/8</a:t>
             </a:fld>
             <a:endParaRPr kumimoji="1" lang="zh-CN" altLang="en-US"/>
           </a:p>
@@ -1962,7 +1961,7 @@
           <a:p>
             <a:fld id="{4A633183-09AE-CC40-B5FC-8B4DA727F5C8}" type="datetimeFigureOut">
               <a:rPr kumimoji="1" lang="zh-CN" altLang="en-US" smtClean="0"/>
-              <a:t>2018/1/5</a:t>
+              <a:t>2018/1/8</a:t>
             </a:fld>
             <a:endParaRPr kumimoji="1" lang="zh-CN" altLang="en-US"/>
           </a:p>
@@ -2080,7 +2079,7 @@
           <a:p>
             <a:fld id="{4A633183-09AE-CC40-B5FC-8B4DA727F5C8}" type="datetimeFigureOut">
               <a:rPr kumimoji="1" lang="zh-CN" altLang="en-US" smtClean="0"/>
-              <a:t>2018/1/5</a:t>
+              <a:t>2018/1/8</a:t>
             </a:fld>
             <a:endParaRPr kumimoji="1" lang="zh-CN" altLang="en-US"/>
           </a:p>
@@ -2175,7 +2174,7 @@
           <a:p>
             <a:fld id="{4A633183-09AE-CC40-B5FC-8B4DA727F5C8}" type="datetimeFigureOut">
               <a:rPr kumimoji="1" lang="zh-CN" altLang="en-US" smtClean="0"/>
-              <a:t>2018/1/5</a:t>
+              <a:t>2018/1/8</a:t>
             </a:fld>
             <a:endParaRPr kumimoji="1" lang="zh-CN" altLang="en-US"/>
           </a:p>
@@ -2452,7 +2451,7 @@
           <a:p>
             <a:fld id="{4A633183-09AE-CC40-B5FC-8B4DA727F5C8}" type="datetimeFigureOut">
               <a:rPr kumimoji="1" lang="zh-CN" altLang="en-US" smtClean="0"/>
-              <a:t>2018/1/5</a:t>
+              <a:t>2018/1/8</a:t>
             </a:fld>
             <a:endParaRPr kumimoji="1" lang="zh-CN" altLang="en-US"/>
           </a:p>
@@ -2705,7 +2704,7 @@
           <a:p>
             <a:fld id="{4A633183-09AE-CC40-B5FC-8B4DA727F5C8}" type="datetimeFigureOut">
               <a:rPr kumimoji="1" lang="zh-CN" altLang="en-US" smtClean="0"/>
-              <a:t>2018/1/5</a:t>
+              <a:t>2018/1/8</a:t>
             </a:fld>
             <a:endParaRPr kumimoji="1" lang="zh-CN" altLang="en-US"/>
           </a:p>
@@ -2918,7 +2917,7 @@
           <a:p>
             <a:fld id="{4A633183-09AE-CC40-B5FC-8B4DA727F5C8}" type="datetimeFigureOut">
               <a:rPr kumimoji="1" lang="zh-CN" altLang="en-US" smtClean="0"/>
-              <a:t>2018/1/5</a:t>
+              <a:t>2018/1/8</a:t>
             </a:fld>
             <a:endParaRPr kumimoji="1" lang="zh-CN" altLang="en-US"/>
           </a:p>
@@ -3331,7 +3330,7 @@
         </p:nvSpPr>
         <p:spPr>
           <a:xfrm>
-            <a:off x="841196" y="995995"/>
+            <a:off x="876822" y="259725"/>
             <a:ext cx="2292025" cy="4719007"/>
           </a:xfrm>
           <a:prstGeom prst="rect">
@@ -3379,8 +3378,8 @@
         </p:nvSpPr>
         <p:spPr>
           <a:xfrm>
-            <a:off x="1174197" y="957341"/>
-            <a:ext cx="1674651" cy="646331"/>
+            <a:off x="1152674" y="262838"/>
+            <a:ext cx="1959024" cy="369332"/>
           </a:xfrm>
           <a:prstGeom prst="rect">
             <a:avLst/>
@@ -3399,7 +3398,7 @@
                 <a:ea typeface="Times New Roman" charset="0"/>
                 <a:cs typeface="Times New Roman" charset="0"/>
               </a:rPr>
-              <a:t>Design</a:t>
+              <a:t>Modeling</a:t>
             </a:r>
             <a:r>
               <a:rPr kumimoji="1" lang="zh-CN" altLang="en-US" b="1" dirty="0" smtClean="0">
@@ -3415,23 +3414,7 @@
                 <a:ea typeface="Times New Roman" charset="0"/>
                 <a:cs typeface="Times New Roman" charset="0"/>
               </a:rPr>
-              <a:t>models</a:t>
-            </a:r>
-            <a:r>
-              <a:rPr kumimoji="1" lang="zh-CN" altLang="en-US" b="1" dirty="0" smtClean="0">
-                <a:latin typeface="Times New Roman" charset="0"/>
-                <a:ea typeface="Times New Roman" charset="0"/>
-                <a:cs typeface="Times New Roman" charset="0"/>
-              </a:rPr>
-              <a:t> </a:t>
-            </a:r>
-            <a:r>
-              <a:rPr kumimoji="1" lang="en-US" altLang="zh-CN" b="1" dirty="0" smtClean="0">
-                <a:latin typeface="Times New Roman" charset="0"/>
-                <a:ea typeface="Times New Roman" charset="0"/>
-                <a:cs typeface="Times New Roman" charset="0"/>
-              </a:rPr>
-              <a:t>/phase</a:t>
+              <a:t>phase</a:t>
             </a:r>
             <a:endParaRPr kumimoji="1" lang="zh-CN" altLang="en-US" b="1" dirty="0">
               <a:latin typeface="Times New Roman" charset="0"/>
@@ -3449,7 +3432,7 @@
         </p:nvSpPr>
         <p:spPr>
           <a:xfrm>
-            <a:off x="1117048" y="1614486"/>
+            <a:off x="1152674" y="878216"/>
             <a:ext cx="1731801" cy="700088"/>
           </a:xfrm>
           <a:prstGeom prst="rect">
@@ -3530,7 +3513,7 @@
         </p:nvSpPr>
         <p:spPr>
           <a:xfrm>
-            <a:off x="1117048" y="2666999"/>
+            <a:off x="1152674" y="2194621"/>
             <a:ext cx="1731801" cy="556556"/>
           </a:xfrm>
           <a:prstGeom prst="rect">
@@ -3598,7 +3581,7 @@
         </p:nvSpPr>
         <p:spPr>
           <a:xfrm>
-            <a:off x="1117047" y="4065865"/>
+            <a:off x="1164990" y="3820459"/>
             <a:ext cx="1731801" cy="606148"/>
           </a:xfrm>
           <a:prstGeom prst="rect">
@@ -3632,7 +3615,23 @@
                 <a:ea typeface="Times New Roman" charset="0"/>
                 <a:cs typeface="Times New Roman" charset="0"/>
               </a:rPr>
-              <a:t>SysML</a:t>
+              <a:t>Sy</a:t>
+            </a:r>
+            <a:r>
+              <a:rPr kumimoji="1" lang="en-US" altLang="zh-CN" b="1" dirty="0" err="1">
+                <a:latin typeface="Times New Roman" charset="0"/>
+                <a:ea typeface="Times New Roman" charset="0"/>
+                <a:cs typeface="Times New Roman" charset="0"/>
+              </a:rPr>
+              <a:t>s</a:t>
+            </a:r>
+            <a:r>
+              <a:rPr kumimoji="1" lang="en-US" altLang="zh-CN" b="1" dirty="0" err="1" smtClean="0">
+                <a:latin typeface="Times New Roman" charset="0"/>
+                <a:ea typeface="Times New Roman" charset="0"/>
+                <a:cs typeface="Times New Roman" charset="0"/>
+              </a:rPr>
+              <a:t>ML</a:t>
             </a:r>
             <a:r>
               <a:rPr kumimoji="1" lang="zh-CN" altLang="en-US" b="1" dirty="0" smtClean="0">
@@ -3666,7 +3665,7 @@
         </p:nvSpPr>
         <p:spPr>
           <a:xfrm>
-            <a:off x="1755394" y="3552168"/>
+            <a:off x="1765033" y="3163999"/>
             <a:ext cx="615553" cy="452437"/>
           </a:xfrm>
           <a:prstGeom prst="rect">
@@ -3698,18 +3697,22 @@
       </p:sp>
       <p:sp>
         <p:nvSpPr>
-          <p:cNvPr id="11" name="虚尾箭头 10"/>
+          <p:cNvPr id="12" name="矩形 11"/>
           <p:cNvSpPr/>
           <p:nvPr/>
         </p:nvSpPr>
         <p:spPr>
           <a:xfrm>
-            <a:off x="2848848" y="1824689"/>
-            <a:ext cx="1057275" cy="257175"/>
-          </a:xfrm>
-          <a:prstGeom prst="stripedRightArrow">
+            <a:off x="3670285" y="227278"/>
+            <a:ext cx="2292025" cy="4729085"/>
+          </a:xfrm>
+          <a:prstGeom prst="rect">
             <a:avLst/>
           </a:prstGeom>
+          <a:noFill/>
+          <a:ln>
+            <a:prstDash val="dash"/>
+          </a:ln>
         </p:spPr>
         <p:style>
           <a:lnRef idx="2">
@@ -3742,22 +3745,18 @@
       </p:sp>
       <p:sp>
         <p:nvSpPr>
-          <p:cNvPr id="12" name="矩形 11"/>
+          <p:cNvPr id="15" name="虚尾箭头 14"/>
           <p:cNvSpPr/>
           <p:nvPr/>
         </p:nvSpPr>
         <p:spPr>
           <a:xfrm>
-            <a:off x="3634659" y="963548"/>
-            <a:ext cx="2292025" cy="4729085"/>
-          </a:xfrm>
-          <a:prstGeom prst="rect">
+            <a:off x="3169260" y="2439209"/>
+            <a:ext cx="501438" cy="214310"/>
+          </a:xfrm>
+          <a:prstGeom prst="stripedRightArrow">
             <a:avLst/>
           </a:prstGeom>
-          <a:noFill/>
-          <a:ln>
-            <a:prstDash val="dash"/>
-          </a:ln>
         </p:spPr>
         <p:style>
           <a:lnRef idx="2">
@@ -3790,57 +3789,13 @@
       </p:sp>
       <p:sp>
         <p:nvSpPr>
-          <p:cNvPr id="15" name="虚尾箭头 14"/>
-          <p:cNvSpPr/>
-          <p:nvPr/>
-        </p:nvSpPr>
-        <p:spPr>
-          <a:xfrm>
-            <a:off x="2851859" y="2818745"/>
-            <a:ext cx="1057275" cy="257175"/>
-          </a:xfrm>
-          <a:prstGeom prst="stripedRightArrow">
-            <a:avLst/>
-          </a:prstGeom>
-        </p:spPr>
-        <p:style>
-          <a:lnRef idx="2">
-            <a:schemeClr val="accent1">
-              <a:shade val="50000"/>
-            </a:schemeClr>
-          </a:lnRef>
-          <a:fillRef idx="1">
-            <a:schemeClr val="accent1"/>
-          </a:fillRef>
-          <a:effectRef idx="0">
-            <a:schemeClr val="accent1"/>
-          </a:effectRef>
-          <a:fontRef idx="minor">
-            <a:schemeClr val="lt1"/>
-          </a:fontRef>
-        </p:style>
-        <p:txBody>
-          <a:bodyPr rtlCol="0" anchor="ctr"/>
-          <a:lstStyle/>
-          <a:p>
-            <a:pPr algn="ctr"/>
-            <a:endParaRPr kumimoji="1" lang="zh-CN" altLang="en-US" b="1">
-              <a:latin typeface="Times New Roman" charset="0"/>
-              <a:ea typeface="Times New Roman" charset="0"/>
-              <a:cs typeface="Times New Roman" charset="0"/>
-            </a:endParaRPr>
-          </a:p>
-        </p:txBody>
-      </p:sp>
-      <p:sp>
-        <p:nvSpPr>
           <p:cNvPr id="16" name="矩形 15"/>
           <p:cNvSpPr/>
           <p:nvPr/>
         </p:nvSpPr>
         <p:spPr>
           <a:xfrm>
-            <a:off x="3906123" y="1607259"/>
+            <a:off x="3941749" y="870989"/>
             <a:ext cx="1731801" cy="700088"/>
           </a:xfrm>
           <a:prstGeom prst="rect">
@@ -3932,7 +3887,7 @@
         </p:nvSpPr>
         <p:spPr>
           <a:xfrm>
-            <a:off x="4593844" y="3552168"/>
+            <a:off x="4629470" y="2815898"/>
             <a:ext cx="615553" cy="452437"/>
           </a:xfrm>
           <a:prstGeom prst="rect">
@@ -3970,8 +3925,8 @@
         </p:nvSpPr>
         <p:spPr>
           <a:xfrm>
-            <a:off x="3806100" y="952138"/>
-            <a:ext cx="2034856" cy="369332"/>
+            <a:off x="3789153" y="268629"/>
+            <a:ext cx="2120584" cy="369332"/>
           </a:xfrm>
           <a:prstGeom prst="rect">
             <a:avLst/>
@@ -3990,7 +3945,7 @@
                 <a:ea typeface="Times New Roman" charset="0"/>
                 <a:cs typeface="Times New Roman" charset="0"/>
               </a:rPr>
-              <a:t>Simulation</a:t>
+              <a:t>Coordination</a:t>
             </a:r>
             <a:r>
               <a:rPr kumimoji="1" lang="zh-CN" altLang="en-US" b="1" dirty="0" smtClean="0">
@@ -4006,7 +3961,7 @@
                 <a:ea typeface="Times New Roman" charset="0"/>
                 <a:cs typeface="Times New Roman" charset="0"/>
               </a:rPr>
-              <a:t>models</a:t>
+              <a:t>phase</a:t>
             </a:r>
             <a:endParaRPr kumimoji="1" lang="zh-CN" altLang="en-US" b="1" dirty="0">
               <a:latin typeface="Times New Roman" charset="0"/>
@@ -4024,8 +3979,8 @@
         </p:nvSpPr>
         <p:spPr>
           <a:xfrm>
-            <a:off x="6494418" y="963548"/>
-            <a:ext cx="2149520" cy="4753516"/>
+            <a:off x="6530043" y="227278"/>
+            <a:ext cx="4735549" cy="4753516"/>
           </a:xfrm>
           <a:prstGeom prst="rect">
             <a:avLst/>
@@ -4079,13 +4034,13 @@
       </p:sp>
       <p:sp>
         <p:nvSpPr>
-          <p:cNvPr id="20" name="虚尾箭头 19"/>
+          <p:cNvPr id="25" name="虚尾箭头 24"/>
           <p:cNvSpPr/>
           <p:nvPr/>
         </p:nvSpPr>
         <p:spPr>
           <a:xfrm>
-            <a:off x="2861379" y="4242737"/>
+            <a:off x="5688221" y="1117770"/>
             <a:ext cx="1057275" cy="257175"/>
           </a:xfrm>
           <a:prstGeom prst="stripedRightArrow">
@@ -4123,18 +4078,19 @@
       </p:sp>
       <p:sp>
         <p:nvSpPr>
-          <p:cNvPr id="25" name="虚尾箭头 24"/>
+          <p:cNvPr id="26" name="矩形 25"/>
           <p:cNvSpPr/>
           <p:nvPr/>
         </p:nvSpPr>
         <p:spPr>
           <a:xfrm>
-            <a:off x="5652595" y="1854040"/>
-            <a:ext cx="1057275" cy="257175"/>
-          </a:xfrm>
-          <a:prstGeom prst="stripedRightArrow">
+            <a:off x="6759784" y="954886"/>
+            <a:ext cx="1731801" cy="548349"/>
+          </a:xfrm>
+          <a:prstGeom prst="rect">
             <a:avLst/>
           </a:prstGeom>
+          <a:noFill/>
         </p:spPr>
         <p:style>
           <a:lnRef idx="2">
@@ -4157,51 +4113,6 @@
           <a:lstStyle/>
           <a:p>
             <a:pPr algn="ctr"/>
-            <a:endParaRPr kumimoji="1" lang="zh-CN" altLang="en-US" b="1">
-              <a:latin typeface="Times New Roman" charset="0"/>
-              <a:ea typeface="Times New Roman" charset="0"/>
-              <a:cs typeface="Times New Roman" charset="0"/>
-            </a:endParaRPr>
-          </a:p>
-        </p:txBody>
-      </p:sp>
-      <p:sp>
-        <p:nvSpPr>
-          <p:cNvPr id="26" name="矩形 25"/>
-          <p:cNvSpPr/>
-          <p:nvPr/>
-        </p:nvSpPr>
-        <p:spPr>
-          <a:xfrm>
-            <a:off x="6724158" y="1691156"/>
-            <a:ext cx="1731801" cy="548349"/>
-          </a:xfrm>
-          <a:prstGeom prst="rect">
-            <a:avLst/>
-          </a:prstGeom>
-          <a:noFill/>
-        </p:spPr>
-        <p:style>
-          <a:lnRef idx="2">
-            <a:schemeClr val="accent1">
-              <a:shade val="50000"/>
-            </a:schemeClr>
-          </a:lnRef>
-          <a:fillRef idx="1">
-            <a:schemeClr val="accent1"/>
-          </a:fillRef>
-          <a:effectRef idx="0">
-            <a:schemeClr val="accent1"/>
-          </a:effectRef>
-          <a:fontRef idx="minor">
-            <a:schemeClr val="lt1"/>
-          </a:fontRef>
-        </p:style>
-        <p:txBody>
-          <a:bodyPr rtlCol="0" anchor="ctr"/>
-          <a:lstStyle/>
-          <a:p>
-            <a:pPr algn="ctr"/>
             <a:r>
               <a:rPr lang="en-US" altLang="zh-CN" b="1" dirty="0" smtClean="0">
                 <a:solidFill>
@@ -4211,7 +4122,7 @@
                 <a:ea typeface="Times New Roman" charset="0"/>
                 <a:cs typeface="Times New Roman" charset="0"/>
               </a:rPr>
-              <a:t>Channel</a:t>
+              <a:t>Channels</a:t>
             </a:r>
             <a:endParaRPr lang="en-US" altLang="zh-CN" b="1" dirty="0">
               <a:solidFill>
@@ -4232,7 +4143,7 @@
         </p:nvSpPr>
         <p:spPr>
           <a:xfrm>
-            <a:off x="6565484" y="963548"/>
+            <a:off x="8029535" y="227278"/>
             <a:ext cx="2183717" cy="369332"/>
           </a:xfrm>
           <a:prstGeom prst="rect">
@@ -4268,7 +4179,7 @@
                 <a:ea typeface="Times New Roman" charset="0"/>
                 <a:cs typeface="Times New Roman" charset="0"/>
               </a:rPr>
-              <a:t>models</a:t>
+              <a:t>phase</a:t>
             </a:r>
             <a:endParaRPr kumimoji="1" lang="zh-CN" altLang="en-US" b="1" dirty="0">
               <a:latin typeface="Times New Roman" charset="0"/>
@@ -4286,7 +4197,7 @@
         </p:nvSpPr>
         <p:spPr>
           <a:xfrm>
-            <a:off x="3923423" y="5024968"/>
+            <a:off x="3959049" y="4288698"/>
             <a:ext cx="1731801" cy="548349"/>
           </a:xfrm>
           <a:prstGeom prst="rect">
@@ -4383,19 +4294,108 @@
       </p:sp>
       <p:sp>
         <p:nvSpPr>
-          <p:cNvPr id="29" name="矩形 28"/>
-          <p:cNvSpPr/>
+          <p:cNvPr id="32" name="文本框 31"/>
+          <p:cNvSpPr txBox="1"/>
           <p:nvPr/>
         </p:nvSpPr>
         <p:spPr>
           <a:xfrm>
-            <a:off x="1117047" y="5024306"/>
-            <a:ext cx="1731801" cy="548349"/>
+            <a:off x="7439719" y="2692141"/>
+            <a:ext cx="615553" cy="452437"/>
           </a:xfrm>
           <a:prstGeom prst="rect">
             <a:avLst/>
           </a:prstGeom>
           <a:noFill/>
+        </p:spPr>
+        <p:txBody>
+          <a:bodyPr vert="eaVert" wrap="square" rtlCol="0">
+            <a:spAutoFit/>
+          </a:bodyPr>
+          <a:lstStyle/>
+          <a:p>
+            <a:r>
+              <a:rPr kumimoji="1" lang="mr-IN" altLang="zh-CN" sz="2800" b="1" dirty="0" smtClean="0">
+                <a:latin typeface="Times New Roman" charset="0"/>
+                <a:ea typeface="Times New Roman" charset="0"/>
+                <a:cs typeface="Times New Roman" charset="0"/>
+              </a:rPr>
+              <a:t>…</a:t>
+            </a:r>
+            <a:endParaRPr kumimoji="1" lang="zh-CN" altLang="en-US" sz="2800" b="1" dirty="0">
+              <a:latin typeface="Times New Roman" charset="0"/>
+              <a:ea typeface="Times New Roman" charset="0"/>
+              <a:cs typeface="Times New Roman" charset="0"/>
+            </a:endParaRPr>
+          </a:p>
+        </p:txBody>
+      </p:sp>
+      <p:sp>
+        <p:nvSpPr>
+          <p:cNvPr id="36" name="右大括号 35"/>
+          <p:cNvSpPr/>
+          <p:nvPr/>
+        </p:nvSpPr>
+        <p:spPr>
+          <a:xfrm>
+            <a:off x="8527908" y="1117769"/>
+            <a:ext cx="502234" cy="3345509"/>
+          </a:xfrm>
+          <a:prstGeom prst="rightBrace">
+            <a:avLst>
+              <a:gd name="adj1" fmla="val 8333"/>
+              <a:gd name="adj2" fmla="val 6262"/>
+            </a:avLst>
+          </a:prstGeom>
+          <a:ln w="38100"/>
+        </p:spPr>
+        <p:style>
+          <a:lnRef idx="1">
+            <a:schemeClr val="accent1"/>
+          </a:lnRef>
+          <a:fillRef idx="0">
+            <a:schemeClr val="accent1"/>
+          </a:fillRef>
+          <a:effectRef idx="0">
+            <a:schemeClr val="accent1"/>
+          </a:effectRef>
+          <a:fontRef idx="minor">
+            <a:schemeClr val="tx1"/>
+          </a:fontRef>
+        </p:style>
+        <p:txBody>
+          <a:bodyPr rtlCol="0" anchor="ctr"/>
+          <a:lstStyle/>
+          <a:p>
+            <a:pPr algn="ctr"/>
+            <a:endParaRPr kumimoji="1" lang="zh-CN" altLang="en-US" b="1">
+              <a:latin typeface="Times New Roman" charset="0"/>
+              <a:ea typeface="Times New Roman" charset="0"/>
+              <a:cs typeface="Times New Roman" charset="0"/>
+            </a:endParaRPr>
+          </a:p>
+        </p:txBody>
+      </p:sp>
+      <p:sp>
+        <p:nvSpPr>
+          <p:cNvPr id="37" name="矩形 36"/>
+          <p:cNvSpPr/>
+          <p:nvPr/>
+        </p:nvSpPr>
+        <p:spPr>
+          <a:xfrm>
+            <a:off x="10052932" y="4014417"/>
+            <a:ext cx="1004165" cy="493864"/>
+          </a:xfrm>
+          <a:prstGeom prst="rect">
+            <a:avLst/>
+          </a:prstGeom>
+          <a:solidFill>
+            <a:schemeClr val="accent5">
+              <a:lumMod val="60000"/>
+              <a:lumOff val="40000"/>
+            </a:schemeClr>
+          </a:solidFill>
         </p:spPr>
         <p:style>
           <a:lnRef idx="2">
@@ -4419,7 +4419,7 @@
           <a:p>
             <a:pPr algn="ctr"/>
             <a:r>
-              <a:rPr lang="en-US" altLang="zh-CN" b="1" dirty="0" smtClean="0">
+              <a:rPr lang="en-US" altLang="zh-CN" sz="1200" b="1" dirty="0" smtClean="0">
                 <a:solidFill>
                   <a:schemeClr val="tx1"/>
                 </a:solidFill>
@@ -4427,265 +4427,9 @@
                 <a:ea typeface="Times New Roman" charset="0"/>
                 <a:cs typeface="Times New Roman" charset="0"/>
               </a:rPr>
-              <a:t>Director</a:t>
-            </a:r>
-            <a:endParaRPr lang="en-US" altLang="zh-CN" b="1" dirty="0">
-              <a:solidFill>
-                <a:schemeClr val="tx1"/>
-              </a:solidFill>
-              <a:latin typeface="Times New Roman" charset="0"/>
-              <a:ea typeface="Times New Roman" charset="0"/>
-              <a:cs typeface="Times New Roman" charset="0"/>
-            </a:endParaRPr>
-          </a:p>
-        </p:txBody>
-      </p:sp>
-      <p:sp>
-        <p:nvSpPr>
-          <p:cNvPr id="32" name="文本框 31"/>
-          <p:cNvSpPr txBox="1"/>
-          <p:nvPr/>
-        </p:nvSpPr>
-        <p:spPr>
-          <a:xfrm>
-            <a:off x="7404093" y="3428411"/>
-            <a:ext cx="615553" cy="452437"/>
-          </a:xfrm>
-          <a:prstGeom prst="rect">
-            <a:avLst/>
-          </a:prstGeom>
-          <a:noFill/>
-        </p:spPr>
-        <p:txBody>
-          <a:bodyPr vert="eaVert" wrap="square" rtlCol="0">
-            <a:spAutoFit/>
-          </a:bodyPr>
-          <a:lstStyle/>
-          <a:p>
-            <a:r>
-              <a:rPr kumimoji="1" lang="mr-IN" altLang="zh-CN" sz="2800" b="1" dirty="0" smtClean="0">
-                <a:latin typeface="Times New Roman" charset="0"/>
-                <a:ea typeface="Times New Roman" charset="0"/>
-                <a:cs typeface="Times New Roman" charset="0"/>
-              </a:rPr>
-              <a:t>…</a:t>
-            </a:r>
-            <a:endParaRPr kumimoji="1" lang="zh-CN" altLang="en-US" sz="2800" b="1" dirty="0">
-              <a:latin typeface="Times New Roman" charset="0"/>
-              <a:ea typeface="Times New Roman" charset="0"/>
-              <a:cs typeface="Times New Roman" charset="0"/>
-            </a:endParaRPr>
-          </a:p>
-        </p:txBody>
-      </p:sp>
-      <p:sp>
-        <p:nvSpPr>
-          <p:cNvPr id="33" name="矩形 32"/>
-          <p:cNvSpPr/>
-          <p:nvPr/>
-        </p:nvSpPr>
-        <p:spPr>
-          <a:xfrm>
-            <a:off x="8820642" y="961486"/>
-            <a:ext cx="2409324" cy="4753516"/>
-          </a:xfrm>
-          <a:prstGeom prst="rect">
-            <a:avLst/>
-          </a:prstGeom>
-          <a:noFill/>
-          <a:ln>
-            <a:solidFill>
-              <a:schemeClr val="tx1"/>
-            </a:solidFill>
-            <a:prstDash val="dash"/>
-          </a:ln>
-          <a:effectLst>
-            <a:outerShdw blurRad="50800" dist="50800" dir="5400000" algn="ctr" rotWithShape="0">
-              <a:schemeClr val="tx1">
-                <a:lumMod val="95000"/>
-                <a:lumOff val="5000"/>
-              </a:schemeClr>
-            </a:outerShdw>
-          </a:effectLst>
-        </p:spPr>
-        <p:style>
-          <a:lnRef idx="2">
-            <a:schemeClr val="accent1">
-              <a:shade val="50000"/>
-            </a:schemeClr>
-          </a:lnRef>
-          <a:fillRef idx="1">
-            <a:schemeClr val="accent1"/>
-          </a:fillRef>
-          <a:effectRef idx="0">
-            <a:schemeClr val="accent1"/>
-          </a:effectRef>
-          <a:fontRef idx="minor">
-            <a:schemeClr val="lt1"/>
-          </a:fontRef>
-        </p:style>
-        <p:txBody>
-          <a:bodyPr rtlCol="0" anchor="ctr"/>
-          <a:lstStyle/>
-          <a:p>
-            <a:pPr algn="ctr"/>
-            <a:endParaRPr kumimoji="1" lang="zh-CN" altLang="en-US" b="1">
-              <a:latin typeface="Times New Roman" charset="0"/>
-              <a:ea typeface="Times New Roman" charset="0"/>
-              <a:cs typeface="Times New Roman" charset="0"/>
-            </a:endParaRPr>
-          </a:p>
-        </p:txBody>
-      </p:sp>
-      <p:sp>
-        <p:nvSpPr>
-          <p:cNvPr id="35" name="文本框 34"/>
-          <p:cNvSpPr txBox="1"/>
-          <p:nvPr/>
-        </p:nvSpPr>
-        <p:spPr>
-          <a:xfrm>
-            <a:off x="9144560" y="992124"/>
-            <a:ext cx="2007013" cy="369332"/>
-          </a:xfrm>
-          <a:prstGeom prst="rect">
-            <a:avLst/>
-          </a:prstGeom>
-          <a:noFill/>
-        </p:spPr>
-        <p:txBody>
-          <a:bodyPr wrap="square" rtlCol="0">
-            <a:spAutoFit/>
-          </a:bodyPr>
-          <a:lstStyle/>
-          <a:p>
-            <a:r>
-              <a:rPr kumimoji="1" lang="en-US" altLang="zh-CN" b="1" dirty="0" smtClean="0">
-                <a:latin typeface="Times New Roman" charset="0"/>
-                <a:ea typeface="Times New Roman" charset="0"/>
-                <a:cs typeface="Times New Roman" charset="0"/>
-              </a:rPr>
-              <a:t>Model</a:t>
-            </a:r>
-            <a:r>
-              <a:rPr kumimoji="1" lang="zh-CN" altLang="en-US" b="1" dirty="0" smtClean="0">
-                <a:latin typeface="Times New Roman" charset="0"/>
-                <a:ea typeface="Times New Roman" charset="0"/>
-                <a:cs typeface="Times New Roman" charset="0"/>
-              </a:rPr>
-              <a:t> </a:t>
-            </a:r>
-            <a:r>
-              <a:rPr kumimoji="1" lang="en-US" altLang="zh-CN" b="1" dirty="0" smtClean="0">
-                <a:latin typeface="Times New Roman" charset="0"/>
-                <a:ea typeface="Times New Roman" charset="0"/>
-                <a:cs typeface="Times New Roman" charset="0"/>
-              </a:rPr>
-              <a:t>Checking</a:t>
-            </a:r>
-            <a:endParaRPr kumimoji="1" lang="zh-CN" altLang="en-US" b="1" dirty="0">
-              <a:latin typeface="Times New Roman" charset="0"/>
-              <a:ea typeface="Times New Roman" charset="0"/>
-              <a:cs typeface="Times New Roman" charset="0"/>
-            </a:endParaRPr>
-          </a:p>
-        </p:txBody>
-      </p:sp>
-      <p:sp>
-        <p:nvSpPr>
-          <p:cNvPr id="36" name="右大括号 35"/>
-          <p:cNvSpPr/>
-          <p:nvPr/>
-        </p:nvSpPr>
-        <p:spPr>
-          <a:xfrm>
-            <a:off x="8458193" y="1853265"/>
-            <a:ext cx="548198" cy="3593258"/>
-          </a:xfrm>
-          <a:prstGeom prst="rightBrace">
-            <a:avLst>
-              <a:gd name="adj1" fmla="val 8333"/>
-              <a:gd name="adj2" fmla="val 6262"/>
-            </a:avLst>
-          </a:prstGeom>
-          <a:ln w="38100"/>
-        </p:spPr>
-        <p:style>
-          <a:lnRef idx="1">
-            <a:schemeClr val="accent1"/>
-          </a:lnRef>
-          <a:fillRef idx="0">
-            <a:schemeClr val="accent1"/>
-          </a:fillRef>
-          <a:effectRef idx="0">
-            <a:schemeClr val="accent1"/>
-          </a:effectRef>
-          <a:fontRef idx="minor">
-            <a:schemeClr val="tx1"/>
-          </a:fontRef>
-        </p:style>
-        <p:txBody>
-          <a:bodyPr rtlCol="0" anchor="ctr"/>
-          <a:lstStyle/>
-          <a:p>
-            <a:pPr algn="ctr"/>
-            <a:endParaRPr kumimoji="1" lang="zh-CN" altLang="en-US" b="1">
-              <a:latin typeface="Times New Roman" charset="0"/>
-              <a:ea typeface="Times New Roman" charset="0"/>
-              <a:cs typeface="Times New Roman" charset="0"/>
-            </a:endParaRPr>
-          </a:p>
-        </p:txBody>
-      </p:sp>
-      <p:sp>
-        <p:nvSpPr>
-          <p:cNvPr id="37" name="矩形 36"/>
-          <p:cNvSpPr/>
-          <p:nvPr/>
-        </p:nvSpPr>
-        <p:spPr>
-          <a:xfrm>
-            <a:off x="9095365" y="4493914"/>
-            <a:ext cx="1731801" cy="835822"/>
-          </a:xfrm>
-          <a:prstGeom prst="rect">
-            <a:avLst/>
-          </a:prstGeom>
-          <a:noFill/>
-        </p:spPr>
-        <p:style>
-          <a:lnRef idx="2">
-            <a:schemeClr val="accent1">
-              <a:shade val="50000"/>
-            </a:schemeClr>
-          </a:lnRef>
-          <a:fillRef idx="1">
-            <a:schemeClr val="accent1"/>
-          </a:fillRef>
-          <a:effectRef idx="0">
-            <a:schemeClr val="accent1"/>
-          </a:effectRef>
-          <a:fontRef idx="minor">
-            <a:schemeClr val="lt1"/>
-          </a:fontRef>
-        </p:style>
-        <p:txBody>
-          <a:bodyPr rtlCol="0" anchor="ctr"/>
-          <a:lstStyle/>
-          <a:p>
-            <a:pPr algn="ctr"/>
-            <a:r>
-              <a:rPr lang="en-US" altLang="zh-CN" b="1" dirty="0" smtClean="0">
-                <a:solidFill>
-                  <a:schemeClr val="tx1"/>
-                </a:solidFill>
-                <a:latin typeface="Times New Roman" charset="0"/>
-                <a:ea typeface="Times New Roman" charset="0"/>
-                <a:cs typeface="Times New Roman" charset="0"/>
-              </a:rPr>
               <a:t>Properties</a:t>
             </a:r>
-            <a:endParaRPr lang="en-US" altLang="zh-CN" b="1" dirty="0">
+            <a:endParaRPr lang="en-US" altLang="zh-CN" sz="1200" b="1" dirty="0">
               <a:solidFill>
                 <a:schemeClr val="tx1"/>
               </a:solidFill>
@@ -4718,7 +4462,7 @@
         </p:blipFill>
         <p:spPr>
           <a:xfrm>
-            <a:off x="9407176" y="2788499"/>
+            <a:off x="9626027" y="2008040"/>
             <a:ext cx="1082418" cy="1076867"/>
           </a:xfrm>
           <a:prstGeom prst="rect">
@@ -4734,7 +4478,7 @@
         </p:nvSpPr>
         <p:spPr>
           <a:xfrm>
-            <a:off x="9463166" y="3757156"/>
+            <a:off x="9699638" y="2990179"/>
             <a:ext cx="1130219" cy="369332"/>
           </a:xfrm>
           <a:prstGeom prst="rect">
@@ -4766,16 +4510,16 @@
       </p:sp>
       <p:sp>
         <p:nvSpPr>
-          <p:cNvPr id="40" name="上箭头 39"/>
+          <p:cNvPr id="41" name="下箭头 40"/>
           <p:cNvSpPr/>
           <p:nvPr/>
         </p:nvSpPr>
         <p:spPr>
           <a:xfrm>
-            <a:off x="9837443" y="4145499"/>
-            <a:ext cx="247646" cy="335401"/>
-          </a:xfrm>
-          <a:prstGeom prst="upArrow">
+            <a:off x="10024044" y="1708723"/>
+            <a:ext cx="247646" cy="403258"/>
+          </a:xfrm>
+          <a:prstGeom prst="downArrow">
             <a:avLst/>
           </a:prstGeom>
           <a:noFill/>
@@ -4811,19 +4555,170 @@
       </p:sp>
       <p:sp>
         <p:nvSpPr>
-          <p:cNvPr id="41" name="下箭头 40"/>
-          <p:cNvSpPr/>
+          <p:cNvPr id="47" name="文本框 46"/>
+          <p:cNvSpPr txBox="1"/>
           <p:nvPr/>
         </p:nvSpPr>
         <p:spPr>
           <a:xfrm>
-            <a:off x="9837443" y="2458352"/>
-            <a:ext cx="247646" cy="403258"/>
-          </a:xfrm>
-          <a:prstGeom prst="downArrow">
+            <a:off x="5675783" y="864430"/>
+            <a:ext cx="1342043" cy="369332"/>
+          </a:xfrm>
+          <a:prstGeom prst="rect">
             <a:avLst/>
           </a:prstGeom>
           <a:noFill/>
+        </p:spPr>
+        <p:txBody>
+          <a:bodyPr wrap="square" rtlCol="0">
+            <a:spAutoFit/>
+          </a:bodyPr>
+          <a:lstStyle/>
+          <a:p>
+            <a:r>
+              <a:rPr kumimoji="1" lang="en-US" altLang="zh-CN" b="1" dirty="0" smtClean="0">
+                <a:latin typeface="Times New Roman" charset="0"/>
+                <a:ea typeface="Times New Roman" charset="0"/>
+                <a:cs typeface="Times New Roman" charset="0"/>
+              </a:rPr>
+              <a:t>translate</a:t>
+            </a:r>
+            <a:endParaRPr kumimoji="1" lang="zh-CN" altLang="en-US" b="1" dirty="0">
+              <a:latin typeface="Times New Roman" charset="0"/>
+              <a:ea typeface="Times New Roman" charset="0"/>
+              <a:cs typeface="Times New Roman" charset="0"/>
+            </a:endParaRPr>
+          </a:p>
+        </p:txBody>
+      </p:sp>
+      <p:sp>
+        <p:nvSpPr>
+          <p:cNvPr id="48" name="文本框 47"/>
+          <p:cNvSpPr txBox="1"/>
+          <p:nvPr/>
+        </p:nvSpPr>
+        <p:spPr>
+          <a:xfrm>
+            <a:off x="5698723" y="1816117"/>
+            <a:ext cx="1342043" cy="369332"/>
+          </a:xfrm>
+          <a:prstGeom prst="rect">
+            <a:avLst/>
+          </a:prstGeom>
+          <a:noFill/>
+        </p:spPr>
+        <p:txBody>
+          <a:bodyPr wrap="square" rtlCol="0">
+            <a:spAutoFit/>
+          </a:bodyPr>
+          <a:lstStyle/>
+          <a:p>
+            <a:r>
+              <a:rPr kumimoji="1" lang="en-US" altLang="zh-CN" b="1" dirty="0" smtClean="0">
+                <a:latin typeface="Times New Roman" charset="0"/>
+                <a:ea typeface="Times New Roman" charset="0"/>
+                <a:cs typeface="Times New Roman" charset="0"/>
+              </a:rPr>
+              <a:t>encode</a:t>
+            </a:r>
+            <a:endParaRPr kumimoji="1" lang="zh-CN" altLang="en-US" b="1" dirty="0">
+              <a:latin typeface="Times New Roman" charset="0"/>
+              <a:ea typeface="Times New Roman" charset="0"/>
+              <a:cs typeface="Times New Roman" charset="0"/>
+            </a:endParaRPr>
+          </a:p>
+        </p:txBody>
+      </p:sp>
+      <p:sp>
+        <p:nvSpPr>
+          <p:cNvPr id="49" name="文本框 48"/>
+          <p:cNvSpPr txBox="1"/>
+          <p:nvPr/>
+        </p:nvSpPr>
+        <p:spPr>
+          <a:xfrm>
+            <a:off x="5706815" y="3193785"/>
+            <a:ext cx="1342043" cy="369332"/>
+          </a:xfrm>
+          <a:prstGeom prst="rect">
+            <a:avLst/>
+          </a:prstGeom>
+          <a:noFill/>
+        </p:spPr>
+        <p:txBody>
+          <a:bodyPr wrap="square" rtlCol="0">
+            <a:spAutoFit/>
+          </a:bodyPr>
+          <a:lstStyle/>
+          <a:p>
+            <a:r>
+              <a:rPr kumimoji="1" lang="en-US" altLang="zh-CN" b="1" smtClean="0">
+                <a:latin typeface="Times New Roman" charset="0"/>
+                <a:ea typeface="Times New Roman" charset="0"/>
+                <a:cs typeface="Times New Roman" charset="0"/>
+              </a:rPr>
+              <a:t>encode</a:t>
+            </a:r>
+            <a:endParaRPr kumimoji="1" lang="zh-CN" altLang="en-US" b="1" dirty="0">
+              <a:latin typeface="Times New Roman" charset="0"/>
+              <a:ea typeface="Times New Roman" charset="0"/>
+              <a:cs typeface="Times New Roman" charset="0"/>
+            </a:endParaRPr>
+          </a:p>
+        </p:txBody>
+      </p:sp>
+      <p:sp>
+        <p:nvSpPr>
+          <p:cNvPr id="50" name="文本框 49"/>
+          <p:cNvSpPr txBox="1"/>
+          <p:nvPr/>
+        </p:nvSpPr>
+        <p:spPr>
+          <a:xfrm>
+            <a:off x="5706815" y="4154615"/>
+            <a:ext cx="1342043" cy="369332"/>
+          </a:xfrm>
+          <a:prstGeom prst="rect">
+            <a:avLst/>
+          </a:prstGeom>
+          <a:noFill/>
+        </p:spPr>
+        <p:txBody>
+          <a:bodyPr wrap="square" rtlCol="0">
+            <a:spAutoFit/>
+          </a:bodyPr>
+          <a:lstStyle/>
+          <a:p>
+            <a:r>
+              <a:rPr kumimoji="1" lang="en-US" altLang="zh-CN" b="1" dirty="0" smtClean="0">
+                <a:latin typeface="Times New Roman" charset="0"/>
+                <a:ea typeface="Times New Roman" charset="0"/>
+                <a:cs typeface="Times New Roman" charset="0"/>
+              </a:rPr>
+              <a:t>model</a:t>
+            </a:r>
+            <a:endParaRPr kumimoji="1" lang="zh-CN" altLang="en-US" b="1" dirty="0">
+              <a:latin typeface="Times New Roman" charset="0"/>
+              <a:ea typeface="Times New Roman" charset="0"/>
+              <a:cs typeface="Times New Roman" charset="0"/>
+            </a:endParaRPr>
+          </a:p>
+        </p:txBody>
+      </p:sp>
+      <p:sp>
+        <p:nvSpPr>
+          <p:cNvPr id="55" name="多文档 54"/>
+          <p:cNvSpPr/>
+          <p:nvPr/>
+        </p:nvSpPr>
+        <p:spPr>
+          <a:xfrm>
+            <a:off x="3959049" y="1963580"/>
+            <a:ext cx="1744916" cy="630294"/>
+          </a:xfrm>
+          <a:prstGeom prst="flowChartMultidocument">
+            <a:avLst/>
+          </a:prstGeom>
         </p:spPr>
         <p:style>
           <a:lnRef idx="2">
@@ -4846,7 +4741,15 @@
           <a:lstStyle/>
           <a:p>
             <a:pPr algn="ctr"/>
-            <a:endParaRPr kumimoji="1" lang="zh-CN" altLang="en-US" b="1">
+            <a:r>
+              <a:rPr lang="en-US" altLang="zh-CN" b="1" dirty="0" smtClean="0">
+                <a:latin typeface="Times New Roman" charset="0"/>
+                <a:ea typeface="Times New Roman" charset="0"/>
+                <a:cs typeface="Times New Roman" charset="0"/>
+              </a:rPr>
+              <a:t>FMU</a:t>
+            </a:r>
+            <a:endParaRPr lang="en-US" altLang="zh-CN" b="1" dirty="0">
               <a:latin typeface="Times New Roman" charset="0"/>
               <a:ea typeface="Times New Roman" charset="0"/>
               <a:cs typeface="Times New Roman" charset="0"/>
@@ -4856,54 +4759,16 @@
       </p:sp>
       <p:sp>
         <p:nvSpPr>
-          <p:cNvPr id="43" name="文本框 42"/>
-          <p:cNvSpPr txBox="1"/>
-          <p:nvPr/>
-        </p:nvSpPr>
-        <p:spPr>
-          <a:xfrm>
-            <a:off x="10472018" y="4076873"/>
-            <a:ext cx="849725" cy="369332"/>
-          </a:xfrm>
-          <a:prstGeom prst="rect">
-            <a:avLst/>
-          </a:prstGeom>
-          <a:noFill/>
-        </p:spPr>
-        <p:txBody>
-          <a:bodyPr wrap="square" rtlCol="0">
-            <a:spAutoFit/>
-          </a:bodyPr>
-          <a:lstStyle/>
-          <a:p>
-            <a:r>
-              <a:rPr kumimoji="1" lang="en-US" altLang="zh-CN" b="1" dirty="0" smtClean="0">
-                <a:latin typeface="Times New Roman" charset="0"/>
-                <a:ea typeface="Times New Roman" charset="0"/>
-                <a:cs typeface="Times New Roman" charset="0"/>
-              </a:rPr>
-              <a:t>True</a:t>
-            </a:r>
-            <a:endParaRPr kumimoji="1" lang="zh-CN" altLang="en-US" b="1" dirty="0">
-              <a:latin typeface="Times New Roman" charset="0"/>
-              <a:ea typeface="Times New Roman" charset="0"/>
-              <a:cs typeface="Times New Roman" charset="0"/>
-            </a:endParaRPr>
-          </a:p>
-        </p:txBody>
-      </p:sp>
-      <p:sp>
-        <p:nvSpPr>
-          <p:cNvPr id="45" name="虚尾箭头 44"/>
+          <p:cNvPr id="56" name="多文档 55"/>
           <p:cNvSpPr/>
           <p:nvPr/>
         </p:nvSpPr>
         <p:spPr>
           <a:xfrm>
-            <a:off x="2856122" y="5199549"/>
-            <a:ext cx="1057275" cy="257175"/>
-          </a:xfrm>
-          <a:prstGeom prst="stripedRightArrow">
+            <a:off x="3952491" y="3329497"/>
+            <a:ext cx="1744916" cy="630294"/>
+          </a:xfrm>
+          <a:prstGeom prst="flowChartMultidocument">
             <a:avLst/>
           </a:prstGeom>
         </p:spPr>
@@ -4928,202 +4793,6 @@
           <a:lstStyle/>
           <a:p>
             <a:pPr algn="ctr"/>
-            <a:endParaRPr kumimoji="1" lang="zh-CN" altLang="en-US" b="1">
-              <a:latin typeface="Times New Roman" charset="0"/>
-              <a:ea typeface="Times New Roman" charset="0"/>
-              <a:cs typeface="Times New Roman" charset="0"/>
-            </a:endParaRPr>
-          </a:p>
-        </p:txBody>
-      </p:sp>
-      <p:sp>
-        <p:nvSpPr>
-          <p:cNvPr id="47" name="文本框 46"/>
-          <p:cNvSpPr txBox="1"/>
-          <p:nvPr/>
-        </p:nvSpPr>
-        <p:spPr>
-          <a:xfrm>
-            <a:off x="5640157" y="1600700"/>
-            <a:ext cx="1342043" cy="369332"/>
-          </a:xfrm>
-          <a:prstGeom prst="rect">
-            <a:avLst/>
-          </a:prstGeom>
-          <a:noFill/>
-        </p:spPr>
-        <p:txBody>
-          <a:bodyPr wrap="square" rtlCol="0">
-            <a:spAutoFit/>
-          </a:bodyPr>
-          <a:lstStyle/>
-          <a:p>
-            <a:r>
-              <a:rPr kumimoji="1" lang="en-US" altLang="zh-CN" b="1" dirty="0" smtClean="0">
-                <a:latin typeface="Times New Roman" charset="0"/>
-                <a:ea typeface="Times New Roman" charset="0"/>
-                <a:cs typeface="Times New Roman" charset="0"/>
-              </a:rPr>
-              <a:t>translate</a:t>
-            </a:r>
-            <a:endParaRPr kumimoji="1" lang="zh-CN" altLang="en-US" b="1" dirty="0">
-              <a:latin typeface="Times New Roman" charset="0"/>
-              <a:ea typeface="Times New Roman" charset="0"/>
-              <a:cs typeface="Times New Roman" charset="0"/>
-            </a:endParaRPr>
-          </a:p>
-        </p:txBody>
-      </p:sp>
-      <p:sp>
-        <p:nvSpPr>
-          <p:cNvPr id="48" name="文本框 47"/>
-          <p:cNvSpPr txBox="1"/>
-          <p:nvPr/>
-        </p:nvSpPr>
-        <p:spPr>
-          <a:xfrm>
-            <a:off x="5663097" y="2552387"/>
-            <a:ext cx="1342043" cy="369332"/>
-          </a:xfrm>
-          <a:prstGeom prst="rect">
-            <a:avLst/>
-          </a:prstGeom>
-          <a:noFill/>
-        </p:spPr>
-        <p:txBody>
-          <a:bodyPr wrap="square" rtlCol="0">
-            <a:spAutoFit/>
-          </a:bodyPr>
-          <a:lstStyle/>
-          <a:p>
-            <a:r>
-              <a:rPr kumimoji="1" lang="en-US" altLang="zh-CN" b="1" dirty="0" smtClean="0">
-                <a:latin typeface="Times New Roman" charset="0"/>
-                <a:ea typeface="Times New Roman" charset="0"/>
-                <a:cs typeface="Times New Roman" charset="0"/>
-              </a:rPr>
-              <a:t>encode</a:t>
-            </a:r>
-            <a:endParaRPr kumimoji="1" lang="zh-CN" altLang="en-US" b="1" dirty="0">
-              <a:latin typeface="Times New Roman" charset="0"/>
-              <a:ea typeface="Times New Roman" charset="0"/>
-              <a:cs typeface="Times New Roman" charset="0"/>
-            </a:endParaRPr>
-          </a:p>
-        </p:txBody>
-      </p:sp>
-      <p:sp>
-        <p:nvSpPr>
-          <p:cNvPr id="49" name="文本框 48"/>
-          <p:cNvSpPr txBox="1"/>
-          <p:nvPr/>
-        </p:nvSpPr>
-        <p:spPr>
-          <a:xfrm>
-            <a:off x="5671189" y="3930055"/>
-            <a:ext cx="1342043" cy="369332"/>
-          </a:xfrm>
-          <a:prstGeom prst="rect">
-            <a:avLst/>
-          </a:prstGeom>
-          <a:noFill/>
-        </p:spPr>
-        <p:txBody>
-          <a:bodyPr wrap="square" rtlCol="0">
-            <a:spAutoFit/>
-          </a:bodyPr>
-          <a:lstStyle/>
-          <a:p>
-            <a:r>
-              <a:rPr kumimoji="1" lang="en-US" altLang="zh-CN" b="1" smtClean="0">
-                <a:latin typeface="Times New Roman" charset="0"/>
-                <a:ea typeface="Times New Roman" charset="0"/>
-                <a:cs typeface="Times New Roman" charset="0"/>
-              </a:rPr>
-              <a:t>encode</a:t>
-            </a:r>
-            <a:endParaRPr kumimoji="1" lang="zh-CN" altLang="en-US" b="1" dirty="0">
-              <a:latin typeface="Times New Roman" charset="0"/>
-              <a:ea typeface="Times New Roman" charset="0"/>
-              <a:cs typeface="Times New Roman" charset="0"/>
-            </a:endParaRPr>
-          </a:p>
-        </p:txBody>
-      </p:sp>
-      <p:sp>
-        <p:nvSpPr>
-          <p:cNvPr id="50" name="文本框 49"/>
-          <p:cNvSpPr txBox="1"/>
-          <p:nvPr/>
-        </p:nvSpPr>
-        <p:spPr>
-          <a:xfrm>
-            <a:off x="5671189" y="4890885"/>
-            <a:ext cx="1342043" cy="369332"/>
-          </a:xfrm>
-          <a:prstGeom prst="rect">
-            <a:avLst/>
-          </a:prstGeom>
-          <a:noFill/>
-        </p:spPr>
-        <p:txBody>
-          <a:bodyPr wrap="square" rtlCol="0">
-            <a:spAutoFit/>
-          </a:bodyPr>
-          <a:lstStyle/>
-          <a:p>
-            <a:r>
-              <a:rPr kumimoji="1" lang="en-US" altLang="zh-CN" b="1" dirty="0" smtClean="0">
-                <a:latin typeface="Times New Roman" charset="0"/>
-                <a:ea typeface="Times New Roman" charset="0"/>
-                <a:cs typeface="Times New Roman" charset="0"/>
-              </a:rPr>
-              <a:t>model</a:t>
-            </a:r>
-            <a:endParaRPr kumimoji="1" lang="zh-CN" altLang="en-US" b="1" dirty="0">
-              <a:latin typeface="Times New Roman" charset="0"/>
-              <a:ea typeface="Times New Roman" charset="0"/>
-              <a:cs typeface="Times New Roman" charset="0"/>
-            </a:endParaRPr>
-          </a:p>
-        </p:txBody>
-      </p:sp>
-      <p:sp>
-        <p:nvSpPr>
-          <p:cNvPr id="55" name="多文档 54"/>
-          <p:cNvSpPr/>
-          <p:nvPr/>
-        </p:nvSpPr>
-        <p:spPr>
-          <a:xfrm>
-            <a:off x="3923423" y="2699850"/>
-            <a:ext cx="1744916" cy="630294"/>
-          </a:xfrm>
-          <a:prstGeom prst="flowChartMultidocument">
-            <a:avLst/>
-          </a:prstGeom>
-        </p:spPr>
-        <p:style>
-          <a:lnRef idx="2">
-            <a:schemeClr val="accent1">
-              <a:shade val="50000"/>
-            </a:schemeClr>
-          </a:lnRef>
-          <a:fillRef idx="1">
-            <a:schemeClr val="accent1"/>
-          </a:fillRef>
-          <a:effectRef idx="0">
-            <a:schemeClr val="accent1"/>
-          </a:effectRef>
-          <a:fontRef idx="minor">
-            <a:schemeClr val="lt1"/>
-          </a:fontRef>
-        </p:style>
-        <p:txBody>
-          <a:bodyPr rtlCol="0" anchor="ctr"/>
-          <a:lstStyle/>
-          <a:p>
-            <a:pPr algn="ctr"/>
             <a:r>
               <a:rPr lang="en-US" altLang="zh-CN" b="1" dirty="0" smtClean="0">
                 <a:latin typeface="Times New Roman" charset="0"/>
@@ -5142,65 +4811,13 @@
       </p:sp>
       <p:sp>
         <p:nvSpPr>
-          <p:cNvPr id="56" name="多文档 55"/>
-          <p:cNvSpPr/>
-          <p:nvPr/>
-        </p:nvSpPr>
-        <p:spPr>
-          <a:xfrm>
-            <a:off x="3916865" y="4065767"/>
-            <a:ext cx="1744916" cy="630294"/>
-          </a:xfrm>
-          <a:prstGeom prst="flowChartMultidocument">
-            <a:avLst/>
-          </a:prstGeom>
-        </p:spPr>
-        <p:style>
-          <a:lnRef idx="2">
-            <a:schemeClr val="accent1">
-              <a:shade val="50000"/>
-            </a:schemeClr>
-          </a:lnRef>
-          <a:fillRef idx="1">
-            <a:schemeClr val="accent1"/>
-          </a:fillRef>
-          <a:effectRef idx="0">
-            <a:schemeClr val="accent1"/>
-          </a:effectRef>
-          <a:fontRef idx="minor">
-            <a:schemeClr val="lt1"/>
-          </a:fontRef>
-        </p:style>
-        <p:txBody>
-          <a:bodyPr rtlCol="0" anchor="ctr"/>
-          <a:lstStyle/>
-          <a:p>
-            <a:pPr algn="ctr"/>
-            <a:r>
-              <a:rPr lang="en-US" altLang="zh-CN" b="1" dirty="0" smtClean="0">
-                <a:latin typeface="Times New Roman" charset="0"/>
-                <a:ea typeface="Times New Roman" charset="0"/>
-                <a:cs typeface="Times New Roman" charset="0"/>
-              </a:rPr>
-              <a:t>FMU</a:t>
-            </a:r>
-            <a:endParaRPr lang="en-US" altLang="zh-CN" b="1" dirty="0">
-              <a:latin typeface="Times New Roman" charset="0"/>
-              <a:ea typeface="Times New Roman" charset="0"/>
-              <a:cs typeface="Times New Roman" charset="0"/>
-            </a:endParaRPr>
-          </a:p>
-        </p:txBody>
-      </p:sp>
-      <p:sp>
-        <p:nvSpPr>
           <p:cNvPr id="57" name="终止符 56"/>
           <p:cNvSpPr/>
           <p:nvPr/>
         </p:nvSpPr>
         <p:spPr>
           <a:xfrm>
-            <a:off x="6731646" y="2552387"/>
+            <a:off x="6767272" y="1816117"/>
             <a:ext cx="1841201" cy="733089"/>
           </a:xfrm>
           <a:prstGeom prst="flowChartTerminator">
@@ -5268,7 +4885,7 @@
                 <a:ea typeface="Times New Roman" charset="0"/>
                 <a:cs typeface="Times New Roman" charset="0"/>
               </a:rPr>
-              <a:t>Automata</a:t>
+              <a:t>Automaton</a:t>
             </a:r>
             <a:r>
               <a:rPr lang="zh-CN" altLang="en-US" b="1" dirty="0" smtClean="0">
@@ -5333,7 +4950,7 @@
         </p:nvSpPr>
         <p:spPr>
           <a:xfrm>
-            <a:off x="6714538" y="4021303"/>
+            <a:off x="6750164" y="3285033"/>
             <a:ext cx="1841201" cy="733089"/>
           </a:xfrm>
           <a:prstGeom prst="flowChartTerminator">
@@ -5401,7 +5018,7 @@
                 <a:ea typeface="Times New Roman" charset="0"/>
                 <a:cs typeface="Times New Roman" charset="0"/>
               </a:rPr>
-              <a:t>Automata</a:t>
+              <a:t>Automaton</a:t>
             </a:r>
             <a:r>
               <a:rPr lang="zh-CN" altLang="en-US" b="1" dirty="0" smtClean="0">
@@ -5466,7 +5083,7 @@
         </p:nvSpPr>
         <p:spPr>
           <a:xfrm>
-            <a:off x="6728844" y="4918101"/>
+            <a:off x="6764470" y="4181831"/>
             <a:ext cx="1841201" cy="733089"/>
           </a:xfrm>
           <a:prstGeom prst="flowChartTerminator">
@@ -5534,7 +5151,7 @@
                 <a:ea typeface="Times New Roman" charset="0"/>
                 <a:cs typeface="Times New Roman" charset="0"/>
               </a:rPr>
-              <a:t>Automata</a:t>
+              <a:t>Automaton</a:t>
             </a:r>
             <a:r>
               <a:rPr lang="zh-CN" altLang="en-US" b="1" dirty="0" smtClean="0">
@@ -5578,7 +5195,7 @@
                 <a:ea typeface="Times New Roman" charset="0"/>
                 <a:cs typeface="Times New Roman" charset="0"/>
               </a:rPr>
-              <a:t>FMU</a:t>
+              <a:t>MA</a:t>
             </a:r>
             <a:endParaRPr lang="en-US" altLang="zh-CN" b="1" dirty="0">
               <a:solidFill>
@@ -5599,7 +5216,7 @@
         </p:nvSpPr>
         <p:spPr>
           <a:xfrm>
-            <a:off x="9013412" y="1720105"/>
+            <a:off x="9049038" y="983835"/>
             <a:ext cx="2138161" cy="733089"/>
           </a:xfrm>
           <a:prstGeom prst="flowChartTerminator">
@@ -5705,8 +5322,8 @@
         </p:nvSpPr>
         <p:spPr>
           <a:xfrm>
-            <a:off x="642938" y="842962"/>
-            <a:ext cx="10744200" cy="5800725"/>
+            <a:off x="678564" y="106692"/>
+            <a:ext cx="10744200" cy="6602866"/>
           </a:xfrm>
           <a:prstGeom prst="rect">
             <a:avLst/>
@@ -5746,7 +5363,7 @@
         </p:nvSpPr>
         <p:spPr>
           <a:xfrm>
-            <a:off x="5692093" y="2788499"/>
+            <a:off x="5727719" y="2052229"/>
             <a:ext cx="1022446" cy="284785"/>
           </a:xfrm>
           <a:prstGeom prst="notchedRightArrow">
@@ -5786,7 +5403,7 @@
         </p:nvSpPr>
         <p:spPr>
           <a:xfrm>
-            <a:off x="5674496" y="4212258"/>
+            <a:off x="5710122" y="3475988"/>
             <a:ext cx="1022446" cy="284785"/>
           </a:xfrm>
           <a:prstGeom prst="notchedRightArrow">
@@ -5826,7 +5443,7 @@
         </p:nvSpPr>
         <p:spPr>
           <a:xfrm>
-            <a:off x="5671286" y="5199549"/>
+            <a:off x="5706912" y="4463279"/>
             <a:ext cx="1060359" cy="288468"/>
           </a:xfrm>
           <a:prstGeom prst="rightArrow">
@@ -5858,76 +5475,6 @@
           </a:p>
         </p:txBody>
       </p:sp>
-      <p:cxnSp>
-        <p:nvCxnSpPr>
-          <p:cNvPr id="69" name="肘形连接符 68"/>
-          <p:cNvCxnSpPr>
-            <a:stCxn id="38" idx="3"/>
-          </p:cNvCxnSpPr>
-          <p:nvPr/>
-        </p:nvCxnSpPr>
-        <p:spPr>
-          <a:xfrm>
-            <a:off x="10489594" y="3326933"/>
-            <a:ext cx="560567" cy="2739213"/>
-          </a:xfrm>
-          <a:prstGeom prst="bentConnector2">
-            <a:avLst/>
-          </a:prstGeom>
-          <a:ln w="38100">
-            <a:tailEnd type="triangle"/>
-          </a:ln>
-        </p:spPr>
-        <p:style>
-          <a:lnRef idx="1">
-            <a:schemeClr val="accent1"/>
-          </a:lnRef>
-          <a:fillRef idx="0">
-            <a:schemeClr val="accent1"/>
-          </a:fillRef>
-          <a:effectRef idx="0">
-            <a:schemeClr val="accent1"/>
-          </a:effectRef>
-          <a:fontRef idx="minor">
-            <a:schemeClr val="tx1"/>
-          </a:fontRef>
-        </p:style>
-      </p:cxnSp>
-      <p:cxnSp>
-        <p:nvCxnSpPr>
-          <p:cNvPr id="71" name="直线箭头连接符 70"/>
-          <p:cNvCxnSpPr>
-            <a:stCxn id="12" idx="2"/>
-          </p:cNvCxnSpPr>
-          <p:nvPr/>
-        </p:nvCxnSpPr>
-        <p:spPr>
-          <a:xfrm>
-            <a:off x="4780672" y="5692633"/>
-            <a:ext cx="8651" cy="344148"/>
-          </a:xfrm>
-          <a:prstGeom prst="straightConnector1">
-            <a:avLst/>
-          </a:prstGeom>
-          <a:ln w="38100">
-            <a:tailEnd type="triangle"/>
-          </a:ln>
-        </p:spPr>
-        <p:style>
-          <a:lnRef idx="1">
-            <a:schemeClr val="accent1"/>
-          </a:lnRef>
-          <a:fillRef idx="0">
-            <a:schemeClr val="accent1"/>
-          </a:fillRef>
-          <a:effectRef idx="0">
-            <a:schemeClr val="accent1"/>
-          </a:effectRef>
-          <a:fontRef idx="minor">
-            <a:schemeClr val="tx1"/>
-          </a:fontRef>
-        </p:style>
-      </p:cxnSp>
       <p:sp>
         <p:nvSpPr>
           <p:cNvPr id="79" name="矩形 78"/>
@@ -5936,7 +5483,7 @@
         </p:nvSpPr>
         <p:spPr>
           <a:xfrm>
-            <a:off x="4443413" y="6036781"/>
+            <a:off x="4473184" y="6108932"/>
             <a:ext cx="6786553" cy="386992"/>
           </a:xfrm>
           <a:prstGeom prst="rect">
@@ -5946,7 +5493,9 @@
             <a:schemeClr val="bg2"/>
           </a:solidFill>
           <a:ln>
-            <a:noFill/>
+            <a:solidFill>
+              <a:schemeClr val="tx1"/>
+            </a:solidFill>
           </a:ln>
         </p:spPr>
         <p:style>
@@ -5971,79 +5520,33 @@
           <a:p>
             <a:pPr algn="ctr"/>
             <a:r>
-              <a:rPr kumimoji="1" lang="en-US" altLang="zh-CN" dirty="0" smtClean="0">
+              <a:rPr kumimoji="1" lang="en-US" altLang="zh-CN" b="1" dirty="0" smtClean="0">
                 <a:solidFill>
-                  <a:schemeClr val="bg2">
-                    <a:lumMod val="75000"/>
-                  </a:schemeClr>
+                  <a:schemeClr val="tx1"/>
                 </a:solidFill>
               </a:rPr>
               <a:t>Co-simulation</a:t>
             </a:r>
             <a:r>
-              <a:rPr kumimoji="1" lang="zh-CN" altLang="en-US" dirty="0" smtClean="0">
+              <a:rPr kumimoji="1" lang="zh-CN" altLang="en-US" b="1" dirty="0" smtClean="0">
                 <a:solidFill>
-                  <a:schemeClr val="bg2">
-                    <a:lumMod val="75000"/>
-                  </a:schemeClr>
+                  <a:schemeClr val="tx1"/>
                 </a:solidFill>
               </a:rPr>
               <a:t> </a:t>
             </a:r>
             <a:r>
-              <a:rPr kumimoji="1" lang="en-US" altLang="zh-CN" dirty="0" smtClean="0">
+              <a:rPr kumimoji="1" lang="en-US" altLang="zh-CN" b="1" dirty="0" smtClean="0">
                 <a:solidFill>
-                  <a:schemeClr val="bg2">
-                    <a:lumMod val="75000"/>
-                  </a:schemeClr>
+                  <a:schemeClr val="tx1"/>
                 </a:solidFill>
               </a:rPr>
               <a:t>Engine</a:t>
             </a:r>
-            <a:endParaRPr kumimoji="1" lang="zh-CN" altLang="en-US" dirty="0">
+            <a:endParaRPr kumimoji="1" lang="zh-CN" altLang="en-US" b="1" dirty="0">
               <a:solidFill>
-                <a:schemeClr val="bg2">
-                  <a:lumMod val="75000"/>
-                </a:schemeClr>
+                <a:schemeClr val="tx1"/>
               </a:solidFill>
-            </a:endParaRPr>
-          </a:p>
-        </p:txBody>
-      </p:sp>
-      <p:sp>
-        <p:nvSpPr>
-          <p:cNvPr id="80" name="文本框 79"/>
-          <p:cNvSpPr txBox="1"/>
-          <p:nvPr/>
-        </p:nvSpPr>
-        <p:spPr>
-          <a:xfrm>
-            <a:off x="4815398" y="5592867"/>
-            <a:ext cx="1342043" cy="369332"/>
-          </a:xfrm>
-          <a:prstGeom prst="rect">
-            <a:avLst/>
-          </a:prstGeom>
-          <a:noFill/>
-        </p:spPr>
-        <p:txBody>
-          <a:bodyPr wrap="square" rtlCol="0">
-            <a:spAutoFit/>
-          </a:bodyPr>
-          <a:lstStyle/>
-          <a:p>
-            <a:r>
-              <a:rPr kumimoji="1" lang="en-US" altLang="zh-CN" b="1" smtClean="0">
-                <a:latin typeface="Times New Roman" charset="0"/>
-                <a:ea typeface="Times New Roman" charset="0"/>
-                <a:cs typeface="Times New Roman" charset="0"/>
-              </a:rPr>
-              <a:t>import</a:t>
-            </a:r>
-            <a:endParaRPr kumimoji="1" lang="zh-CN" altLang="en-US" b="1" dirty="0">
-              <a:latin typeface="Times New Roman" charset="0"/>
-              <a:ea typeface="Times New Roman" charset="0"/>
-              <a:cs typeface="Times New Roman" charset="0"/>
             </a:endParaRPr>
           </a:p>
         </p:txBody>
@@ -6056,7 +5559,7 @@
         </p:nvSpPr>
         <p:spPr>
           <a:xfrm>
-            <a:off x="3331560" y="6109011"/>
+            <a:off x="3361331" y="6181162"/>
             <a:ext cx="1111854" cy="246784"/>
           </a:xfrm>
           <a:prstGeom prst="leftArrow">
@@ -6065,7 +5568,7 @@
           <a:noFill/>
           <a:ln>
             <a:solidFill>
-              <a:schemeClr val="bg2"/>
+              <a:schemeClr val="tx1"/>
             </a:solidFill>
           </a:ln>
           <a:effectLst>
@@ -6095,7 +5598,11 @@
           <a:lstStyle/>
           <a:p>
             <a:pPr algn="ctr"/>
-            <a:endParaRPr kumimoji="1" lang="zh-CN" altLang="en-US"/>
+            <a:endParaRPr kumimoji="1" lang="zh-CN" altLang="en-US">
+              <a:solidFill>
+                <a:schemeClr val="tx1"/>
+              </a:solidFill>
+            </a:endParaRPr>
           </a:p>
         </p:txBody>
       </p:sp>
@@ -6107,7 +5614,7 @@
         </p:nvSpPr>
         <p:spPr>
           <a:xfrm>
-            <a:off x="841196" y="5990477"/>
+            <a:off x="870967" y="6062628"/>
             <a:ext cx="2490363" cy="445082"/>
           </a:xfrm>
           <a:prstGeom prst="foldedCorner">
@@ -6117,7 +5624,9 @@
             <a:schemeClr val="bg2"/>
           </a:solidFill>
           <a:ln>
-            <a:noFill/>
+            <a:solidFill>
+              <a:schemeClr val="tx1"/>
+            </a:solidFill>
           </a:ln>
         </p:spPr>
         <p:style>
@@ -6142,50 +5651,32 @@
           <a:p>
             <a:pPr algn="ctr"/>
             <a:r>
-              <a:rPr kumimoji="1" lang="en-US" altLang="zh-CN" dirty="0" smtClean="0">
+              <a:rPr kumimoji="1" lang="en-US" altLang="zh-CN" b="1" dirty="0" smtClean="0">
                 <a:solidFill>
-                  <a:schemeClr val="bg2">
-                    <a:lumMod val="75000"/>
-                  </a:schemeClr>
+                  <a:schemeClr val="tx1"/>
                 </a:solidFill>
               </a:rPr>
               <a:t>Simulation</a:t>
             </a:r>
             <a:r>
-              <a:rPr kumimoji="1" lang="zh-CN" altLang="en-US" dirty="0" smtClean="0">
+              <a:rPr kumimoji="1" lang="zh-CN" altLang="en-US" b="1" dirty="0" smtClean="0">
                 <a:solidFill>
-                  <a:schemeClr val="bg2">
-                    <a:lumMod val="75000"/>
-                  </a:schemeClr>
+                  <a:schemeClr val="tx1"/>
                 </a:solidFill>
               </a:rPr>
               <a:t> </a:t>
             </a:r>
             <a:r>
-              <a:rPr kumimoji="1" lang="en-US" altLang="zh-CN" dirty="0">
+              <a:rPr kumimoji="1" lang="en-US" altLang="zh-CN" b="1" smtClean="0">
                 <a:solidFill>
-                  <a:schemeClr val="bg2">
-                    <a:lumMod val="75000"/>
-                  </a:schemeClr>
+                  <a:schemeClr val="tx1"/>
                 </a:solidFill>
               </a:rPr>
-              <a:t>t</a:t>
-            </a:r>
-            <a:r>
-              <a:rPr kumimoji="1" lang="en-US" altLang="zh-CN" dirty="0" smtClean="0">
-                <a:solidFill>
-                  <a:schemeClr val="bg2">
-                    <a:lumMod val="75000"/>
-                  </a:schemeClr>
-                </a:solidFill>
-              </a:rPr>
-              <a:t>race</a:t>
-            </a:r>
-            <a:endParaRPr kumimoji="1" lang="zh-CN" altLang="en-US" dirty="0">
+              <a:t>traces</a:t>
+            </a:r>
+            <a:endParaRPr kumimoji="1" lang="zh-CN" altLang="en-US" b="1" dirty="0">
               <a:solidFill>
-                <a:schemeClr val="bg2">
-                  <a:lumMod val="75000"/>
-                </a:schemeClr>
+                <a:schemeClr val="tx1"/>
               </a:solidFill>
             </a:endParaRPr>
           </a:p>
@@ -6199,8 +5690,8 @@
         </p:nvSpPr>
         <p:spPr>
           <a:xfrm>
-            <a:off x="752265" y="5891972"/>
-            <a:ext cx="10569478" cy="580767"/>
+            <a:off x="782036" y="5727729"/>
+            <a:ext cx="10569478" cy="817161"/>
           </a:xfrm>
           <a:prstGeom prst="rect">
             <a:avLst/>
@@ -6242,99 +5733,21 @@
           </a:p>
         </p:txBody>
       </p:sp>
-    </p:spTree>
-    <p:extLst>
-      <p:ext uri="{BB962C8B-B14F-4D97-AF65-F5344CB8AC3E}">
-        <p14:creationId xmlns:p14="http://schemas.microsoft.com/office/powerpoint/2010/main" val="1632344109"/>
-      </p:ext>
-    </p:extLst>
-  </p:cSld>
-  <p:clrMapOvr>
-    <a:masterClrMapping/>
-  </p:clrMapOvr>
-</p:sld>
-</file>
-
-<file path=ppt/slides/slide2.xml><?xml version="1.0" encoding="utf-8"?>
-<p:sld xmlns:a="http://schemas.openxmlformats.org/drawingml/2006/main" xmlns:r="http://schemas.openxmlformats.org/officeDocument/2006/relationships" xmlns:p="http://schemas.openxmlformats.org/presentationml/2006/main">
-  <p:cSld>
-    <p:spTree>
-      <p:nvGrpSpPr>
-        <p:cNvPr id="1" name=""/>
-        <p:cNvGrpSpPr/>
-        <p:nvPr/>
-      </p:nvGrpSpPr>
-      <p:grpSpPr>
-        <a:xfrm>
-          <a:off x="0" y="0"/>
-          <a:ext cx="0" cy="0"/>
-          <a:chOff x="0" y="0"/>
-          <a:chExt cx="0" cy="0"/>
-        </a:xfrm>
-      </p:grpSpPr>
-      <p:sp>
-        <p:nvSpPr>
-          <p:cNvPr id="4" name="矩形 3"/>
-          <p:cNvSpPr/>
+      <p:sp>
+        <p:nvSpPr>
+          <p:cNvPr id="51" name="文本框 50"/>
+          <p:cNvSpPr txBox="1"/>
           <p:nvPr/>
         </p:nvSpPr>
         <p:spPr>
           <a:xfrm>
-            <a:off x="876822" y="259725"/>
-            <a:ext cx="2292025" cy="4719007"/>
+            <a:off x="9043183" y="5674922"/>
+            <a:ext cx="2224506" cy="369332"/>
           </a:xfrm>
           <a:prstGeom prst="rect">
             <a:avLst/>
           </a:prstGeom>
           <a:noFill/>
-          <a:ln>
-            <a:prstDash val="dash"/>
-          </a:ln>
-        </p:spPr>
-        <p:style>
-          <a:lnRef idx="2">
-            <a:schemeClr val="accent1">
-              <a:shade val="50000"/>
-            </a:schemeClr>
-          </a:lnRef>
-          <a:fillRef idx="1">
-            <a:schemeClr val="accent1"/>
-          </a:fillRef>
-          <a:effectRef idx="0">
-            <a:schemeClr val="accent1"/>
-          </a:effectRef>
-          <a:fontRef idx="minor">
-            <a:schemeClr val="lt1"/>
-          </a:fontRef>
-        </p:style>
-        <p:txBody>
-          <a:bodyPr rtlCol="0" anchor="ctr"/>
-          <a:lstStyle/>
-          <a:p>
-            <a:pPr algn="ctr"/>
-            <a:endParaRPr kumimoji="1" lang="zh-CN" altLang="en-US" b="1">
-              <a:latin typeface="Times New Roman" charset="0"/>
-              <a:ea typeface="Times New Roman" charset="0"/>
-              <a:cs typeface="Times New Roman" charset="0"/>
-            </a:endParaRPr>
-          </a:p>
-        </p:txBody>
-      </p:sp>
-      <p:sp>
-        <p:nvSpPr>
-          <p:cNvPr id="6" name="文本框 5"/>
-          <p:cNvSpPr txBox="1"/>
-          <p:nvPr/>
-        </p:nvSpPr>
-        <p:spPr>
-          <a:xfrm>
-            <a:off x="1152674" y="262838"/>
-            <a:ext cx="1959024" cy="369332"/>
-          </a:xfrm>
-          <a:prstGeom prst="rect">
-            <a:avLst/>
-          </a:prstGeom>
-          <a:noFill/>
         </p:spPr>
         <p:txBody>
           <a:bodyPr wrap="square" rtlCol="0">
@@ -6343,12 +5756,12 @@
           <a:lstStyle/>
           <a:p>
             <a:r>
-              <a:rPr kumimoji="1" lang="en-US" altLang="zh-CN" b="1" smtClean="0">
-                <a:latin typeface="Times New Roman" charset="0"/>
-                <a:ea typeface="Times New Roman" charset="0"/>
-                <a:cs typeface="Times New Roman" charset="0"/>
-              </a:rPr>
-              <a:t>Modelling</a:t>
+              <a:rPr kumimoji="1" lang="en-US" altLang="zh-CN" b="1" dirty="0" smtClean="0">
+                <a:latin typeface="Times New Roman" charset="0"/>
+                <a:ea typeface="Times New Roman" charset="0"/>
+                <a:cs typeface="Times New Roman" charset="0"/>
+              </a:rPr>
+              <a:t>Co-simulation</a:t>
             </a:r>
             <a:r>
               <a:rPr kumimoji="1" lang="zh-CN" altLang="en-US" b="1" dirty="0" smtClean="0">
@@ -6376,2376 +5789,13 @@
       </p:sp>
       <p:sp>
         <p:nvSpPr>
-          <p:cNvPr id="7" name="矩形 6"/>
-          <p:cNvSpPr/>
-          <p:nvPr/>
-        </p:nvSpPr>
-        <p:spPr>
-          <a:xfrm>
-            <a:off x="1152674" y="878216"/>
-            <a:ext cx="1731801" cy="700088"/>
-          </a:xfrm>
-          <a:prstGeom prst="rect">
-            <a:avLst/>
-          </a:prstGeom>
-          <a:noFill/>
-        </p:spPr>
-        <p:style>
-          <a:lnRef idx="2">
-            <a:schemeClr val="accent1">
-              <a:shade val="50000"/>
-            </a:schemeClr>
-          </a:lnRef>
-          <a:fillRef idx="1">
-            <a:schemeClr val="accent1"/>
-          </a:fillRef>
-          <a:effectRef idx="0">
-            <a:schemeClr val="accent1"/>
-          </a:effectRef>
-          <a:fontRef idx="minor">
-            <a:schemeClr val="lt1"/>
-          </a:fontRef>
-        </p:style>
-        <p:txBody>
-          <a:bodyPr rtlCol="0" anchor="ctr"/>
-          <a:lstStyle/>
-          <a:p>
-            <a:pPr algn="ctr"/>
-            <a:r>
-              <a:rPr kumimoji="1" lang="en-US" altLang="zh-CN" b="1" dirty="0" err="1" smtClean="0">
-                <a:solidFill>
-                  <a:schemeClr val="tx1"/>
-                </a:solidFill>
-                <a:latin typeface="Times New Roman" charset="0"/>
-                <a:ea typeface="Times New Roman" charset="0"/>
-                <a:cs typeface="Times New Roman" charset="0"/>
-              </a:rPr>
-              <a:t>SysML</a:t>
-            </a:r>
-            <a:r>
-              <a:rPr kumimoji="1" lang="zh-CN" altLang="en-US" b="1" dirty="0" smtClean="0">
-                <a:solidFill>
-                  <a:schemeClr val="tx1"/>
-                </a:solidFill>
-                <a:latin typeface="Times New Roman" charset="0"/>
-                <a:ea typeface="Times New Roman" charset="0"/>
-                <a:cs typeface="Times New Roman" charset="0"/>
-              </a:rPr>
-              <a:t> </a:t>
-            </a:r>
-            <a:r>
-              <a:rPr kumimoji="1" lang="en-US" altLang="zh-CN" b="1" dirty="0" smtClean="0">
-                <a:solidFill>
-                  <a:schemeClr val="tx1"/>
-                </a:solidFill>
-                <a:latin typeface="Times New Roman" charset="0"/>
-                <a:ea typeface="Times New Roman" charset="0"/>
-                <a:cs typeface="Times New Roman" charset="0"/>
-              </a:rPr>
-              <a:t>connector</a:t>
-            </a:r>
-            <a:endParaRPr kumimoji="1" lang="zh-CN" altLang="en-US" b="1" dirty="0">
-              <a:solidFill>
-                <a:schemeClr val="tx1"/>
-              </a:solidFill>
-              <a:latin typeface="Times New Roman" charset="0"/>
-              <a:ea typeface="Times New Roman" charset="0"/>
-              <a:cs typeface="Times New Roman" charset="0"/>
-            </a:endParaRPr>
-          </a:p>
-        </p:txBody>
-      </p:sp>
-      <p:sp>
-        <p:nvSpPr>
-          <p:cNvPr id="8" name="矩形 7"/>
-          <p:cNvSpPr/>
-          <p:nvPr/>
-        </p:nvSpPr>
-        <p:spPr>
-          <a:xfrm>
-            <a:off x="1152674" y="2194621"/>
-            <a:ext cx="1731801" cy="556556"/>
-          </a:xfrm>
-          <a:prstGeom prst="rect">
-            <a:avLst/>
-          </a:prstGeom>
-        </p:spPr>
-        <p:style>
-          <a:lnRef idx="2">
-            <a:schemeClr val="accent1">
-              <a:shade val="50000"/>
-            </a:schemeClr>
-          </a:lnRef>
-          <a:fillRef idx="1">
-            <a:schemeClr val="accent1"/>
-          </a:fillRef>
-          <a:effectRef idx="0">
-            <a:schemeClr val="accent1"/>
-          </a:effectRef>
-          <a:fontRef idx="minor">
-            <a:schemeClr val="lt1"/>
-          </a:fontRef>
-        </p:style>
-        <p:txBody>
-          <a:bodyPr rtlCol="0" anchor="ctr"/>
-          <a:lstStyle/>
-          <a:p>
-            <a:pPr algn="ctr"/>
-            <a:r>
-              <a:rPr kumimoji="1" lang="en-US" altLang="zh-CN" b="1" dirty="0" err="1" smtClean="0">
-                <a:latin typeface="Times New Roman" charset="0"/>
-                <a:ea typeface="Times New Roman" charset="0"/>
-                <a:cs typeface="Times New Roman" charset="0"/>
-              </a:rPr>
-              <a:t>SysML</a:t>
-            </a:r>
-            <a:r>
-              <a:rPr kumimoji="1" lang="zh-CN" altLang="en-US" b="1" dirty="0" smtClean="0">
-                <a:latin typeface="Times New Roman" charset="0"/>
-                <a:ea typeface="Times New Roman" charset="0"/>
-                <a:cs typeface="Times New Roman" charset="0"/>
-              </a:rPr>
-              <a:t> </a:t>
-            </a:r>
-            <a:r>
-              <a:rPr kumimoji="1" lang="en-US" altLang="zh-CN" b="1" dirty="0" smtClean="0">
-                <a:latin typeface="Times New Roman" charset="0"/>
-                <a:ea typeface="Times New Roman" charset="0"/>
-                <a:cs typeface="Times New Roman" charset="0"/>
-              </a:rPr>
-              <a:t>BDD</a:t>
-            </a:r>
-            <a:endParaRPr kumimoji="1" lang="zh-CN" altLang="en-US" b="1" dirty="0">
-              <a:latin typeface="Times New Roman" charset="0"/>
-              <a:ea typeface="Times New Roman" charset="0"/>
-              <a:cs typeface="Times New Roman" charset="0"/>
-            </a:endParaRPr>
-          </a:p>
-        </p:txBody>
-      </p:sp>
-      <p:sp>
-        <p:nvSpPr>
-          <p:cNvPr id="9" name="矩形 8"/>
-          <p:cNvSpPr/>
-          <p:nvPr/>
-        </p:nvSpPr>
-        <p:spPr>
-          <a:xfrm>
-            <a:off x="1164990" y="3820459"/>
-            <a:ext cx="1731801" cy="606148"/>
-          </a:xfrm>
-          <a:prstGeom prst="rect">
-            <a:avLst/>
-          </a:prstGeom>
-        </p:spPr>
-        <p:style>
-          <a:lnRef idx="2">
-            <a:schemeClr val="accent1">
-              <a:shade val="50000"/>
-            </a:schemeClr>
-          </a:lnRef>
-          <a:fillRef idx="1">
-            <a:schemeClr val="accent1"/>
-          </a:fillRef>
-          <a:effectRef idx="0">
-            <a:schemeClr val="accent1"/>
-          </a:effectRef>
-          <a:fontRef idx="minor">
-            <a:schemeClr val="lt1"/>
-          </a:fontRef>
-        </p:style>
-        <p:txBody>
-          <a:bodyPr rtlCol="0" anchor="ctr"/>
-          <a:lstStyle/>
-          <a:p>
-            <a:pPr algn="ctr"/>
-            <a:r>
-              <a:rPr kumimoji="1" lang="en-US" altLang="zh-CN" b="1" dirty="0" err="1" smtClean="0">
-                <a:latin typeface="Times New Roman" charset="0"/>
-                <a:ea typeface="Times New Roman" charset="0"/>
-                <a:cs typeface="Times New Roman" charset="0"/>
-              </a:rPr>
-              <a:t>Sy</a:t>
-            </a:r>
-            <a:r>
-              <a:rPr kumimoji="1" lang="zh-CN" altLang="en-US" b="1" dirty="0" smtClean="0">
-                <a:latin typeface="Times New Roman" charset="0"/>
-                <a:ea typeface="Times New Roman" charset="0"/>
-                <a:cs typeface="Times New Roman" charset="0"/>
-              </a:rPr>
-              <a:t> </a:t>
-            </a:r>
-            <a:r>
-              <a:rPr kumimoji="1" lang="en-US" altLang="zh-CN" b="1" dirty="0" smtClean="0">
-                <a:latin typeface="Times New Roman" charset="0"/>
-                <a:ea typeface="Times New Roman" charset="0"/>
-                <a:cs typeface="Times New Roman" charset="0"/>
-              </a:rPr>
-              <a:t>ML</a:t>
-            </a:r>
-            <a:r>
-              <a:rPr kumimoji="1" lang="zh-CN" altLang="en-US" b="1" dirty="0" smtClean="0">
-                <a:latin typeface="Times New Roman" charset="0"/>
-                <a:ea typeface="Times New Roman" charset="0"/>
-                <a:cs typeface="Times New Roman" charset="0"/>
-              </a:rPr>
-              <a:t> </a:t>
-            </a:r>
-            <a:r>
-              <a:rPr kumimoji="1" lang="en-US" altLang="zh-CN" b="1" dirty="0" smtClean="0">
-                <a:latin typeface="Times New Roman" charset="0"/>
-                <a:ea typeface="Times New Roman" charset="0"/>
-                <a:cs typeface="Times New Roman" charset="0"/>
-              </a:rPr>
-              <a:t>BDD</a:t>
-            </a:r>
-            <a:endParaRPr kumimoji="1" lang="zh-CN" altLang="en-US" b="1" dirty="0">
-              <a:latin typeface="Times New Roman" charset="0"/>
-              <a:ea typeface="Times New Roman" charset="0"/>
-              <a:cs typeface="Times New Roman" charset="0"/>
-            </a:endParaRPr>
-          </a:p>
-        </p:txBody>
-      </p:sp>
-      <p:sp>
-        <p:nvSpPr>
-          <p:cNvPr id="10" name="文本框 9"/>
-          <p:cNvSpPr txBox="1"/>
-          <p:nvPr/>
-        </p:nvSpPr>
-        <p:spPr>
-          <a:xfrm>
-            <a:off x="1765033" y="3163999"/>
-            <a:ext cx="615553" cy="452437"/>
-          </a:xfrm>
-          <a:prstGeom prst="rect">
-            <a:avLst/>
-          </a:prstGeom>
-          <a:noFill/>
-        </p:spPr>
-        <p:txBody>
-          <a:bodyPr vert="eaVert" wrap="square" rtlCol="0">
-            <a:spAutoFit/>
-          </a:bodyPr>
-          <a:lstStyle/>
-          <a:p>
-            <a:r>
-              <a:rPr kumimoji="1" lang="mr-IN" altLang="zh-CN" sz="2800" b="1" dirty="0" smtClean="0">
-                <a:latin typeface="Times New Roman" charset="0"/>
-                <a:ea typeface="Times New Roman" charset="0"/>
-                <a:cs typeface="Times New Roman" charset="0"/>
-              </a:rPr>
-              <a:t>…</a:t>
-            </a:r>
-            <a:endParaRPr kumimoji="1" lang="zh-CN" altLang="en-US" sz="2800" b="1" dirty="0">
-              <a:latin typeface="Times New Roman" charset="0"/>
-              <a:ea typeface="Times New Roman" charset="0"/>
-              <a:cs typeface="Times New Roman" charset="0"/>
-            </a:endParaRPr>
-          </a:p>
-        </p:txBody>
-      </p:sp>
-      <p:sp>
-        <p:nvSpPr>
-          <p:cNvPr id="12" name="矩形 11"/>
-          <p:cNvSpPr/>
-          <p:nvPr/>
-        </p:nvSpPr>
-        <p:spPr>
-          <a:xfrm>
-            <a:off x="3670285" y="227278"/>
-            <a:ext cx="2292025" cy="4729085"/>
-          </a:xfrm>
-          <a:prstGeom prst="rect">
-            <a:avLst/>
-          </a:prstGeom>
-          <a:noFill/>
-          <a:ln>
-            <a:prstDash val="dash"/>
-          </a:ln>
-        </p:spPr>
-        <p:style>
-          <a:lnRef idx="2">
-            <a:schemeClr val="accent1">
-              <a:shade val="50000"/>
-            </a:schemeClr>
-          </a:lnRef>
-          <a:fillRef idx="1">
-            <a:schemeClr val="accent1"/>
-          </a:fillRef>
-          <a:effectRef idx="0">
-            <a:schemeClr val="accent1"/>
-          </a:effectRef>
-          <a:fontRef idx="minor">
-            <a:schemeClr val="lt1"/>
-          </a:fontRef>
-        </p:style>
-        <p:txBody>
-          <a:bodyPr rtlCol="0" anchor="ctr"/>
-          <a:lstStyle/>
-          <a:p>
-            <a:pPr algn="ctr"/>
-            <a:endParaRPr kumimoji="1" lang="zh-CN" altLang="en-US" b="1">
-              <a:latin typeface="Times New Roman" charset="0"/>
-              <a:ea typeface="Times New Roman" charset="0"/>
-              <a:cs typeface="Times New Roman" charset="0"/>
-            </a:endParaRPr>
-          </a:p>
-        </p:txBody>
-      </p:sp>
-      <p:sp>
-        <p:nvSpPr>
-          <p:cNvPr id="15" name="虚尾箭头 14"/>
-          <p:cNvSpPr/>
-          <p:nvPr/>
-        </p:nvSpPr>
-        <p:spPr>
-          <a:xfrm>
-            <a:off x="3169260" y="2439209"/>
-            <a:ext cx="501438" cy="214310"/>
-          </a:xfrm>
-          <a:prstGeom prst="stripedRightArrow">
-            <a:avLst/>
-          </a:prstGeom>
-        </p:spPr>
-        <p:style>
-          <a:lnRef idx="2">
-            <a:schemeClr val="accent1">
-              <a:shade val="50000"/>
-            </a:schemeClr>
-          </a:lnRef>
-          <a:fillRef idx="1">
-            <a:schemeClr val="accent1"/>
-          </a:fillRef>
-          <a:effectRef idx="0">
-            <a:schemeClr val="accent1"/>
-          </a:effectRef>
-          <a:fontRef idx="minor">
-            <a:schemeClr val="lt1"/>
-          </a:fontRef>
-        </p:style>
-        <p:txBody>
-          <a:bodyPr rtlCol="0" anchor="ctr"/>
-          <a:lstStyle/>
-          <a:p>
-            <a:pPr algn="ctr"/>
-            <a:endParaRPr kumimoji="1" lang="zh-CN" altLang="en-US" b="1">
-              <a:latin typeface="Times New Roman" charset="0"/>
-              <a:ea typeface="Times New Roman" charset="0"/>
-              <a:cs typeface="Times New Roman" charset="0"/>
-            </a:endParaRPr>
-          </a:p>
-        </p:txBody>
-      </p:sp>
-      <p:sp>
-        <p:nvSpPr>
-          <p:cNvPr id="16" name="矩形 15"/>
-          <p:cNvSpPr/>
-          <p:nvPr/>
-        </p:nvSpPr>
-        <p:spPr>
-          <a:xfrm>
-            <a:off x="3941749" y="870989"/>
-            <a:ext cx="1731801" cy="700088"/>
-          </a:xfrm>
-          <a:prstGeom prst="rect">
-            <a:avLst/>
-          </a:prstGeom>
-          <a:noFill/>
-        </p:spPr>
-        <p:style>
-          <a:lnRef idx="2">
-            <a:schemeClr val="accent1">
-              <a:shade val="50000"/>
-            </a:schemeClr>
-          </a:lnRef>
-          <a:fillRef idx="1">
-            <a:schemeClr val="accent1"/>
-          </a:fillRef>
-          <a:effectRef idx="0">
-            <a:schemeClr val="accent1"/>
-          </a:effectRef>
-          <a:fontRef idx="minor">
-            <a:schemeClr val="lt1"/>
-          </a:fontRef>
-        </p:style>
-        <p:txBody>
-          <a:bodyPr rtlCol="0" anchor="ctr"/>
-          <a:lstStyle/>
-          <a:p>
-            <a:pPr algn="ctr"/>
-            <a:r>
-              <a:rPr kumimoji="1" lang="en-US" altLang="zh-CN" b="1" dirty="0" smtClean="0">
-                <a:solidFill>
-                  <a:schemeClr val="tx1"/>
-                </a:solidFill>
-                <a:latin typeface="Times New Roman" charset="0"/>
-                <a:ea typeface="Times New Roman" charset="0"/>
-                <a:cs typeface="Times New Roman" charset="0"/>
-              </a:rPr>
-              <a:t>Connector</a:t>
-            </a:r>
-            <a:r>
-              <a:rPr kumimoji="1" lang="zh-CN" altLang="en-US" b="1" dirty="0" smtClean="0">
-                <a:solidFill>
-                  <a:schemeClr val="tx1"/>
-                </a:solidFill>
-                <a:latin typeface="Times New Roman" charset="0"/>
-                <a:ea typeface="Times New Roman" charset="0"/>
-                <a:cs typeface="Times New Roman" charset="0"/>
-              </a:rPr>
-              <a:t> </a:t>
-            </a:r>
-            <a:r>
-              <a:rPr lang="en-US" altLang="zh-CN" b="1" dirty="0">
-                <a:solidFill>
-                  <a:schemeClr val="tx1"/>
-                </a:solidFill>
-                <a:latin typeface="Times New Roman" charset="0"/>
-                <a:ea typeface="Times New Roman" charset="0"/>
-                <a:cs typeface="Times New Roman" charset="0"/>
-              </a:rPr>
-              <a:t>c</a:t>
-            </a:r>
-            <a:r>
-              <a:rPr lang="en-US" altLang="zh-CN" b="1" dirty="0" smtClean="0">
-                <a:solidFill>
-                  <a:schemeClr val="tx1"/>
-                </a:solidFill>
-                <a:latin typeface="Times New Roman" charset="0"/>
-                <a:ea typeface="Times New Roman" charset="0"/>
-                <a:cs typeface="Times New Roman" charset="0"/>
-              </a:rPr>
-              <a:t>onfiguration</a:t>
-            </a:r>
-            <a:endParaRPr lang="en-US" altLang="zh-CN" b="1" dirty="0">
-              <a:solidFill>
-                <a:schemeClr val="tx1"/>
-              </a:solidFill>
-              <a:latin typeface="Times New Roman" charset="0"/>
-              <a:ea typeface="Times New Roman" charset="0"/>
-              <a:cs typeface="Times New Roman" charset="0"/>
-            </a:endParaRPr>
-          </a:p>
-        </p:txBody>
-      </p:sp>
-      <p:sp>
-        <p:nvSpPr>
-          <p:cNvPr id="17" name="文本框 16"/>
-          <p:cNvSpPr txBox="1"/>
-          <p:nvPr/>
-        </p:nvSpPr>
-        <p:spPr>
-          <a:xfrm>
-            <a:off x="4629470" y="2815898"/>
-            <a:ext cx="615553" cy="452437"/>
-          </a:xfrm>
-          <a:prstGeom prst="rect">
-            <a:avLst/>
-          </a:prstGeom>
-          <a:noFill/>
-        </p:spPr>
-        <p:txBody>
-          <a:bodyPr vert="eaVert" wrap="square" rtlCol="0">
-            <a:spAutoFit/>
-          </a:bodyPr>
-          <a:lstStyle/>
-          <a:p>
-            <a:r>
-              <a:rPr kumimoji="1" lang="mr-IN" altLang="zh-CN" sz="2800" b="1" dirty="0" smtClean="0">
-                <a:latin typeface="Times New Roman" charset="0"/>
-                <a:ea typeface="Times New Roman" charset="0"/>
-                <a:cs typeface="Times New Roman" charset="0"/>
-              </a:rPr>
-              <a:t>…</a:t>
-            </a:r>
-            <a:endParaRPr kumimoji="1" lang="zh-CN" altLang="en-US" sz="2800" b="1" dirty="0">
-              <a:latin typeface="Times New Roman" charset="0"/>
-              <a:ea typeface="Times New Roman" charset="0"/>
-              <a:cs typeface="Times New Roman" charset="0"/>
-            </a:endParaRPr>
-          </a:p>
-        </p:txBody>
-      </p:sp>
-      <p:sp>
-        <p:nvSpPr>
-          <p:cNvPr id="18" name="文本框 17"/>
-          <p:cNvSpPr txBox="1"/>
-          <p:nvPr/>
-        </p:nvSpPr>
-        <p:spPr>
-          <a:xfrm>
-            <a:off x="3789153" y="268629"/>
-            <a:ext cx="2120584" cy="369332"/>
-          </a:xfrm>
-          <a:prstGeom prst="rect">
-            <a:avLst/>
-          </a:prstGeom>
-          <a:noFill/>
-        </p:spPr>
-        <p:txBody>
-          <a:bodyPr wrap="square" rtlCol="0">
-            <a:spAutoFit/>
-          </a:bodyPr>
-          <a:lstStyle/>
-          <a:p>
-            <a:r>
-              <a:rPr kumimoji="1" lang="en-US" altLang="zh-CN" b="1" dirty="0" smtClean="0">
-                <a:latin typeface="Times New Roman" charset="0"/>
-                <a:ea typeface="Times New Roman" charset="0"/>
-                <a:cs typeface="Times New Roman" charset="0"/>
-              </a:rPr>
-              <a:t>Coordination</a:t>
-            </a:r>
-            <a:r>
-              <a:rPr kumimoji="1" lang="zh-CN" altLang="en-US" b="1" dirty="0" smtClean="0">
-                <a:latin typeface="Times New Roman" charset="0"/>
-                <a:ea typeface="Times New Roman" charset="0"/>
-                <a:cs typeface="Times New Roman" charset="0"/>
-              </a:rPr>
-              <a:t> </a:t>
-            </a:r>
-            <a:r>
-              <a:rPr kumimoji="1" lang="en-US" altLang="zh-CN" b="1" dirty="0" smtClean="0">
-                <a:latin typeface="Times New Roman" charset="0"/>
-                <a:ea typeface="Times New Roman" charset="0"/>
-                <a:cs typeface="Times New Roman" charset="0"/>
-              </a:rPr>
-              <a:t>phase</a:t>
-            </a:r>
-            <a:endParaRPr kumimoji="1" lang="zh-CN" altLang="en-US" b="1" dirty="0">
-              <a:latin typeface="Times New Roman" charset="0"/>
-              <a:ea typeface="Times New Roman" charset="0"/>
-              <a:cs typeface="Times New Roman" charset="0"/>
-            </a:endParaRPr>
-          </a:p>
-        </p:txBody>
-      </p:sp>
-      <p:sp>
-        <p:nvSpPr>
-          <p:cNvPr id="19" name="矩形 18"/>
-          <p:cNvSpPr/>
-          <p:nvPr/>
-        </p:nvSpPr>
-        <p:spPr>
-          <a:xfrm>
-            <a:off x="6530043" y="227278"/>
-            <a:ext cx="4735549" cy="4753516"/>
-          </a:xfrm>
-          <a:prstGeom prst="rect">
-            <a:avLst/>
-          </a:prstGeom>
-          <a:noFill/>
-          <a:ln>
-            <a:solidFill>
-              <a:schemeClr val="tx1">
-                <a:lumMod val="95000"/>
-                <a:lumOff val="5000"/>
-              </a:schemeClr>
-            </a:solidFill>
-            <a:prstDash val="dash"/>
-          </a:ln>
-          <a:effectLst>
-            <a:outerShdw blurRad="50800" dist="50800" dir="5400000" algn="ctr" rotWithShape="0">
-              <a:schemeClr val="bg2">
-                <a:lumMod val="10000"/>
-              </a:schemeClr>
-            </a:outerShdw>
-          </a:effectLst>
-        </p:spPr>
-        <p:style>
-          <a:lnRef idx="2">
-            <a:schemeClr val="accent1">
-              <a:shade val="50000"/>
-            </a:schemeClr>
-          </a:lnRef>
-          <a:fillRef idx="1">
-            <a:schemeClr val="accent1"/>
-          </a:fillRef>
-          <a:effectRef idx="0">
-            <a:schemeClr val="accent1"/>
-          </a:effectRef>
-          <a:fontRef idx="minor">
-            <a:schemeClr val="lt1"/>
-          </a:fontRef>
-        </p:style>
-        <p:txBody>
-          <a:bodyPr rtlCol="0" anchor="ctr"/>
-          <a:lstStyle/>
-          <a:p>
-            <a:pPr algn="ctr"/>
-            <a:endParaRPr kumimoji="1" lang="zh-CN" altLang="en-US" b="1">
-              <a:latin typeface="Times New Roman" charset="0"/>
-              <a:ea typeface="Times New Roman" charset="0"/>
-              <a:cs typeface="Times New Roman" charset="0"/>
-            </a:endParaRPr>
-          </a:p>
-        </p:txBody>
-      </p:sp>
-      <p:sp>
-        <p:nvSpPr>
-          <p:cNvPr id="25" name="虚尾箭头 24"/>
-          <p:cNvSpPr/>
-          <p:nvPr/>
-        </p:nvSpPr>
-        <p:spPr>
-          <a:xfrm>
-            <a:off x="5688221" y="1117770"/>
-            <a:ext cx="1057275" cy="257175"/>
-          </a:xfrm>
-          <a:prstGeom prst="stripedRightArrow">
-            <a:avLst/>
-          </a:prstGeom>
-        </p:spPr>
-        <p:style>
-          <a:lnRef idx="2">
-            <a:schemeClr val="accent1">
-              <a:shade val="50000"/>
-            </a:schemeClr>
-          </a:lnRef>
-          <a:fillRef idx="1">
-            <a:schemeClr val="accent1"/>
-          </a:fillRef>
-          <a:effectRef idx="0">
-            <a:schemeClr val="accent1"/>
-          </a:effectRef>
-          <a:fontRef idx="minor">
-            <a:schemeClr val="lt1"/>
-          </a:fontRef>
-        </p:style>
-        <p:txBody>
-          <a:bodyPr rtlCol="0" anchor="ctr"/>
-          <a:lstStyle/>
-          <a:p>
-            <a:pPr algn="ctr"/>
-            <a:endParaRPr kumimoji="1" lang="zh-CN" altLang="en-US" b="1">
-              <a:latin typeface="Times New Roman" charset="0"/>
-              <a:ea typeface="Times New Roman" charset="0"/>
-              <a:cs typeface="Times New Roman" charset="0"/>
-            </a:endParaRPr>
-          </a:p>
-        </p:txBody>
-      </p:sp>
-      <p:sp>
-        <p:nvSpPr>
-          <p:cNvPr id="26" name="矩形 25"/>
-          <p:cNvSpPr/>
-          <p:nvPr/>
-        </p:nvSpPr>
-        <p:spPr>
-          <a:xfrm>
-            <a:off x="6759784" y="954886"/>
-            <a:ext cx="1731801" cy="548349"/>
-          </a:xfrm>
-          <a:prstGeom prst="rect">
-            <a:avLst/>
-          </a:prstGeom>
-          <a:noFill/>
-        </p:spPr>
-        <p:style>
-          <a:lnRef idx="2">
-            <a:schemeClr val="accent1">
-              <a:shade val="50000"/>
-            </a:schemeClr>
-          </a:lnRef>
-          <a:fillRef idx="1">
-            <a:schemeClr val="accent1"/>
-          </a:fillRef>
-          <a:effectRef idx="0">
-            <a:schemeClr val="accent1"/>
-          </a:effectRef>
-          <a:fontRef idx="minor">
-            <a:schemeClr val="lt1"/>
-          </a:fontRef>
-        </p:style>
-        <p:txBody>
-          <a:bodyPr rtlCol="0" anchor="ctr"/>
-          <a:lstStyle/>
-          <a:p>
-            <a:pPr algn="ctr"/>
-            <a:r>
-              <a:rPr lang="en-US" altLang="zh-CN" b="1" dirty="0" smtClean="0">
-                <a:solidFill>
-                  <a:schemeClr val="tx1"/>
-                </a:solidFill>
-                <a:latin typeface="Times New Roman" charset="0"/>
-                <a:ea typeface="Times New Roman" charset="0"/>
-                <a:cs typeface="Times New Roman" charset="0"/>
-              </a:rPr>
-              <a:t>Channel</a:t>
-            </a:r>
-            <a:endParaRPr lang="en-US" altLang="zh-CN" b="1" dirty="0">
-              <a:solidFill>
-                <a:schemeClr val="tx1"/>
-              </a:solidFill>
-              <a:latin typeface="Times New Roman" charset="0"/>
-              <a:ea typeface="Times New Roman" charset="0"/>
-              <a:cs typeface="Times New Roman" charset="0"/>
-            </a:endParaRPr>
-          </a:p>
-        </p:txBody>
-      </p:sp>
-      <p:sp>
-        <p:nvSpPr>
-          <p:cNvPr id="27" name="文本框 26"/>
-          <p:cNvSpPr txBox="1"/>
-          <p:nvPr/>
-        </p:nvSpPr>
-        <p:spPr>
-          <a:xfrm>
-            <a:off x="8029535" y="227278"/>
-            <a:ext cx="2183717" cy="369332"/>
-          </a:xfrm>
-          <a:prstGeom prst="rect">
-            <a:avLst/>
-          </a:prstGeom>
-          <a:noFill/>
-        </p:spPr>
-        <p:txBody>
-          <a:bodyPr wrap="square" rtlCol="0">
-            <a:spAutoFit/>
-          </a:bodyPr>
-          <a:lstStyle/>
-          <a:p>
-            <a:r>
-              <a:rPr kumimoji="1" lang="en-US" altLang="zh-CN" b="1" dirty="0" smtClean="0">
-                <a:latin typeface="Times New Roman" charset="0"/>
-                <a:ea typeface="Times New Roman" charset="0"/>
-                <a:cs typeface="Times New Roman" charset="0"/>
-              </a:rPr>
-              <a:t>Verification</a:t>
-            </a:r>
-            <a:r>
-              <a:rPr kumimoji="1" lang="zh-CN" altLang="en-US" b="1" dirty="0" smtClean="0">
-                <a:latin typeface="Times New Roman" charset="0"/>
-                <a:ea typeface="Times New Roman" charset="0"/>
-                <a:cs typeface="Times New Roman" charset="0"/>
-              </a:rPr>
-              <a:t> </a:t>
-            </a:r>
-            <a:r>
-              <a:rPr kumimoji="1" lang="en-US" altLang="zh-CN" b="1" dirty="0" smtClean="0">
-                <a:latin typeface="Times New Roman" charset="0"/>
-                <a:ea typeface="Times New Roman" charset="0"/>
-                <a:cs typeface="Times New Roman" charset="0"/>
-              </a:rPr>
-              <a:t>phase</a:t>
-            </a:r>
-            <a:endParaRPr kumimoji="1" lang="zh-CN" altLang="en-US" b="1" dirty="0">
-              <a:latin typeface="Times New Roman" charset="0"/>
-              <a:ea typeface="Times New Roman" charset="0"/>
-              <a:cs typeface="Times New Roman" charset="0"/>
-            </a:endParaRPr>
-          </a:p>
-        </p:txBody>
-      </p:sp>
-      <p:sp>
-        <p:nvSpPr>
-          <p:cNvPr id="28" name="矩形 27"/>
-          <p:cNvSpPr/>
-          <p:nvPr/>
-        </p:nvSpPr>
-        <p:spPr>
-          <a:xfrm>
-            <a:off x="3959049" y="4288698"/>
-            <a:ext cx="1731801" cy="548349"/>
-          </a:xfrm>
-          <a:prstGeom prst="rect">
-            <a:avLst/>
-          </a:prstGeom>
-          <a:noFill/>
-        </p:spPr>
-        <p:style>
-          <a:lnRef idx="2">
-            <a:schemeClr val="accent1">
-              <a:shade val="50000"/>
-            </a:schemeClr>
-          </a:lnRef>
-          <a:fillRef idx="1">
-            <a:schemeClr val="accent1"/>
-          </a:fillRef>
-          <a:effectRef idx="0">
-            <a:schemeClr val="accent1"/>
-          </a:effectRef>
-          <a:fontRef idx="minor">
-            <a:schemeClr val="lt1"/>
-          </a:fontRef>
-        </p:style>
-        <p:txBody>
-          <a:bodyPr rtlCol="0" anchor="ctr"/>
-          <a:lstStyle/>
-          <a:p>
-            <a:pPr algn="ctr"/>
-            <a:r>
-              <a:rPr lang="en-US" altLang="zh-CN" b="1" dirty="0" smtClean="0">
-                <a:solidFill>
-                  <a:schemeClr val="tx1"/>
-                </a:solidFill>
-                <a:latin typeface="Times New Roman" charset="0"/>
-                <a:ea typeface="Times New Roman" charset="0"/>
-                <a:cs typeface="Times New Roman" charset="0"/>
-              </a:rPr>
-              <a:t>Master</a:t>
-            </a:r>
-            <a:r>
-              <a:rPr lang="zh-CN" altLang="en-US" b="1" dirty="0" smtClean="0">
-                <a:solidFill>
-                  <a:schemeClr val="tx1"/>
-                </a:solidFill>
-                <a:latin typeface="Times New Roman" charset="0"/>
-                <a:ea typeface="Times New Roman" charset="0"/>
-                <a:cs typeface="Times New Roman" charset="0"/>
-              </a:rPr>
-              <a:t> </a:t>
-            </a:r>
-            <a:r>
-              <a:rPr lang="en-US" altLang="zh-CN" b="1" dirty="0" smtClean="0">
-                <a:solidFill>
-                  <a:schemeClr val="tx1"/>
-                </a:solidFill>
-                <a:latin typeface="Times New Roman" charset="0"/>
-                <a:ea typeface="Times New Roman" charset="0"/>
-                <a:cs typeface="Times New Roman" charset="0"/>
-              </a:rPr>
-              <a:t>Algorithm</a:t>
-            </a:r>
-            <a:r>
-              <a:rPr lang="zh-CN" altLang="en-US" b="1" dirty="0" smtClean="0">
-                <a:solidFill>
-                  <a:schemeClr val="tx1"/>
-                </a:solidFill>
-                <a:latin typeface="Times New Roman" charset="0"/>
-                <a:ea typeface="Times New Roman" charset="0"/>
-                <a:cs typeface="Times New Roman" charset="0"/>
-              </a:rPr>
-              <a:t> </a:t>
-            </a:r>
-            <a:r>
-              <a:rPr lang="en-US" altLang="zh-CN" b="1" dirty="0" smtClean="0">
-                <a:solidFill>
-                  <a:schemeClr val="tx1"/>
-                </a:solidFill>
-                <a:latin typeface="Times New Roman" charset="0"/>
-                <a:ea typeface="Times New Roman" charset="0"/>
-                <a:cs typeface="Times New Roman" charset="0"/>
-              </a:rPr>
-              <a:t>(MA)</a:t>
-            </a:r>
-            <a:endParaRPr lang="en-US" altLang="zh-CN" b="1" dirty="0">
-              <a:solidFill>
-                <a:schemeClr val="tx1"/>
-              </a:solidFill>
-              <a:latin typeface="Times New Roman" charset="0"/>
-              <a:ea typeface="Times New Roman" charset="0"/>
-              <a:cs typeface="Times New Roman" charset="0"/>
-            </a:endParaRPr>
-          </a:p>
-        </p:txBody>
-      </p:sp>
-      <p:sp>
-        <p:nvSpPr>
-          <p:cNvPr id="32" name="文本框 31"/>
-          <p:cNvSpPr txBox="1"/>
-          <p:nvPr/>
-        </p:nvSpPr>
-        <p:spPr>
-          <a:xfrm>
-            <a:off x="7439719" y="2692141"/>
-            <a:ext cx="615553" cy="452437"/>
-          </a:xfrm>
-          <a:prstGeom prst="rect">
-            <a:avLst/>
-          </a:prstGeom>
-          <a:noFill/>
-        </p:spPr>
-        <p:txBody>
-          <a:bodyPr vert="eaVert" wrap="square" rtlCol="0">
-            <a:spAutoFit/>
-          </a:bodyPr>
-          <a:lstStyle/>
-          <a:p>
-            <a:r>
-              <a:rPr kumimoji="1" lang="mr-IN" altLang="zh-CN" sz="2800" b="1" dirty="0" smtClean="0">
-                <a:latin typeface="Times New Roman" charset="0"/>
-                <a:ea typeface="Times New Roman" charset="0"/>
-                <a:cs typeface="Times New Roman" charset="0"/>
-              </a:rPr>
-              <a:t>…</a:t>
-            </a:r>
-            <a:endParaRPr kumimoji="1" lang="zh-CN" altLang="en-US" sz="2800" b="1" dirty="0">
-              <a:latin typeface="Times New Roman" charset="0"/>
-              <a:ea typeface="Times New Roman" charset="0"/>
-              <a:cs typeface="Times New Roman" charset="0"/>
-            </a:endParaRPr>
-          </a:p>
-        </p:txBody>
-      </p:sp>
-      <p:sp>
-        <p:nvSpPr>
-          <p:cNvPr id="36" name="右大括号 35"/>
-          <p:cNvSpPr/>
-          <p:nvPr/>
-        </p:nvSpPr>
-        <p:spPr>
-          <a:xfrm>
-            <a:off x="8527908" y="1117769"/>
-            <a:ext cx="502234" cy="3345509"/>
-          </a:xfrm>
-          <a:prstGeom prst="rightBrace">
-            <a:avLst>
-              <a:gd name="adj1" fmla="val 8333"/>
-              <a:gd name="adj2" fmla="val 6262"/>
-            </a:avLst>
-          </a:prstGeom>
-          <a:ln w="38100"/>
-        </p:spPr>
-        <p:style>
-          <a:lnRef idx="1">
-            <a:schemeClr val="accent1"/>
-          </a:lnRef>
-          <a:fillRef idx="0">
-            <a:schemeClr val="accent1"/>
-          </a:fillRef>
-          <a:effectRef idx="0">
-            <a:schemeClr val="accent1"/>
-          </a:effectRef>
-          <a:fontRef idx="minor">
-            <a:schemeClr val="tx1"/>
-          </a:fontRef>
-        </p:style>
-        <p:txBody>
-          <a:bodyPr rtlCol="0" anchor="ctr"/>
-          <a:lstStyle/>
-          <a:p>
-            <a:pPr algn="ctr"/>
-            <a:endParaRPr kumimoji="1" lang="zh-CN" altLang="en-US" b="1">
-              <a:latin typeface="Times New Roman" charset="0"/>
-              <a:ea typeface="Times New Roman" charset="0"/>
-              <a:cs typeface="Times New Roman" charset="0"/>
-            </a:endParaRPr>
-          </a:p>
-        </p:txBody>
-      </p:sp>
-      <p:sp>
-        <p:nvSpPr>
-          <p:cNvPr id="37" name="矩形 36"/>
-          <p:cNvSpPr/>
-          <p:nvPr/>
-        </p:nvSpPr>
-        <p:spPr>
-          <a:xfrm>
-            <a:off x="10052932" y="4014417"/>
-            <a:ext cx="1004165" cy="493864"/>
-          </a:xfrm>
-          <a:prstGeom prst="rect">
-            <a:avLst/>
-          </a:prstGeom>
-          <a:solidFill>
-            <a:schemeClr val="accent5">
-              <a:lumMod val="60000"/>
-              <a:lumOff val="40000"/>
-            </a:schemeClr>
-          </a:solidFill>
-        </p:spPr>
-        <p:style>
-          <a:lnRef idx="2">
-            <a:schemeClr val="accent1">
-              <a:shade val="50000"/>
-            </a:schemeClr>
-          </a:lnRef>
-          <a:fillRef idx="1">
-            <a:schemeClr val="accent1"/>
-          </a:fillRef>
-          <a:effectRef idx="0">
-            <a:schemeClr val="accent1"/>
-          </a:effectRef>
-          <a:fontRef idx="minor">
-            <a:schemeClr val="lt1"/>
-          </a:fontRef>
-        </p:style>
-        <p:txBody>
-          <a:bodyPr rtlCol="0" anchor="ctr"/>
-          <a:lstStyle/>
-          <a:p>
-            <a:pPr algn="ctr"/>
-            <a:r>
-              <a:rPr lang="en-US" altLang="zh-CN" sz="1200" b="1" dirty="0" smtClean="0">
-                <a:solidFill>
-                  <a:schemeClr val="tx1"/>
-                </a:solidFill>
-                <a:latin typeface="Times New Roman" charset="0"/>
-                <a:ea typeface="Times New Roman" charset="0"/>
-                <a:cs typeface="Times New Roman" charset="0"/>
-              </a:rPr>
-              <a:t>Properties</a:t>
-            </a:r>
-            <a:endParaRPr lang="en-US" altLang="zh-CN" sz="1200" b="1" dirty="0">
-              <a:solidFill>
-                <a:schemeClr val="tx1"/>
-              </a:solidFill>
-              <a:latin typeface="Times New Roman" charset="0"/>
-              <a:ea typeface="Times New Roman" charset="0"/>
-              <a:cs typeface="Times New Roman" charset="0"/>
-            </a:endParaRPr>
-          </a:p>
-        </p:txBody>
-      </p:sp>
-      <p:pic>
-        <p:nvPicPr>
-          <p:cNvPr id="38" name="图片 37"/>
-          <p:cNvPicPr>
-            <a:picLocks noChangeAspect="1"/>
-          </p:cNvPicPr>
-          <p:nvPr/>
-        </p:nvPicPr>
-        <p:blipFill>
-          <a:blip r:embed="rId2">
-            <a:extLst>
-              <a:ext uri="{28A0092B-C50C-407E-A947-70E740481C1C}">
-                <a14:useLocalDpi xmlns:a14="http://schemas.microsoft.com/office/drawing/2010/main" val="0"/>
-              </a:ext>
-            </a:extLst>
-          </a:blip>
-          <a:stretch>
-            <a:fillRect/>
-          </a:stretch>
-        </p:blipFill>
-        <p:spPr>
-          <a:xfrm>
-            <a:off x="9626027" y="2008040"/>
-            <a:ext cx="1082418" cy="1076867"/>
-          </a:xfrm>
-          <a:prstGeom prst="rect">
-            <a:avLst/>
-          </a:prstGeom>
-        </p:spPr>
-      </p:pic>
-      <p:sp>
-        <p:nvSpPr>
-          <p:cNvPr id="39" name="文本框 38"/>
-          <p:cNvSpPr txBox="1"/>
-          <p:nvPr/>
-        </p:nvSpPr>
-        <p:spPr>
-          <a:xfrm>
-            <a:off x="9699638" y="2990179"/>
-            <a:ext cx="1130219" cy="369332"/>
-          </a:xfrm>
-          <a:prstGeom prst="rect">
-            <a:avLst/>
-          </a:prstGeom>
-          <a:noFill/>
-        </p:spPr>
-        <p:txBody>
-          <a:bodyPr wrap="square" rtlCol="0">
-            <a:spAutoFit/>
-          </a:bodyPr>
-          <a:lstStyle/>
-          <a:p>
-            <a:r>
-              <a:rPr kumimoji="1" lang="en-US" altLang="zh-CN" b="1" dirty="0" smtClean="0">
-                <a:latin typeface="Times New Roman" charset="0"/>
-                <a:ea typeface="Times New Roman" charset="0"/>
-                <a:cs typeface="Times New Roman" charset="0"/>
-              </a:rPr>
-              <a:t>UPPAAL</a:t>
-            </a:r>
-            <a:endParaRPr kumimoji="1" lang="zh-CN" altLang="en-US" b="1" dirty="0">
-              <a:latin typeface="Times New Roman" charset="0"/>
-              <a:ea typeface="Times New Roman" charset="0"/>
-              <a:cs typeface="Times New Roman" charset="0"/>
-            </a:endParaRPr>
-          </a:p>
-        </p:txBody>
-      </p:sp>
-      <p:sp>
-        <p:nvSpPr>
-          <p:cNvPr id="41" name="下箭头 40"/>
-          <p:cNvSpPr/>
-          <p:nvPr/>
-        </p:nvSpPr>
-        <p:spPr>
-          <a:xfrm>
-            <a:off x="10024044" y="1723011"/>
-            <a:ext cx="247646" cy="403258"/>
-          </a:xfrm>
-          <a:prstGeom prst="downArrow">
-            <a:avLst/>
-          </a:prstGeom>
-          <a:noFill/>
-        </p:spPr>
-        <p:style>
-          <a:lnRef idx="2">
-            <a:schemeClr val="accent1">
-              <a:shade val="50000"/>
-            </a:schemeClr>
-          </a:lnRef>
-          <a:fillRef idx="1">
-            <a:schemeClr val="accent1"/>
-          </a:fillRef>
-          <a:effectRef idx="0">
-            <a:schemeClr val="accent1"/>
-          </a:effectRef>
-          <a:fontRef idx="minor">
-            <a:schemeClr val="lt1"/>
-          </a:fontRef>
-        </p:style>
-        <p:txBody>
-          <a:bodyPr rtlCol="0" anchor="ctr"/>
-          <a:lstStyle/>
-          <a:p>
-            <a:pPr algn="ctr"/>
-            <a:endParaRPr kumimoji="1" lang="zh-CN" altLang="en-US" b="1">
-              <a:latin typeface="Times New Roman" charset="0"/>
-              <a:ea typeface="Times New Roman" charset="0"/>
-              <a:cs typeface="Times New Roman" charset="0"/>
-            </a:endParaRPr>
-          </a:p>
-        </p:txBody>
-      </p:sp>
-      <p:sp>
-        <p:nvSpPr>
-          <p:cNvPr id="47" name="文本框 46"/>
-          <p:cNvSpPr txBox="1"/>
-          <p:nvPr/>
-        </p:nvSpPr>
-        <p:spPr>
-          <a:xfrm>
-            <a:off x="5675783" y="864430"/>
-            <a:ext cx="1342043" cy="369332"/>
-          </a:xfrm>
-          <a:prstGeom prst="rect">
-            <a:avLst/>
-          </a:prstGeom>
-          <a:noFill/>
-        </p:spPr>
-        <p:txBody>
-          <a:bodyPr wrap="square" rtlCol="0">
-            <a:spAutoFit/>
-          </a:bodyPr>
-          <a:lstStyle/>
-          <a:p>
-            <a:r>
-              <a:rPr kumimoji="1" lang="en-US" altLang="zh-CN" b="1" dirty="0" smtClean="0">
-                <a:latin typeface="Times New Roman" charset="0"/>
-                <a:ea typeface="Times New Roman" charset="0"/>
-                <a:cs typeface="Times New Roman" charset="0"/>
-              </a:rPr>
-              <a:t>translate</a:t>
-            </a:r>
-            <a:endParaRPr kumimoji="1" lang="zh-CN" altLang="en-US" b="1" dirty="0">
-              <a:latin typeface="Times New Roman" charset="0"/>
-              <a:ea typeface="Times New Roman" charset="0"/>
-              <a:cs typeface="Times New Roman" charset="0"/>
-            </a:endParaRPr>
-          </a:p>
-        </p:txBody>
-      </p:sp>
-      <p:sp>
-        <p:nvSpPr>
-          <p:cNvPr id="48" name="文本框 47"/>
-          <p:cNvSpPr txBox="1"/>
-          <p:nvPr/>
-        </p:nvSpPr>
-        <p:spPr>
-          <a:xfrm>
-            <a:off x="5698723" y="1816117"/>
-            <a:ext cx="1342043" cy="369332"/>
-          </a:xfrm>
-          <a:prstGeom prst="rect">
-            <a:avLst/>
-          </a:prstGeom>
-          <a:noFill/>
-        </p:spPr>
-        <p:txBody>
-          <a:bodyPr wrap="square" rtlCol="0">
-            <a:spAutoFit/>
-          </a:bodyPr>
-          <a:lstStyle/>
-          <a:p>
-            <a:r>
-              <a:rPr kumimoji="1" lang="en-US" altLang="zh-CN" b="1" dirty="0" smtClean="0">
-                <a:latin typeface="Times New Roman" charset="0"/>
-                <a:ea typeface="Times New Roman" charset="0"/>
-                <a:cs typeface="Times New Roman" charset="0"/>
-              </a:rPr>
-              <a:t>encode</a:t>
-            </a:r>
-            <a:endParaRPr kumimoji="1" lang="zh-CN" altLang="en-US" b="1" dirty="0">
-              <a:latin typeface="Times New Roman" charset="0"/>
-              <a:ea typeface="Times New Roman" charset="0"/>
-              <a:cs typeface="Times New Roman" charset="0"/>
-            </a:endParaRPr>
-          </a:p>
-        </p:txBody>
-      </p:sp>
-      <p:sp>
-        <p:nvSpPr>
-          <p:cNvPr id="49" name="文本框 48"/>
-          <p:cNvSpPr txBox="1"/>
-          <p:nvPr/>
-        </p:nvSpPr>
-        <p:spPr>
-          <a:xfrm>
-            <a:off x="5706815" y="3193785"/>
-            <a:ext cx="1342043" cy="369332"/>
-          </a:xfrm>
-          <a:prstGeom prst="rect">
-            <a:avLst/>
-          </a:prstGeom>
-          <a:noFill/>
-        </p:spPr>
-        <p:txBody>
-          <a:bodyPr wrap="square" rtlCol="0">
-            <a:spAutoFit/>
-          </a:bodyPr>
-          <a:lstStyle/>
-          <a:p>
-            <a:r>
-              <a:rPr kumimoji="1" lang="en-US" altLang="zh-CN" b="1" smtClean="0">
-                <a:latin typeface="Times New Roman" charset="0"/>
-                <a:ea typeface="Times New Roman" charset="0"/>
-                <a:cs typeface="Times New Roman" charset="0"/>
-              </a:rPr>
-              <a:t>encode</a:t>
-            </a:r>
-            <a:endParaRPr kumimoji="1" lang="zh-CN" altLang="en-US" b="1" dirty="0">
-              <a:latin typeface="Times New Roman" charset="0"/>
-              <a:ea typeface="Times New Roman" charset="0"/>
-              <a:cs typeface="Times New Roman" charset="0"/>
-            </a:endParaRPr>
-          </a:p>
-        </p:txBody>
-      </p:sp>
-      <p:sp>
-        <p:nvSpPr>
-          <p:cNvPr id="50" name="文本框 49"/>
-          <p:cNvSpPr txBox="1"/>
-          <p:nvPr/>
-        </p:nvSpPr>
-        <p:spPr>
-          <a:xfrm>
-            <a:off x="5706815" y="4154615"/>
-            <a:ext cx="1342043" cy="369332"/>
-          </a:xfrm>
-          <a:prstGeom prst="rect">
-            <a:avLst/>
-          </a:prstGeom>
-          <a:noFill/>
-        </p:spPr>
-        <p:txBody>
-          <a:bodyPr wrap="square" rtlCol="0">
-            <a:spAutoFit/>
-          </a:bodyPr>
-          <a:lstStyle/>
-          <a:p>
-            <a:r>
-              <a:rPr kumimoji="1" lang="en-US" altLang="zh-CN" b="1" dirty="0" smtClean="0">
-                <a:latin typeface="Times New Roman" charset="0"/>
-                <a:ea typeface="Times New Roman" charset="0"/>
-                <a:cs typeface="Times New Roman" charset="0"/>
-              </a:rPr>
-              <a:t>model</a:t>
-            </a:r>
-            <a:endParaRPr kumimoji="1" lang="zh-CN" altLang="en-US" b="1" dirty="0">
-              <a:latin typeface="Times New Roman" charset="0"/>
-              <a:ea typeface="Times New Roman" charset="0"/>
-              <a:cs typeface="Times New Roman" charset="0"/>
-            </a:endParaRPr>
-          </a:p>
-        </p:txBody>
-      </p:sp>
-      <p:sp>
-        <p:nvSpPr>
-          <p:cNvPr id="55" name="多文档 54"/>
-          <p:cNvSpPr/>
-          <p:nvPr/>
-        </p:nvSpPr>
-        <p:spPr>
-          <a:xfrm>
-            <a:off x="3959049" y="1963580"/>
-            <a:ext cx="1744916" cy="630294"/>
-          </a:xfrm>
-          <a:prstGeom prst="flowChartMultidocument">
-            <a:avLst/>
-          </a:prstGeom>
-        </p:spPr>
-        <p:style>
-          <a:lnRef idx="2">
-            <a:schemeClr val="accent1">
-              <a:shade val="50000"/>
-            </a:schemeClr>
-          </a:lnRef>
-          <a:fillRef idx="1">
-            <a:schemeClr val="accent1"/>
-          </a:fillRef>
-          <a:effectRef idx="0">
-            <a:schemeClr val="accent1"/>
-          </a:effectRef>
-          <a:fontRef idx="minor">
-            <a:schemeClr val="lt1"/>
-          </a:fontRef>
-        </p:style>
-        <p:txBody>
-          <a:bodyPr rtlCol="0" anchor="ctr"/>
-          <a:lstStyle/>
-          <a:p>
-            <a:pPr algn="ctr"/>
-            <a:r>
-              <a:rPr lang="en-US" altLang="zh-CN" b="1" dirty="0" smtClean="0">
-                <a:latin typeface="Times New Roman" charset="0"/>
-                <a:ea typeface="Times New Roman" charset="0"/>
-                <a:cs typeface="Times New Roman" charset="0"/>
-              </a:rPr>
-              <a:t>FMU</a:t>
-            </a:r>
-            <a:endParaRPr lang="en-US" altLang="zh-CN" b="1" dirty="0">
-              <a:latin typeface="Times New Roman" charset="0"/>
-              <a:ea typeface="Times New Roman" charset="0"/>
-              <a:cs typeface="Times New Roman" charset="0"/>
-            </a:endParaRPr>
-          </a:p>
-        </p:txBody>
-      </p:sp>
-      <p:sp>
-        <p:nvSpPr>
-          <p:cNvPr id="56" name="多文档 55"/>
-          <p:cNvSpPr/>
-          <p:nvPr/>
-        </p:nvSpPr>
-        <p:spPr>
-          <a:xfrm>
-            <a:off x="3952491" y="3329497"/>
-            <a:ext cx="1744916" cy="630294"/>
-          </a:xfrm>
-          <a:prstGeom prst="flowChartMultidocument">
-            <a:avLst/>
-          </a:prstGeom>
-        </p:spPr>
-        <p:style>
-          <a:lnRef idx="2">
-            <a:schemeClr val="accent1">
-              <a:shade val="50000"/>
-            </a:schemeClr>
-          </a:lnRef>
-          <a:fillRef idx="1">
-            <a:schemeClr val="accent1"/>
-          </a:fillRef>
-          <a:effectRef idx="0">
-            <a:schemeClr val="accent1"/>
-          </a:effectRef>
-          <a:fontRef idx="minor">
-            <a:schemeClr val="lt1"/>
-          </a:fontRef>
-        </p:style>
-        <p:txBody>
-          <a:bodyPr rtlCol="0" anchor="ctr"/>
-          <a:lstStyle/>
-          <a:p>
-            <a:pPr algn="ctr"/>
-            <a:r>
-              <a:rPr lang="en-US" altLang="zh-CN" b="1" dirty="0" smtClean="0">
-                <a:latin typeface="Times New Roman" charset="0"/>
-                <a:ea typeface="Times New Roman" charset="0"/>
-                <a:cs typeface="Times New Roman" charset="0"/>
-              </a:rPr>
-              <a:t>FMU</a:t>
-            </a:r>
-            <a:endParaRPr lang="en-US" altLang="zh-CN" b="1" dirty="0">
-              <a:latin typeface="Times New Roman" charset="0"/>
-              <a:ea typeface="Times New Roman" charset="0"/>
-              <a:cs typeface="Times New Roman" charset="0"/>
-            </a:endParaRPr>
-          </a:p>
-        </p:txBody>
-      </p:sp>
-      <p:sp>
-        <p:nvSpPr>
-          <p:cNvPr id="57" name="终止符 56"/>
-          <p:cNvSpPr/>
-          <p:nvPr/>
-        </p:nvSpPr>
-        <p:spPr>
-          <a:xfrm>
-            <a:off x="6767272" y="1816117"/>
-            <a:ext cx="1841201" cy="733089"/>
-          </a:xfrm>
-          <a:prstGeom prst="flowChartTerminator">
-            <a:avLst/>
-          </a:prstGeom>
-          <a:solidFill>
-            <a:schemeClr val="accent5">
-              <a:lumMod val="60000"/>
-              <a:lumOff val="40000"/>
-            </a:schemeClr>
-          </a:solidFill>
-          <a:ln>
-            <a:noFill/>
-          </a:ln>
-        </p:spPr>
-        <p:style>
-          <a:lnRef idx="2">
-            <a:schemeClr val="accent1">
-              <a:shade val="50000"/>
-            </a:schemeClr>
-          </a:lnRef>
-          <a:fillRef idx="1">
-            <a:schemeClr val="accent1"/>
-          </a:fillRef>
-          <a:effectRef idx="0">
-            <a:schemeClr val="accent1"/>
-          </a:effectRef>
-          <a:fontRef idx="minor">
-            <a:schemeClr val="lt1"/>
-          </a:fontRef>
-        </p:style>
-        <p:txBody>
-          <a:bodyPr rtlCol="0" anchor="ctr"/>
-          <a:lstStyle/>
-          <a:p>
-            <a:pPr algn="ctr"/>
-            <a:r>
-              <a:rPr lang="en-US" altLang="zh-CN" b="1" dirty="0" smtClean="0">
-                <a:solidFill>
-                  <a:schemeClr val="tx1"/>
-                </a:solidFill>
-                <a:latin typeface="Times New Roman" charset="0"/>
-                <a:ea typeface="Times New Roman" charset="0"/>
-                <a:cs typeface="Times New Roman" charset="0"/>
-              </a:rPr>
-              <a:t>Timed</a:t>
-            </a:r>
-            <a:r>
-              <a:rPr lang="zh-CN" altLang="en-US" b="1" dirty="0" smtClean="0">
-                <a:solidFill>
-                  <a:schemeClr val="tx1"/>
-                </a:solidFill>
-                <a:latin typeface="Times New Roman" charset="0"/>
-                <a:ea typeface="Times New Roman" charset="0"/>
-                <a:cs typeface="Times New Roman" charset="0"/>
-              </a:rPr>
-              <a:t> </a:t>
-            </a:r>
-            <a:r>
-              <a:rPr lang="en-US" altLang="zh-CN" b="1" dirty="0" smtClean="0">
-                <a:solidFill>
-                  <a:schemeClr val="tx1"/>
-                </a:solidFill>
-                <a:latin typeface="Times New Roman" charset="0"/>
-                <a:ea typeface="Times New Roman" charset="0"/>
-                <a:cs typeface="Times New Roman" charset="0"/>
-              </a:rPr>
-              <a:t>Automaton</a:t>
-            </a:r>
-            <a:r>
-              <a:rPr lang="zh-CN" altLang="en-US" b="1" dirty="0" smtClean="0">
-                <a:solidFill>
-                  <a:schemeClr val="tx1"/>
-                </a:solidFill>
-                <a:latin typeface="Times New Roman" charset="0"/>
-                <a:ea typeface="Times New Roman" charset="0"/>
-                <a:cs typeface="Times New Roman" charset="0"/>
-              </a:rPr>
-              <a:t> </a:t>
-            </a:r>
-            <a:r>
-              <a:rPr lang="en-US" altLang="zh-CN" b="1" dirty="0" smtClean="0">
-                <a:solidFill>
-                  <a:schemeClr val="tx1"/>
-                </a:solidFill>
-                <a:latin typeface="Times New Roman" charset="0"/>
-                <a:ea typeface="Times New Roman" charset="0"/>
-                <a:cs typeface="Times New Roman" charset="0"/>
-              </a:rPr>
-              <a:t>for</a:t>
-            </a:r>
-            <a:r>
-              <a:rPr lang="zh-CN" altLang="en-US" b="1" dirty="0" smtClean="0">
-                <a:solidFill>
-                  <a:schemeClr val="tx1"/>
-                </a:solidFill>
-                <a:latin typeface="Times New Roman" charset="0"/>
-                <a:ea typeface="Times New Roman" charset="0"/>
-                <a:cs typeface="Times New Roman" charset="0"/>
-              </a:rPr>
-              <a:t> </a:t>
-            </a:r>
-            <a:r>
-              <a:rPr lang="en-US" altLang="zh-CN" b="1" dirty="0" smtClean="0">
-                <a:solidFill>
-                  <a:schemeClr val="tx1"/>
-                </a:solidFill>
-                <a:latin typeface="Times New Roman" charset="0"/>
-                <a:ea typeface="Times New Roman" charset="0"/>
-                <a:cs typeface="Times New Roman" charset="0"/>
-              </a:rPr>
-              <a:t>FMU</a:t>
-            </a:r>
-            <a:endParaRPr lang="en-US" altLang="zh-CN" b="1" dirty="0">
-              <a:solidFill>
-                <a:schemeClr val="tx1"/>
-              </a:solidFill>
-              <a:latin typeface="Times New Roman" charset="0"/>
-              <a:ea typeface="Times New Roman" charset="0"/>
-              <a:cs typeface="Times New Roman" charset="0"/>
-            </a:endParaRPr>
-          </a:p>
-        </p:txBody>
-      </p:sp>
-      <p:sp>
-        <p:nvSpPr>
-          <p:cNvPr id="58" name="终止符 57"/>
-          <p:cNvSpPr/>
-          <p:nvPr/>
-        </p:nvSpPr>
-        <p:spPr>
-          <a:xfrm>
-            <a:off x="6750164" y="3285033"/>
-            <a:ext cx="1841201" cy="733089"/>
-          </a:xfrm>
-          <a:prstGeom prst="flowChartTerminator">
-            <a:avLst/>
-          </a:prstGeom>
-          <a:solidFill>
-            <a:schemeClr val="accent5">
-              <a:lumMod val="60000"/>
-              <a:lumOff val="40000"/>
-            </a:schemeClr>
-          </a:solidFill>
-          <a:ln>
-            <a:noFill/>
-          </a:ln>
-        </p:spPr>
-        <p:style>
-          <a:lnRef idx="2">
-            <a:schemeClr val="accent1">
-              <a:shade val="50000"/>
-            </a:schemeClr>
-          </a:lnRef>
-          <a:fillRef idx="1">
-            <a:schemeClr val="accent1"/>
-          </a:fillRef>
-          <a:effectRef idx="0">
-            <a:schemeClr val="accent1"/>
-          </a:effectRef>
-          <a:fontRef idx="minor">
-            <a:schemeClr val="lt1"/>
-          </a:fontRef>
-        </p:style>
-        <p:txBody>
-          <a:bodyPr rtlCol="0" anchor="ctr"/>
-          <a:lstStyle/>
-          <a:p>
-            <a:pPr algn="ctr"/>
-            <a:r>
-              <a:rPr lang="en-US" altLang="zh-CN" b="1" dirty="0" smtClean="0">
-                <a:solidFill>
-                  <a:schemeClr val="tx1"/>
-                </a:solidFill>
-                <a:latin typeface="Times New Roman" charset="0"/>
-                <a:ea typeface="Times New Roman" charset="0"/>
-                <a:cs typeface="Times New Roman" charset="0"/>
-              </a:rPr>
-              <a:t>Timed</a:t>
-            </a:r>
-            <a:r>
-              <a:rPr lang="zh-CN" altLang="en-US" b="1" dirty="0" smtClean="0">
-                <a:solidFill>
-                  <a:schemeClr val="tx1"/>
-                </a:solidFill>
-                <a:latin typeface="Times New Roman" charset="0"/>
-                <a:ea typeface="Times New Roman" charset="0"/>
-                <a:cs typeface="Times New Roman" charset="0"/>
-              </a:rPr>
-              <a:t> </a:t>
-            </a:r>
-            <a:r>
-              <a:rPr lang="en-US" altLang="zh-CN" b="1" dirty="0" smtClean="0">
-                <a:solidFill>
-                  <a:schemeClr val="tx1"/>
-                </a:solidFill>
-                <a:latin typeface="Times New Roman" charset="0"/>
-                <a:ea typeface="Times New Roman" charset="0"/>
-                <a:cs typeface="Times New Roman" charset="0"/>
-              </a:rPr>
-              <a:t>Automaton</a:t>
-            </a:r>
-            <a:r>
-              <a:rPr lang="zh-CN" altLang="en-US" b="1" dirty="0" smtClean="0">
-                <a:solidFill>
-                  <a:schemeClr val="tx1"/>
-                </a:solidFill>
-                <a:latin typeface="Times New Roman" charset="0"/>
-                <a:ea typeface="Times New Roman" charset="0"/>
-                <a:cs typeface="Times New Roman" charset="0"/>
-              </a:rPr>
-              <a:t> </a:t>
-            </a:r>
-            <a:r>
-              <a:rPr lang="en-US" altLang="zh-CN" b="1" dirty="0" smtClean="0">
-                <a:solidFill>
-                  <a:schemeClr val="tx1"/>
-                </a:solidFill>
-                <a:latin typeface="Times New Roman" charset="0"/>
-                <a:ea typeface="Times New Roman" charset="0"/>
-                <a:cs typeface="Times New Roman" charset="0"/>
-              </a:rPr>
-              <a:t>for</a:t>
-            </a:r>
-            <a:r>
-              <a:rPr lang="zh-CN" altLang="en-US" b="1" dirty="0" smtClean="0">
-                <a:solidFill>
-                  <a:schemeClr val="tx1"/>
-                </a:solidFill>
-                <a:latin typeface="Times New Roman" charset="0"/>
-                <a:ea typeface="Times New Roman" charset="0"/>
-                <a:cs typeface="Times New Roman" charset="0"/>
-              </a:rPr>
-              <a:t> </a:t>
-            </a:r>
-            <a:r>
-              <a:rPr lang="en-US" altLang="zh-CN" b="1" dirty="0" smtClean="0">
-                <a:solidFill>
-                  <a:schemeClr val="tx1"/>
-                </a:solidFill>
-                <a:latin typeface="Times New Roman" charset="0"/>
-                <a:ea typeface="Times New Roman" charset="0"/>
-                <a:cs typeface="Times New Roman" charset="0"/>
-              </a:rPr>
-              <a:t>FMU</a:t>
-            </a:r>
-            <a:endParaRPr lang="en-US" altLang="zh-CN" b="1" dirty="0">
-              <a:solidFill>
-                <a:schemeClr val="tx1"/>
-              </a:solidFill>
-              <a:latin typeface="Times New Roman" charset="0"/>
-              <a:ea typeface="Times New Roman" charset="0"/>
-              <a:cs typeface="Times New Roman" charset="0"/>
-            </a:endParaRPr>
-          </a:p>
-        </p:txBody>
-      </p:sp>
-      <p:sp>
-        <p:nvSpPr>
-          <p:cNvPr id="59" name="终止符 58"/>
-          <p:cNvSpPr/>
-          <p:nvPr/>
-        </p:nvSpPr>
-        <p:spPr>
-          <a:xfrm>
-            <a:off x="6764470" y="4181831"/>
-            <a:ext cx="1841201" cy="733089"/>
-          </a:xfrm>
-          <a:prstGeom prst="flowChartTerminator">
-            <a:avLst/>
-          </a:prstGeom>
-          <a:solidFill>
-            <a:schemeClr val="accent5">
-              <a:lumMod val="60000"/>
-              <a:lumOff val="40000"/>
-            </a:schemeClr>
-          </a:solidFill>
-          <a:ln>
-            <a:noFill/>
-          </a:ln>
-        </p:spPr>
-        <p:style>
-          <a:lnRef idx="2">
-            <a:schemeClr val="accent1">
-              <a:shade val="50000"/>
-            </a:schemeClr>
-          </a:lnRef>
-          <a:fillRef idx="1">
-            <a:schemeClr val="accent1"/>
-          </a:fillRef>
-          <a:effectRef idx="0">
-            <a:schemeClr val="accent1"/>
-          </a:effectRef>
-          <a:fontRef idx="minor">
-            <a:schemeClr val="lt1"/>
-          </a:fontRef>
-        </p:style>
-        <p:txBody>
-          <a:bodyPr rtlCol="0" anchor="ctr"/>
-          <a:lstStyle/>
-          <a:p>
-            <a:pPr algn="ctr"/>
-            <a:r>
-              <a:rPr lang="en-US" altLang="zh-CN" b="1" dirty="0" smtClean="0">
-                <a:solidFill>
-                  <a:schemeClr val="tx1"/>
-                </a:solidFill>
-                <a:latin typeface="Times New Roman" charset="0"/>
-                <a:ea typeface="Times New Roman" charset="0"/>
-                <a:cs typeface="Times New Roman" charset="0"/>
-              </a:rPr>
-              <a:t>Timed</a:t>
-            </a:r>
-            <a:r>
-              <a:rPr lang="zh-CN" altLang="en-US" b="1" dirty="0" smtClean="0">
-                <a:solidFill>
-                  <a:schemeClr val="tx1"/>
-                </a:solidFill>
-                <a:latin typeface="Times New Roman" charset="0"/>
-                <a:ea typeface="Times New Roman" charset="0"/>
-                <a:cs typeface="Times New Roman" charset="0"/>
-              </a:rPr>
-              <a:t> </a:t>
-            </a:r>
-            <a:r>
-              <a:rPr lang="en-US" altLang="zh-CN" b="1" dirty="0" smtClean="0">
-                <a:solidFill>
-                  <a:schemeClr val="tx1"/>
-                </a:solidFill>
-                <a:latin typeface="Times New Roman" charset="0"/>
-                <a:ea typeface="Times New Roman" charset="0"/>
-                <a:cs typeface="Times New Roman" charset="0"/>
-              </a:rPr>
-              <a:t>Automaton</a:t>
-            </a:r>
-            <a:r>
-              <a:rPr lang="zh-CN" altLang="en-US" b="1" dirty="0" smtClean="0">
-                <a:solidFill>
-                  <a:schemeClr val="tx1"/>
-                </a:solidFill>
-                <a:latin typeface="Times New Roman" charset="0"/>
-                <a:ea typeface="Times New Roman" charset="0"/>
-                <a:cs typeface="Times New Roman" charset="0"/>
-              </a:rPr>
-              <a:t> </a:t>
-            </a:r>
-            <a:r>
-              <a:rPr lang="en-US" altLang="zh-CN" b="1" dirty="0" smtClean="0">
-                <a:solidFill>
-                  <a:schemeClr val="tx1"/>
-                </a:solidFill>
-                <a:latin typeface="Times New Roman" charset="0"/>
-                <a:ea typeface="Times New Roman" charset="0"/>
-                <a:cs typeface="Times New Roman" charset="0"/>
-              </a:rPr>
-              <a:t>for</a:t>
-            </a:r>
-            <a:r>
-              <a:rPr lang="zh-CN" altLang="en-US" b="1" dirty="0" smtClean="0">
-                <a:solidFill>
-                  <a:schemeClr val="tx1"/>
-                </a:solidFill>
-                <a:latin typeface="Times New Roman" charset="0"/>
-                <a:ea typeface="Times New Roman" charset="0"/>
-                <a:cs typeface="Times New Roman" charset="0"/>
-              </a:rPr>
-              <a:t> </a:t>
-            </a:r>
-            <a:r>
-              <a:rPr lang="en-US" altLang="zh-CN" b="1" dirty="0" smtClean="0">
-                <a:solidFill>
-                  <a:schemeClr val="tx1"/>
-                </a:solidFill>
-                <a:latin typeface="Times New Roman" charset="0"/>
-                <a:ea typeface="Times New Roman" charset="0"/>
-                <a:cs typeface="Times New Roman" charset="0"/>
-              </a:rPr>
-              <a:t>MA</a:t>
-            </a:r>
-            <a:endParaRPr lang="en-US" altLang="zh-CN" b="1" dirty="0">
-              <a:solidFill>
-                <a:schemeClr val="tx1"/>
-              </a:solidFill>
-              <a:latin typeface="Times New Roman" charset="0"/>
-              <a:ea typeface="Times New Roman" charset="0"/>
-              <a:cs typeface="Times New Roman" charset="0"/>
-            </a:endParaRPr>
-          </a:p>
-        </p:txBody>
-      </p:sp>
-      <p:sp>
-        <p:nvSpPr>
-          <p:cNvPr id="60" name="终止符 59"/>
-          <p:cNvSpPr/>
-          <p:nvPr/>
-        </p:nvSpPr>
-        <p:spPr>
-          <a:xfrm>
-            <a:off x="9049038" y="983835"/>
-            <a:ext cx="2138161" cy="733089"/>
-          </a:xfrm>
-          <a:prstGeom prst="flowChartTerminator">
-            <a:avLst/>
-          </a:prstGeom>
-          <a:solidFill>
-            <a:schemeClr val="accent1"/>
-          </a:solidFill>
-          <a:ln>
-            <a:noFill/>
-          </a:ln>
-        </p:spPr>
-        <p:style>
-          <a:lnRef idx="2">
-            <a:schemeClr val="accent1">
-              <a:shade val="50000"/>
-            </a:schemeClr>
-          </a:lnRef>
-          <a:fillRef idx="1">
-            <a:schemeClr val="accent1"/>
-          </a:fillRef>
-          <a:effectRef idx="0">
-            <a:schemeClr val="accent1"/>
-          </a:effectRef>
-          <a:fontRef idx="minor">
-            <a:schemeClr val="lt1"/>
-          </a:fontRef>
-        </p:style>
-        <p:txBody>
-          <a:bodyPr rtlCol="0" anchor="ctr"/>
-          <a:lstStyle/>
-          <a:p>
-            <a:pPr algn="ctr"/>
-            <a:r>
-              <a:rPr lang="en-US" altLang="zh-CN" b="1" dirty="0" smtClean="0">
-                <a:latin typeface="Times New Roman" charset="0"/>
-                <a:ea typeface="Times New Roman" charset="0"/>
-                <a:cs typeface="Times New Roman" charset="0"/>
-              </a:rPr>
-              <a:t>Network</a:t>
-            </a:r>
-            <a:r>
-              <a:rPr lang="zh-CN" altLang="en-US" b="1" dirty="0" smtClean="0">
-                <a:latin typeface="Times New Roman" charset="0"/>
-                <a:ea typeface="Times New Roman" charset="0"/>
-                <a:cs typeface="Times New Roman" charset="0"/>
-              </a:rPr>
-              <a:t> </a:t>
-            </a:r>
-            <a:r>
-              <a:rPr lang="en-US" altLang="zh-CN" b="1" dirty="0" smtClean="0">
-                <a:latin typeface="Times New Roman" charset="0"/>
-                <a:ea typeface="Times New Roman" charset="0"/>
-                <a:cs typeface="Times New Roman" charset="0"/>
-              </a:rPr>
-              <a:t>of</a:t>
-            </a:r>
-            <a:r>
-              <a:rPr lang="zh-CN" altLang="en-US" b="1" dirty="0" smtClean="0">
-                <a:latin typeface="Times New Roman" charset="0"/>
-                <a:ea typeface="Times New Roman" charset="0"/>
-                <a:cs typeface="Times New Roman" charset="0"/>
-              </a:rPr>
-              <a:t> </a:t>
-            </a:r>
-            <a:r>
-              <a:rPr lang="en-US" altLang="zh-CN" b="1" dirty="0" smtClean="0">
-                <a:latin typeface="Times New Roman" charset="0"/>
-                <a:ea typeface="Times New Roman" charset="0"/>
-                <a:cs typeface="Times New Roman" charset="0"/>
-              </a:rPr>
-              <a:t>Timed</a:t>
-            </a:r>
-            <a:r>
-              <a:rPr lang="zh-CN" altLang="en-US" b="1" dirty="0" smtClean="0">
-                <a:latin typeface="Times New Roman" charset="0"/>
-                <a:ea typeface="Times New Roman" charset="0"/>
-                <a:cs typeface="Times New Roman" charset="0"/>
-              </a:rPr>
-              <a:t> </a:t>
-            </a:r>
-            <a:r>
-              <a:rPr lang="en-US" altLang="zh-CN" b="1" dirty="0" smtClean="0">
-                <a:latin typeface="Times New Roman" charset="0"/>
-                <a:ea typeface="Times New Roman" charset="0"/>
-                <a:cs typeface="Times New Roman" charset="0"/>
-              </a:rPr>
-              <a:t>Automata</a:t>
-            </a:r>
-            <a:endParaRPr lang="en-US" altLang="zh-CN" b="1" dirty="0">
-              <a:latin typeface="Times New Roman" charset="0"/>
-              <a:ea typeface="Times New Roman" charset="0"/>
-              <a:cs typeface="Times New Roman" charset="0"/>
-            </a:endParaRPr>
-          </a:p>
-        </p:txBody>
-      </p:sp>
-      <p:sp>
-        <p:nvSpPr>
-          <p:cNvPr id="61" name="矩形 60"/>
-          <p:cNvSpPr/>
-          <p:nvPr/>
-        </p:nvSpPr>
-        <p:spPr>
-          <a:xfrm>
-            <a:off x="678564" y="106692"/>
-            <a:ext cx="10744200" cy="6602866"/>
-          </a:xfrm>
-          <a:prstGeom prst="rect">
-            <a:avLst/>
-          </a:prstGeom>
-          <a:noFill/>
-        </p:spPr>
-        <p:style>
-          <a:lnRef idx="2">
-            <a:schemeClr val="accent1">
-              <a:shade val="50000"/>
-            </a:schemeClr>
-          </a:lnRef>
-          <a:fillRef idx="1">
-            <a:schemeClr val="accent1"/>
-          </a:fillRef>
-          <a:effectRef idx="0">
-            <a:schemeClr val="accent1"/>
-          </a:effectRef>
-          <a:fontRef idx="minor">
-            <a:schemeClr val="lt1"/>
-          </a:fontRef>
-        </p:style>
-        <p:txBody>
-          <a:bodyPr rtlCol="0" anchor="ctr"/>
-          <a:lstStyle/>
-          <a:p>
-            <a:pPr algn="ctr"/>
-            <a:endParaRPr kumimoji="1" lang="zh-CN" altLang="en-US"/>
-          </a:p>
-        </p:txBody>
-      </p:sp>
-      <p:sp>
-        <p:nvSpPr>
-          <p:cNvPr id="62" name="燕尾形箭头 61"/>
-          <p:cNvSpPr/>
-          <p:nvPr/>
-        </p:nvSpPr>
-        <p:spPr>
-          <a:xfrm>
-            <a:off x="5727719" y="2052229"/>
-            <a:ext cx="1022446" cy="284785"/>
-          </a:xfrm>
-          <a:prstGeom prst="notchedRightArrow">
-            <a:avLst/>
-          </a:prstGeom>
-        </p:spPr>
-        <p:style>
-          <a:lnRef idx="2">
-            <a:schemeClr val="accent1">
-              <a:shade val="50000"/>
-            </a:schemeClr>
-          </a:lnRef>
-          <a:fillRef idx="1">
-            <a:schemeClr val="accent1"/>
-          </a:fillRef>
-          <a:effectRef idx="0">
-            <a:schemeClr val="accent1"/>
-          </a:effectRef>
-          <a:fontRef idx="minor">
-            <a:schemeClr val="lt1"/>
-          </a:fontRef>
-        </p:style>
-        <p:txBody>
-          <a:bodyPr rtlCol="0" anchor="ctr"/>
-          <a:lstStyle/>
-          <a:p>
-            <a:pPr algn="ctr"/>
-            <a:endParaRPr kumimoji="1" lang="zh-CN" altLang="en-US"/>
-          </a:p>
-        </p:txBody>
-      </p:sp>
-      <p:sp>
-        <p:nvSpPr>
-          <p:cNvPr id="63" name="燕尾形箭头 62"/>
-          <p:cNvSpPr/>
-          <p:nvPr/>
-        </p:nvSpPr>
-        <p:spPr>
-          <a:xfrm>
-            <a:off x="5710122" y="3475988"/>
-            <a:ext cx="1022446" cy="284785"/>
-          </a:xfrm>
-          <a:prstGeom prst="notchedRightArrow">
-            <a:avLst/>
-          </a:prstGeom>
-        </p:spPr>
-        <p:style>
-          <a:lnRef idx="2">
-            <a:schemeClr val="accent1">
-              <a:shade val="50000"/>
-            </a:schemeClr>
-          </a:lnRef>
-          <a:fillRef idx="1">
-            <a:schemeClr val="accent1"/>
-          </a:fillRef>
-          <a:effectRef idx="0">
-            <a:schemeClr val="accent1"/>
-          </a:effectRef>
-          <a:fontRef idx="minor">
-            <a:schemeClr val="lt1"/>
-          </a:fontRef>
-        </p:style>
-        <p:txBody>
-          <a:bodyPr rtlCol="0" anchor="ctr"/>
-          <a:lstStyle/>
-          <a:p>
-            <a:pPr algn="ctr"/>
-            <a:endParaRPr kumimoji="1" lang="zh-CN" altLang="en-US"/>
-          </a:p>
-        </p:txBody>
-      </p:sp>
-      <p:sp>
-        <p:nvSpPr>
-          <p:cNvPr id="64" name="右箭头 63"/>
-          <p:cNvSpPr/>
-          <p:nvPr/>
-        </p:nvSpPr>
-        <p:spPr>
-          <a:xfrm>
-            <a:off x="5706912" y="4463279"/>
-            <a:ext cx="1060359" cy="288468"/>
-          </a:xfrm>
-          <a:prstGeom prst="rightArrow">
-            <a:avLst/>
-          </a:prstGeom>
-        </p:spPr>
-        <p:style>
-          <a:lnRef idx="2">
-            <a:schemeClr val="accent1">
-              <a:shade val="50000"/>
-            </a:schemeClr>
-          </a:lnRef>
-          <a:fillRef idx="1">
-            <a:schemeClr val="accent1"/>
-          </a:fillRef>
-          <a:effectRef idx="0">
-            <a:schemeClr val="accent1"/>
-          </a:effectRef>
-          <a:fontRef idx="minor">
-            <a:schemeClr val="lt1"/>
-          </a:fontRef>
-        </p:style>
-        <p:txBody>
-          <a:bodyPr rtlCol="0" anchor="ctr"/>
-          <a:lstStyle/>
-          <a:p>
-            <a:pPr algn="ctr"/>
-            <a:endParaRPr kumimoji="1" lang="zh-CN" altLang="en-US"/>
-          </a:p>
-        </p:txBody>
-      </p:sp>
-      <p:sp>
-        <p:nvSpPr>
-          <p:cNvPr id="79" name="矩形 78"/>
-          <p:cNvSpPr/>
-          <p:nvPr/>
-        </p:nvSpPr>
-        <p:spPr>
-          <a:xfrm>
-            <a:off x="4473184" y="6108932"/>
-            <a:ext cx="6786553" cy="386992"/>
-          </a:xfrm>
-          <a:prstGeom prst="rect">
-            <a:avLst/>
-          </a:prstGeom>
-          <a:solidFill>
-            <a:schemeClr val="bg2"/>
-          </a:solidFill>
-          <a:ln>
-            <a:noFill/>
-          </a:ln>
-        </p:spPr>
-        <p:style>
-          <a:lnRef idx="2">
-            <a:schemeClr val="accent1">
-              <a:shade val="50000"/>
-            </a:schemeClr>
-          </a:lnRef>
-          <a:fillRef idx="1">
-            <a:schemeClr val="accent1"/>
-          </a:fillRef>
-          <a:effectRef idx="0">
-            <a:schemeClr val="accent1"/>
-          </a:effectRef>
-          <a:fontRef idx="minor">
-            <a:schemeClr val="lt1"/>
-          </a:fontRef>
-        </p:style>
-        <p:txBody>
-          <a:bodyPr rtlCol="0" anchor="ctr"/>
-          <a:lstStyle/>
-          <a:p>
-            <a:pPr algn="ctr"/>
-            <a:r>
-              <a:rPr kumimoji="1" lang="en-US" altLang="zh-CN" b="1" dirty="0" smtClean="0">
-                <a:solidFill>
-                  <a:schemeClr val="tx1"/>
-                </a:solidFill>
-              </a:rPr>
-              <a:t>Co-simulation</a:t>
-            </a:r>
-            <a:r>
-              <a:rPr kumimoji="1" lang="zh-CN" altLang="en-US" b="1" dirty="0" smtClean="0">
-                <a:solidFill>
-                  <a:schemeClr val="tx1"/>
-                </a:solidFill>
-              </a:rPr>
-              <a:t> </a:t>
-            </a:r>
-            <a:r>
-              <a:rPr kumimoji="1" lang="en-US" altLang="zh-CN" b="1" dirty="0" smtClean="0">
-                <a:solidFill>
-                  <a:schemeClr val="tx1"/>
-                </a:solidFill>
-              </a:rPr>
-              <a:t>Engine</a:t>
-            </a:r>
-            <a:endParaRPr kumimoji="1" lang="zh-CN" altLang="en-US" b="1" dirty="0">
-              <a:solidFill>
-                <a:schemeClr val="tx1"/>
-              </a:solidFill>
-            </a:endParaRPr>
-          </a:p>
-        </p:txBody>
-      </p:sp>
-      <p:sp>
-        <p:nvSpPr>
-          <p:cNvPr id="81" name="左箭头 80"/>
-          <p:cNvSpPr/>
-          <p:nvPr/>
-        </p:nvSpPr>
-        <p:spPr>
-          <a:xfrm>
-            <a:off x="3361331" y="6181162"/>
-            <a:ext cx="1111854" cy="246784"/>
-          </a:xfrm>
-          <a:prstGeom prst="leftArrow">
-            <a:avLst/>
-          </a:prstGeom>
-          <a:noFill/>
-          <a:ln>
-            <a:solidFill>
-              <a:schemeClr val="bg2"/>
-            </a:solidFill>
-          </a:ln>
-          <a:effectLst>
-            <a:outerShdw blurRad="50800" dist="50800" dir="5400000" algn="ctr" rotWithShape="0">
-              <a:schemeClr val="bg1"/>
-            </a:outerShdw>
-          </a:effectLst>
-        </p:spPr>
-        <p:style>
-          <a:lnRef idx="2">
-            <a:schemeClr val="accent1">
-              <a:shade val="50000"/>
-            </a:schemeClr>
-          </a:lnRef>
-          <a:fillRef idx="1">
-            <a:schemeClr val="accent1"/>
-          </a:fillRef>
-          <a:effectRef idx="0">
-            <a:schemeClr val="accent1"/>
-          </a:effectRef>
-          <a:fontRef idx="minor">
-            <a:schemeClr val="lt1"/>
-          </a:fontRef>
-        </p:style>
-        <p:txBody>
-          <a:bodyPr rtlCol="0" anchor="ctr"/>
-          <a:lstStyle/>
-          <a:p>
-            <a:pPr algn="ctr"/>
-            <a:endParaRPr kumimoji="1" lang="zh-CN" altLang="en-US"/>
-          </a:p>
-        </p:txBody>
-      </p:sp>
-      <p:sp>
-        <p:nvSpPr>
-          <p:cNvPr id="82" name="折角形 81"/>
-          <p:cNvSpPr/>
-          <p:nvPr/>
-        </p:nvSpPr>
-        <p:spPr>
-          <a:xfrm>
-            <a:off x="870967" y="6062628"/>
-            <a:ext cx="2490363" cy="445082"/>
-          </a:xfrm>
-          <a:prstGeom prst="foldedCorner">
-            <a:avLst/>
-          </a:prstGeom>
-          <a:solidFill>
-            <a:schemeClr val="bg2"/>
-          </a:solidFill>
-          <a:ln>
-            <a:noFill/>
-          </a:ln>
-        </p:spPr>
-        <p:style>
-          <a:lnRef idx="2">
-            <a:schemeClr val="accent1">
-              <a:shade val="50000"/>
-            </a:schemeClr>
-          </a:lnRef>
-          <a:fillRef idx="1">
-            <a:schemeClr val="accent1"/>
-          </a:fillRef>
-          <a:effectRef idx="0">
-            <a:schemeClr val="accent1"/>
-          </a:effectRef>
-          <a:fontRef idx="minor">
-            <a:schemeClr val="lt1"/>
-          </a:fontRef>
-        </p:style>
-        <p:txBody>
-          <a:bodyPr rtlCol="0" anchor="ctr"/>
-          <a:lstStyle/>
-          <a:p>
-            <a:pPr algn="ctr"/>
-            <a:r>
-              <a:rPr kumimoji="1" lang="en-US" altLang="zh-CN" b="1" dirty="0" smtClean="0">
-                <a:solidFill>
-                  <a:schemeClr val="tx1"/>
-                </a:solidFill>
-              </a:rPr>
-              <a:t>Simulation</a:t>
-            </a:r>
-            <a:r>
-              <a:rPr kumimoji="1" lang="zh-CN" altLang="en-US" b="1" dirty="0" smtClean="0">
-                <a:solidFill>
-                  <a:schemeClr val="tx1"/>
-                </a:solidFill>
-              </a:rPr>
-              <a:t> </a:t>
-            </a:r>
-            <a:r>
-              <a:rPr kumimoji="1" lang="en-US" altLang="zh-CN" b="1" dirty="0">
-                <a:solidFill>
-                  <a:schemeClr val="tx1"/>
-                </a:solidFill>
-              </a:rPr>
-              <a:t>t</a:t>
-            </a:r>
-            <a:r>
-              <a:rPr kumimoji="1" lang="en-US" altLang="zh-CN" b="1" dirty="0" smtClean="0">
-                <a:solidFill>
-                  <a:schemeClr val="tx1"/>
-                </a:solidFill>
-              </a:rPr>
-              <a:t>race</a:t>
-            </a:r>
-            <a:endParaRPr kumimoji="1" lang="zh-CN" altLang="en-US" b="1" dirty="0">
-              <a:solidFill>
-                <a:schemeClr val="tx1"/>
-              </a:solidFill>
-            </a:endParaRPr>
-          </a:p>
-        </p:txBody>
-      </p:sp>
-      <p:sp>
-        <p:nvSpPr>
-          <p:cNvPr id="83" name="矩形 82"/>
-          <p:cNvSpPr/>
-          <p:nvPr/>
-        </p:nvSpPr>
-        <p:spPr>
-          <a:xfrm>
-            <a:off x="782036" y="5727729"/>
-            <a:ext cx="10569478" cy="817161"/>
-          </a:xfrm>
-          <a:prstGeom prst="rect">
-            <a:avLst/>
-          </a:prstGeom>
-          <a:noFill/>
-          <a:ln>
-            <a:solidFill>
-              <a:schemeClr val="bg2"/>
-            </a:solidFill>
-            <a:prstDash val="dash"/>
-          </a:ln>
-        </p:spPr>
-        <p:style>
-          <a:lnRef idx="2">
-            <a:schemeClr val="accent1">
-              <a:shade val="50000"/>
-            </a:schemeClr>
-          </a:lnRef>
-          <a:fillRef idx="1">
-            <a:schemeClr val="accent1"/>
-          </a:fillRef>
-          <a:effectRef idx="0">
-            <a:schemeClr val="accent1"/>
-          </a:effectRef>
-          <a:fontRef idx="minor">
-            <a:schemeClr val="lt1"/>
-          </a:fontRef>
-        </p:style>
-        <p:txBody>
-          <a:bodyPr rtlCol="0" anchor="ctr"/>
-          <a:lstStyle/>
-          <a:p>
-            <a:pPr algn="ctr"/>
-            <a:endParaRPr kumimoji="1" lang="zh-CN" altLang="en-US" b="1">
-              <a:latin typeface="Times New Roman" charset="0"/>
-              <a:ea typeface="Times New Roman" charset="0"/>
-              <a:cs typeface="Times New Roman" charset="0"/>
-            </a:endParaRPr>
-          </a:p>
-        </p:txBody>
-      </p:sp>
-      <p:sp>
-        <p:nvSpPr>
-          <p:cNvPr id="51" name="文本框 50"/>
-          <p:cNvSpPr txBox="1"/>
-          <p:nvPr/>
-        </p:nvSpPr>
-        <p:spPr>
-          <a:xfrm>
-            <a:off x="9043183" y="5674922"/>
-            <a:ext cx="2224506" cy="369332"/>
-          </a:xfrm>
-          <a:prstGeom prst="rect">
-            <a:avLst/>
-          </a:prstGeom>
-          <a:noFill/>
-        </p:spPr>
-        <p:txBody>
-          <a:bodyPr wrap="square" rtlCol="0">
-            <a:spAutoFit/>
-          </a:bodyPr>
-          <a:lstStyle/>
-          <a:p>
-            <a:r>
-              <a:rPr kumimoji="1" lang="en-US" altLang="zh-CN" b="1" dirty="0" smtClean="0">
-                <a:latin typeface="Times New Roman" charset="0"/>
-                <a:ea typeface="Times New Roman" charset="0"/>
-                <a:cs typeface="Times New Roman" charset="0"/>
-              </a:rPr>
-              <a:t>Co-simulation</a:t>
-            </a:r>
-            <a:r>
-              <a:rPr kumimoji="1" lang="zh-CN" altLang="en-US" b="1" dirty="0" smtClean="0">
-                <a:latin typeface="Times New Roman" charset="0"/>
-                <a:ea typeface="Times New Roman" charset="0"/>
-                <a:cs typeface="Times New Roman" charset="0"/>
-              </a:rPr>
-              <a:t> </a:t>
-            </a:r>
-            <a:r>
-              <a:rPr kumimoji="1" lang="en-US" altLang="zh-CN" b="1" dirty="0" smtClean="0">
-                <a:latin typeface="Times New Roman" charset="0"/>
-                <a:ea typeface="Times New Roman" charset="0"/>
-                <a:cs typeface="Times New Roman" charset="0"/>
-              </a:rPr>
-              <a:t>phase</a:t>
-            </a:r>
-            <a:endParaRPr kumimoji="1" lang="zh-CN" altLang="en-US" b="1" dirty="0">
-              <a:latin typeface="Times New Roman" charset="0"/>
-              <a:ea typeface="Times New Roman" charset="0"/>
-              <a:cs typeface="Times New Roman" charset="0"/>
-            </a:endParaRPr>
-          </a:p>
-        </p:txBody>
-      </p:sp>
-      <p:sp>
-        <p:nvSpPr>
           <p:cNvPr id="5" name="直角上箭头 4"/>
           <p:cNvSpPr/>
           <p:nvPr/>
         </p:nvSpPr>
         <p:spPr>
           <a:xfrm>
-            <a:off x="8581921" y="3341427"/>
+            <a:off x="8567633" y="3341427"/>
             <a:ext cx="1487142" cy="1422249"/>
           </a:xfrm>
           <a:prstGeom prst="bentUpArrow">
@@ -9031,6 +6081,44 @@
                 <a:cs typeface="Times New Roman" charset="0"/>
               </a:rPr>
               <a:t>model</a:t>
+            </a:r>
+            <a:endParaRPr kumimoji="1" lang="zh-CN" altLang="en-US" b="1" dirty="0">
+              <a:latin typeface="Times New Roman" charset="0"/>
+              <a:ea typeface="Times New Roman" charset="0"/>
+              <a:cs typeface="Times New Roman" charset="0"/>
+            </a:endParaRPr>
+          </a:p>
+        </p:txBody>
+      </p:sp>
+      <p:sp>
+        <p:nvSpPr>
+          <p:cNvPr id="52" name="文本框 51"/>
+          <p:cNvSpPr txBox="1"/>
+          <p:nvPr/>
+        </p:nvSpPr>
+        <p:spPr>
+          <a:xfrm>
+            <a:off x="3423487" y="5905720"/>
+            <a:ext cx="1342043" cy="369332"/>
+          </a:xfrm>
+          <a:prstGeom prst="rect">
+            <a:avLst/>
+          </a:prstGeom>
+          <a:noFill/>
+        </p:spPr>
+        <p:txBody>
+          <a:bodyPr wrap="square" rtlCol="0">
+            <a:spAutoFit/>
+          </a:bodyPr>
+          <a:lstStyle/>
+          <a:p>
+            <a:r>
+              <a:rPr kumimoji="1" lang="en-US" altLang="zh-CN" b="1" dirty="0" smtClean="0">
+                <a:latin typeface="Times New Roman" charset="0"/>
+                <a:ea typeface="Times New Roman" charset="0"/>
+                <a:cs typeface="Times New Roman" charset="0"/>
+              </a:rPr>
+              <a:t>generate</a:t>
             </a:r>
             <a:endParaRPr kumimoji="1" lang="zh-CN" altLang="en-US" b="1" dirty="0">
               <a:latin typeface="Times New Roman" charset="0"/>

--- a/COMPSAC-COMA/ppt/co-sim.pptx
+++ b/COMPSAC-COMA/ppt/co-sim.pptx
@@ -197,7 +197,7 @@
           <a:p>
             <a:fld id="{D38FC75E-566F-8C4B-92C9-B07534AD11D1}" type="datetimeFigureOut">
               <a:rPr kumimoji="1" lang="zh-CN" altLang="en-US" smtClean="0"/>
-              <a:t>2018/1/8</a:t>
+              <a:t>2018/1/9</a:t>
             </a:fld>
             <a:endParaRPr kumimoji="1" lang="zh-CN" altLang="en-US"/>
           </a:p>
@@ -596,7 +596,7 @@
           <a:p>
             <a:fld id="{4A633183-09AE-CC40-B5FC-8B4DA727F5C8}" type="datetimeFigureOut">
               <a:rPr kumimoji="1" lang="zh-CN" altLang="en-US" smtClean="0"/>
-              <a:t>2018/1/8</a:t>
+              <a:t>2018/1/9</a:t>
             </a:fld>
             <a:endParaRPr kumimoji="1" lang="zh-CN" altLang="en-US"/>
           </a:p>
@@ -766,7 +766,7 @@
           <a:p>
             <a:fld id="{4A633183-09AE-CC40-B5FC-8B4DA727F5C8}" type="datetimeFigureOut">
               <a:rPr kumimoji="1" lang="zh-CN" altLang="en-US" smtClean="0"/>
-              <a:t>2018/1/8</a:t>
+              <a:t>2018/1/9</a:t>
             </a:fld>
             <a:endParaRPr kumimoji="1" lang="zh-CN" altLang="en-US"/>
           </a:p>
@@ -946,7 +946,7 @@
           <a:p>
             <a:fld id="{4A633183-09AE-CC40-B5FC-8B4DA727F5C8}" type="datetimeFigureOut">
               <a:rPr kumimoji="1" lang="zh-CN" altLang="en-US" smtClean="0"/>
-              <a:t>2018/1/8</a:t>
+              <a:t>2018/1/9</a:t>
             </a:fld>
             <a:endParaRPr kumimoji="1" lang="zh-CN" altLang="en-US"/>
           </a:p>
@@ -1116,7 +1116,7 @@
           <a:p>
             <a:fld id="{4A633183-09AE-CC40-B5FC-8B4DA727F5C8}" type="datetimeFigureOut">
               <a:rPr kumimoji="1" lang="zh-CN" altLang="en-US" smtClean="0"/>
-              <a:t>2018/1/8</a:t>
+              <a:t>2018/1/9</a:t>
             </a:fld>
             <a:endParaRPr kumimoji="1" lang="zh-CN" altLang="en-US"/>
           </a:p>
@@ -1362,7 +1362,7 @@
           <a:p>
             <a:fld id="{4A633183-09AE-CC40-B5FC-8B4DA727F5C8}" type="datetimeFigureOut">
               <a:rPr kumimoji="1" lang="zh-CN" altLang="en-US" smtClean="0"/>
-              <a:t>2018/1/8</a:t>
+              <a:t>2018/1/9</a:t>
             </a:fld>
             <a:endParaRPr kumimoji="1" lang="zh-CN" altLang="en-US"/>
           </a:p>
@@ -1594,7 +1594,7 @@
           <a:p>
             <a:fld id="{4A633183-09AE-CC40-B5FC-8B4DA727F5C8}" type="datetimeFigureOut">
               <a:rPr kumimoji="1" lang="zh-CN" altLang="en-US" smtClean="0"/>
-              <a:t>2018/1/8</a:t>
+              <a:t>2018/1/9</a:t>
             </a:fld>
             <a:endParaRPr kumimoji="1" lang="zh-CN" altLang="en-US"/>
           </a:p>
@@ -1961,7 +1961,7 @@
           <a:p>
             <a:fld id="{4A633183-09AE-CC40-B5FC-8B4DA727F5C8}" type="datetimeFigureOut">
               <a:rPr kumimoji="1" lang="zh-CN" altLang="en-US" smtClean="0"/>
-              <a:t>2018/1/8</a:t>
+              <a:t>2018/1/9</a:t>
             </a:fld>
             <a:endParaRPr kumimoji="1" lang="zh-CN" altLang="en-US"/>
           </a:p>
@@ -2079,7 +2079,7 @@
           <a:p>
             <a:fld id="{4A633183-09AE-CC40-B5FC-8B4DA727F5C8}" type="datetimeFigureOut">
               <a:rPr kumimoji="1" lang="zh-CN" altLang="en-US" smtClean="0"/>
-              <a:t>2018/1/8</a:t>
+              <a:t>2018/1/9</a:t>
             </a:fld>
             <a:endParaRPr kumimoji="1" lang="zh-CN" altLang="en-US"/>
           </a:p>
@@ -2174,7 +2174,7 @@
           <a:p>
             <a:fld id="{4A633183-09AE-CC40-B5FC-8B4DA727F5C8}" type="datetimeFigureOut">
               <a:rPr kumimoji="1" lang="zh-CN" altLang="en-US" smtClean="0"/>
-              <a:t>2018/1/8</a:t>
+              <a:t>2018/1/9</a:t>
             </a:fld>
             <a:endParaRPr kumimoji="1" lang="zh-CN" altLang="en-US"/>
           </a:p>
@@ -2451,7 +2451,7 @@
           <a:p>
             <a:fld id="{4A633183-09AE-CC40-B5FC-8B4DA727F5C8}" type="datetimeFigureOut">
               <a:rPr kumimoji="1" lang="zh-CN" altLang="en-US" smtClean="0"/>
-              <a:t>2018/1/8</a:t>
+              <a:t>2018/1/9</a:t>
             </a:fld>
             <a:endParaRPr kumimoji="1" lang="zh-CN" altLang="en-US"/>
           </a:p>
@@ -2704,7 +2704,7 @@
           <a:p>
             <a:fld id="{4A633183-09AE-CC40-B5FC-8B4DA727F5C8}" type="datetimeFigureOut">
               <a:rPr kumimoji="1" lang="zh-CN" altLang="en-US" smtClean="0"/>
-              <a:t>2018/1/8</a:t>
+              <a:t>2018/1/9</a:t>
             </a:fld>
             <a:endParaRPr kumimoji="1" lang="zh-CN" altLang="en-US"/>
           </a:p>
@@ -2917,7 +2917,7 @@
           <a:p>
             <a:fld id="{4A633183-09AE-CC40-B5FC-8B4DA727F5C8}" type="datetimeFigureOut">
               <a:rPr kumimoji="1" lang="zh-CN" altLang="en-US" smtClean="0"/>
-              <a:t>2018/1/8</a:t>
+              <a:t>2018/1/9</a:t>
             </a:fld>
             <a:endParaRPr kumimoji="1" lang="zh-CN" altLang="en-US"/>
           </a:p>
@@ -3925,8 +3925,8 @@
         </p:nvSpPr>
         <p:spPr>
           <a:xfrm>
-            <a:off x="3789153" y="268629"/>
-            <a:ext cx="2120584" cy="369332"/>
+            <a:off x="3789153" y="233004"/>
+            <a:ext cx="2120584" cy="646331"/>
           </a:xfrm>
           <a:prstGeom prst="rect">
             <a:avLst/>
@@ -3939,13 +3939,22 @@
           </a:bodyPr>
           <a:lstStyle/>
           <a:p>
+            <a:pPr algn="ctr"/>
             <a:r>
               <a:rPr kumimoji="1" lang="en-US" altLang="zh-CN" b="1" dirty="0" smtClean="0">
                 <a:latin typeface="Times New Roman" charset="0"/>
                 <a:ea typeface="Times New Roman" charset="0"/>
                 <a:cs typeface="Times New Roman" charset="0"/>
               </a:rPr>
-              <a:t>Coordination</a:t>
+              <a:t>Architecture </a:t>
+            </a:r>
+            <a:r>
+              <a:rPr kumimoji="1" lang="en-US" altLang="zh-CN" b="1" dirty="0">
+                <a:latin typeface="Times New Roman" charset="0"/>
+                <a:ea typeface="Times New Roman" charset="0"/>
+                <a:cs typeface="Times New Roman" charset="0"/>
+              </a:rPr>
+              <a:t>design</a:t>
             </a:r>
             <a:r>
               <a:rPr kumimoji="1" lang="zh-CN" altLang="en-US" b="1" dirty="0" smtClean="0">
@@ -5699,7 +5708,9 @@
           <a:noFill/>
           <a:ln>
             <a:solidFill>
-              <a:schemeClr val="bg2"/>
+              <a:schemeClr val="bg2">
+                <a:lumMod val="75000"/>
+              </a:schemeClr>
             </a:solidFill>
             <a:prstDash val="dash"/>
           </a:ln>
@@ -5726,6 +5737,11 @@
           <a:p>
             <a:pPr algn="ctr"/>
             <a:endParaRPr kumimoji="1" lang="zh-CN" altLang="en-US" b="1">
+              <a:solidFill>
+                <a:schemeClr val="bg2">
+                  <a:lumMod val="25000"/>
+                </a:schemeClr>
+              </a:solidFill>
               <a:latin typeface="Times New Roman" charset="0"/>
               <a:ea typeface="Times New Roman" charset="0"/>
               <a:cs typeface="Times New Roman" charset="0"/>

--- a/COMPSAC-COMA/ppt/co-sim.pptx
+++ b/COMPSAC-COMA/ppt/co-sim.pptx
@@ -5,10 +5,11 @@
     <p:sldMasterId id="2147483648" r:id="rId1"/>
   </p:sldMasterIdLst>
   <p:notesMasterIdLst>
-    <p:notesMasterId r:id="rId3"/>
+    <p:notesMasterId r:id="rId4"/>
   </p:notesMasterIdLst>
   <p:sldIdLst>
     <p:sldId id="257" r:id="rId2"/>
+    <p:sldId id="258" r:id="rId3"/>
   </p:sldIdLst>
   <p:sldSz cx="12192000" cy="6858000"/>
   <p:notesSz cx="6858000" cy="9144000"/>
@@ -109,10 +110,25 @@
   </p:defaultTextStyle>
   <p:extLst>
     <p:ext uri="{EFAFB233-063F-42B5-8137-9DF3F51BA10A}">
-      <p15:sldGuideLst xmlns:p15="http://schemas.microsoft.com/office/powerpoint/2012/main"/>
+      <p15:sldGuideLst xmlns:p15="http://schemas.microsoft.com/office/powerpoint/2012/main">
+        <p15:guide id="1" orient="horz" pos="2160">
+          <p15:clr>
+            <a:srgbClr val="A4A3A4"/>
+          </p15:clr>
+        </p15:guide>
+        <p15:guide id="2" pos="3840">
+          <p15:clr>
+            <a:srgbClr val="A4A3A4"/>
+          </p15:clr>
+        </p15:guide>
+      </p15:sldGuideLst>
     </p:ext>
   </p:extLst>
 </p:presentation>
+</file>
+
+<file path=ppt/revisionInfo.xml><?xml version="1.0" encoding="utf-8"?>
+<p1510:revInfo xmlns:a="http://schemas.openxmlformats.org/drawingml/2006/main" xmlns:r="http://schemas.openxmlformats.org/officeDocument/2006/relationships" xmlns:p1510="http://schemas.microsoft.com/office/powerpoint/2015/10/main"/>
 </file>
 
 <file path=ppt/notesMasters/notesMaster1.xml><?xml version="1.0" encoding="utf-8"?>
@@ -197,7 +213,8 @@
           <a:p>
             <a:fld id="{D38FC75E-566F-8C4B-92C9-B07534AD11D1}" type="datetimeFigureOut">
               <a:rPr kumimoji="1" lang="zh-CN" altLang="en-US" smtClean="0"/>
-              <a:t>2018/1/9</a:t>
+              <a:pPr/>
+              <a:t>2018/1/12</a:t>
             </a:fld>
             <a:endParaRPr kumimoji="1" lang="zh-CN" altLang="en-US"/>
           </a:p>
@@ -261,38 +278,37 @@
           <a:p>
             <a:pPr lvl="0"/>
             <a:r>
-              <a:rPr kumimoji="1" lang="zh-CN" altLang="en-US" smtClean="0"/>
+              <a:rPr kumimoji="1" lang="zh-CN" altLang="en-US"/>
               <a:t>单击此处编辑母版文本样式</a:t>
             </a:r>
           </a:p>
           <a:p>
             <a:pPr lvl="1"/>
             <a:r>
-              <a:rPr kumimoji="1" lang="zh-CN" altLang="en-US" smtClean="0"/>
+              <a:rPr kumimoji="1" lang="zh-CN" altLang="en-US"/>
               <a:t>二级</a:t>
             </a:r>
           </a:p>
           <a:p>
             <a:pPr lvl="2"/>
             <a:r>
-              <a:rPr kumimoji="1" lang="zh-CN" altLang="en-US" smtClean="0"/>
+              <a:rPr kumimoji="1" lang="zh-CN" altLang="en-US"/>
               <a:t>三级</a:t>
             </a:r>
           </a:p>
           <a:p>
             <a:pPr lvl="3"/>
             <a:r>
-              <a:rPr kumimoji="1" lang="zh-CN" altLang="en-US" smtClean="0"/>
+              <a:rPr kumimoji="1" lang="zh-CN" altLang="en-US"/>
               <a:t>四级</a:t>
             </a:r>
           </a:p>
           <a:p>
             <a:pPr lvl="4"/>
             <a:r>
-              <a:rPr kumimoji="1" lang="zh-CN" altLang="en-US" smtClean="0"/>
+              <a:rPr kumimoji="1" lang="zh-CN" altLang="en-US"/>
               <a:t>五级</a:t>
             </a:r>
-            <a:endParaRPr kumimoji="1" lang="zh-CN" altLang="en-US"/>
           </a:p>
         </p:txBody>
       </p:sp>
@@ -356,6 +372,7 @@
           <a:p>
             <a:fld id="{8E1A477C-B6A7-1F44-A71F-D748866CF1EA}" type="slidenum">
               <a:rPr kumimoji="1" lang="zh-CN" altLang="en-US" smtClean="0"/>
+              <a:pPr/>
               <a:t>‹#›</a:t>
             </a:fld>
             <a:endParaRPr kumimoji="1" lang="zh-CN" altLang="en-US"/>
@@ -507,10 +524,9 @@
           </a:lstStyle>
           <a:p>
             <a:r>
-              <a:rPr kumimoji="1" lang="zh-CN" altLang="en-US" smtClean="0"/>
+              <a:rPr kumimoji="1" lang="zh-CN" altLang="en-US"/>
               <a:t>单击此处编辑母版标题样式</a:t>
             </a:r>
-            <a:endParaRPr kumimoji="1" lang="zh-CN" altLang="en-US"/>
           </a:p>
         </p:txBody>
       </p:sp>
@@ -572,10 +588,9 @@
           </a:lstStyle>
           <a:p>
             <a:r>
-              <a:rPr kumimoji="1" lang="zh-CN" altLang="en-US" smtClean="0"/>
+              <a:rPr kumimoji="1" lang="zh-CN" altLang="en-US"/>
               <a:t>单击此处编辑母版副标题样式</a:t>
             </a:r>
-            <a:endParaRPr kumimoji="1" lang="zh-CN" altLang="en-US"/>
           </a:p>
         </p:txBody>
       </p:sp>
@@ -596,7 +611,8 @@
           <a:p>
             <a:fld id="{4A633183-09AE-CC40-B5FC-8B4DA727F5C8}" type="datetimeFigureOut">
               <a:rPr kumimoji="1" lang="zh-CN" altLang="en-US" smtClean="0"/>
-              <a:t>2018/1/9</a:t>
+              <a:pPr/>
+              <a:t>2018/1/12</a:t>
             </a:fld>
             <a:endParaRPr kumimoji="1" lang="zh-CN" altLang="en-US"/>
           </a:p>
@@ -638,6 +654,7 @@
           <a:p>
             <a:fld id="{5ADD0EF5-7176-7340-9313-0988A93F0F64}" type="slidenum">
               <a:rPr kumimoji="1" lang="zh-CN" altLang="en-US" smtClean="0"/>
+              <a:pPr/>
               <a:t>‹#›</a:t>
             </a:fld>
             <a:endParaRPr kumimoji="1" lang="zh-CN" altLang="en-US"/>
@@ -690,10 +707,9 @@
           <a:lstStyle/>
           <a:p>
             <a:r>
-              <a:rPr kumimoji="1" lang="zh-CN" altLang="en-US" smtClean="0"/>
+              <a:rPr kumimoji="1" lang="zh-CN" altLang="en-US"/>
               <a:t>单击此处编辑母版标题样式</a:t>
             </a:r>
-            <a:endParaRPr kumimoji="1" lang="zh-CN" altLang="en-US"/>
           </a:p>
         </p:txBody>
       </p:sp>
@@ -714,38 +730,37 @@
           <a:p>
             <a:pPr lvl="0"/>
             <a:r>
-              <a:rPr kumimoji="1" lang="zh-CN" altLang="en-US" smtClean="0"/>
+              <a:rPr kumimoji="1" lang="zh-CN" altLang="en-US"/>
               <a:t>单击此处编辑母版文本样式</a:t>
             </a:r>
           </a:p>
           <a:p>
             <a:pPr lvl="1"/>
             <a:r>
-              <a:rPr kumimoji="1" lang="zh-CN" altLang="en-US" smtClean="0"/>
+              <a:rPr kumimoji="1" lang="zh-CN" altLang="en-US"/>
               <a:t>二级</a:t>
             </a:r>
           </a:p>
           <a:p>
             <a:pPr lvl="2"/>
             <a:r>
-              <a:rPr kumimoji="1" lang="zh-CN" altLang="en-US" smtClean="0"/>
+              <a:rPr kumimoji="1" lang="zh-CN" altLang="en-US"/>
               <a:t>三级</a:t>
             </a:r>
           </a:p>
           <a:p>
             <a:pPr lvl="3"/>
             <a:r>
-              <a:rPr kumimoji="1" lang="zh-CN" altLang="en-US" smtClean="0"/>
+              <a:rPr kumimoji="1" lang="zh-CN" altLang="en-US"/>
               <a:t>四级</a:t>
             </a:r>
           </a:p>
           <a:p>
             <a:pPr lvl="4"/>
             <a:r>
-              <a:rPr kumimoji="1" lang="zh-CN" altLang="en-US" smtClean="0"/>
+              <a:rPr kumimoji="1" lang="zh-CN" altLang="en-US"/>
               <a:t>五级</a:t>
             </a:r>
-            <a:endParaRPr kumimoji="1" lang="zh-CN" altLang="en-US"/>
           </a:p>
         </p:txBody>
       </p:sp>
@@ -766,7 +781,8 @@
           <a:p>
             <a:fld id="{4A633183-09AE-CC40-B5FC-8B4DA727F5C8}" type="datetimeFigureOut">
               <a:rPr kumimoji="1" lang="zh-CN" altLang="en-US" smtClean="0"/>
-              <a:t>2018/1/9</a:t>
+              <a:pPr/>
+              <a:t>2018/1/12</a:t>
             </a:fld>
             <a:endParaRPr kumimoji="1" lang="zh-CN" altLang="en-US"/>
           </a:p>
@@ -808,6 +824,7 @@
           <a:p>
             <a:fld id="{5ADD0EF5-7176-7340-9313-0988A93F0F64}" type="slidenum">
               <a:rPr kumimoji="1" lang="zh-CN" altLang="en-US" smtClean="0"/>
+              <a:pPr/>
               <a:t>‹#›</a:t>
             </a:fld>
             <a:endParaRPr kumimoji="1" lang="zh-CN" altLang="en-US"/>
@@ -865,10 +882,9 @@
           <a:lstStyle/>
           <a:p>
             <a:r>
-              <a:rPr kumimoji="1" lang="zh-CN" altLang="en-US" smtClean="0"/>
+              <a:rPr kumimoji="1" lang="zh-CN" altLang="en-US"/>
               <a:t>单击此处编辑母版标题样式</a:t>
             </a:r>
-            <a:endParaRPr kumimoji="1" lang="zh-CN" altLang="en-US"/>
           </a:p>
         </p:txBody>
       </p:sp>
@@ -894,38 +910,37 @@
           <a:p>
             <a:pPr lvl="0"/>
             <a:r>
-              <a:rPr kumimoji="1" lang="zh-CN" altLang="en-US" smtClean="0"/>
+              <a:rPr kumimoji="1" lang="zh-CN" altLang="en-US"/>
               <a:t>单击此处编辑母版文本样式</a:t>
             </a:r>
           </a:p>
           <a:p>
             <a:pPr lvl="1"/>
             <a:r>
-              <a:rPr kumimoji="1" lang="zh-CN" altLang="en-US" smtClean="0"/>
+              <a:rPr kumimoji="1" lang="zh-CN" altLang="en-US"/>
               <a:t>二级</a:t>
             </a:r>
           </a:p>
           <a:p>
             <a:pPr lvl="2"/>
             <a:r>
-              <a:rPr kumimoji="1" lang="zh-CN" altLang="en-US" smtClean="0"/>
+              <a:rPr kumimoji="1" lang="zh-CN" altLang="en-US"/>
               <a:t>三级</a:t>
             </a:r>
           </a:p>
           <a:p>
             <a:pPr lvl="3"/>
             <a:r>
-              <a:rPr kumimoji="1" lang="zh-CN" altLang="en-US" smtClean="0"/>
+              <a:rPr kumimoji="1" lang="zh-CN" altLang="en-US"/>
               <a:t>四级</a:t>
             </a:r>
           </a:p>
           <a:p>
             <a:pPr lvl="4"/>
             <a:r>
-              <a:rPr kumimoji="1" lang="zh-CN" altLang="en-US" smtClean="0"/>
+              <a:rPr kumimoji="1" lang="zh-CN" altLang="en-US"/>
               <a:t>五级</a:t>
             </a:r>
-            <a:endParaRPr kumimoji="1" lang="zh-CN" altLang="en-US"/>
           </a:p>
         </p:txBody>
       </p:sp>
@@ -946,7 +961,8 @@
           <a:p>
             <a:fld id="{4A633183-09AE-CC40-B5FC-8B4DA727F5C8}" type="datetimeFigureOut">
               <a:rPr kumimoji="1" lang="zh-CN" altLang="en-US" smtClean="0"/>
-              <a:t>2018/1/9</a:t>
+              <a:pPr/>
+              <a:t>2018/1/12</a:t>
             </a:fld>
             <a:endParaRPr kumimoji="1" lang="zh-CN" altLang="en-US"/>
           </a:p>
@@ -988,6 +1004,7 @@
           <a:p>
             <a:fld id="{5ADD0EF5-7176-7340-9313-0988A93F0F64}" type="slidenum">
               <a:rPr kumimoji="1" lang="zh-CN" altLang="en-US" smtClean="0"/>
+              <a:pPr/>
               <a:t>‹#›</a:t>
             </a:fld>
             <a:endParaRPr kumimoji="1" lang="zh-CN" altLang="en-US"/>
@@ -1040,10 +1057,9 @@
           <a:lstStyle/>
           <a:p>
             <a:r>
-              <a:rPr kumimoji="1" lang="zh-CN" altLang="en-US" smtClean="0"/>
+              <a:rPr kumimoji="1" lang="zh-CN" altLang="en-US"/>
               <a:t>单击此处编辑母版标题样式</a:t>
             </a:r>
-            <a:endParaRPr kumimoji="1" lang="zh-CN" altLang="en-US"/>
           </a:p>
         </p:txBody>
       </p:sp>
@@ -1064,38 +1080,37 @@
           <a:p>
             <a:pPr lvl="0"/>
             <a:r>
-              <a:rPr kumimoji="1" lang="zh-CN" altLang="en-US" smtClean="0"/>
+              <a:rPr kumimoji="1" lang="zh-CN" altLang="en-US"/>
               <a:t>单击此处编辑母版文本样式</a:t>
             </a:r>
           </a:p>
           <a:p>
             <a:pPr lvl="1"/>
             <a:r>
-              <a:rPr kumimoji="1" lang="zh-CN" altLang="en-US" smtClean="0"/>
+              <a:rPr kumimoji="1" lang="zh-CN" altLang="en-US"/>
               <a:t>二级</a:t>
             </a:r>
           </a:p>
           <a:p>
             <a:pPr lvl="2"/>
             <a:r>
-              <a:rPr kumimoji="1" lang="zh-CN" altLang="en-US" smtClean="0"/>
+              <a:rPr kumimoji="1" lang="zh-CN" altLang="en-US"/>
               <a:t>三级</a:t>
             </a:r>
           </a:p>
           <a:p>
             <a:pPr lvl="3"/>
             <a:r>
-              <a:rPr kumimoji="1" lang="zh-CN" altLang="en-US" smtClean="0"/>
+              <a:rPr kumimoji="1" lang="zh-CN" altLang="en-US"/>
               <a:t>四级</a:t>
             </a:r>
           </a:p>
           <a:p>
             <a:pPr lvl="4"/>
             <a:r>
-              <a:rPr kumimoji="1" lang="zh-CN" altLang="en-US" smtClean="0"/>
+              <a:rPr kumimoji="1" lang="zh-CN" altLang="en-US"/>
               <a:t>五级</a:t>
             </a:r>
-            <a:endParaRPr kumimoji="1" lang="zh-CN" altLang="en-US"/>
           </a:p>
         </p:txBody>
       </p:sp>
@@ -1116,7 +1131,8 @@
           <a:p>
             <a:fld id="{4A633183-09AE-CC40-B5FC-8B4DA727F5C8}" type="datetimeFigureOut">
               <a:rPr kumimoji="1" lang="zh-CN" altLang="en-US" smtClean="0"/>
-              <a:t>2018/1/9</a:t>
+              <a:pPr/>
+              <a:t>2018/1/12</a:t>
             </a:fld>
             <a:endParaRPr kumimoji="1" lang="zh-CN" altLang="en-US"/>
           </a:p>
@@ -1158,6 +1174,7 @@
           <a:p>
             <a:fld id="{5ADD0EF5-7176-7340-9313-0988A93F0F64}" type="slidenum">
               <a:rPr kumimoji="1" lang="zh-CN" altLang="en-US" smtClean="0"/>
+              <a:pPr/>
               <a:t>‹#›</a:t>
             </a:fld>
             <a:endParaRPr kumimoji="1" lang="zh-CN" altLang="en-US"/>
@@ -1219,10 +1236,9 @@
           </a:lstStyle>
           <a:p>
             <a:r>
-              <a:rPr kumimoji="1" lang="zh-CN" altLang="en-US" smtClean="0"/>
+              <a:rPr kumimoji="1" lang="zh-CN" altLang="en-US"/>
               <a:t>单击此处编辑母版标题样式</a:t>
             </a:r>
-            <a:endParaRPr kumimoji="1" lang="zh-CN" altLang="en-US"/>
           </a:p>
         </p:txBody>
       </p:sp>
@@ -1339,7 +1355,7 @@
           <a:p>
             <a:pPr lvl="0"/>
             <a:r>
-              <a:rPr kumimoji="1" lang="zh-CN" altLang="en-US" smtClean="0"/>
+              <a:rPr kumimoji="1" lang="zh-CN" altLang="en-US"/>
               <a:t>单击此处编辑母版文本样式</a:t>
             </a:r>
           </a:p>
@@ -1362,7 +1378,8 @@
           <a:p>
             <a:fld id="{4A633183-09AE-CC40-B5FC-8B4DA727F5C8}" type="datetimeFigureOut">
               <a:rPr kumimoji="1" lang="zh-CN" altLang="en-US" smtClean="0"/>
-              <a:t>2018/1/9</a:t>
+              <a:pPr/>
+              <a:t>2018/1/12</a:t>
             </a:fld>
             <a:endParaRPr kumimoji="1" lang="zh-CN" altLang="en-US"/>
           </a:p>
@@ -1404,6 +1421,7 @@
           <a:p>
             <a:fld id="{5ADD0EF5-7176-7340-9313-0988A93F0F64}" type="slidenum">
               <a:rPr kumimoji="1" lang="zh-CN" altLang="en-US" smtClean="0"/>
+              <a:pPr/>
               <a:t>‹#›</a:t>
             </a:fld>
             <a:endParaRPr kumimoji="1" lang="zh-CN" altLang="en-US"/>
@@ -1456,10 +1474,9 @@
           <a:lstStyle/>
           <a:p>
             <a:r>
-              <a:rPr kumimoji="1" lang="zh-CN" altLang="en-US" smtClean="0"/>
+              <a:rPr kumimoji="1" lang="zh-CN" altLang="en-US"/>
               <a:t>单击此处编辑母版标题样式</a:t>
             </a:r>
-            <a:endParaRPr kumimoji="1" lang="zh-CN" altLang="en-US"/>
           </a:p>
         </p:txBody>
       </p:sp>
@@ -1485,38 +1502,37 @@
           <a:p>
             <a:pPr lvl="0"/>
             <a:r>
-              <a:rPr kumimoji="1" lang="zh-CN" altLang="en-US" smtClean="0"/>
+              <a:rPr kumimoji="1" lang="zh-CN" altLang="en-US"/>
               <a:t>单击此处编辑母版文本样式</a:t>
             </a:r>
           </a:p>
           <a:p>
             <a:pPr lvl="1"/>
             <a:r>
-              <a:rPr kumimoji="1" lang="zh-CN" altLang="en-US" smtClean="0"/>
+              <a:rPr kumimoji="1" lang="zh-CN" altLang="en-US"/>
               <a:t>二级</a:t>
             </a:r>
           </a:p>
           <a:p>
             <a:pPr lvl="2"/>
             <a:r>
-              <a:rPr kumimoji="1" lang="zh-CN" altLang="en-US" smtClean="0"/>
+              <a:rPr kumimoji="1" lang="zh-CN" altLang="en-US"/>
               <a:t>三级</a:t>
             </a:r>
           </a:p>
           <a:p>
             <a:pPr lvl="3"/>
             <a:r>
-              <a:rPr kumimoji="1" lang="zh-CN" altLang="en-US" smtClean="0"/>
+              <a:rPr kumimoji="1" lang="zh-CN" altLang="en-US"/>
               <a:t>四级</a:t>
             </a:r>
           </a:p>
           <a:p>
             <a:pPr lvl="4"/>
             <a:r>
-              <a:rPr kumimoji="1" lang="zh-CN" altLang="en-US" smtClean="0"/>
+              <a:rPr kumimoji="1" lang="zh-CN" altLang="en-US"/>
               <a:t>五级</a:t>
             </a:r>
-            <a:endParaRPr kumimoji="1" lang="zh-CN" altLang="en-US"/>
           </a:p>
         </p:txBody>
       </p:sp>
@@ -1542,38 +1558,37 @@
           <a:p>
             <a:pPr lvl="0"/>
             <a:r>
-              <a:rPr kumimoji="1" lang="zh-CN" altLang="en-US" smtClean="0"/>
+              <a:rPr kumimoji="1" lang="zh-CN" altLang="en-US"/>
               <a:t>单击此处编辑母版文本样式</a:t>
             </a:r>
           </a:p>
           <a:p>
             <a:pPr lvl="1"/>
             <a:r>
-              <a:rPr kumimoji="1" lang="zh-CN" altLang="en-US" smtClean="0"/>
+              <a:rPr kumimoji="1" lang="zh-CN" altLang="en-US"/>
               <a:t>二级</a:t>
             </a:r>
           </a:p>
           <a:p>
             <a:pPr lvl="2"/>
             <a:r>
-              <a:rPr kumimoji="1" lang="zh-CN" altLang="en-US" smtClean="0"/>
+              <a:rPr kumimoji="1" lang="zh-CN" altLang="en-US"/>
               <a:t>三级</a:t>
             </a:r>
           </a:p>
           <a:p>
             <a:pPr lvl="3"/>
             <a:r>
-              <a:rPr kumimoji="1" lang="zh-CN" altLang="en-US" smtClean="0"/>
+              <a:rPr kumimoji="1" lang="zh-CN" altLang="en-US"/>
               <a:t>四级</a:t>
             </a:r>
           </a:p>
           <a:p>
             <a:pPr lvl="4"/>
             <a:r>
-              <a:rPr kumimoji="1" lang="zh-CN" altLang="en-US" smtClean="0"/>
+              <a:rPr kumimoji="1" lang="zh-CN" altLang="en-US"/>
               <a:t>五级</a:t>
             </a:r>
-            <a:endParaRPr kumimoji="1" lang="zh-CN" altLang="en-US"/>
           </a:p>
         </p:txBody>
       </p:sp>
@@ -1594,7 +1609,8 @@
           <a:p>
             <a:fld id="{4A633183-09AE-CC40-B5FC-8B4DA727F5C8}" type="datetimeFigureOut">
               <a:rPr kumimoji="1" lang="zh-CN" altLang="en-US" smtClean="0"/>
-              <a:t>2018/1/9</a:t>
+              <a:pPr/>
+              <a:t>2018/1/12</a:t>
             </a:fld>
             <a:endParaRPr kumimoji="1" lang="zh-CN" altLang="en-US"/>
           </a:p>
@@ -1636,6 +1652,7 @@
           <a:p>
             <a:fld id="{5ADD0EF5-7176-7340-9313-0988A93F0F64}" type="slidenum">
               <a:rPr kumimoji="1" lang="zh-CN" altLang="en-US" smtClean="0"/>
+              <a:pPr/>
               <a:t>‹#›</a:t>
             </a:fld>
             <a:endParaRPr kumimoji="1" lang="zh-CN" altLang="en-US"/>
@@ -1693,10 +1710,9 @@
           <a:lstStyle/>
           <a:p>
             <a:r>
-              <a:rPr kumimoji="1" lang="zh-CN" altLang="en-US" smtClean="0"/>
+              <a:rPr kumimoji="1" lang="zh-CN" altLang="en-US"/>
               <a:t>单击此处编辑母版标题样式</a:t>
             </a:r>
-            <a:endParaRPr kumimoji="1" lang="zh-CN" altLang="en-US"/>
           </a:p>
         </p:txBody>
       </p:sp>
@@ -1759,7 +1775,7 @@
           <a:p>
             <a:pPr lvl="0"/>
             <a:r>
-              <a:rPr kumimoji="1" lang="zh-CN" altLang="en-US" smtClean="0"/>
+              <a:rPr kumimoji="1" lang="zh-CN" altLang="en-US"/>
               <a:t>单击此处编辑母版文本样式</a:t>
             </a:r>
           </a:p>
@@ -1787,38 +1803,37 @@
           <a:p>
             <a:pPr lvl="0"/>
             <a:r>
-              <a:rPr kumimoji="1" lang="zh-CN" altLang="en-US" smtClean="0"/>
+              <a:rPr kumimoji="1" lang="zh-CN" altLang="en-US"/>
               <a:t>单击此处编辑母版文本样式</a:t>
             </a:r>
           </a:p>
           <a:p>
             <a:pPr lvl="1"/>
             <a:r>
-              <a:rPr kumimoji="1" lang="zh-CN" altLang="en-US" smtClean="0"/>
+              <a:rPr kumimoji="1" lang="zh-CN" altLang="en-US"/>
               <a:t>二级</a:t>
             </a:r>
           </a:p>
           <a:p>
             <a:pPr lvl="2"/>
             <a:r>
-              <a:rPr kumimoji="1" lang="zh-CN" altLang="en-US" smtClean="0"/>
+              <a:rPr kumimoji="1" lang="zh-CN" altLang="en-US"/>
               <a:t>三级</a:t>
             </a:r>
           </a:p>
           <a:p>
             <a:pPr lvl="3"/>
             <a:r>
-              <a:rPr kumimoji="1" lang="zh-CN" altLang="en-US" smtClean="0"/>
+              <a:rPr kumimoji="1" lang="zh-CN" altLang="en-US"/>
               <a:t>四级</a:t>
             </a:r>
           </a:p>
           <a:p>
             <a:pPr lvl="4"/>
             <a:r>
-              <a:rPr kumimoji="1" lang="zh-CN" altLang="en-US" smtClean="0"/>
+              <a:rPr kumimoji="1" lang="zh-CN" altLang="en-US"/>
               <a:t>五级</a:t>
             </a:r>
-            <a:endParaRPr kumimoji="1" lang="zh-CN" altLang="en-US"/>
           </a:p>
         </p:txBody>
       </p:sp>
@@ -1881,7 +1896,7 @@
           <a:p>
             <a:pPr lvl="0"/>
             <a:r>
-              <a:rPr kumimoji="1" lang="zh-CN" altLang="en-US" smtClean="0"/>
+              <a:rPr kumimoji="1" lang="zh-CN" altLang="en-US"/>
               <a:t>单击此处编辑母版文本样式</a:t>
             </a:r>
           </a:p>
@@ -1909,38 +1924,37 @@
           <a:p>
             <a:pPr lvl="0"/>
             <a:r>
-              <a:rPr kumimoji="1" lang="zh-CN" altLang="en-US" smtClean="0"/>
+              <a:rPr kumimoji="1" lang="zh-CN" altLang="en-US"/>
               <a:t>单击此处编辑母版文本样式</a:t>
             </a:r>
           </a:p>
           <a:p>
             <a:pPr lvl="1"/>
             <a:r>
-              <a:rPr kumimoji="1" lang="zh-CN" altLang="en-US" smtClean="0"/>
+              <a:rPr kumimoji="1" lang="zh-CN" altLang="en-US"/>
               <a:t>二级</a:t>
             </a:r>
           </a:p>
           <a:p>
             <a:pPr lvl="2"/>
             <a:r>
-              <a:rPr kumimoji="1" lang="zh-CN" altLang="en-US" smtClean="0"/>
+              <a:rPr kumimoji="1" lang="zh-CN" altLang="en-US"/>
               <a:t>三级</a:t>
             </a:r>
           </a:p>
           <a:p>
             <a:pPr lvl="3"/>
             <a:r>
-              <a:rPr kumimoji="1" lang="zh-CN" altLang="en-US" smtClean="0"/>
+              <a:rPr kumimoji="1" lang="zh-CN" altLang="en-US"/>
               <a:t>四级</a:t>
             </a:r>
           </a:p>
           <a:p>
             <a:pPr lvl="4"/>
             <a:r>
-              <a:rPr kumimoji="1" lang="zh-CN" altLang="en-US" smtClean="0"/>
+              <a:rPr kumimoji="1" lang="zh-CN" altLang="en-US"/>
               <a:t>五级</a:t>
             </a:r>
-            <a:endParaRPr kumimoji="1" lang="zh-CN" altLang="en-US"/>
           </a:p>
         </p:txBody>
       </p:sp>
@@ -1961,7 +1975,8 @@
           <a:p>
             <a:fld id="{4A633183-09AE-CC40-B5FC-8B4DA727F5C8}" type="datetimeFigureOut">
               <a:rPr kumimoji="1" lang="zh-CN" altLang="en-US" smtClean="0"/>
-              <a:t>2018/1/9</a:t>
+              <a:pPr/>
+              <a:t>2018/1/12</a:t>
             </a:fld>
             <a:endParaRPr kumimoji="1" lang="zh-CN" altLang="en-US"/>
           </a:p>
@@ -2003,6 +2018,7 @@
           <a:p>
             <a:fld id="{5ADD0EF5-7176-7340-9313-0988A93F0F64}" type="slidenum">
               <a:rPr kumimoji="1" lang="zh-CN" altLang="en-US" smtClean="0"/>
+              <a:pPr/>
               <a:t>‹#›</a:t>
             </a:fld>
             <a:endParaRPr kumimoji="1" lang="zh-CN" altLang="en-US"/>
@@ -2055,10 +2071,9 @@
           <a:lstStyle/>
           <a:p>
             <a:r>
-              <a:rPr kumimoji="1" lang="zh-CN" altLang="en-US" smtClean="0"/>
+              <a:rPr kumimoji="1" lang="zh-CN" altLang="en-US"/>
               <a:t>单击此处编辑母版标题样式</a:t>
             </a:r>
-            <a:endParaRPr kumimoji="1" lang="zh-CN" altLang="en-US"/>
           </a:p>
         </p:txBody>
       </p:sp>
@@ -2079,7 +2094,8 @@
           <a:p>
             <a:fld id="{4A633183-09AE-CC40-B5FC-8B4DA727F5C8}" type="datetimeFigureOut">
               <a:rPr kumimoji="1" lang="zh-CN" altLang="en-US" smtClean="0"/>
-              <a:t>2018/1/9</a:t>
+              <a:pPr/>
+              <a:t>2018/1/12</a:t>
             </a:fld>
             <a:endParaRPr kumimoji="1" lang="zh-CN" altLang="en-US"/>
           </a:p>
@@ -2121,6 +2137,7 @@
           <a:p>
             <a:fld id="{5ADD0EF5-7176-7340-9313-0988A93F0F64}" type="slidenum">
               <a:rPr kumimoji="1" lang="zh-CN" altLang="en-US" smtClean="0"/>
+              <a:pPr/>
               <a:t>‹#›</a:t>
             </a:fld>
             <a:endParaRPr kumimoji="1" lang="zh-CN" altLang="en-US"/>
@@ -2174,7 +2191,8 @@
           <a:p>
             <a:fld id="{4A633183-09AE-CC40-B5FC-8B4DA727F5C8}" type="datetimeFigureOut">
               <a:rPr kumimoji="1" lang="zh-CN" altLang="en-US" smtClean="0"/>
-              <a:t>2018/1/9</a:t>
+              <a:pPr/>
+              <a:t>2018/1/12</a:t>
             </a:fld>
             <a:endParaRPr kumimoji="1" lang="zh-CN" altLang="en-US"/>
           </a:p>
@@ -2216,6 +2234,7 @@
           <a:p>
             <a:fld id="{5ADD0EF5-7176-7340-9313-0988A93F0F64}" type="slidenum">
               <a:rPr kumimoji="1" lang="zh-CN" altLang="en-US" smtClean="0"/>
+              <a:pPr/>
               <a:t>‹#›</a:t>
             </a:fld>
             <a:endParaRPr kumimoji="1" lang="zh-CN" altLang="en-US"/>
@@ -2277,10 +2296,9 @@
           </a:lstStyle>
           <a:p>
             <a:r>
-              <a:rPr kumimoji="1" lang="zh-CN" altLang="en-US" smtClean="0"/>
+              <a:rPr kumimoji="1" lang="zh-CN" altLang="en-US"/>
               <a:t>单击此处编辑母版标题样式</a:t>
             </a:r>
-            <a:endParaRPr kumimoji="1" lang="zh-CN" altLang="en-US"/>
           </a:p>
         </p:txBody>
       </p:sp>
@@ -2334,38 +2352,37 @@
           <a:p>
             <a:pPr lvl="0"/>
             <a:r>
-              <a:rPr kumimoji="1" lang="zh-CN" altLang="en-US" smtClean="0"/>
+              <a:rPr kumimoji="1" lang="zh-CN" altLang="en-US"/>
               <a:t>单击此处编辑母版文本样式</a:t>
             </a:r>
           </a:p>
           <a:p>
             <a:pPr lvl="1"/>
             <a:r>
-              <a:rPr kumimoji="1" lang="zh-CN" altLang="en-US" smtClean="0"/>
+              <a:rPr kumimoji="1" lang="zh-CN" altLang="en-US"/>
               <a:t>二级</a:t>
             </a:r>
           </a:p>
           <a:p>
             <a:pPr lvl="2"/>
             <a:r>
-              <a:rPr kumimoji="1" lang="zh-CN" altLang="en-US" smtClean="0"/>
+              <a:rPr kumimoji="1" lang="zh-CN" altLang="en-US"/>
               <a:t>三级</a:t>
             </a:r>
           </a:p>
           <a:p>
             <a:pPr lvl="3"/>
             <a:r>
-              <a:rPr kumimoji="1" lang="zh-CN" altLang="en-US" smtClean="0"/>
+              <a:rPr kumimoji="1" lang="zh-CN" altLang="en-US"/>
               <a:t>四级</a:t>
             </a:r>
           </a:p>
           <a:p>
             <a:pPr lvl="4"/>
             <a:r>
-              <a:rPr kumimoji="1" lang="zh-CN" altLang="en-US" smtClean="0"/>
+              <a:rPr kumimoji="1" lang="zh-CN" altLang="en-US"/>
               <a:t>五级</a:t>
             </a:r>
-            <a:endParaRPr kumimoji="1" lang="zh-CN" altLang="en-US"/>
           </a:p>
         </p:txBody>
       </p:sp>
@@ -2428,7 +2445,7 @@
           <a:p>
             <a:pPr lvl="0"/>
             <a:r>
-              <a:rPr kumimoji="1" lang="zh-CN" altLang="en-US" smtClean="0"/>
+              <a:rPr kumimoji="1" lang="zh-CN" altLang="en-US"/>
               <a:t>单击此处编辑母版文本样式</a:t>
             </a:r>
           </a:p>
@@ -2451,7 +2468,8 @@
           <a:p>
             <a:fld id="{4A633183-09AE-CC40-B5FC-8B4DA727F5C8}" type="datetimeFigureOut">
               <a:rPr kumimoji="1" lang="zh-CN" altLang="en-US" smtClean="0"/>
-              <a:t>2018/1/9</a:t>
+              <a:pPr/>
+              <a:t>2018/1/12</a:t>
             </a:fld>
             <a:endParaRPr kumimoji="1" lang="zh-CN" altLang="en-US"/>
           </a:p>
@@ -2493,6 +2511,7 @@
           <a:p>
             <a:fld id="{5ADD0EF5-7176-7340-9313-0988A93F0F64}" type="slidenum">
               <a:rPr kumimoji="1" lang="zh-CN" altLang="en-US" smtClean="0"/>
+              <a:pPr/>
               <a:t>‹#›</a:t>
             </a:fld>
             <a:endParaRPr kumimoji="1" lang="zh-CN" altLang="en-US"/>
@@ -2554,10 +2573,9 @@
           </a:lstStyle>
           <a:p>
             <a:r>
-              <a:rPr kumimoji="1" lang="zh-CN" altLang="en-US" smtClean="0"/>
+              <a:rPr kumimoji="1" lang="zh-CN" altLang="en-US"/>
               <a:t>单击此处编辑母版标题样式</a:t>
             </a:r>
-            <a:endParaRPr kumimoji="1" lang="zh-CN" altLang="en-US"/>
           </a:p>
         </p:txBody>
       </p:sp>
@@ -2681,7 +2699,7 @@
           <a:p>
             <a:pPr lvl="0"/>
             <a:r>
-              <a:rPr kumimoji="1" lang="zh-CN" altLang="en-US" smtClean="0"/>
+              <a:rPr kumimoji="1" lang="zh-CN" altLang="en-US"/>
               <a:t>单击此处编辑母版文本样式</a:t>
             </a:r>
           </a:p>
@@ -2704,7 +2722,8 @@
           <a:p>
             <a:fld id="{4A633183-09AE-CC40-B5FC-8B4DA727F5C8}" type="datetimeFigureOut">
               <a:rPr kumimoji="1" lang="zh-CN" altLang="en-US" smtClean="0"/>
-              <a:t>2018/1/9</a:t>
+              <a:pPr/>
+              <a:t>2018/1/12</a:t>
             </a:fld>
             <a:endParaRPr kumimoji="1" lang="zh-CN" altLang="en-US"/>
           </a:p>
@@ -2746,6 +2765,7 @@
           <a:p>
             <a:fld id="{5ADD0EF5-7176-7340-9313-0988A93F0F64}" type="slidenum">
               <a:rPr kumimoji="1" lang="zh-CN" altLang="en-US" smtClean="0"/>
+              <a:pPr/>
               <a:t>‹#›</a:t>
             </a:fld>
             <a:endParaRPr kumimoji="1" lang="zh-CN" altLang="en-US"/>
@@ -2813,10 +2833,9 @@
           <a:lstStyle/>
           <a:p>
             <a:r>
-              <a:rPr kumimoji="1" lang="zh-CN" altLang="en-US" smtClean="0"/>
+              <a:rPr kumimoji="1" lang="zh-CN" altLang="en-US"/>
               <a:t>单击此处编辑母版标题样式</a:t>
             </a:r>
-            <a:endParaRPr kumimoji="1" lang="zh-CN" altLang="en-US"/>
           </a:p>
         </p:txBody>
       </p:sp>
@@ -2847,38 +2866,37 @@
           <a:p>
             <a:pPr lvl="0"/>
             <a:r>
-              <a:rPr kumimoji="1" lang="zh-CN" altLang="en-US" smtClean="0"/>
+              <a:rPr kumimoji="1" lang="zh-CN" altLang="en-US"/>
               <a:t>单击此处编辑母版文本样式</a:t>
             </a:r>
           </a:p>
           <a:p>
             <a:pPr lvl="1"/>
             <a:r>
-              <a:rPr kumimoji="1" lang="zh-CN" altLang="en-US" smtClean="0"/>
+              <a:rPr kumimoji="1" lang="zh-CN" altLang="en-US"/>
               <a:t>二级</a:t>
             </a:r>
           </a:p>
           <a:p>
             <a:pPr lvl="2"/>
             <a:r>
-              <a:rPr kumimoji="1" lang="zh-CN" altLang="en-US" smtClean="0"/>
+              <a:rPr kumimoji="1" lang="zh-CN" altLang="en-US"/>
               <a:t>三级</a:t>
             </a:r>
           </a:p>
           <a:p>
             <a:pPr lvl="3"/>
             <a:r>
-              <a:rPr kumimoji="1" lang="zh-CN" altLang="en-US" smtClean="0"/>
+              <a:rPr kumimoji="1" lang="zh-CN" altLang="en-US"/>
               <a:t>四级</a:t>
             </a:r>
           </a:p>
           <a:p>
             <a:pPr lvl="4"/>
             <a:r>
-              <a:rPr kumimoji="1" lang="zh-CN" altLang="en-US" smtClean="0"/>
+              <a:rPr kumimoji="1" lang="zh-CN" altLang="en-US"/>
               <a:t>五级</a:t>
             </a:r>
-            <a:endParaRPr kumimoji="1" lang="zh-CN" altLang="en-US"/>
           </a:p>
         </p:txBody>
       </p:sp>
@@ -2917,7 +2935,8 @@
           <a:p>
             <a:fld id="{4A633183-09AE-CC40-B5FC-8B4DA727F5C8}" type="datetimeFigureOut">
               <a:rPr kumimoji="1" lang="zh-CN" altLang="en-US" smtClean="0"/>
-              <a:t>2018/1/9</a:t>
+              <a:pPr/>
+              <a:t>2018/1/12</a:t>
             </a:fld>
             <a:endParaRPr kumimoji="1" lang="zh-CN" altLang="en-US"/>
           </a:p>
@@ -2995,6 +3014,7 @@
           <a:p>
             <a:fld id="{5ADD0EF5-7176-7340-9313-0988A93F0F64}" type="slidenum">
               <a:rPr kumimoji="1" lang="zh-CN" altLang="en-US" smtClean="0"/>
+              <a:pPr/>
               <a:t>‹#›</a:t>
             </a:fld>
             <a:endParaRPr kumimoji="1" lang="zh-CN" altLang="en-US"/>
@@ -3393,7 +3413,7 @@
           <a:lstStyle/>
           <a:p>
             <a:r>
-              <a:rPr kumimoji="1" lang="en-US" altLang="zh-CN" b="1" dirty="0" smtClean="0">
+              <a:rPr kumimoji="1" lang="en-US" altLang="zh-CN" b="1" dirty="0">
                 <a:latin typeface="Times New Roman" charset="0"/>
                 <a:ea typeface="Times New Roman" charset="0"/>
                 <a:cs typeface="Times New Roman" charset="0"/>
@@ -3401,7 +3421,7 @@
               <a:t>Modeling</a:t>
             </a:r>
             <a:r>
-              <a:rPr kumimoji="1" lang="zh-CN" altLang="en-US" b="1" dirty="0" smtClean="0">
+              <a:rPr kumimoji="1" lang="zh-CN" altLang="en-US" b="1" dirty="0">
                 <a:latin typeface="Times New Roman" charset="0"/>
                 <a:ea typeface="Times New Roman" charset="0"/>
                 <a:cs typeface="Times New Roman" charset="0"/>
@@ -3409,7 +3429,7 @@
               <a:t> </a:t>
             </a:r>
             <a:r>
-              <a:rPr kumimoji="1" lang="en-US" altLang="zh-CN" b="1" dirty="0" smtClean="0">
+              <a:rPr kumimoji="1" lang="en-US" altLang="zh-CN" b="1" dirty="0">
                 <a:latin typeface="Times New Roman" charset="0"/>
                 <a:ea typeface="Times New Roman" charset="0"/>
                 <a:cs typeface="Times New Roman" charset="0"/>
@@ -3462,7 +3482,7 @@
           <a:p>
             <a:pPr algn="ctr"/>
             <a:r>
-              <a:rPr kumimoji="1" lang="en-US" altLang="zh-CN" b="1" dirty="0" err="1" smtClean="0">
+              <a:rPr kumimoji="1" lang="en-US" altLang="zh-CN" b="1" dirty="0" err="1">
                 <a:solidFill>
                   <a:schemeClr val="tx1"/>
                 </a:solidFill>
@@ -3473,7 +3493,7 @@
               <a:t>SysML</a:t>
             </a:r>
             <a:r>
-              <a:rPr kumimoji="1" lang="zh-CN" altLang="en-US" b="1" dirty="0" smtClean="0">
+              <a:rPr kumimoji="1" lang="zh-CN" altLang="en-US" b="1" dirty="0">
                 <a:solidFill>
                   <a:schemeClr val="tx1"/>
                 </a:solidFill>
@@ -3484,7 +3504,7 @@
               <a:t> </a:t>
             </a:r>
             <a:r>
-              <a:rPr kumimoji="1" lang="en-US" altLang="zh-CN" b="1" dirty="0" smtClean="0">
+              <a:rPr kumimoji="1" lang="en-US" altLang="zh-CN" b="1" dirty="0">
                 <a:solidFill>
                   <a:schemeClr val="tx1"/>
                 </a:solidFill>
@@ -3542,7 +3562,7 @@
           <a:p>
             <a:pPr algn="ctr"/>
             <a:r>
-              <a:rPr kumimoji="1" lang="en-US" altLang="zh-CN" b="1" dirty="0" err="1" smtClean="0">
+              <a:rPr kumimoji="1" lang="en-US" altLang="zh-CN" b="1" dirty="0" err="1">
                 <a:latin typeface="Times New Roman" charset="0"/>
                 <a:ea typeface="Times New Roman" charset="0"/>
                 <a:cs typeface="Times New Roman" charset="0"/>
@@ -3550,7 +3570,7 @@
               <a:t>SysML</a:t>
             </a:r>
             <a:r>
-              <a:rPr kumimoji="1" lang="zh-CN" altLang="en-US" b="1" dirty="0" smtClean="0">
+              <a:rPr kumimoji="1" lang="zh-CN" altLang="en-US" b="1" dirty="0">
                 <a:latin typeface="Times New Roman" charset="0"/>
                 <a:ea typeface="Times New Roman" charset="0"/>
                 <a:cs typeface="Times New Roman" charset="0"/>
@@ -3558,7 +3578,7 @@
               <a:t> </a:t>
             </a:r>
             <a:r>
-              <a:rPr kumimoji="1" lang="en-US" altLang="zh-CN" b="1" dirty="0" smtClean="0">
+              <a:rPr kumimoji="1" lang="en-US" altLang="zh-CN" b="1" dirty="0">
                 <a:latin typeface="Times New Roman" charset="0"/>
                 <a:ea typeface="Times New Roman" charset="0"/>
                 <a:cs typeface="Times New Roman" charset="0"/>
@@ -3610,31 +3630,15 @@
           <a:p>
             <a:pPr algn="ctr"/>
             <a:r>
-              <a:rPr kumimoji="1" lang="en-US" altLang="zh-CN" b="1" dirty="0" err="1" smtClean="0">
-                <a:latin typeface="Times New Roman" charset="0"/>
-                <a:ea typeface="Times New Roman" charset="0"/>
-                <a:cs typeface="Times New Roman" charset="0"/>
-              </a:rPr>
-              <a:t>Sy</a:t>
-            </a:r>
-            <a:r>
               <a:rPr kumimoji="1" lang="en-US" altLang="zh-CN" b="1" dirty="0" err="1">
                 <a:latin typeface="Times New Roman" charset="0"/>
                 <a:ea typeface="Times New Roman" charset="0"/>
                 <a:cs typeface="Times New Roman" charset="0"/>
               </a:rPr>
-              <a:t>s</a:t>
-            </a:r>
-            <a:r>
-              <a:rPr kumimoji="1" lang="en-US" altLang="zh-CN" b="1" dirty="0" err="1" smtClean="0">
-                <a:latin typeface="Times New Roman" charset="0"/>
-                <a:ea typeface="Times New Roman" charset="0"/>
-                <a:cs typeface="Times New Roman" charset="0"/>
-              </a:rPr>
-              <a:t>ML</a:t>
-            </a:r>
-            <a:r>
-              <a:rPr kumimoji="1" lang="zh-CN" altLang="en-US" b="1" dirty="0" smtClean="0">
+              <a:t>SysML</a:t>
+            </a:r>
+            <a:r>
+              <a:rPr kumimoji="1" lang="zh-CN" altLang="en-US" b="1" dirty="0">
                 <a:latin typeface="Times New Roman" charset="0"/>
                 <a:ea typeface="Times New Roman" charset="0"/>
                 <a:cs typeface="Times New Roman" charset="0"/>
@@ -3642,7 +3646,7 @@
               <a:t> </a:t>
             </a:r>
             <a:r>
-              <a:rPr kumimoji="1" lang="en-US" altLang="zh-CN" b="1" dirty="0" smtClean="0">
+              <a:rPr kumimoji="1" lang="en-US" altLang="zh-CN" b="1" dirty="0">
                 <a:latin typeface="Times New Roman" charset="0"/>
                 <a:ea typeface="Times New Roman" charset="0"/>
                 <a:cs typeface="Times New Roman" charset="0"/>
@@ -3680,7 +3684,7 @@
           <a:lstStyle/>
           <a:p>
             <a:r>
-              <a:rPr kumimoji="1" lang="mr-IN" altLang="zh-CN" sz="2800" b="1" dirty="0" smtClean="0">
+              <a:rPr kumimoji="1" lang="mr-IN" altLang="zh-CN" sz="2800" b="1" dirty="0">
                 <a:latin typeface="Times New Roman" charset="0"/>
                 <a:ea typeface="Times New Roman" charset="0"/>
                 <a:cs typeface="Times New Roman" charset="0"/>
@@ -3825,7 +3829,7 @@
           <a:p>
             <a:pPr algn="ctr"/>
             <a:r>
-              <a:rPr kumimoji="1" lang="en-US" altLang="zh-CN" b="1" dirty="0" smtClean="0">
+              <a:rPr kumimoji="1" lang="en-US" altLang="zh-CN" b="1" dirty="0">
                 <a:solidFill>
                   <a:schemeClr val="tx1"/>
                 </a:solidFill>
@@ -3836,7 +3840,7 @@
               <a:t>Connector</a:t>
             </a:r>
             <a:r>
-              <a:rPr kumimoji="1" lang="zh-CN" altLang="en-US" b="1" dirty="0" smtClean="0">
+              <a:rPr kumimoji="1" lang="zh-CN" altLang="en-US" b="1" dirty="0">
                 <a:solidFill>
                   <a:schemeClr val="tx1"/>
                 </a:solidFill>
@@ -3855,27 +3859,8 @@
                 <a:ea typeface="Times New Roman" charset="0"/>
                 <a:cs typeface="Times New Roman" charset="0"/>
               </a:rPr>
-              <a:t>c</a:t>
-            </a:r>
-            <a:r>
-              <a:rPr lang="en-US" altLang="zh-CN" b="1" dirty="0" smtClean="0">
-                <a:solidFill>
-                  <a:schemeClr val="tx1"/>
-                </a:solidFill>
-                <a:latin typeface="Times New Roman" charset="0"/>
-                <a:ea typeface="Times New Roman" charset="0"/>
-                <a:cs typeface="Times New Roman" charset="0"/>
-              </a:rPr>
-              <a:t>onfiguration</a:t>
-            </a:r>
-            <a:endParaRPr lang="en-US" altLang="zh-CN" b="1" dirty="0">
-              <a:solidFill>
-                <a:schemeClr val="tx1"/>
-              </a:solidFill>
-              <a:latin typeface="Times New Roman" charset="0"/>
-              <a:ea typeface="Times New Roman" charset="0"/>
-              <a:cs typeface="Times New Roman" charset="0"/>
-            </a:endParaRPr>
+              <a:t>configuration</a:t>
+            </a:r>
           </a:p>
         </p:txBody>
       </p:sp>
@@ -3902,7 +3887,7 @@
           <a:lstStyle/>
           <a:p>
             <a:r>
-              <a:rPr kumimoji="1" lang="mr-IN" altLang="zh-CN" sz="2800" b="1" dirty="0" smtClean="0">
+              <a:rPr kumimoji="1" lang="mr-IN" altLang="zh-CN" sz="2800" b="1" dirty="0">
                 <a:latin typeface="Times New Roman" charset="0"/>
                 <a:ea typeface="Times New Roman" charset="0"/>
                 <a:cs typeface="Times New Roman" charset="0"/>
@@ -3941,23 +3926,15 @@
           <a:p>
             <a:pPr algn="ctr"/>
             <a:r>
-              <a:rPr kumimoji="1" lang="en-US" altLang="zh-CN" b="1" dirty="0" smtClean="0">
-                <a:latin typeface="Times New Roman" charset="0"/>
-                <a:ea typeface="Times New Roman" charset="0"/>
-                <a:cs typeface="Times New Roman" charset="0"/>
-              </a:rPr>
-              <a:t>Architecture </a:t>
-            </a:r>
-            <a:r>
               <a:rPr kumimoji="1" lang="en-US" altLang="zh-CN" b="1" dirty="0">
                 <a:latin typeface="Times New Roman" charset="0"/>
                 <a:ea typeface="Times New Roman" charset="0"/>
                 <a:cs typeface="Times New Roman" charset="0"/>
               </a:rPr>
-              <a:t>design</a:t>
-            </a:r>
-            <a:r>
-              <a:rPr kumimoji="1" lang="zh-CN" altLang="en-US" b="1" dirty="0" smtClean="0">
+              <a:t>Architecture design</a:t>
+            </a:r>
+            <a:r>
+              <a:rPr kumimoji="1" lang="zh-CN" altLang="en-US" b="1" dirty="0">
                 <a:latin typeface="Times New Roman" charset="0"/>
                 <a:ea typeface="Times New Roman" charset="0"/>
                 <a:cs typeface="Times New Roman" charset="0"/>
@@ -3965,7 +3942,7 @@
               <a:t> </a:t>
             </a:r>
             <a:r>
-              <a:rPr kumimoji="1" lang="en-US" altLang="zh-CN" b="1" dirty="0" smtClean="0">
+              <a:rPr kumimoji="1" lang="en-US" altLang="zh-CN" b="1" dirty="0">
                 <a:latin typeface="Times New Roman" charset="0"/>
                 <a:ea typeface="Times New Roman" charset="0"/>
                 <a:cs typeface="Times New Roman" charset="0"/>
@@ -4123,7 +4100,7 @@
           <a:p>
             <a:pPr algn="ctr"/>
             <a:r>
-              <a:rPr lang="en-US" altLang="zh-CN" b="1" dirty="0" smtClean="0">
+              <a:rPr lang="en-US" altLang="zh-CN" b="1" dirty="0">
                 <a:solidFill>
                   <a:schemeClr val="tx1"/>
                 </a:solidFill>
@@ -4133,14 +4110,6 @@
               </a:rPr>
               <a:t>Channels</a:t>
             </a:r>
-            <a:endParaRPr lang="en-US" altLang="zh-CN" b="1" dirty="0">
-              <a:solidFill>
-                <a:schemeClr val="tx1"/>
-              </a:solidFill>
-              <a:latin typeface="Times New Roman" charset="0"/>
-              <a:ea typeface="Times New Roman" charset="0"/>
-              <a:cs typeface="Times New Roman" charset="0"/>
-            </a:endParaRPr>
           </a:p>
         </p:txBody>
       </p:sp>
@@ -4167,7 +4136,7 @@
           <a:lstStyle/>
           <a:p>
             <a:r>
-              <a:rPr kumimoji="1" lang="en-US" altLang="zh-CN" b="1" dirty="0" smtClean="0">
+              <a:rPr kumimoji="1" lang="en-US" altLang="zh-CN" b="1" dirty="0">
                 <a:latin typeface="Times New Roman" charset="0"/>
                 <a:ea typeface="Times New Roman" charset="0"/>
                 <a:cs typeface="Times New Roman" charset="0"/>
@@ -4175,7 +4144,7 @@
               <a:t>Verification</a:t>
             </a:r>
             <a:r>
-              <a:rPr kumimoji="1" lang="zh-CN" altLang="en-US" b="1" dirty="0" smtClean="0">
+              <a:rPr kumimoji="1" lang="zh-CN" altLang="en-US" b="1" dirty="0">
                 <a:latin typeface="Times New Roman" charset="0"/>
                 <a:ea typeface="Times New Roman" charset="0"/>
                 <a:cs typeface="Times New Roman" charset="0"/>
@@ -4183,7 +4152,7 @@
               <a:t> </a:t>
             </a:r>
             <a:r>
-              <a:rPr kumimoji="1" lang="en-US" altLang="zh-CN" b="1" dirty="0" smtClean="0">
+              <a:rPr kumimoji="1" lang="en-US" altLang="zh-CN" b="1" dirty="0">
                 <a:latin typeface="Times New Roman" charset="0"/>
                 <a:ea typeface="Times New Roman" charset="0"/>
                 <a:cs typeface="Times New Roman" charset="0"/>
@@ -4236,7 +4205,7 @@
           <a:p>
             <a:pPr algn="ctr"/>
             <a:r>
-              <a:rPr lang="en-US" altLang="zh-CN" b="1" dirty="0" smtClean="0">
+              <a:rPr lang="en-US" altLang="zh-CN" b="1" dirty="0">
                 <a:solidFill>
                   <a:schemeClr val="tx1"/>
                 </a:solidFill>
@@ -4247,7 +4216,7 @@
               <a:t>Master</a:t>
             </a:r>
             <a:r>
-              <a:rPr lang="zh-CN" altLang="en-US" b="1" dirty="0" smtClean="0">
+              <a:rPr lang="zh-CN" altLang="en-US" b="1" dirty="0">
                 <a:solidFill>
                   <a:schemeClr val="tx1"/>
                 </a:solidFill>
@@ -4258,7 +4227,7 @@
               <a:t> </a:t>
             </a:r>
             <a:r>
-              <a:rPr lang="en-US" altLang="zh-CN" b="1" dirty="0" smtClean="0">
+              <a:rPr lang="en-US" altLang="zh-CN" b="1" dirty="0">
                 <a:solidFill>
                   <a:schemeClr val="tx1"/>
                 </a:solidFill>
@@ -4269,7 +4238,7 @@
               <a:t>Algorithm</a:t>
             </a:r>
             <a:r>
-              <a:rPr lang="zh-CN" altLang="en-US" b="1" dirty="0" smtClean="0">
+              <a:rPr lang="zh-CN" altLang="en-US" b="1" dirty="0">
                 <a:solidFill>
                   <a:schemeClr val="tx1"/>
                 </a:solidFill>
@@ -4280,7 +4249,7 @@
               <a:t> </a:t>
             </a:r>
             <a:r>
-              <a:rPr lang="en-US" altLang="zh-CN" b="1" dirty="0" smtClean="0">
+              <a:rPr lang="en-US" altLang="zh-CN" b="1" dirty="0">
                 <a:solidFill>
                   <a:schemeClr val="tx1"/>
                 </a:solidFill>
@@ -4290,14 +4259,6 @@
               </a:rPr>
               <a:t>(MA)</a:t>
             </a:r>
-            <a:endParaRPr lang="en-US" altLang="zh-CN" b="1" dirty="0">
-              <a:solidFill>
-                <a:schemeClr val="tx1"/>
-              </a:solidFill>
-              <a:latin typeface="Times New Roman" charset="0"/>
-              <a:ea typeface="Times New Roman" charset="0"/>
-              <a:cs typeface="Times New Roman" charset="0"/>
-            </a:endParaRPr>
           </a:p>
         </p:txBody>
       </p:sp>
@@ -4324,7 +4285,7 @@
           <a:lstStyle/>
           <a:p>
             <a:r>
-              <a:rPr kumimoji="1" lang="mr-IN" altLang="zh-CN" sz="2800" b="1" dirty="0" smtClean="0">
+              <a:rPr kumimoji="1" lang="mr-IN" altLang="zh-CN" sz="2800" b="1" dirty="0">
                 <a:latin typeface="Times New Roman" charset="0"/>
                 <a:ea typeface="Times New Roman" charset="0"/>
                 <a:cs typeface="Times New Roman" charset="0"/>
@@ -4428,7 +4389,7 @@
           <a:p>
             <a:pPr algn="ctr"/>
             <a:r>
-              <a:rPr lang="en-US" altLang="zh-CN" sz="1200" b="1" dirty="0" smtClean="0">
+              <a:rPr lang="en-US" altLang="zh-CN" sz="1200" b="1" dirty="0">
                 <a:solidFill>
                   <a:schemeClr val="tx1"/>
                 </a:solidFill>
@@ -4438,14 +4399,6 @@
               </a:rPr>
               <a:t>Properties</a:t>
             </a:r>
-            <a:endParaRPr lang="en-US" altLang="zh-CN" sz="1200" b="1" dirty="0">
-              <a:solidFill>
-                <a:schemeClr val="tx1"/>
-              </a:solidFill>
-              <a:latin typeface="Times New Roman" charset="0"/>
-              <a:ea typeface="Times New Roman" charset="0"/>
-              <a:cs typeface="Times New Roman" charset="0"/>
-            </a:endParaRPr>
           </a:p>
         </p:txBody>
       </p:sp>
@@ -4502,7 +4455,7 @@
           <a:lstStyle/>
           <a:p>
             <a:r>
-              <a:rPr kumimoji="1" lang="en-US" altLang="zh-CN" b="1" dirty="0" smtClean="0">
+              <a:rPr kumimoji="1" lang="en-US" altLang="zh-CN" b="1" dirty="0">
                 <a:latin typeface="Times New Roman" charset="0"/>
                 <a:ea typeface="Times New Roman" charset="0"/>
                 <a:cs typeface="Times New Roman" charset="0"/>
@@ -4570,7 +4523,7 @@
         </p:nvSpPr>
         <p:spPr>
           <a:xfrm>
-            <a:off x="5675783" y="864430"/>
+            <a:off x="5698723" y="865727"/>
             <a:ext cx="1342043" cy="369332"/>
           </a:xfrm>
           <a:prstGeom prst="rect">
@@ -4585,12 +4538,12 @@
           <a:lstStyle/>
           <a:p>
             <a:r>
-              <a:rPr kumimoji="1" lang="en-US" altLang="zh-CN" b="1" dirty="0" smtClean="0">
-                <a:latin typeface="Times New Roman" charset="0"/>
-                <a:ea typeface="Times New Roman" charset="0"/>
-                <a:cs typeface="Times New Roman" charset="0"/>
-              </a:rPr>
-              <a:t>translate</a:t>
+              <a:rPr kumimoji="1" lang="en-US" altLang="zh-CN" b="1">
+                <a:latin typeface="Times New Roman" charset="0"/>
+                <a:ea typeface="Times New Roman" charset="0"/>
+                <a:cs typeface="Times New Roman" charset="0"/>
+              </a:rPr>
+              <a:t>model</a:t>
             </a:r>
             <a:endParaRPr kumimoji="1" lang="zh-CN" altLang="en-US" b="1" dirty="0">
               <a:latin typeface="Times New Roman" charset="0"/>
@@ -4623,7 +4576,7 @@
           <a:lstStyle/>
           <a:p>
             <a:r>
-              <a:rPr kumimoji="1" lang="en-US" altLang="zh-CN" b="1" dirty="0" smtClean="0">
+              <a:rPr kumimoji="1" lang="en-US" altLang="zh-CN" b="1" dirty="0">
                 <a:latin typeface="Times New Roman" charset="0"/>
                 <a:ea typeface="Times New Roman" charset="0"/>
                 <a:cs typeface="Times New Roman" charset="0"/>
@@ -4661,7 +4614,7 @@
           <a:lstStyle/>
           <a:p>
             <a:r>
-              <a:rPr kumimoji="1" lang="en-US" altLang="zh-CN" b="1" smtClean="0">
+              <a:rPr kumimoji="1" lang="en-US" altLang="zh-CN" b="1">
                 <a:latin typeface="Times New Roman" charset="0"/>
                 <a:ea typeface="Times New Roman" charset="0"/>
                 <a:cs typeface="Times New Roman" charset="0"/>
@@ -4699,7 +4652,7 @@
           <a:lstStyle/>
           <a:p>
             <a:r>
-              <a:rPr kumimoji="1" lang="en-US" altLang="zh-CN" b="1" dirty="0" smtClean="0">
+              <a:rPr kumimoji="1" lang="en-US" altLang="zh-CN" b="1" dirty="0">
                 <a:latin typeface="Times New Roman" charset="0"/>
                 <a:ea typeface="Times New Roman" charset="0"/>
                 <a:cs typeface="Times New Roman" charset="0"/>
@@ -4751,18 +4704,13 @@
           <a:p>
             <a:pPr algn="ctr"/>
             <a:r>
-              <a:rPr lang="en-US" altLang="zh-CN" b="1" dirty="0" smtClean="0">
+              <a:rPr lang="en-US" altLang="zh-CN" b="1" dirty="0">
                 <a:latin typeface="Times New Roman" charset="0"/>
                 <a:ea typeface="Times New Roman" charset="0"/>
                 <a:cs typeface="Times New Roman" charset="0"/>
               </a:rPr>
               <a:t>FMU</a:t>
             </a:r>
-            <a:endParaRPr lang="en-US" altLang="zh-CN" b="1" dirty="0">
-              <a:latin typeface="Times New Roman" charset="0"/>
-              <a:ea typeface="Times New Roman" charset="0"/>
-              <a:cs typeface="Times New Roman" charset="0"/>
-            </a:endParaRPr>
           </a:p>
         </p:txBody>
       </p:sp>
@@ -4803,18 +4751,13 @@
           <a:p>
             <a:pPr algn="ctr"/>
             <a:r>
-              <a:rPr lang="en-US" altLang="zh-CN" b="1" dirty="0" smtClean="0">
+              <a:rPr lang="en-US" altLang="zh-CN" b="1" dirty="0">
                 <a:latin typeface="Times New Roman" charset="0"/>
                 <a:ea typeface="Times New Roman" charset="0"/>
                 <a:cs typeface="Times New Roman" charset="0"/>
               </a:rPr>
               <a:t>FMU</a:t>
             </a:r>
-            <a:endParaRPr lang="en-US" altLang="zh-CN" b="1" dirty="0">
-              <a:latin typeface="Times New Roman" charset="0"/>
-              <a:ea typeface="Times New Roman" charset="0"/>
-              <a:cs typeface="Times New Roman" charset="0"/>
-            </a:endParaRPr>
           </a:p>
         </p:txBody>
       </p:sp>
@@ -4864,7 +4807,7 @@
           <a:p>
             <a:pPr algn="ctr"/>
             <a:r>
-              <a:rPr lang="en-US" altLang="zh-CN" b="1" dirty="0" smtClean="0">
+              <a:rPr lang="en-US" altLang="zh-CN" b="1" dirty="0">
                 <a:solidFill>
                   <a:schemeClr val="tx1"/>
                 </a:solidFill>
@@ -4875,7 +4818,7 @@
               <a:t>Timed</a:t>
             </a:r>
             <a:r>
-              <a:rPr lang="zh-CN" altLang="en-US" b="1" dirty="0" smtClean="0">
+              <a:rPr lang="zh-CN" altLang="en-US" b="1" dirty="0">
                 <a:solidFill>
                   <a:schemeClr val="tx1"/>
                 </a:solidFill>
@@ -4886,7 +4829,7 @@
               <a:t> </a:t>
             </a:r>
             <a:r>
-              <a:rPr lang="en-US" altLang="zh-CN" b="1" dirty="0" smtClean="0">
+              <a:rPr lang="en-US" altLang="zh-CN" b="1" dirty="0">
                 <a:solidFill>
                   <a:schemeClr val="tx1"/>
                 </a:solidFill>
@@ -4897,7 +4840,7 @@
               <a:t>Automaton</a:t>
             </a:r>
             <a:r>
-              <a:rPr lang="zh-CN" altLang="en-US" b="1" dirty="0" smtClean="0">
+              <a:rPr lang="zh-CN" altLang="en-US" b="1" dirty="0">
                 <a:solidFill>
                   <a:schemeClr val="tx1"/>
                 </a:solidFill>
@@ -4908,7 +4851,7 @@
               <a:t> </a:t>
             </a:r>
             <a:r>
-              <a:rPr lang="en-US" altLang="zh-CN" b="1" dirty="0" smtClean="0">
+              <a:rPr lang="en-US" altLang="zh-CN" b="1" dirty="0">
                 <a:solidFill>
                   <a:schemeClr val="tx1"/>
                 </a:solidFill>
@@ -4919,7 +4862,7 @@
               <a:t>for</a:t>
             </a:r>
             <a:r>
-              <a:rPr lang="zh-CN" altLang="en-US" b="1" dirty="0" smtClean="0">
+              <a:rPr lang="zh-CN" altLang="en-US" b="1" dirty="0">
                 <a:solidFill>
                   <a:schemeClr val="tx1"/>
                 </a:solidFill>
@@ -4930,7 +4873,7 @@
               <a:t> </a:t>
             </a:r>
             <a:r>
-              <a:rPr lang="en-US" altLang="zh-CN" b="1" dirty="0" smtClean="0">
+              <a:rPr lang="en-US" altLang="zh-CN" b="1" dirty="0">
                 <a:solidFill>
                   <a:schemeClr val="tx1"/>
                 </a:solidFill>
@@ -4940,14 +4883,6 @@
               </a:rPr>
               <a:t>FMU</a:t>
             </a:r>
-            <a:endParaRPr lang="en-US" altLang="zh-CN" b="1" dirty="0">
-              <a:solidFill>
-                <a:schemeClr val="tx1"/>
-              </a:solidFill>
-              <a:latin typeface="Times New Roman" charset="0"/>
-              <a:ea typeface="Times New Roman" charset="0"/>
-              <a:cs typeface="Times New Roman" charset="0"/>
-            </a:endParaRPr>
           </a:p>
         </p:txBody>
       </p:sp>
@@ -4997,7 +4932,7 @@
           <a:p>
             <a:pPr algn="ctr"/>
             <a:r>
-              <a:rPr lang="en-US" altLang="zh-CN" b="1" dirty="0" smtClean="0">
+              <a:rPr lang="en-US" altLang="zh-CN" b="1" dirty="0">
                 <a:solidFill>
                   <a:schemeClr val="tx1"/>
                 </a:solidFill>
@@ -5008,7 +4943,7 @@
               <a:t>Timed</a:t>
             </a:r>
             <a:r>
-              <a:rPr lang="zh-CN" altLang="en-US" b="1" dirty="0" smtClean="0">
+              <a:rPr lang="zh-CN" altLang="en-US" b="1" dirty="0">
                 <a:solidFill>
                   <a:schemeClr val="tx1"/>
                 </a:solidFill>
@@ -5019,7 +4954,7 @@
               <a:t> </a:t>
             </a:r>
             <a:r>
-              <a:rPr lang="en-US" altLang="zh-CN" b="1" dirty="0" smtClean="0">
+              <a:rPr lang="en-US" altLang="zh-CN" b="1" dirty="0">
                 <a:solidFill>
                   <a:schemeClr val="tx1"/>
                 </a:solidFill>
@@ -5030,7 +4965,7 @@
               <a:t>Automaton</a:t>
             </a:r>
             <a:r>
-              <a:rPr lang="zh-CN" altLang="en-US" b="1" dirty="0" smtClean="0">
+              <a:rPr lang="zh-CN" altLang="en-US" b="1" dirty="0">
                 <a:solidFill>
                   <a:schemeClr val="tx1"/>
                 </a:solidFill>
@@ -5041,7 +4976,7 @@
               <a:t> </a:t>
             </a:r>
             <a:r>
-              <a:rPr lang="en-US" altLang="zh-CN" b="1" dirty="0" smtClean="0">
+              <a:rPr lang="en-US" altLang="zh-CN" b="1" dirty="0">
                 <a:solidFill>
                   <a:schemeClr val="tx1"/>
                 </a:solidFill>
@@ -5052,7 +4987,7 @@
               <a:t>for</a:t>
             </a:r>
             <a:r>
-              <a:rPr lang="zh-CN" altLang="en-US" b="1" dirty="0" smtClean="0">
+              <a:rPr lang="zh-CN" altLang="en-US" b="1" dirty="0">
                 <a:solidFill>
                   <a:schemeClr val="tx1"/>
                 </a:solidFill>
@@ -5063,7 +4998,7 @@
               <a:t> </a:t>
             </a:r>
             <a:r>
-              <a:rPr lang="en-US" altLang="zh-CN" b="1" dirty="0" smtClean="0">
+              <a:rPr lang="en-US" altLang="zh-CN" b="1" dirty="0">
                 <a:solidFill>
                   <a:schemeClr val="tx1"/>
                 </a:solidFill>
@@ -5073,14 +5008,6 @@
               </a:rPr>
               <a:t>FMU</a:t>
             </a:r>
-            <a:endParaRPr lang="en-US" altLang="zh-CN" b="1" dirty="0">
-              <a:solidFill>
-                <a:schemeClr val="tx1"/>
-              </a:solidFill>
-              <a:latin typeface="Times New Roman" charset="0"/>
-              <a:ea typeface="Times New Roman" charset="0"/>
-              <a:cs typeface="Times New Roman" charset="0"/>
-            </a:endParaRPr>
           </a:p>
         </p:txBody>
       </p:sp>
@@ -5130,7 +5057,7 @@
           <a:p>
             <a:pPr algn="ctr"/>
             <a:r>
-              <a:rPr lang="en-US" altLang="zh-CN" b="1" dirty="0" smtClean="0">
+              <a:rPr lang="en-US" altLang="zh-CN" b="1" dirty="0">
                 <a:solidFill>
                   <a:schemeClr val="tx1"/>
                 </a:solidFill>
@@ -5141,7 +5068,7 @@
               <a:t>Timed</a:t>
             </a:r>
             <a:r>
-              <a:rPr lang="zh-CN" altLang="en-US" b="1" dirty="0" smtClean="0">
+              <a:rPr lang="zh-CN" altLang="en-US" b="1" dirty="0">
                 <a:solidFill>
                   <a:schemeClr val="tx1"/>
                 </a:solidFill>
@@ -5152,7 +5079,7 @@
               <a:t> </a:t>
             </a:r>
             <a:r>
-              <a:rPr lang="en-US" altLang="zh-CN" b="1" dirty="0" smtClean="0">
+              <a:rPr lang="en-US" altLang="zh-CN" b="1" dirty="0">
                 <a:solidFill>
                   <a:schemeClr val="tx1"/>
                 </a:solidFill>
@@ -5163,7 +5090,7 @@
               <a:t>Automaton</a:t>
             </a:r>
             <a:r>
-              <a:rPr lang="zh-CN" altLang="en-US" b="1" dirty="0" smtClean="0">
+              <a:rPr lang="zh-CN" altLang="en-US" b="1" dirty="0">
                 <a:solidFill>
                   <a:schemeClr val="tx1"/>
                 </a:solidFill>
@@ -5174,7 +5101,7 @@
               <a:t> </a:t>
             </a:r>
             <a:r>
-              <a:rPr lang="en-US" altLang="zh-CN" b="1" dirty="0" smtClean="0">
+              <a:rPr lang="en-US" altLang="zh-CN" b="1" dirty="0">
                 <a:solidFill>
                   <a:schemeClr val="tx1"/>
                 </a:solidFill>
@@ -5185,7 +5112,7 @@
               <a:t>for</a:t>
             </a:r>
             <a:r>
-              <a:rPr lang="zh-CN" altLang="en-US" b="1" dirty="0" smtClean="0">
+              <a:rPr lang="zh-CN" altLang="en-US" b="1" dirty="0">
                 <a:solidFill>
                   <a:schemeClr val="tx1"/>
                 </a:solidFill>
@@ -5196,7 +5123,7 @@
               <a:t> </a:t>
             </a:r>
             <a:r>
-              <a:rPr lang="en-US" altLang="zh-CN" b="1" dirty="0" smtClean="0">
+              <a:rPr lang="en-US" altLang="zh-CN" b="1" dirty="0">
                 <a:solidFill>
                   <a:schemeClr val="tx1"/>
                 </a:solidFill>
@@ -5206,14 +5133,6 @@
               </a:rPr>
               <a:t>MA</a:t>
             </a:r>
-            <a:endParaRPr lang="en-US" altLang="zh-CN" b="1" dirty="0">
-              <a:solidFill>
-                <a:schemeClr val="tx1"/>
-              </a:solidFill>
-              <a:latin typeface="Times New Roman" charset="0"/>
-              <a:ea typeface="Times New Roman" charset="0"/>
-              <a:cs typeface="Times New Roman" charset="0"/>
-            </a:endParaRPr>
           </a:p>
         </p:txBody>
       </p:sp>
@@ -5260,7 +5179,7 @@
           <a:p>
             <a:pPr algn="ctr"/>
             <a:r>
-              <a:rPr lang="en-US" altLang="zh-CN" b="1" dirty="0" smtClean="0">
+              <a:rPr lang="en-US" altLang="zh-CN" b="1" dirty="0">
                 <a:latin typeface="Times New Roman" charset="0"/>
                 <a:ea typeface="Times New Roman" charset="0"/>
                 <a:cs typeface="Times New Roman" charset="0"/>
@@ -5268,7 +5187,7 @@
               <a:t>Network</a:t>
             </a:r>
             <a:r>
-              <a:rPr lang="zh-CN" altLang="en-US" b="1" dirty="0" smtClean="0">
+              <a:rPr lang="zh-CN" altLang="en-US" b="1" dirty="0">
                 <a:latin typeface="Times New Roman" charset="0"/>
                 <a:ea typeface="Times New Roman" charset="0"/>
                 <a:cs typeface="Times New Roman" charset="0"/>
@@ -5276,7 +5195,7 @@
               <a:t> </a:t>
             </a:r>
             <a:r>
-              <a:rPr lang="en-US" altLang="zh-CN" b="1" dirty="0" smtClean="0">
+              <a:rPr lang="en-US" altLang="zh-CN" b="1" dirty="0">
                 <a:latin typeface="Times New Roman" charset="0"/>
                 <a:ea typeface="Times New Roman" charset="0"/>
                 <a:cs typeface="Times New Roman" charset="0"/>
@@ -5284,7 +5203,7 @@
               <a:t>of</a:t>
             </a:r>
             <a:r>
-              <a:rPr lang="zh-CN" altLang="en-US" b="1" dirty="0" smtClean="0">
+              <a:rPr lang="zh-CN" altLang="en-US" b="1" dirty="0">
                 <a:latin typeface="Times New Roman" charset="0"/>
                 <a:ea typeface="Times New Roman" charset="0"/>
                 <a:cs typeface="Times New Roman" charset="0"/>
@@ -5292,7 +5211,7 @@
               <a:t> </a:t>
             </a:r>
             <a:r>
-              <a:rPr lang="en-US" altLang="zh-CN" b="1" dirty="0" smtClean="0">
+              <a:rPr lang="en-US" altLang="zh-CN" b="1" dirty="0">
                 <a:latin typeface="Times New Roman" charset="0"/>
                 <a:ea typeface="Times New Roman" charset="0"/>
                 <a:cs typeface="Times New Roman" charset="0"/>
@@ -5300,7 +5219,7 @@
               <a:t>Timed</a:t>
             </a:r>
             <a:r>
-              <a:rPr lang="zh-CN" altLang="en-US" b="1" dirty="0" smtClean="0">
+              <a:rPr lang="zh-CN" altLang="en-US" b="1" dirty="0">
                 <a:latin typeface="Times New Roman" charset="0"/>
                 <a:ea typeface="Times New Roman" charset="0"/>
                 <a:cs typeface="Times New Roman" charset="0"/>
@@ -5308,18 +5227,13 @@
               <a:t> </a:t>
             </a:r>
             <a:r>
-              <a:rPr lang="en-US" altLang="zh-CN" b="1" dirty="0" smtClean="0">
+              <a:rPr lang="en-US" altLang="zh-CN" b="1" dirty="0">
                 <a:latin typeface="Times New Roman" charset="0"/>
                 <a:ea typeface="Times New Roman" charset="0"/>
                 <a:cs typeface="Times New Roman" charset="0"/>
               </a:rPr>
               <a:t>Automata</a:t>
             </a:r>
-            <a:endParaRPr lang="en-US" altLang="zh-CN" b="1" dirty="0">
-              <a:latin typeface="Times New Roman" charset="0"/>
-              <a:ea typeface="Times New Roman" charset="0"/>
-              <a:cs typeface="Times New Roman" charset="0"/>
-            </a:endParaRPr>
           </a:p>
         </p:txBody>
       </p:sp>
@@ -5529,7 +5443,7 @@
           <a:p>
             <a:pPr algn="ctr"/>
             <a:r>
-              <a:rPr kumimoji="1" lang="en-US" altLang="zh-CN" b="1" dirty="0" smtClean="0">
+              <a:rPr kumimoji="1" lang="en-US" altLang="zh-CN" b="1" dirty="0">
                 <a:solidFill>
                   <a:schemeClr val="tx1"/>
                 </a:solidFill>
@@ -5537,7 +5451,7 @@
               <a:t>Co-simulation</a:t>
             </a:r>
             <a:r>
-              <a:rPr kumimoji="1" lang="zh-CN" altLang="en-US" b="1" dirty="0" smtClean="0">
+              <a:rPr kumimoji="1" lang="zh-CN" altLang="en-US" b="1" dirty="0">
                 <a:solidFill>
                   <a:schemeClr val="tx1"/>
                 </a:solidFill>
@@ -5545,7 +5459,7 @@
               <a:t> </a:t>
             </a:r>
             <a:r>
-              <a:rPr kumimoji="1" lang="en-US" altLang="zh-CN" b="1" dirty="0" smtClean="0">
+              <a:rPr kumimoji="1" lang="en-US" altLang="zh-CN" b="1" dirty="0">
                 <a:solidFill>
                   <a:schemeClr val="tx1"/>
                 </a:solidFill>
@@ -5660,7 +5574,7 @@
           <a:p>
             <a:pPr algn="ctr"/>
             <a:r>
-              <a:rPr kumimoji="1" lang="en-US" altLang="zh-CN" b="1" dirty="0" smtClean="0">
+              <a:rPr kumimoji="1" lang="en-US" altLang="zh-CN" b="1" dirty="0">
                 <a:solidFill>
                   <a:schemeClr val="tx1"/>
                 </a:solidFill>
@@ -5668,7 +5582,7 @@
               <a:t>Simulation</a:t>
             </a:r>
             <a:r>
-              <a:rPr kumimoji="1" lang="zh-CN" altLang="en-US" b="1" dirty="0" smtClean="0">
+              <a:rPr kumimoji="1" lang="zh-CN" altLang="en-US" b="1" dirty="0">
                 <a:solidFill>
                   <a:schemeClr val="tx1"/>
                 </a:solidFill>
@@ -5676,7 +5590,7 @@
               <a:t> </a:t>
             </a:r>
             <a:r>
-              <a:rPr kumimoji="1" lang="en-US" altLang="zh-CN" b="1" smtClean="0">
+              <a:rPr kumimoji="1" lang="en-US" altLang="zh-CN" b="1">
                 <a:solidFill>
                   <a:schemeClr val="tx1"/>
                 </a:solidFill>
@@ -5772,7 +5686,7 @@
           <a:lstStyle/>
           <a:p>
             <a:r>
-              <a:rPr kumimoji="1" lang="en-US" altLang="zh-CN" b="1" dirty="0" smtClean="0">
+              <a:rPr kumimoji="1" lang="en-US" altLang="zh-CN" b="1" dirty="0">
                 <a:latin typeface="Times New Roman" charset="0"/>
                 <a:ea typeface="Times New Roman" charset="0"/>
                 <a:cs typeface="Times New Roman" charset="0"/>
@@ -5780,7 +5694,7 @@
               <a:t>Co-simulation</a:t>
             </a:r>
             <a:r>
-              <a:rPr kumimoji="1" lang="zh-CN" altLang="en-US" b="1" dirty="0" smtClean="0">
+              <a:rPr kumimoji="1" lang="zh-CN" altLang="en-US" b="1" dirty="0">
                 <a:latin typeface="Times New Roman" charset="0"/>
                 <a:ea typeface="Times New Roman" charset="0"/>
                 <a:cs typeface="Times New Roman" charset="0"/>
@@ -5788,7 +5702,7 @@
               <a:t> </a:t>
             </a:r>
             <a:r>
-              <a:rPr kumimoji="1" lang="en-US" altLang="zh-CN" b="1" dirty="0" smtClean="0">
+              <a:rPr kumimoji="1" lang="en-US" altLang="zh-CN" b="1" dirty="0">
                 <a:latin typeface="Times New Roman" charset="0"/>
                 <a:ea typeface="Times New Roman" charset="0"/>
                 <a:cs typeface="Times New Roman" charset="0"/>
@@ -6075,7 +5989,7 @@
           <a:lstStyle/>
           <a:p>
             <a:r>
-              <a:rPr kumimoji="1" lang="en-US" altLang="zh-CN" b="1" dirty="0" smtClean="0">
+              <a:rPr kumimoji="1" lang="en-US" altLang="zh-CN" b="1" dirty="0">
                 <a:latin typeface="Times New Roman" charset="0"/>
                 <a:ea typeface="Times New Roman" charset="0"/>
                 <a:cs typeface="Times New Roman" charset="0"/>
@@ -6083,7 +5997,7 @@
               <a:t>Verified</a:t>
             </a:r>
             <a:r>
-              <a:rPr kumimoji="1" lang="zh-CN" altLang="en-US" b="1" dirty="0" smtClean="0">
+              <a:rPr kumimoji="1" lang="zh-CN" altLang="en-US" b="1" dirty="0">
                 <a:latin typeface="Times New Roman" charset="0"/>
                 <a:ea typeface="Times New Roman" charset="0"/>
                 <a:cs typeface="Times New Roman" charset="0"/>
@@ -6091,7 +6005,7 @@
               <a:t> </a:t>
             </a:r>
             <a:r>
-              <a:rPr kumimoji="1" lang="en-US" altLang="zh-CN" b="1" dirty="0" smtClean="0">
+              <a:rPr kumimoji="1" lang="en-US" altLang="zh-CN" b="1" dirty="0">
                 <a:latin typeface="Times New Roman" charset="0"/>
                 <a:ea typeface="Times New Roman" charset="0"/>
                 <a:cs typeface="Times New Roman" charset="0"/>
@@ -6129,12 +6043,2576 @@
           <a:lstStyle/>
           <a:p>
             <a:r>
-              <a:rPr kumimoji="1" lang="en-US" altLang="zh-CN" b="1" dirty="0" smtClean="0">
+              <a:rPr kumimoji="1" lang="en-US" altLang="zh-CN" b="1" dirty="0">
                 <a:latin typeface="Times New Roman" charset="0"/>
                 <a:ea typeface="Times New Roman" charset="0"/>
                 <a:cs typeface="Times New Roman" charset="0"/>
               </a:rPr>
               <a:t>generate</a:t>
+            </a:r>
+            <a:endParaRPr kumimoji="1" lang="zh-CN" altLang="en-US" b="1" dirty="0">
+              <a:latin typeface="Times New Roman" charset="0"/>
+              <a:ea typeface="Times New Roman" charset="0"/>
+              <a:cs typeface="Times New Roman" charset="0"/>
+            </a:endParaRPr>
+          </a:p>
+        </p:txBody>
+      </p:sp>
+    </p:spTree>
+    <p:extLst>
+      <p:ext uri="{BB962C8B-B14F-4D97-AF65-F5344CB8AC3E}">
+        <p14:creationId xmlns:p14="http://schemas.microsoft.com/office/powerpoint/2010/main" val="2131910906"/>
+      </p:ext>
+    </p:extLst>
+  </p:cSld>
+  <p:clrMapOvr>
+    <a:masterClrMapping/>
+  </p:clrMapOvr>
+</p:sld>
+</file>
+
+<file path=ppt/slides/slide2.xml><?xml version="1.0" encoding="utf-8"?>
+<p:sld xmlns:a="http://schemas.openxmlformats.org/drawingml/2006/main" xmlns:r="http://schemas.openxmlformats.org/officeDocument/2006/relationships" xmlns:p="http://schemas.openxmlformats.org/presentationml/2006/main">
+  <p:cSld>
+    <p:spTree>
+      <p:nvGrpSpPr>
+        <p:cNvPr id="1" name=""/>
+        <p:cNvGrpSpPr/>
+        <p:nvPr/>
+      </p:nvGrpSpPr>
+      <p:grpSpPr>
+        <a:xfrm>
+          <a:off x="0" y="0"/>
+          <a:ext cx="0" cy="0"/>
+          <a:chOff x="0" y="0"/>
+          <a:chExt cx="0" cy="0"/>
+        </a:xfrm>
+      </p:grpSpPr>
+      <p:sp>
+        <p:nvSpPr>
+          <p:cNvPr id="4" name="矩形 3"/>
+          <p:cNvSpPr/>
+          <p:nvPr/>
+        </p:nvSpPr>
+        <p:spPr>
+          <a:xfrm>
+            <a:off x="876822" y="259725"/>
+            <a:ext cx="2292025" cy="4719007"/>
+          </a:xfrm>
+          <a:prstGeom prst="rect">
+            <a:avLst/>
+          </a:prstGeom>
+          <a:noFill/>
+          <a:ln w="22225">
+            <a:prstDash val="lgDash"/>
+          </a:ln>
+        </p:spPr>
+        <p:style>
+          <a:lnRef idx="2">
+            <a:schemeClr val="accent1">
+              <a:shade val="50000"/>
+            </a:schemeClr>
+          </a:lnRef>
+          <a:fillRef idx="1">
+            <a:schemeClr val="accent1"/>
+          </a:fillRef>
+          <a:effectRef idx="0">
+            <a:schemeClr val="accent1"/>
+          </a:effectRef>
+          <a:fontRef idx="minor">
+            <a:schemeClr val="lt1"/>
+          </a:fontRef>
+        </p:style>
+        <p:txBody>
+          <a:bodyPr rtlCol="0" anchor="ctr"/>
+          <a:lstStyle/>
+          <a:p>
+            <a:pPr algn="ctr"/>
+            <a:endParaRPr kumimoji="1" lang="zh-CN" altLang="en-US" b="1">
+              <a:latin typeface="Times New Roman" charset="0"/>
+              <a:ea typeface="Times New Roman" charset="0"/>
+              <a:cs typeface="Times New Roman" charset="0"/>
+            </a:endParaRPr>
+          </a:p>
+        </p:txBody>
+      </p:sp>
+      <p:sp>
+        <p:nvSpPr>
+          <p:cNvPr id="6" name="文本框 5"/>
+          <p:cNvSpPr txBox="1"/>
+          <p:nvPr/>
+        </p:nvSpPr>
+        <p:spPr>
+          <a:xfrm>
+            <a:off x="1460955" y="259725"/>
+            <a:ext cx="1959024" cy="369332"/>
+          </a:xfrm>
+          <a:prstGeom prst="rect">
+            <a:avLst/>
+          </a:prstGeom>
+          <a:noFill/>
+        </p:spPr>
+        <p:txBody>
+          <a:bodyPr wrap="square" rtlCol="0">
+            <a:spAutoFit/>
+          </a:bodyPr>
+          <a:lstStyle/>
+          <a:p>
+            <a:r>
+              <a:rPr kumimoji="1" lang="en-US" altLang="zh-CN" b="1" dirty="0">
+                <a:latin typeface="Times New Roman" charset="0"/>
+                <a:ea typeface="Times New Roman" charset="0"/>
+                <a:cs typeface="Times New Roman" charset="0"/>
+              </a:rPr>
+              <a:t>Modeling</a:t>
+            </a:r>
+            <a:endParaRPr kumimoji="1" lang="zh-CN" altLang="en-US" b="1" dirty="0">
+              <a:latin typeface="Times New Roman" charset="0"/>
+              <a:ea typeface="Times New Roman" charset="0"/>
+              <a:cs typeface="Times New Roman" charset="0"/>
+            </a:endParaRPr>
+          </a:p>
+        </p:txBody>
+      </p:sp>
+      <p:sp>
+        <p:nvSpPr>
+          <p:cNvPr id="7" name="矩形 6"/>
+          <p:cNvSpPr/>
+          <p:nvPr/>
+        </p:nvSpPr>
+        <p:spPr>
+          <a:xfrm>
+            <a:off x="1152674" y="878216"/>
+            <a:ext cx="1731801" cy="700088"/>
+          </a:xfrm>
+          <a:prstGeom prst="rect">
+            <a:avLst/>
+          </a:prstGeom>
+          <a:noFill/>
+          <a:ln w="19050"/>
+        </p:spPr>
+        <p:style>
+          <a:lnRef idx="2">
+            <a:schemeClr val="accent1">
+              <a:shade val="50000"/>
+            </a:schemeClr>
+          </a:lnRef>
+          <a:fillRef idx="1">
+            <a:schemeClr val="accent1"/>
+          </a:fillRef>
+          <a:effectRef idx="0">
+            <a:schemeClr val="accent1"/>
+          </a:effectRef>
+          <a:fontRef idx="minor">
+            <a:schemeClr val="lt1"/>
+          </a:fontRef>
+        </p:style>
+        <p:txBody>
+          <a:bodyPr rtlCol="0" anchor="ctr"/>
+          <a:lstStyle/>
+          <a:p>
+            <a:pPr algn="ctr"/>
+            <a:r>
+              <a:rPr kumimoji="1" lang="en-US" altLang="zh-CN" b="1" dirty="0" err="1">
+                <a:solidFill>
+                  <a:schemeClr val="tx1"/>
+                </a:solidFill>
+                <a:latin typeface="Times New Roman" charset="0"/>
+                <a:ea typeface="Times New Roman" charset="0"/>
+                <a:cs typeface="Times New Roman" charset="0"/>
+              </a:rPr>
+              <a:t>SysML</a:t>
+            </a:r>
+            <a:r>
+              <a:rPr kumimoji="1" lang="zh-CN" altLang="en-US" b="1" dirty="0">
+                <a:solidFill>
+                  <a:schemeClr val="tx1"/>
+                </a:solidFill>
+                <a:latin typeface="Times New Roman" charset="0"/>
+                <a:ea typeface="Times New Roman" charset="0"/>
+                <a:cs typeface="Times New Roman" charset="0"/>
+              </a:rPr>
+              <a:t> </a:t>
+            </a:r>
+            <a:r>
+              <a:rPr kumimoji="1" lang="en-US" altLang="zh-CN" b="1" dirty="0">
+                <a:solidFill>
+                  <a:schemeClr val="tx1"/>
+                </a:solidFill>
+                <a:latin typeface="Times New Roman" charset="0"/>
+                <a:ea typeface="Times New Roman" charset="0"/>
+                <a:cs typeface="Times New Roman" charset="0"/>
+              </a:rPr>
+              <a:t>connector</a:t>
+            </a:r>
+            <a:endParaRPr kumimoji="1" lang="zh-CN" altLang="en-US" b="1" dirty="0">
+              <a:solidFill>
+                <a:schemeClr val="tx1"/>
+              </a:solidFill>
+              <a:latin typeface="Times New Roman" charset="0"/>
+              <a:ea typeface="Times New Roman" charset="0"/>
+              <a:cs typeface="Times New Roman" charset="0"/>
+            </a:endParaRPr>
+          </a:p>
+        </p:txBody>
+      </p:sp>
+      <p:sp>
+        <p:nvSpPr>
+          <p:cNvPr id="8" name="矩形 7"/>
+          <p:cNvSpPr/>
+          <p:nvPr/>
+        </p:nvSpPr>
+        <p:spPr>
+          <a:xfrm>
+            <a:off x="1152674" y="2194621"/>
+            <a:ext cx="1731801" cy="556556"/>
+          </a:xfrm>
+          <a:prstGeom prst="rect">
+            <a:avLst/>
+          </a:prstGeom>
+          <a:solidFill>
+            <a:schemeClr val="accent1">
+              <a:lumMod val="60000"/>
+              <a:lumOff val="40000"/>
+            </a:schemeClr>
+          </a:solidFill>
+          <a:ln w="12700">
+            <a:solidFill>
+              <a:schemeClr val="tx1"/>
+            </a:solidFill>
+          </a:ln>
+        </p:spPr>
+        <p:style>
+          <a:lnRef idx="2">
+            <a:schemeClr val="accent1">
+              <a:shade val="50000"/>
+            </a:schemeClr>
+          </a:lnRef>
+          <a:fillRef idx="1">
+            <a:schemeClr val="accent1"/>
+          </a:fillRef>
+          <a:effectRef idx="0">
+            <a:schemeClr val="accent1"/>
+          </a:effectRef>
+          <a:fontRef idx="minor">
+            <a:schemeClr val="lt1"/>
+          </a:fontRef>
+        </p:style>
+        <p:txBody>
+          <a:bodyPr rtlCol="0" anchor="ctr"/>
+          <a:lstStyle/>
+          <a:p>
+            <a:pPr algn="ctr"/>
+            <a:r>
+              <a:rPr lang="en-US" altLang="zh-CN" b="1" dirty="0" err="1">
+                <a:latin typeface="Times New Roman" charset="0"/>
+                <a:ea typeface="Times New Roman" charset="0"/>
+                <a:cs typeface="Times New Roman" charset="0"/>
+              </a:rPr>
+              <a:t>SysML</a:t>
+            </a:r>
+            <a:r>
+              <a:rPr lang="zh-CN" altLang="en-US" b="1" dirty="0">
+                <a:latin typeface="Times New Roman" charset="0"/>
+                <a:ea typeface="Times New Roman" charset="0"/>
+                <a:cs typeface="Times New Roman" charset="0"/>
+              </a:rPr>
+              <a:t> </a:t>
+            </a:r>
+            <a:r>
+              <a:rPr lang="en-US" altLang="zh-CN" b="1" dirty="0">
+                <a:latin typeface="Times New Roman" charset="0"/>
+                <a:ea typeface="Times New Roman" charset="0"/>
+                <a:cs typeface="Times New Roman" charset="0"/>
+              </a:rPr>
+              <a:t>BDD</a:t>
+            </a:r>
+            <a:endParaRPr lang="zh-CN" altLang="en-US" b="1" dirty="0">
+              <a:latin typeface="Times New Roman" charset="0"/>
+              <a:ea typeface="Times New Roman" charset="0"/>
+              <a:cs typeface="Times New Roman" charset="0"/>
+            </a:endParaRPr>
+          </a:p>
+        </p:txBody>
+      </p:sp>
+      <p:sp>
+        <p:nvSpPr>
+          <p:cNvPr id="9" name="矩形 8"/>
+          <p:cNvSpPr/>
+          <p:nvPr/>
+        </p:nvSpPr>
+        <p:spPr>
+          <a:xfrm>
+            <a:off x="1164990" y="3820459"/>
+            <a:ext cx="1731801" cy="606148"/>
+          </a:xfrm>
+          <a:prstGeom prst="rect">
+            <a:avLst/>
+          </a:prstGeom>
+          <a:solidFill>
+            <a:schemeClr val="accent1">
+              <a:lumMod val="60000"/>
+              <a:lumOff val="40000"/>
+            </a:schemeClr>
+          </a:solidFill>
+          <a:ln w="12700">
+            <a:solidFill>
+              <a:schemeClr val="tx1"/>
+            </a:solidFill>
+          </a:ln>
+        </p:spPr>
+        <p:style>
+          <a:lnRef idx="2">
+            <a:schemeClr val="accent1">
+              <a:shade val="50000"/>
+            </a:schemeClr>
+          </a:lnRef>
+          <a:fillRef idx="1">
+            <a:schemeClr val="accent1"/>
+          </a:fillRef>
+          <a:effectRef idx="0">
+            <a:schemeClr val="accent1"/>
+          </a:effectRef>
+          <a:fontRef idx="minor">
+            <a:schemeClr val="lt1"/>
+          </a:fontRef>
+        </p:style>
+        <p:txBody>
+          <a:bodyPr rtlCol="0" anchor="ctr"/>
+          <a:lstStyle/>
+          <a:p>
+            <a:pPr algn="ctr"/>
+            <a:r>
+              <a:rPr lang="en-US" altLang="zh-CN" b="1" dirty="0" err="1">
+                <a:latin typeface="Times New Roman" charset="0"/>
+                <a:ea typeface="Times New Roman" charset="0"/>
+                <a:cs typeface="Times New Roman" charset="0"/>
+              </a:rPr>
+              <a:t>SysML</a:t>
+            </a:r>
+            <a:r>
+              <a:rPr lang="zh-CN" altLang="en-US" b="1" dirty="0">
+                <a:latin typeface="Times New Roman" charset="0"/>
+                <a:ea typeface="Times New Roman" charset="0"/>
+                <a:cs typeface="Times New Roman" charset="0"/>
+              </a:rPr>
+              <a:t> </a:t>
+            </a:r>
+            <a:r>
+              <a:rPr lang="en-US" altLang="zh-CN" b="1" dirty="0">
+                <a:latin typeface="Times New Roman" charset="0"/>
+                <a:ea typeface="Times New Roman" charset="0"/>
+                <a:cs typeface="Times New Roman" charset="0"/>
+              </a:rPr>
+              <a:t>BDD</a:t>
+            </a:r>
+            <a:endParaRPr lang="zh-CN" altLang="en-US" b="1" dirty="0">
+              <a:latin typeface="Times New Roman" charset="0"/>
+              <a:ea typeface="Times New Roman" charset="0"/>
+              <a:cs typeface="Times New Roman" charset="0"/>
+            </a:endParaRPr>
+          </a:p>
+        </p:txBody>
+      </p:sp>
+      <p:sp>
+        <p:nvSpPr>
+          <p:cNvPr id="10" name="文本框 9"/>
+          <p:cNvSpPr txBox="1"/>
+          <p:nvPr/>
+        </p:nvSpPr>
+        <p:spPr>
+          <a:xfrm>
+            <a:off x="1765033" y="3103039"/>
+            <a:ext cx="615553" cy="452437"/>
+          </a:xfrm>
+          <a:prstGeom prst="rect">
+            <a:avLst/>
+          </a:prstGeom>
+          <a:noFill/>
+        </p:spPr>
+        <p:txBody>
+          <a:bodyPr vert="eaVert" wrap="square" rtlCol="0">
+            <a:spAutoFit/>
+          </a:bodyPr>
+          <a:lstStyle/>
+          <a:p>
+            <a:r>
+              <a:rPr kumimoji="1" lang="mr-IN" altLang="zh-CN" sz="2800" b="1" dirty="0">
+                <a:latin typeface="Times New Roman" charset="0"/>
+                <a:ea typeface="Times New Roman" charset="0"/>
+                <a:cs typeface="Times New Roman" charset="0"/>
+              </a:rPr>
+              <a:t>…</a:t>
+            </a:r>
+            <a:endParaRPr kumimoji="1" lang="zh-CN" altLang="en-US" sz="2800" b="1" dirty="0">
+              <a:latin typeface="Times New Roman" charset="0"/>
+              <a:ea typeface="Times New Roman" charset="0"/>
+              <a:cs typeface="Times New Roman" charset="0"/>
+            </a:endParaRPr>
+          </a:p>
+        </p:txBody>
+      </p:sp>
+      <p:sp>
+        <p:nvSpPr>
+          <p:cNvPr id="12" name="矩形 11"/>
+          <p:cNvSpPr/>
+          <p:nvPr/>
+        </p:nvSpPr>
+        <p:spPr>
+          <a:xfrm>
+            <a:off x="3670285" y="227278"/>
+            <a:ext cx="2292025" cy="4729085"/>
+          </a:xfrm>
+          <a:prstGeom prst="rect">
+            <a:avLst/>
+          </a:prstGeom>
+          <a:noFill/>
+          <a:ln w="22225">
+            <a:prstDash val="lgDash"/>
+          </a:ln>
+        </p:spPr>
+        <p:style>
+          <a:lnRef idx="2">
+            <a:schemeClr val="accent1">
+              <a:shade val="50000"/>
+            </a:schemeClr>
+          </a:lnRef>
+          <a:fillRef idx="1">
+            <a:schemeClr val="accent1"/>
+          </a:fillRef>
+          <a:effectRef idx="0">
+            <a:schemeClr val="accent1"/>
+          </a:effectRef>
+          <a:fontRef idx="minor">
+            <a:schemeClr val="lt1"/>
+          </a:fontRef>
+        </p:style>
+        <p:txBody>
+          <a:bodyPr rtlCol="0" anchor="ctr"/>
+          <a:lstStyle/>
+          <a:p>
+            <a:pPr algn="ctr"/>
+            <a:endParaRPr kumimoji="1" lang="zh-CN" altLang="en-US" b="1">
+              <a:latin typeface="Times New Roman" charset="0"/>
+              <a:ea typeface="Times New Roman" charset="0"/>
+              <a:cs typeface="Times New Roman" charset="0"/>
+            </a:endParaRPr>
+          </a:p>
+        </p:txBody>
+      </p:sp>
+      <p:sp>
+        <p:nvSpPr>
+          <p:cNvPr id="15" name="虚尾箭头 14"/>
+          <p:cNvSpPr/>
+          <p:nvPr/>
+        </p:nvSpPr>
+        <p:spPr>
+          <a:xfrm>
+            <a:off x="3169260" y="2477831"/>
+            <a:ext cx="501438" cy="214310"/>
+          </a:xfrm>
+          <a:prstGeom prst="stripedRightArrow">
+            <a:avLst/>
+          </a:prstGeom>
+        </p:spPr>
+        <p:style>
+          <a:lnRef idx="2">
+            <a:schemeClr val="accent1">
+              <a:shade val="50000"/>
+            </a:schemeClr>
+          </a:lnRef>
+          <a:fillRef idx="1">
+            <a:schemeClr val="accent1"/>
+          </a:fillRef>
+          <a:effectRef idx="0">
+            <a:schemeClr val="accent1"/>
+          </a:effectRef>
+          <a:fontRef idx="minor">
+            <a:schemeClr val="lt1"/>
+          </a:fontRef>
+        </p:style>
+        <p:txBody>
+          <a:bodyPr rtlCol="0" anchor="ctr"/>
+          <a:lstStyle/>
+          <a:p>
+            <a:pPr algn="ctr"/>
+            <a:endParaRPr kumimoji="1" lang="zh-CN" altLang="en-US" b="1">
+              <a:latin typeface="Times New Roman" charset="0"/>
+              <a:ea typeface="Times New Roman" charset="0"/>
+              <a:cs typeface="Times New Roman" charset="0"/>
+            </a:endParaRPr>
+          </a:p>
+        </p:txBody>
+      </p:sp>
+      <p:sp>
+        <p:nvSpPr>
+          <p:cNvPr id="16" name="矩形 15"/>
+          <p:cNvSpPr/>
+          <p:nvPr/>
+        </p:nvSpPr>
+        <p:spPr>
+          <a:xfrm>
+            <a:off x="3941749" y="870989"/>
+            <a:ext cx="1731801" cy="700088"/>
+          </a:xfrm>
+          <a:prstGeom prst="rect">
+            <a:avLst/>
+          </a:prstGeom>
+          <a:noFill/>
+          <a:ln w="19050"/>
+        </p:spPr>
+        <p:style>
+          <a:lnRef idx="2">
+            <a:schemeClr val="accent1">
+              <a:shade val="50000"/>
+            </a:schemeClr>
+          </a:lnRef>
+          <a:fillRef idx="1">
+            <a:schemeClr val="accent1"/>
+          </a:fillRef>
+          <a:effectRef idx="0">
+            <a:schemeClr val="accent1"/>
+          </a:effectRef>
+          <a:fontRef idx="minor">
+            <a:schemeClr val="lt1"/>
+          </a:fontRef>
+        </p:style>
+        <p:txBody>
+          <a:bodyPr rtlCol="0" anchor="ctr"/>
+          <a:lstStyle/>
+          <a:p>
+            <a:pPr algn="ctr"/>
+            <a:r>
+              <a:rPr kumimoji="1" lang="en-US" altLang="zh-CN" b="1" dirty="0">
+                <a:solidFill>
+                  <a:schemeClr val="tx1"/>
+                </a:solidFill>
+                <a:latin typeface="Times New Roman" charset="0"/>
+                <a:ea typeface="Times New Roman" charset="0"/>
+                <a:cs typeface="Times New Roman" charset="0"/>
+              </a:rPr>
+              <a:t>Connector</a:t>
+            </a:r>
+            <a:r>
+              <a:rPr kumimoji="1" lang="zh-CN" altLang="en-US" b="1" dirty="0">
+                <a:solidFill>
+                  <a:schemeClr val="tx1"/>
+                </a:solidFill>
+                <a:latin typeface="Times New Roman" charset="0"/>
+                <a:ea typeface="Times New Roman" charset="0"/>
+                <a:cs typeface="Times New Roman" charset="0"/>
+              </a:rPr>
+              <a:t> </a:t>
+            </a:r>
+            <a:r>
+              <a:rPr kumimoji="1" lang="en-US" altLang="zh-CN" b="1" dirty="0">
+                <a:solidFill>
+                  <a:schemeClr val="tx1"/>
+                </a:solidFill>
+                <a:latin typeface="Times New Roman" charset="0"/>
+                <a:ea typeface="Times New Roman" charset="0"/>
+                <a:cs typeface="Times New Roman" charset="0"/>
+              </a:rPr>
+              <a:t>configuration</a:t>
+            </a:r>
+          </a:p>
+        </p:txBody>
+      </p:sp>
+      <p:sp>
+        <p:nvSpPr>
+          <p:cNvPr id="17" name="文本框 16"/>
+          <p:cNvSpPr txBox="1"/>
+          <p:nvPr/>
+        </p:nvSpPr>
+        <p:spPr>
+          <a:xfrm>
+            <a:off x="4629470" y="2734618"/>
+            <a:ext cx="615553" cy="452437"/>
+          </a:xfrm>
+          <a:prstGeom prst="rect">
+            <a:avLst/>
+          </a:prstGeom>
+          <a:noFill/>
+        </p:spPr>
+        <p:txBody>
+          <a:bodyPr vert="eaVert" wrap="square" rtlCol="0">
+            <a:spAutoFit/>
+          </a:bodyPr>
+          <a:lstStyle/>
+          <a:p>
+            <a:r>
+              <a:rPr kumimoji="1" lang="mr-IN" altLang="zh-CN" sz="2800" b="1" dirty="0">
+                <a:latin typeface="Times New Roman" charset="0"/>
+                <a:ea typeface="Times New Roman" charset="0"/>
+                <a:cs typeface="Times New Roman" charset="0"/>
+              </a:rPr>
+              <a:t>…</a:t>
+            </a:r>
+            <a:endParaRPr kumimoji="1" lang="zh-CN" altLang="en-US" sz="2800" b="1" dirty="0">
+              <a:latin typeface="Times New Roman" charset="0"/>
+              <a:ea typeface="Times New Roman" charset="0"/>
+              <a:cs typeface="Times New Roman" charset="0"/>
+            </a:endParaRPr>
+          </a:p>
+        </p:txBody>
+      </p:sp>
+      <p:sp>
+        <p:nvSpPr>
+          <p:cNvPr id="18" name="文本框 17"/>
+          <p:cNvSpPr txBox="1"/>
+          <p:nvPr/>
+        </p:nvSpPr>
+        <p:spPr>
+          <a:xfrm>
+            <a:off x="3789153" y="233004"/>
+            <a:ext cx="2120584" cy="369332"/>
+          </a:xfrm>
+          <a:prstGeom prst="rect">
+            <a:avLst/>
+          </a:prstGeom>
+          <a:noFill/>
+        </p:spPr>
+        <p:txBody>
+          <a:bodyPr wrap="square" rtlCol="0">
+            <a:spAutoFit/>
+          </a:bodyPr>
+          <a:lstStyle/>
+          <a:p>
+            <a:pPr algn="ctr"/>
+            <a:r>
+              <a:rPr kumimoji="1" lang="en-US" altLang="zh-CN" b="1" dirty="0">
+                <a:latin typeface="Times New Roman" charset="0"/>
+                <a:ea typeface="Times New Roman" charset="0"/>
+                <a:cs typeface="Times New Roman" charset="0"/>
+              </a:rPr>
+              <a:t>Architecture design</a:t>
+            </a:r>
+            <a:endParaRPr kumimoji="1" lang="zh-CN" altLang="en-US" b="1" dirty="0">
+              <a:latin typeface="Times New Roman" charset="0"/>
+              <a:ea typeface="Times New Roman" charset="0"/>
+              <a:cs typeface="Times New Roman" charset="0"/>
+            </a:endParaRPr>
+          </a:p>
+        </p:txBody>
+      </p:sp>
+      <p:sp>
+        <p:nvSpPr>
+          <p:cNvPr id="19" name="矩形 18"/>
+          <p:cNvSpPr/>
+          <p:nvPr/>
+        </p:nvSpPr>
+        <p:spPr>
+          <a:xfrm>
+            <a:off x="6530043" y="227278"/>
+            <a:ext cx="4821471" cy="4753516"/>
+          </a:xfrm>
+          <a:prstGeom prst="rect">
+            <a:avLst/>
+          </a:prstGeom>
+          <a:noFill/>
+          <a:ln w="22225">
+            <a:prstDash val="lgDash"/>
+          </a:ln>
+        </p:spPr>
+        <p:style>
+          <a:lnRef idx="2">
+            <a:schemeClr val="accent1">
+              <a:shade val="50000"/>
+            </a:schemeClr>
+          </a:lnRef>
+          <a:fillRef idx="1">
+            <a:schemeClr val="accent1"/>
+          </a:fillRef>
+          <a:effectRef idx="0">
+            <a:schemeClr val="accent1"/>
+          </a:effectRef>
+          <a:fontRef idx="minor">
+            <a:schemeClr val="lt1"/>
+          </a:fontRef>
+        </p:style>
+        <p:txBody>
+          <a:bodyPr rtlCol="0" anchor="ctr"/>
+          <a:lstStyle/>
+          <a:p>
+            <a:pPr algn="ctr"/>
+            <a:endParaRPr kumimoji="1" lang="zh-CN" altLang="en-US" b="1">
+              <a:latin typeface="Times New Roman" charset="0"/>
+              <a:ea typeface="Times New Roman" charset="0"/>
+              <a:cs typeface="Times New Roman" charset="0"/>
+            </a:endParaRPr>
+          </a:p>
+        </p:txBody>
+      </p:sp>
+      <p:sp>
+        <p:nvSpPr>
+          <p:cNvPr id="25" name="虚尾箭头 24"/>
+          <p:cNvSpPr/>
+          <p:nvPr/>
+        </p:nvSpPr>
+        <p:spPr>
+          <a:xfrm>
+            <a:off x="5688221" y="1117770"/>
+            <a:ext cx="1057275" cy="257175"/>
+          </a:xfrm>
+          <a:prstGeom prst="stripedRightArrow">
+            <a:avLst/>
+          </a:prstGeom>
+        </p:spPr>
+        <p:style>
+          <a:lnRef idx="2">
+            <a:schemeClr val="accent1">
+              <a:shade val="50000"/>
+            </a:schemeClr>
+          </a:lnRef>
+          <a:fillRef idx="1">
+            <a:schemeClr val="accent1"/>
+          </a:fillRef>
+          <a:effectRef idx="0">
+            <a:schemeClr val="accent1"/>
+          </a:effectRef>
+          <a:fontRef idx="minor">
+            <a:schemeClr val="lt1"/>
+          </a:fontRef>
+        </p:style>
+        <p:txBody>
+          <a:bodyPr rtlCol="0" anchor="ctr"/>
+          <a:lstStyle/>
+          <a:p>
+            <a:pPr algn="ctr"/>
+            <a:endParaRPr kumimoji="1" lang="zh-CN" altLang="en-US" b="1">
+              <a:latin typeface="Times New Roman" charset="0"/>
+              <a:ea typeface="Times New Roman" charset="0"/>
+              <a:cs typeface="Times New Roman" charset="0"/>
+            </a:endParaRPr>
+          </a:p>
+        </p:txBody>
+      </p:sp>
+      <p:sp>
+        <p:nvSpPr>
+          <p:cNvPr id="26" name="矩形 25"/>
+          <p:cNvSpPr/>
+          <p:nvPr/>
+        </p:nvSpPr>
+        <p:spPr>
+          <a:xfrm>
+            <a:off x="6759784" y="865728"/>
+            <a:ext cx="1731801" cy="637508"/>
+          </a:xfrm>
+          <a:prstGeom prst="rect">
+            <a:avLst/>
+          </a:prstGeom>
+          <a:noFill/>
+          <a:ln w="19050"/>
+        </p:spPr>
+        <p:style>
+          <a:lnRef idx="2">
+            <a:schemeClr val="accent1">
+              <a:shade val="50000"/>
+            </a:schemeClr>
+          </a:lnRef>
+          <a:fillRef idx="1">
+            <a:schemeClr val="accent1"/>
+          </a:fillRef>
+          <a:effectRef idx="0">
+            <a:schemeClr val="accent1"/>
+          </a:effectRef>
+          <a:fontRef idx="minor">
+            <a:schemeClr val="lt1"/>
+          </a:fontRef>
+        </p:style>
+        <p:txBody>
+          <a:bodyPr rtlCol="0" anchor="ctr"/>
+          <a:lstStyle/>
+          <a:p>
+            <a:pPr algn="ctr"/>
+            <a:r>
+              <a:rPr kumimoji="1" lang="en-US" altLang="zh-CN" b="1" dirty="0">
+                <a:solidFill>
+                  <a:schemeClr val="tx1"/>
+                </a:solidFill>
+                <a:latin typeface="Times New Roman" charset="0"/>
+                <a:ea typeface="Times New Roman" charset="0"/>
+                <a:cs typeface="Times New Roman" charset="0"/>
+              </a:rPr>
+              <a:t>Channels</a:t>
+            </a:r>
+          </a:p>
+        </p:txBody>
+      </p:sp>
+      <p:sp>
+        <p:nvSpPr>
+          <p:cNvPr id="27" name="文本框 26"/>
+          <p:cNvSpPr txBox="1"/>
+          <p:nvPr/>
+        </p:nvSpPr>
+        <p:spPr>
+          <a:xfrm>
+            <a:off x="8245708" y="249185"/>
+            <a:ext cx="2183717" cy="369332"/>
+          </a:xfrm>
+          <a:prstGeom prst="rect">
+            <a:avLst/>
+          </a:prstGeom>
+          <a:noFill/>
+        </p:spPr>
+        <p:txBody>
+          <a:bodyPr wrap="square" rtlCol="0">
+            <a:spAutoFit/>
+          </a:bodyPr>
+          <a:lstStyle/>
+          <a:p>
+            <a:r>
+              <a:rPr kumimoji="1" lang="en-US" altLang="zh-CN" b="1" dirty="0">
+                <a:latin typeface="Times New Roman" charset="0"/>
+                <a:ea typeface="Times New Roman" charset="0"/>
+                <a:cs typeface="Times New Roman" charset="0"/>
+              </a:rPr>
+              <a:t>Verification</a:t>
+            </a:r>
+            <a:r>
+              <a:rPr kumimoji="1" lang="zh-CN" altLang="en-US" b="1" dirty="0">
+                <a:latin typeface="Times New Roman" charset="0"/>
+                <a:ea typeface="Times New Roman" charset="0"/>
+                <a:cs typeface="Times New Roman" charset="0"/>
+              </a:rPr>
+              <a:t> </a:t>
+            </a:r>
+          </a:p>
+        </p:txBody>
+      </p:sp>
+      <p:sp>
+        <p:nvSpPr>
+          <p:cNvPr id="28" name="矩形 27"/>
+          <p:cNvSpPr/>
+          <p:nvPr/>
+        </p:nvSpPr>
+        <p:spPr>
+          <a:xfrm>
+            <a:off x="3959049" y="4288698"/>
+            <a:ext cx="1731801" cy="548349"/>
+          </a:xfrm>
+          <a:prstGeom prst="rect">
+            <a:avLst/>
+          </a:prstGeom>
+          <a:noFill/>
+        </p:spPr>
+        <p:style>
+          <a:lnRef idx="2">
+            <a:schemeClr val="accent1">
+              <a:shade val="50000"/>
+            </a:schemeClr>
+          </a:lnRef>
+          <a:fillRef idx="1">
+            <a:schemeClr val="accent1"/>
+          </a:fillRef>
+          <a:effectRef idx="0">
+            <a:schemeClr val="accent1"/>
+          </a:effectRef>
+          <a:fontRef idx="minor">
+            <a:schemeClr val="lt1"/>
+          </a:fontRef>
+        </p:style>
+        <p:txBody>
+          <a:bodyPr rtlCol="0" anchor="ctr"/>
+          <a:lstStyle/>
+          <a:p>
+            <a:pPr algn="ctr"/>
+            <a:r>
+              <a:rPr lang="en-US" altLang="zh-CN" b="1" dirty="0">
+                <a:solidFill>
+                  <a:schemeClr val="tx1"/>
+                </a:solidFill>
+                <a:latin typeface="Times New Roman" charset="0"/>
+                <a:ea typeface="Times New Roman" charset="0"/>
+                <a:cs typeface="Times New Roman" charset="0"/>
+              </a:rPr>
+              <a:t>Master</a:t>
+            </a:r>
+            <a:r>
+              <a:rPr lang="zh-CN" altLang="en-US" b="1" dirty="0">
+                <a:solidFill>
+                  <a:schemeClr val="tx1"/>
+                </a:solidFill>
+                <a:latin typeface="Times New Roman" charset="0"/>
+                <a:ea typeface="Times New Roman" charset="0"/>
+                <a:cs typeface="Times New Roman" charset="0"/>
+              </a:rPr>
+              <a:t> </a:t>
+            </a:r>
+            <a:r>
+              <a:rPr lang="en-US" altLang="zh-CN" b="1" dirty="0">
+                <a:solidFill>
+                  <a:schemeClr val="tx1"/>
+                </a:solidFill>
+                <a:latin typeface="Times New Roman" charset="0"/>
+                <a:ea typeface="Times New Roman" charset="0"/>
+                <a:cs typeface="Times New Roman" charset="0"/>
+              </a:rPr>
+              <a:t>Algorithm</a:t>
+            </a:r>
+            <a:r>
+              <a:rPr lang="zh-CN" altLang="en-US" b="1" dirty="0">
+                <a:solidFill>
+                  <a:schemeClr val="tx1"/>
+                </a:solidFill>
+                <a:latin typeface="Times New Roman" charset="0"/>
+                <a:ea typeface="Times New Roman" charset="0"/>
+                <a:cs typeface="Times New Roman" charset="0"/>
+              </a:rPr>
+              <a:t> </a:t>
+            </a:r>
+            <a:r>
+              <a:rPr lang="en-US" altLang="zh-CN" b="1" dirty="0">
+                <a:solidFill>
+                  <a:schemeClr val="tx1"/>
+                </a:solidFill>
+                <a:latin typeface="Times New Roman" charset="0"/>
+                <a:ea typeface="Times New Roman" charset="0"/>
+                <a:cs typeface="Times New Roman" charset="0"/>
+              </a:rPr>
+              <a:t>(MA)</a:t>
+            </a:r>
+          </a:p>
+        </p:txBody>
+      </p:sp>
+      <p:sp>
+        <p:nvSpPr>
+          <p:cNvPr id="32" name="文本框 31"/>
+          <p:cNvSpPr txBox="1"/>
+          <p:nvPr/>
+        </p:nvSpPr>
+        <p:spPr>
+          <a:xfrm>
+            <a:off x="7439719" y="2692141"/>
+            <a:ext cx="615553" cy="452437"/>
+          </a:xfrm>
+          <a:prstGeom prst="rect">
+            <a:avLst/>
+          </a:prstGeom>
+          <a:noFill/>
+        </p:spPr>
+        <p:txBody>
+          <a:bodyPr vert="eaVert" wrap="square" rtlCol="0">
+            <a:spAutoFit/>
+          </a:bodyPr>
+          <a:lstStyle/>
+          <a:p>
+            <a:r>
+              <a:rPr kumimoji="1" lang="mr-IN" altLang="zh-CN" sz="2800" b="1" dirty="0">
+                <a:latin typeface="Times New Roman" charset="0"/>
+                <a:ea typeface="Times New Roman" charset="0"/>
+                <a:cs typeface="Times New Roman" charset="0"/>
+              </a:rPr>
+              <a:t>…</a:t>
+            </a:r>
+            <a:endParaRPr kumimoji="1" lang="zh-CN" altLang="en-US" sz="2800" b="1" dirty="0">
+              <a:latin typeface="Times New Roman" charset="0"/>
+              <a:ea typeface="Times New Roman" charset="0"/>
+              <a:cs typeface="Times New Roman" charset="0"/>
+            </a:endParaRPr>
+          </a:p>
+        </p:txBody>
+      </p:sp>
+      <p:sp>
+        <p:nvSpPr>
+          <p:cNvPr id="36" name="右大括号 35"/>
+          <p:cNvSpPr/>
+          <p:nvPr/>
+        </p:nvSpPr>
+        <p:spPr>
+          <a:xfrm>
+            <a:off x="8527907" y="1117769"/>
+            <a:ext cx="697049" cy="3345509"/>
+          </a:xfrm>
+          <a:prstGeom prst="rightBrace">
+            <a:avLst>
+              <a:gd name="adj1" fmla="val 8333"/>
+              <a:gd name="adj2" fmla="val 6262"/>
+            </a:avLst>
+          </a:prstGeom>
+          <a:ln w="38100"/>
+        </p:spPr>
+        <p:style>
+          <a:lnRef idx="1">
+            <a:schemeClr val="accent1"/>
+          </a:lnRef>
+          <a:fillRef idx="0">
+            <a:schemeClr val="accent1"/>
+          </a:fillRef>
+          <a:effectRef idx="0">
+            <a:schemeClr val="accent1"/>
+          </a:effectRef>
+          <a:fontRef idx="minor">
+            <a:schemeClr val="tx1"/>
+          </a:fontRef>
+        </p:style>
+        <p:txBody>
+          <a:bodyPr rtlCol="0" anchor="ctr"/>
+          <a:lstStyle/>
+          <a:p>
+            <a:pPr algn="ctr"/>
+            <a:endParaRPr kumimoji="1" lang="zh-CN" altLang="en-US" b="1">
+              <a:latin typeface="Times New Roman" charset="0"/>
+              <a:ea typeface="Times New Roman" charset="0"/>
+              <a:cs typeface="Times New Roman" charset="0"/>
+            </a:endParaRPr>
+          </a:p>
+        </p:txBody>
+      </p:sp>
+      <p:sp>
+        <p:nvSpPr>
+          <p:cNvPr id="37" name="矩形 36"/>
+          <p:cNvSpPr/>
+          <p:nvPr/>
+        </p:nvSpPr>
+        <p:spPr>
+          <a:xfrm>
+            <a:off x="10052932" y="4014417"/>
+            <a:ext cx="1004165" cy="493864"/>
+          </a:xfrm>
+          <a:prstGeom prst="rect">
+            <a:avLst/>
+          </a:prstGeom>
+          <a:solidFill>
+            <a:schemeClr val="accent2">
+              <a:lumMod val="40000"/>
+              <a:lumOff val="60000"/>
+            </a:schemeClr>
+          </a:solidFill>
+        </p:spPr>
+        <p:style>
+          <a:lnRef idx="2">
+            <a:schemeClr val="accent1">
+              <a:shade val="50000"/>
+            </a:schemeClr>
+          </a:lnRef>
+          <a:fillRef idx="1">
+            <a:schemeClr val="accent1"/>
+          </a:fillRef>
+          <a:effectRef idx="0">
+            <a:schemeClr val="accent1"/>
+          </a:effectRef>
+          <a:fontRef idx="minor">
+            <a:schemeClr val="lt1"/>
+          </a:fontRef>
+        </p:style>
+        <p:txBody>
+          <a:bodyPr rtlCol="0" anchor="ctr"/>
+          <a:lstStyle/>
+          <a:p>
+            <a:pPr algn="ctr"/>
+            <a:r>
+              <a:rPr lang="en-US" altLang="zh-CN" sz="1200" b="1" dirty="0">
+                <a:solidFill>
+                  <a:schemeClr val="tx1"/>
+                </a:solidFill>
+                <a:latin typeface="Times New Roman" charset="0"/>
+                <a:ea typeface="Times New Roman" charset="0"/>
+                <a:cs typeface="Times New Roman" charset="0"/>
+              </a:rPr>
+              <a:t>Verified</a:t>
+            </a:r>
+          </a:p>
+          <a:p>
+            <a:pPr algn="ctr"/>
+            <a:r>
+              <a:rPr lang="en-US" altLang="zh-CN" sz="1200" b="1" dirty="0">
+                <a:solidFill>
+                  <a:schemeClr val="tx1"/>
+                </a:solidFill>
+                <a:latin typeface="Times New Roman" charset="0"/>
+                <a:ea typeface="Times New Roman" charset="0"/>
+                <a:cs typeface="Times New Roman" charset="0"/>
+              </a:rPr>
+              <a:t>Property</a:t>
+            </a:r>
+          </a:p>
+        </p:txBody>
+      </p:sp>
+      <p:pic>
+        <p:nvPicPr>
+          <p:cNvPr id="38" name="图片 37"/>
+          <p:cNvPicPr>
+            <a:picLocks noChangeAspect="1"/>
+          </p:cNvPicPr>
+          <p:nvPr/>
+        </p:nvPicPr>
+        <p:blipFill>
+          <a:blip r:embed="rId2">
+            <a:extLst>
+              <a:ext uri="{28A0092B-C50C-407E-A947-70E740481C1C}">
+                <a14:useLocalDpi xmlns:a14="http://schemas.microsoft.com/office/drawing/2010/main" val="0"/>
+              </a:ext>
+            </a:extLst>
+          </a:blip>
+          <a:stretch>
+            <a:fillRect/>
+          </a:stretch>
+        </p:blipFill>
+        <p:spPr>
+          <a:xfrm>
+            <a:off x="9626027" y="2008040"/>
+            <a:ext cx="1082418" cy="1076867"/>
+          </a:xfrm>
+          <a:prstGeom prst="rect">
+            <a:avLst/>
+          </a:prstGeom>
+        </p:spPr>
+      </p:pic>
+      <p:sp>
+        <p:nvSpPr>
+          <p:cNvPr id="39" name="文本框 38"/>
+          <p:cNvSpPr txBox="1"/>
+          <p:nvPr/>
+        </p:nvSpPr>
+        <p:spPr>
+          <a:xfrm>
+            <a:off x="9699638" y="2990179"/>
+            <a:ext cx="1130219" cy="369332"/>
+          </a:xfrm>
+          <a:prstGeom prst="rect">
+            <a:avLst/>
+          </a:prstGeom>
+          <a:noFill/>
+        </p:spPr>
+        <p:txBody>
+          <a:bodyPr wrap="square" rtlCol="0">
+            <a:spAutoFit/>
+          </a:bodyPr>
+          <a:lstStyle/>
+          <a:p>
+            <a:r>
+              <a:rPr kumimoji="1" lang="en-US" altLang="zh-CN" b="1" dirty="0">
+                <a:latin typeface="Times New Roman" charset="0"/>
+                <a:ea typeface="Times New Roman" charset="0"/>
+                <a:cs typeface="Times New Roman" charset="0"/>
+              </a:rPr>
+              <a:t>UPPAAL</a:t>
+            </a:r>
+            <a:endParaRPr kumimoji="1" lang="zh-CN" altLang="en-US" b="1" dirty="0">
+              <a:latin typeface="Times New Roman" charset="0"/>
+              <a:ea typeface="Times New Roman" charset="0"/>
+              <a:cs typeface="Times New Roman" charset="0"/>
+            </a:endParaRPr>
+          </a:p>
+        </p:txBody>
+      </p:sp>
+      <p:sp>
+        <p:nvSpPr>
+          <p:cNvPr id="41" name="下箭头 40"/>
+          <p:cNvSpPr/>
+          <p:nvPr/>
+        </p:nvSpPr>
+        <p:spPr>
+          <a:xfrm>
+            <a:off x="10024044" y="1688403"/>
+            <a:ext cx="247646" cy="403258"/>
+          </a:xfrm>
+          <a:prstGeom prst="downArrow">
+            <a:avLst/>
+          </a:prstGeom>
+          <a:noFill/>
+        </p:spPr>
+        <p:style>
+          <a:lnRef idx="2">
+            <a:schemeClr val="accent1">
+              <a:shade val="50000"/>
+            </a:schemeClr>
+          </a:lnRef>
+          <a:fillRef idx="1">
+            <a:schemeClr val="accent1"/>
+          </a:fillRef>
+          <a:effectRef idx="0">
+            <a:schemeClr val="accent1"/>
+          </a:effectRef>
+          <a:fontRef idx="minor">
+            <a:schemeClr val="lt1"/>
+          </a:fontRef>
+        </p:style>
+        <p:txBody>
+          <a:bodyPr rtlCol="0" anchor="ctr"/>
+          <a:lstStyle/>
+          <a:p>
+            <a:pPr algn="ctr"/>
+            <a:endParaRPr kumimoji="1" lang="zh-CN" altLang="en-US" b="1">
+              <a:latin typeface="Times New Roman" charset="0"/>
+              <a:ea typeface="Times New Roman" charset="0"/>
+              <a:cs typeface="Times New Roman" charset="0"/>
+            </a:endParaRPr>
+          </a:p>
+        </p:txBody>
+      </p:sp>
+      <p:sp>
+        <p:nvSpPr>
+          <p:cNvPr id="47" name="文本框 46"/>
+          <p:cNvSpPr txBox="1"/>
+          <p:nvPr/>
+        </p:nvSpPr>
+        <p:spPr>
+          <a:xfrm>
+            <a:off x="5698723" y="865727"/>
+            <a:ext cx="1342043" cy="369332"/>
+          </a:xfrm>
+          <a:prstGeom prst="rect">
+            <a:avLst/>
+          </a:prstGeom>
+          <a:noFill/>
+        </p:spPr>
+        <p:txBody>
+          <a:bodyPr wrap="square" rtlCol="0">
+            <a:spAutoFit/>
+          </a:bodyPr>
+          <a:lstStyle/>
+          <a:p>
+            <a:r>
+              <a:rPr kumimoji="1" lang="en-US" altLang="zh-CN" b="1">
+                <a:latin typeface="Times New Roman" charset="0"/>
+                <a:ea typeface="Times New Roman" charset="0"/>
+                <a:cs typeface="Times New Roman" charset="0"/>
+              </a:rPr>
+              <a:t>model</a:t>
+            </a:r>
+            <a:endParaRPr kumimoji="1" lang="zh-CN" altLang="en-US" b="1" dirty="0">
+              <a:latin typeface="Times New Roman" charset="0"/>
+              <a:ea typeface="Times New Roman" charset="0"/>
+              <a:cs typeface="Times New Roman" charset="0"/>
+            </a:endParaRPr>
+          </a:p>
+        </p:txBody>
+      </p:sp>
+      <p:sp>
+        <p:nvSpPr>
+          <p:cNvPr id="48" name="文本框 47"/>
+          <p:cNvSpPr txBox="1"/>
+          <p:nvPr/>
+        </p:nvSpPr>
+        <p:spPr>
+          <a:xfrm>
+            <a:off x="5859021" y="1816117"/>
+            <a:ext cx="1342043" cy="369332"/>
+          </a:xfrm>
+          <a:prstGeom prst="rect">
+            <a:avLst/>
+          </a:prstGeom>
+          <a:noFill/>
+        </p:spPr>
+        <p:txBody>
+          <a:bodyPr wrap="square" rtlCol="0">
+            <a:spAutoFit/>
+          </a:bodyPr>
+          <a:lstStyle/>
+          <a:p>
+            <a:r>
+              <a:rPr kumimoji="1" lang="en-US" altLang="zh-CN" b="1" dirty="0">
+                <a:latin typeface="Times New Roman" charset="0"/>
+                <a:ea typeface="Times New Roman" charset="0"/>
+                <a:cs typeface="Times New Roman" charset="0"/>
+              </a:rPr>
+              <a:t>encode</a:t>
+            </a:r>
+            <a:endParaRPr kumimoji="1" lang="zh-CN" altLang="en-US" b="1" dirty="0">
+              <a:latin typeface="Times New Roman" charset="0"/>
+              <a:ea typeface="Times New Roman" charset="0"/>
+              <a:cs typeface="Times New Roman" charset="0"/>
+            </a:endParaRPr>
+          </a:p>
+        </p:txBody>
+      </p:sp>
+      <p:sp>
+        <p:nvSpPr>
+          <p:cNvPr id="49" name="文本框 48"/>
+          <p:cNvSpPr txBox="1"/>
+          <p:nvPr/>
+        </p:nvSpPr>
+        <p:spPr>
+          <a:xfrm>
+            <a:off x="5706815" y="3193785"/>
+            <a:ext cx="1342043" cy="369332"/>
+          </a:xfrm>
+          <a:prstGeom prst="rect">
+            <a:avLst/>
+          </a:prstGeom>
+          <a:noFill/>
+        </p:spPr>
+        <p:txBody>
+          <a:bodyPr wrap="square" rtlCol="0">
+            <a:spAutoFit/>
+          </a:bodyPr>
+          <a:lstStyle/>
+          <a:p>
+            <a:r>
+              <a:rPr kumimoji="1" lang="en-US" altLang="zh-CN" b="1">
+                <a:latin typeface="Times New Roman" charset="0"/>
+                <a:ea typeface="Times New Roman" charset="0"/>
+                <a:cs typeface="Times New Roman" charset="0"/>
+              </a:rPr>
+              <a:t>encode</a:t>
+            </a:r>
+            <a:endParaRPr kumimoji="1" lang="zh-CN" altLang="en-US" b="1" dirty="0">
+              <a:latin typeface="Times New Roman" charset="0"/>
+              <a:ea typeface="Times New Roman" charset="0"/>
+              <a:cs typeface="Times New Roman" charset="0"/>
+            </a:endParaRPr>
+          </a:p>
+        </p:txBody>
+      </p:sp>
+      <p:sp>
+        <p:nvSpPr>
+          <p:cNvPr id="50" name="文本框 49"/>
+          <p:cNvSpPr txBox="1"/>
+          <p:nvPr/>
+        </p:nvSpPr>
+        <p:spPr>
+          <a:xfrm>
+            <a:off x="5706815" y="4154615"/>
+            <a:ext cx="1342043" cy="369332"/>
+          </a:xfrm>
+          <a:prstGeom prst="rect">
+            <a:avLst/>
+          </a:prstGeom>
+          <a:noFill/>
+        </p:spPr>
+        <p:txBody>
+          <a:bodyPr wrap="square" rtlCol="0">
+            <a:spAutoFit/>
+          </a:bodyPr>
+          <a:lstStyle/>
+          <a:p>
+            <a:r>
+              <a:rPr kumimoji="1" lang="en-US" altLang="zh-CN" b="1" dirty="0">
+                <a:latin typeface="Times New Roman" charset="0"/>
+                <a:ea typeface="Times New Roman" charset="0"/>
+                <a:cs typeface="Times New Roman" charset="0"/>
+              </a:rPr>
+              <a:t>model</a:t>
+            </a:r>
+            <a:endParaRPr kumimoji="1" lang="zh-CN" altLang="en-US" b="1" dirty="0">
+              <a:latin typeface="Times New Roman" charset="0"/>
+              <a:ea typeface="Times New Roman" charset="0"/>
+              <a:cs typeface="Times New Roman" charset="0"/>
+            </a:endParaRPr>
+          </a:p>
+        </p:txBody>
+      </p:sp>
+      <p:sp>
+        <p:nvSpPr>
+          <p:cNvPr id="55" name="多文档 54"/>
+          <p:cNvSpPr/>
+          <p:nvPr/>
+        </p:nvSpPr>
+        <p:spPr>
+          <a:xfrm>
+            <a:off x="3959049" y="1963580"/>
+            <a:ext cx="1744916" cy="630294"/>
+          </a:xfrm>
+          <a:prstGeom prst="flowChartMultidocument">
+            <a:avLst/>
+          </a:prstGeom>
+          <a:solidFill>
+            <a:schemeClr val="accent1">
+              <a:lumMod val="60000"/>
+              <a:lumOff val="40000"/>
+            </a:schemeClr>
+          </a:solidFill>
+          <a:ln w="12700">
+            <a:solidFill>
+              <a:schemeClr val="tx1"/>
+            </a:solidFill>
+          </a:ln>
+        </p:spPr>
+        <p:style>
+          <a:lnRef idx="2">
+            <a:schemeClr val="accent1">
+              <a:shade val="50000"/>
+            </a:schemeClr>
+          </a:lnRef>
+          <a:fillRef idx="1">
+            <a:schemeClr val="accent1"/>
+          </a:fillRef>
+          <a:effectRef idx="0">
+            <a:schemeClr val="accent1"/>
+          </a:effectRef>
+          <a:fontRef idx="minor">
+            <a:schemeClr val="lt1"/>
+          </a:fontRef>
+        </p:style>
+        <p:txBody>
+          <a:bodyPr rtlCol="0" anchor="ctr"/>
+          <a:lstStyle/>
+          <a:p>
+            <a:pPr algn="ctr"/>
+            <a:r>
+              <a:rPr lang="en-US" altLang="zh-CN" b="1" dirty="0">
+                <a:latin typeface="Times New Roman" charset="0"/>
+                <a:ea typeface="Times New Roman" charset="0"/>
+                <a:cs typeface="Times New Roman" charset="0"/>
+              </a:rPr>
+              <a:t>FMU</a:t>
+            </a:r>
+          </a:p>
+        </p:txBody>
+      </p:sp>
+      <p:sp>
+        <p:nvSpPr>
+          <p:cNvPr id="56" name="多文档 55"/>
+          <p:cNvSpPr/>
+          <p:nvPr/>
+        </p:nvSpPr>
+        <p:spPr>
+          <a:xfrm>
+            <a:off x="3952491" y="3329497"/>
+            <a:ext cx="1744916" cy="630294"/>
+          </a:xfrm>
+          <a:prstGeom prst="flowChartMultidocument">
+            <a:avLst/>
+          </a:prstGeom>
+          <a:solidFill>
+            <a:schemeClr val="accent1">
+              <a:lumMod val="60000"/>
+              <a:lumOff val="40000"/>
+            </a:schemeClr>
+          </a:solidFill>
+          <a:ln w="12700">
+            <a:solidFill>
+              <a:schemeClr val="tx1"/>
+            </a:solidFill>
+          </a:ln>
+        </p:spPr>
+        <p:style>
+          <a:lnRef idx="2">
+            <a:schemeClr val="accent1">
+              <a:shade val="50000"/>
+            </a:schemeClr>
+          </a:lnRef>
+          <a:fillRef idx="1">
+            <a:schemeClr val="accent1"/>
+          </a:fillRef>
+          <a:effectRef idx="0">
+            <a:schemeClr val="accent1"/>
+          </a:effectRef>
+          <a:fontRef idx="minor">
+            <a:schemeClr val="lt1"/>
+          </a:fontRef>
+        </p:style>
+        <p:txBody>
+          <a:bodyPr rtlCol="0" anchor="ctr"/>
+          <a:lstStyle/>
+          <a:p>
+            <a:pPr algn="ctr"/>
+            <a:r>
+              <a:rPr lang="en-US" altLang="zh-CN" b="1" dirty="0">
+                <a:latin typeface="Times New Roman" charset="0"/>
+                <a:ea typeface="Times New Roman" charset="0"/>
+                <a:cs typeface="Times New Roman" charset="0"/>
+              </a:rPr>
+              <a:t>FMU</a:t>
+            </a:r>
+          </a:p>
+        </p:txBody>
+      </p:sp>
+      <p:sp>
+        <p:nvSpPr>
+          <p:cNvPr id="62" name="燕尾形箭头 61"/>
+          <p:cNvSpPr/>
+          <p:nvPr/>
+        </p:nvSpPr>
+        <p:spPr>
+          <a:xfrm>
+            <a:off x="5727719" y="2052229"/>
+            <a:ext cx="1022446" cy="284785"/>
+          </a:xfrm>
+          <a:prstGeom prst="notchedRightArrow">
+            <a:avLst/>
+          </a:prstGeom>
+        </p:spPr>
+        <p:style>
+          <a:lnRef idx="2">
+            <a:schemeClr val="accent1">
+              <a:shade val="50000"/>
+            </a:schemeClr>
+          </a:lnRef>
+          <a:fillRef idx="1">
+            <a:schemeClr val="accent1"/>
+          </a:fillRef>
+          <a:effectRef idx="0">
+            <a:schemeClr val="accent1"/>
+          </a:effectRef>
+          <a:fontRef idx="minor">
+            <a:schemeClr val="lt1"/>
+          </a:fontRef>
+        </p:style>
+        <p:txBody>
+          <a:bodyPr rtlCol="0" anchor="ctr"/>
+          <a:lstStyle/>
+          <a:p>
+            <a:pPr algn="ctr"/>
+            <a:endParaRPr kumimoji="1" lang="zh-CN" altLang="en-US"/>
+          </a:p>
+        </p:txBody>
+      </p:sp>
+      <p:sp>
+        <p:nvSpPr>
+          <p:cNvPr id="63" name="燕尾形箭头 62"/>
+          <p:cNvSpPr/>
+          <p:nvPr/>
+        </p:nvSpPr>
+        <p:spPr>
+          <a:xfrm>
+            <a:off x="5710122" y="3475988"/>
+            <a:ext cx="1022446" cy="284785"/>
+          </a:xfrm>
+          <a:prstGeom prst="notchedRightArrow">
+            <a:avLst/>
+          </a:prstGeom>
+        </p:spPr>
+        <p:style>
+          <a:lnRef idx="2">
+            <a:schemeClr val="accent1">
+              <a:shade val="50000"/>
+            </a:schemeClr>
+          </a:lnRef>
+          <a:fillRef idx="1">
+            <a:schemeClr val="accent1"/>
+          </a:fillRef>
+          <a:effectRef idx="0">
+            <a:schemeClr val="accent1"/>
+          </a:effectRef>
+          <a:fontRef idx="minor">
+            <a:schemeClr val="lt1"/>
+          </a:fontRef>
+        </p:style>
+        <p:txBody>
+          <a:bodyPr rtlCol="0" anchor="ctr"/>
+          <a:lstStyle/>
+          <a:p>
+            <a:pPr algn="ctr"/>
+            <a:endParaRPr kumimoji="1" lang="zh-CN" altLang="en-US"/>
+          </a:p>
+        </p:txBody>
+      </p:sp>
+      <p:sp>
+        <p:nvSpPr>
+          <p:cNvPr id="64" name="右箭头 63"/>
+          <p:cNvSpPr/>
+          <p:nvPr/>
+        </p:nvSpPr>
+        <p:spPr>
+          <a:xfrm>
+            <a:off x="5706912" y="4463279"/>
+            <a:ext cx="1060359" cy="288468"/>
+          </a:xfrm>
+          <a:prstGeom prst="rightArrow">
+            <a:avLst/>
+          </a:prstGeom>
+        </p:spPr>
+        <p:style>
+          <a:lnRef idx="2">
+            <a:schemeClr val="accent1">
+              <a:shade val="50000"/>
+            </a:schemeClr>
+          </a:lnRef>
+          <a:fillRef idx="1">
+            <a:schemeClr val="accent1"/>
+          </a:fillRef>
+          <a:effectRef idx="0">
+            <a:schemeClr val="accent1"/>
+          </a:effectRef>
+          <a:fontRef idx="minor">
+            <a:schemeClr val="lt1"/>
+          </a:fontRef>
+        </p:style>
+        <p:txBody>
+          <a:bodyPr rtlCol="0" anchor="ctr"/>
+          <a:lstStyle/>
+          <a:p>
+            <a:pPr algn="ctr"/>
+            <a:endParaRPr kumimoji="1" lang="zh-CN" altLang="en-US"/>
+          </a:p>
+        </p:txBody>
+      </p:sp>
+      <p:sp>
+        <p:nvSpPr>
+          <p:cNvPr id="79" name="矩形 78"/>
+          <p:cNvSpPr/>
+          <p:nvPr/>
+        </p:nvSpPr>
+        <p:spPr>
+          <a:xfrm>
+            <a:off x="6530043" y="5987666"/>
+            <a:ext cx="4737646" cy="386992"/>
+          </a:xfrm>
+          <a:prstGeom prst="rect">
+            <a:avLst/>
+          </a:prstGeom>
+          <a:solidFill>
+            <a:schemeClr val="bg2"/>
+          </a:solidFill>
+          <a:ln>
+            <a:solidFill>
+              <a:schemeClr val="tx1"/>
+            </a:solidFill>
+          </a:ln>
+        </p:spPr>
+        <p:style>
+          <a:lnRef idx="2">
+            <a:schemeClr val="accent1">
+              <a:shade val="50000"/>
+            </a:schemeClr>
+          </a:lnRef>
+          <a:fillRef idx="1">
+            <a:schemeClr val="accent1"/>
+          </a:fillRef>
+          <a:effectRef idx="0">
+            <a:schemeClr val="accent1"/>
+          </a:effectRef>
+          <a:fontRef idx="minor">
+            <a:schemeClr val="lt1"/>
+          </a:fontRef>
+        </p:style>
+        <p:txBody>
+          <a:bodyPr rtlCol="0" anchor="ctr"/>
+          <a:lstStyle/>
+          <a:p>
+            <a:pPr algn="ctr"/>
+            <a:r>
+              <a:rPr kumimoji="1" lang="en-US" altLang="zh-CN" b="1" dirty="0">
+                <a:solidFill>
+                  <a:schemeClr val="tx1"/>
+                </a:solidFill>
+              </a:rPr>
+              <a:t>Co-simulation</a:t>
+            </a:r>
+            <a:r>
+              <a:rPr kumimoji="1" lang="zh-CN" altLang="en-US" b="1" dirty="0">
+                <a:solidFill>
+                  <a:schemeClr val="tx1"/>
+                </a:solidFill>
+              </a:rPr>
+              <a:t> </a:t>
+            </a:r>
+            <a:r>
+              <a:rPr kumimoji="1" lang="en-US" altLang="zh-CN" b="1" dirty="0">
+                <a:solidFill>
+                  <a:schemeClr val="tx1"/>
+                </a:solidFill>
+              </a:rPr>
+              <a:t>Engine</a:t>
+            </a:r>
+            <a:endParaRPr kumimoji="1" lang="zh-CN" altLang="en-US" b="1" dirty="0">
+              <a:solidFill>
+                <a:schemeClr val="tx1"/>
+              </a:solidFill>
+            </a:endParaRPr>
+          </a:p>
+        </p:txBody>
+      </p:sp>
+      <p:sp>
+        <p:nvSpPr>
+          <p:cNvPr id="81" name="左箭头 80"/>
+          <p:cNvSpPr/>
+          <p:nvPr/>
+        </p:nvSpPr>
+        <p:spPr>
+          <a:xfrm>
+            <a:off x="5365600" y="6127874"/>
+            <a:ext cx="1164443" cy="246784"/>
+          </a:xfrm>
+          <a:prstGeom prst="leftArrow">
+            <a:avLst/>
+          </a:prstGeom>
+          <a:noFill/>
+          <a:ln>
+            <a:solidFill>
+              <a:schemeClr val="tx1"/>
+            </a:solidFill>
+          </a:ln>
+          <a:effectLst>
+            <a:outerShdw blurRad="50800" dist="50800" dir="5400000" algn="ctr" rotWithShape="0">
+              <a:schemeClr val="bg1"/>
+            </a:outerShdw>
+          </a:effectLst>
+        </p:spPr>
+        <p:style>
+          <a:lnRef idx="2">
+            <a:schemeClr val="accent1">
+              <a:shade val="50000"/>
+            </a:schemeClr>
+          </a:lnRef>
+          <a:fillRef idx="1">
+            <a:schemeClr val="accent1"/>
+          </a:fillRef>
+          <a:effectRef idx="0">
+            <a:schemeClr val="accent1"/>
+          </a:effectRef>
+          <a:fontRef idx="minor">
+            <a:schemeClr val="lt1"/>
+          </a:fontRef>
+        </p:style>
+        <p:txBody>
+          <a:bodyPr rtlCol="0" anchor="ctr"/>
+          <a:lstStyle/>
+          <a:p>
+            <a:pPr algn="ctr"/>
+            <a:endParaRPr kumimoji="1" lang="zh-CN" altLang="en-US">
+              <a:solidFill>
+                <a:schemeClr val="tx1"/>
+              </a:solidFill>
+            </a:endParaRPr>
+          </a:p>
+        </p:txBody>
+      </p:sp>
+      <p:sp>
+        <p:nvSpPr>
+          <p:cNvPr id="82" name="折角形 81"/>
+          <p:cNvSpPr/>
+          <p:nvPr/>
+        </p:nvSpPr>
+        <p:spPr>
+          <a:xfrm>
+            <a:off x="3169260" y="5987666"/>
+            <a:ext cx="2196340" cy="445082"/>
+          </a:xfrm>
+          <a:prstGeom prst="foldedCorner">
+            <a:avLst/>
+          </a:prstGeom>
+          <a:solidFill>
+            <a:schemeClr val="bg2"/>
+          </a:solidFill>
+          <a:ln>
+            <a:solidFill>
+              <a:schemeClr val="tx1"/>
+            </a:solidFill>
+          </a:ln>
+        </p:spPr>
+        <p:style>
+          <a:lnRef idx="2">
+            <a:schemeClr val="accent1">
+              <a:shade val="50000"/>
+            </a:schemeClr>
+          </a:lnRef>
+          <a:fillRef idx="1">
+            <a:schemeClr val="accent1"/>
+          </a:fillRef>
+          <a:effectRef idx="0">
+            <a:schemeClr val="accent1"/>
+          </a:effectRef>
+          <a:fontRef idx="minor">
+            <a:schemeClr val="lt1"/>
+          </a:fontRef>
+        </p:style>
+        <p:txBody>
+          <a:bodyPr rtlCol="0" anchor="ctr"/>
+          <a:lstStyle/>
+          <a:p>
+            <a:pPr algn="ctr"/>
+            <a:r>
+              <a:rPr kumimoji="1" lang="en-US" altLang="zh-CN" b="1" dirty="0">
+                <a:solidFill>
+                  <a:schemeClr val="tx1"/>
+                </a:solidFill>
+              </a:rPr>
+              <a:t>Simulation</a:t>
+            </a:r>
+            <a:r>
+              <a:rPr kumimoji="1" lang="zh-CN" altLang="en-US" b="1" dirty="0">
+                <a:solidFill>
+                  <a:schemeClr val="tx1"/>
+                </a:solidFill>
+              </a:rPr>
+              <a:t> </a:t>
+            </a:r>
+            <a:r>
+              <a:rPr kumimoji="1" lang="en-US" altLang="zh-CN" b="1" dirty="0">
+                <a:solidFill>
+                  <a:schemeClr val="tx1"/>
+                </a:solidFill>
+              </a:rPr>
+              <a:t>traces</a:t>
+            </a:r>
+            <a:endParaRPr kumimoji="1" lang="zh-CN" altLang="en-US" b="1" dirty="0">
+              <a:solidFill>
+                <a:schemeClr val="tx1"/>
+              </a:solidFill>
+            </a:endParaRPr>
+          </a:p>
+        </p:txBody>
+      </p:sp>
+      <p:sp>
+        <p:nvSpPr>
+          <p:cNvPr id="83" name="矩形 82"/>
+          <p:cNvSpPr/>
+          <p:nvPr/>
+        </p:nvSpPr>
+        <p:spPr>
+          <a:xfrm>
+            <a:off x="876822" y="5674922"/>
+            <a:ext cx="10474691" cy="817161"/>
+          </a:xfrm>
+          <a:prstGeom prst="rect">
+            <a:avLst/>
+          </a:prstGeom>
+          <a:noFill/>
+          <a:ln w="22225">
+            <a:prstDash val="lgDash"/>
+          </a:ln>
+        </p:spPr>
+        <p:style>
+          <a:lnRef idx="2">
+            <a:schemeClr val="accent1">
+              <a:shade val="50000"/>
+            </a:schemeClr>
+          </a:lnRef>
+          <a:fillRef idx="1">
+            <a:schemeClr val="accent1"/>
+          </a:fillRef>
+          <a:effectRef idx="0">
+            <a:schemeClr val="accent1"/>
+          </a:effectRef>
+          <a:fontRef idx="minor">
+            <a:schemeClr val="lt1"/>
+          </a:fontRef>
+        </p:style>
+        <p:txBody>
+          <a:bodyPr rtlCol="0" anchor="ctr"/>
+          <a:lstStyle/>
+          <a:p>
+            <a:pPr algn="ctr"/>
+            <a:endParaRPr kumimoji="1" lang="zh-CN" altLang="en-US" b="1">
+              <a:latin typeface="Times New Roman" charset="0"/>
+              <a:ea typeface="Times New Roman" charset="0"/>
+              <a:cs typeface="Times New Roman" charset="0"/>
+            </a:endParaRPr>
+          </a:p>
+        </p:txBody>
+      </p:sp>
+      <p:sp>
+        <p:nvSpPr>
+          <p:cNvPr id="51" name="文本框 50"/>
+          <p:cNvSpPr txBox="1"/>
+          <p:nvPr/>
+        </p:nvSpPr>
+        <p:spPr>
+          <a:xfrm>
+            <a:off x="9033023" y="5593642"/>
+            <a:ext cx="2224506" cy="369332"/>
+          </a:xfrm>
+          <a:prstGeom prst="rect">
+            <a:avLst/>
+          </a:prstGeom>
+          <a:noFill/>
+        </p:spPr>
+        <p:txBody>
+          <a:bodyPr wrap="square" rtlCol="0">
+            <a:spAutoFit/>
+          </a:bodyPr>
+          <a:lstStyle/>
+          <a:p>
+            <a:r>
+              <a:rPr kumimoji="1" lang="en-US" altLang="zh-CN" b="1" dirty="0">
+                <a:latin typeface="Times New Roman" charset="0"/>
+                <a:ea typeface="Times New Roman" charset="0"/>
+                <a:cs typeface="Times New Roman" charset="0"/>
+              </a:rPr>
+              <a:t>Co-simulation</a:t>
+            </a:r>
+            <a:endParaRPr kumimoji="1" lang="zh-CN" altLang="en-US" b="1" dirty="0">
+              <a:latin typeface="Times New Roman" charset="0"/>
+              <a:ea typeface="Times New Roman" charset="0"/>
+              <a:cs typeface="Times New Roman" charset="0"/>
+            </a:endParaRPr>
+          </a:p>
+        </p:txBody>
+      </p:sp>
+      <p:sp>
+        <p:nvSpPr>
+          <p:cNvPr id="5" name="直角上箭头 4"/>
+          <p:cNvSpPr/>
+          <p:nvPr/>
+        </p:nvSpPr>
+        <p:spPr>
+          <a:xfrm>
+            <a:off x="8567633" y="3341427"/>
+            <a:ext cx="1487142" cy="1422249"/>
+          </a:xfrm>
+          <a:prstGeom prst="bentUpArrow">
+            <a:avLst>
+              <a:gd name="adj1" fmla="val 10590"/>
+              <a:gd name="adj2" fmla="val 11740"/>
+              <a:gd name="adj3" fmla="val 18055"/>
+            </a:avLst>
+          </a:prstGeom>
+          <a:noFill/>
+        </p:spPr>
+        <p:style>
+          <a:lnRef idx="2">
+            <a:schemeClr val="accent1">
+              <a:shade val="50000"/>
+            </a:schemeClr>
+          </a:lnRef>
+          <a:fillRef idx="1">
+            <a:schemeClr val="accent1"/>
+          </a:fillRef>
+          <a:effectRef idx="0">
+            <a:schemeClr val="accent1"/>
+          </a:effectRef>
+          <a:fontRef idx="minor">
+            <a:schemeClr val="lt1"/>
+          </a:fontRef>
+        </p:style>
+        <p:txBody>
+          <a:bodyPr rtlCol="0" anchor="ctr"/>
+          <a:lstStyle/>
+          <a:p>
+            <a:pPr algn="ctr"/>
+            <a:endParaRPr kumimoji="1" lang="zh-CN" altLang="en-US"/>
+          </a:p>
+        </p:txBody>
+      </p:sp>
+      <p:sp>
+        <p:nvSpPr>
+          <p:cNvPr id="11" name="上箭头 10"/>
+          <p:cNvSpPr/>
+          <p:nvPr/>
+        </p:nvSpPr>
+        <p:spPr>
+          <a:xfrm>
+            <a:off x="10394301" y="3329497"/>
+            <a:ext cx="314143" cy="684920"/>
+          </a:xfrm>
+          <a:prstGeom prst="upArrow">
+            <a:avLst/>
+          </a:prstGeom>
+          <a:noFill/>
+        </p:spPr>
+        <p:style>
+          <a:lnRef idx="2">
+            <a:schemeClr val="accent1">
+              <a:shade val="50000"/>
+            </a:schemeClr>
+          </a:lnRef>
+          <a:fillRef idx="1">
+            <a:schemeClr val="accent1"/>
+          </a:fillRef>
+          <a:effectRef idx="0">
+            <a:schemeClr val="accent1"/>
+          </a:effectRef>
+          <a:fontRef idx="minor">
+            <a:schemeClr val="lt1"/>
+          </a:fontRef>
+        </p:style>
+        <p:txBody>
+          <a:bodyPr rtlCol="0" anchor="ctr"/>
+          <a:lstStyle/>
+          <a:p>
+            <a:pPr algn="ctr"/>
+            <a:endParaRPr kumimoji="1" lang="zh-CN" altLang="en-US"/>
+          </a:p>
+        </p:txBody>
+      </p:sp>
+      <p:sp>
+        <p:nvSpPr>
+          <p:cNvPr id="52" name="文本框 51"/>
+          <p:cNvSpPr txBox="1"/>
+          <p:nvPr/>
+        </p:nvSpPr>
+        <p:spPr>
+          <a:xfrm>
+            <a:off x="5425228" y="5859588"/>
+            <a:ext cx="1342043" cy="369332"/>
+          </a:xfrm>
+          <a:prstGeom prst="rect">
+            <a:avLst/>
+          </a:prstGeom>
+          <a:noFill/>
+        </p:spPr>
+        <p:txBody>
+          <a:bodyPr wrap="square" rtlCol="0">
+            <a:spAutoFit/>
+          </a:bodyPr>
+          <a:lstStyle/>
+          <a:p>
+            <a:r>
+              <a:rPr kumimoji="1" lang="en-US" altLang="zh-CN" b="1" dirty="0">
+                <a:latin typeface="Times New Roman" charset="0"/>
+                <a:ea typeface="Times New Roman" charset="0"/>
+                <a:cs typeface="Times New Roman" charset="0"/>
+              </a:rPr>
+              <a:t>generate</a:t>
+            </a:r>
+            <a:endParaRPr kumimoji="1" lang="zh-CN" altLang="en-US" b="1" dirty="0">
+              <a:latin typeface="Times New Roman" charset="0"/>
+              <a:ea typeface="Times New Roman" charset="0"/>
+              <a:cs typeface="Times New Roman" charset="0"/>
+            </a:endParaRPr>
+          </a:p>
+        </p:txBody>
+      </p:sp>
+      <p:sp>
+        <p:nvSpPr>
+          <p:cNvPr id="53" name="圆角矩形 52"/>
+          <p:cNvSpPr/>
+          <p:nvPr/>
+        </p:nvSpPr>
+        <p:spPr>
+          <a:xfrm>
+            <a:off x="9224957" y="841474"/>
+            <a:ext cx="2013914" cy="842997"/>
+          </a:xfrm>
+          <a:prstGeom prst="roundRect">
+            <a:avLst/>
+          </a:prstGeom>
+          <a:solidFill>
+            <a:schemeClr val="accent1">
+              <a:lumMod val="60000"/>
+              <a:lumOff val="40000"/>
+            </a:schemeClr>
+          </a:solidFill>
+          <a:ln w="12700">
+            <a:solidFill>
+              <a:schemeClr val="tx1"/>
+            </a:solidFill>
+          </a:ln>
+        </p:spPr>
+        <p:style>
+          <a:lnRef idx="2">
+            <a:schemeClr val="accent1">
+              <a:shade val="50000"/>
+            </a:schemeClr>
+          </a:lnRef>
+          <a:fillRef idx="1">
+            <a:schemeClr val="accent1"/>
+          </a:fillRef>
+          <a:effectRef idx="0">
+            <a:schemeClr val="accent1"/>
+          </a:effectRef>
+          <a:fontRef idx="minor">
+            <a:schemeClr val="lt1"/>
+          </a:fontRef>
+        </p:style>
+        <p:txBody>
+          <a:bodyPr rtlCol="0" anchor="ctr"/>
+          <a:lstStyle/>
+          <a:p>
+            <a:pPr algn="ctr"/>
+            <a:r>
+              <a:rPr lang="en-US" altLang="zh-CN" b="1" dirty="0">
+                <a:latin typeface="Times New Roman" charset="0"/>
+                <a:ea typeface="Times New Roman" charset="0"/>
+                <a:cs typeface="Times New Roman" charset="0"/>
+              </a:rPr>
+              <a:t>Network</a:t>
+            </a:r>
+            <a:r>
+              <a:rPr lang="zh-CN" altLang="en-US" b="1" dirty="0">
+                <a:latin typeface="Times New Roman" charset="0"/>
+                <a:ea typeface="Times New Roman" charset="0"/>
+                <a:cs typeface="Times New Roman" charset="0"/>
+              </a:rPr>
+              <a:t> </a:t>
+            </a:r>
+            <a:r>
+              <a:rPr lang="en-US" altLang="zh-CN" b="1" dirty="0">
+                <a:latin typeface="Times New Roman" charset="0"/>
+                <a:ea typeface="Times New Roman" charset="0"/>
+                <a:cs typeface="Times New Roman" charset="0"/>
+              </a:rPr>
+              <a:t>of</a:t>
+            </a:r>
+            <a:r>
+              <a:rPr lang="zh-CN" altLang="en-US" b="1" dirty="0">
+                <a:latin typeface="Times New Roman" charset="0"/>
+                <a:ea typeface="Times New Roman" charset="0"/>
+                <a:cs typeface="Times New Roman" charset="0"/>
+              </a:rPr>
+              <a:t> </a:t>
+            </a:r>
+            <a:r>
+              <a:rPr lang="en-US" altLang="zh-CN" b="1" dirty="0">
+                <a:latin typeface="Times New Roman" charset="0"/>
+                <a:ea typeface="Times New Roman" charset="0"/>
+                <a:cs typeface="Times New Roman" charset="0"/>
+              </a:rPr>
+              <a:t>Timed</a:t>
+            </a:r>
+            <a:r>
+              <a:rPr lang="zh-CN" altLang="en-US" b="1" dirty="0">
+                <a:latin typeface="Times New Roman" charset="0"/>
+                <a:ea typeface="Times New Roman" charset="0"/>
+                <a:cs typeface="Times New Roman" charset="0"/>
+              </a:rPr>
+              <a:t> </a:t>
+            </a:r>
+            <a:r>
+              <a:rPr lang="en-US" altLang="zh-CN" b="1" dirty="0">
+                <a:latin typeface="Times New Roman" charset="0"/>
+                <a:ea typeface="Times New Roman" charset="0"/>
+                <a:cs typeface="Times New Roman" charset="0"/>
+              </a:rPr>
+              <a:t>Automata</a:t>
+            </a:r>
+          </a:p>
+        </p:txBody>
+      </p:sp>
+      <p:sp>
+        <p:nvSpPr>
+          <p:cNvPr id="54" name="圆角矩形 53"/>
+          <p:cNvSpPr/>
+          <p:nvPr/>
+        </p:nvSpPr>
+        <p:spPr>
+          <a:xfrm>
+            <a:off x="6732568" y="1963580"/>
+            <a:ext cx="1835065" cy="630294"/>
+          </a:xfrm>
+          <a:prstGeom prst="roundRect">
+            <a:avLst/>
+          </a:prstGeom>
+          <a:solidFill>
+            <a:schemeClr val="accent1">
+              <a:lumMod val="60000"/>
+              <a:lumOff val="40000"/>
+            </a:schemeClr>
+          </a:solidFill>
+          <a:ln w="12700">
+            <a:solidFill>
+              <a:schemeClr val="tx1"/>
+            </a:solidFill>
+          </a:ln>
+        </p:spPr>
+        <p:style>
+          <a:lnRef idx="2">
+            <a:schemeClr val="accent1">
+              <a:shade val="50000"/>
+            </a:schemeClr>
+          </a:lnRef>
+          <a:fillRef idx="1">
+            <a:schemeClr val="accent1"/>
+          </a:fillRef>
+          <a:effectRef idx="0">
+            <a:schemeClr val="accent1"/>
+          </a:effectRef>
+          <a:fontRef idx="minor">
+            <a:schemeClr val="lt1"/>
+          </a:fontRef>
+        </p:style>
+        <p:txBody>
+          <a:bodyPr rtlCol="0" anchor="ctr"/>
+          <a:lstStyle/>
+          <a:p>
+            <a:pPr algn="ctr"/>
+            <a:r>
+              <a:rPr lang="en-US" altLang="zh-CN" b="1" dirty="0">
+                <a:latin typeface="Times New Roman" charset="0"/>
+                <a:ea typeface="Times New Roman" charset="0"/>
+                <a:cs typeface="Times New Roman" charset="0"/>
+              </a:rPr>
+              <a:t>TA  for</a:t>
+            </a:r>
+            <a:r>
+              <a:rPr lang="zh-CN" altLang="en-US" b="1" dirty="0">
+                <a:latin typeface="Times New Roman" charset="0"/>
+                <a:ea typeface="Times New Roman" charset="0"/>
+                <a:cs typeface="Times New Roman" charset="0"/>
+              </a:rPr>
+              <a:t> </a:t>
+            </a:r>
+            <a:r>
+              <a:rPr lang="en-US" altLang="zh-CN" b="1" dirty="0">
+                <a:latin typeface="Times New Roman" charset="0"/>
+                <a:ea typeface="Times New Roman" charset="0"/>
+                <a:cs typeface="Times New Roman" charset="0"/>
+              </a:rPr>
+              <a:t>FMU</a:t>
+            </a:r>
+          </a:p>
+        </p:txBody>
+      </p:sp>
+      <p:sp>
+        <p:nvSpPr>
+          <p:cNvPr id="65" name="圆角矩形 64"/>
+          <p:cNvSpPr/>
+          <p:nvPr/>
+        </p:nvSpPr>
+        <p:spPr>
+          <a:xfrm>
+            <a:off x="6732568" y="3268335"/>
+            <a:ext cx="1835065" cy="638425"/>
+          </a:xfrm>
+          <a:prstGeom prst="roundRect">
+            <a:avLst/>
+          </a:prstGeom>
+          <a:solidFill>
+            <a:schemeClr val="accent1">
+              <a:lumMod val="60000"/>
+              <a:lumOff val="40000"/>
+            </a:schemeClr>
+          </a:solidFill>
+          <a:ln w="12700">
+            <a:solidFill>
+              <a:schemeClr val="tx1"/>
+            </a:solidFill>
+          </a:ln>
+        </p:spPr>
+        <p:style>
+          <a:lnRef idx="2">
+            <a:schemeClr val="accent1">
+              <a:shade val="50000"/>
+            </a:schemeClr>
+          </a:lnRef>
+          <a:fillRef idx="1">
+            <a:schemeClr val="accent1"/>
+          </a:fillRef>
+          <a:effectRef idx="0">
+            <a:schemeClr val="accent1"/>
+          </a:effectRef>
+          <a:fontRef idx="minor">
+            <a:schemeClr val="lt1"/>
+          </a:fontRef>
+        </p:style>
+        <p:txBody>
+          <a:bodyPr rtlCol="0" anchor="ctr"/>
+          <a:lstStyle/>
+          <a:p>
+            <a:pPr algn="ctr"/>
+            <a:r>
+              <a:rPr lang="en-US" altLang="zh-CN" b="1" dirty="0">
+                <a:latin typeface="Times New Roman" charset="0"/>
+                <a:ea typeface="Times New Roman" charset="0"/>
+                <a:cs typeface="Times New Roman" charset="0"/>
+              </a:rPr>
+              <a:t>TA  for</a:t>
+            </a:r>
+            <a:r>
+              <a:rPr lang="zh-CN" altLang="en-US" b="1" dirty="0">
+                <a:latin typeface="Times New Roman" charset="0"/>
+                <a:ea typeface="Times New Roman" charset="0"/>
+                <a:cs typeface="Times New Roman" charset="0"/>
+              </a:rPr>
+              <a:t> </a:t>
+            </a:r>
+            <a:r>
+              <a:rPr lang="en-US" altLang="zh-CN" b="1" dirty="0">
+                <a:latin typeface="Times New Roman" charset="0"/>
+                <a:ea typeface="Times New Roman" charset="0"/>
+                <a:cs typeface="Times New Roman" charset="0"/>
+              </a:rPr>
+              <a:t>FMU</a:t>
+            </a:r>
+          </a:p>
+        </p:txBody>
+      </p:sp>
+      <p:sp>
+        <p:nvSpPr>
+          <p:cNvPr id="67" name="圆角矩形 66"/>
+          <p:cNvSpPr/>
+          <p:nvPr/>
+        </p:nvSpPr>
+        <p:spPr>
+          <a:xfrm>
+            <a:off x="6745496" y="4225261"/>
+            <a:ext cx="1835065" cy="658441"/>
+          </a:xfrm>
+          <a:prstGeom prst="roundRect">
+            <a:avLst/>
+          </a:prstGeom>
+          <a:solidFill>
+            <a:schemeClr val="accent1">
+              <a:lumMod val="60000"/>
+              <a:lumOff val="40000"/>
+            </a:schemeClr>
+          </a:solidFill>
+          <a:ln w="12700">
+            <a:solidFill>
+              <a:schemeClr val="tx1"/>
+            </a:solidFill>
+          </a:ln>
+        </p:spPr>
+        <p:style>
+          <a:lnRef idx="2">
+            <a:schemeClr val="accent1">
+              <a:shade val="50000"/>
+            </a:schemeClr>
+          </a:lnRef>
+          <a:fillRef idx="1">
+            <a:schemeClr val="accent1"/>
+          </a:fillRef>
+          <a:effectRef idx="0">
+            <a:schemeClr val="accent1"/>
+          </a:effectRef>
+          <a:fontRef idx="minor">
+            <a:schemeClr val="lt1"/>
+          </a:fontRef>
+        </p:style>
+        <p:txBody>
+          <a:bodyPr rtlCol="0" anchor="ctr"/>
+          <a:lstStyle/>
+          <a:p>
+            <a:pPr algn="ctr"/>
+            <a:r>
+              <a:rPr lang="en-US" altLang="zh-CN" b="1" dirty="0">
+                <a:latin typeface="Times New Roman" charset="0"/>
+                <a:ea typeface="Times New Roman" charset="0"/>
+                <a:cs typeface="Times New Roman" charset="0"/>
+              </a:rPr>
+              <a:t>TA  for</a:t>
+            </a:r>
+            <a:r>
+              <a:rPr lang="zh-CN" altLang="en-US" b="1" dirty="0">
+                <a:latin typeface="Times New Roman" charset="0"/>
+                <a:ea typeface="Times New Roman" charset="0"/>
+                <a:cs typeface="Times New Roman" charset="0"/>
+              </a:rPr>
+              <a:t> </a:t>
+            </a:r>
+            <a:r>
+              <a:rPr lang="en-US" altLang="zh-CN" b="1" dirty="0">
+                <a:latin typeface="Times New Roman" charset="0"/>
+                <a:ea typeface="Times New Roman" charset="0"/>
+                <a:cs typeface="Times New Roman" charset="0"/>
+              </a:rPr>
+              <a:t>MA</a:t>
+            </a:r>
+          </a:p>
+        </p:txBody>
+      </p:sp>
+      <p:sp>
+        <p:nvSpPr>
+          <p:cNvPr id="57" name="下箭头 12">
+            <a:extLst>
+              <a:ext uri="{FF2B5EF4-FFF2-40B4-BE49-F238E27FC236}">
+                <a16:creationId xmlns:a16="http://schemas.microsoft.com/office/drawing/2014/main" id="{B8FBB82C-F281-4B07-9F58-1C63DD75AC40}"/>
+              </a:ext>
+            </a:extLst>
+          </p:cNvPr>
+          <p:cNvSpPr/>
+          <p:nvPr/>
+        </p:nvSpPr>
+        <p:spPr>
+          <a:xfrm flipH="1">
+            <a:off x="6701497" y="5216795"/>
+            <a:ext cx="215453" cy="438460"/>
+          </a:xfrm>
+          <a:prstGeom prst="downArrow">
+            <a:avLst>
+              <a:gd name="adj1" fmla="val 50000"/>
+              <a:gd name="adj2" fmla="val 53886"/>
+            </a:avLst>
+          </a:prstGeom>
+        </p:spPr>
+        <p:style>
+          <a:lnRef idx="2">
+            <a:schemeClr val="accent1">
+              <a:shade val="50000"/>
+            </a:schemeClr>
+          </a:lnRef>
+          <a:fillRef idx="1">
+            <a:schemeClr val="accent1"/>
+          </a:fillRef>
+          <a:effectRef idx="0">
+            <a:schemeClr val="accent1"/>
+          </a:effectRef>
+          <a:fontRef idx="minor">
+            <a:schemeClr val="lt1"/>
+          </a:fontRef>
+        </p:style>
+        <p:txBody>
+          <a:bodyPr rtlCol="0" anchor="ctr"/>
+          <a:lstStyle/>
+          <a:p>
+            <a:pPr algn="ctr"/>
+            <a:endParaRPr kumimoji="1" lang="zh-CN" altLang="en-US"/>
+          </a:p>
+        </p:txBody>
+      </p:sp>
+      <p:sp>
+        <p:nvSpPr>
+          <p:cNvPr id="58" name="矩形 57">
+            <a:extLst>
+              <a:ext uri="{FF2B5EF4-FFF2-40B4-BE49-F238E27FC236}">
+                <a16:creationId xmlns:a16="http://schemas.microsoft.com/office/drawing/2014/main" id="{CC295189-C515-4E2F-874B-0D0D3E902C72}"/>
+              </a:ext>
+            </a:extLst>
+          </p:cNvPr>
+          <p:cNvSpPr/>
+          <p:nvPr/>
+        </p:nvSpPr>
+        <p:spPr>
+          <a:xfrm>
+            <a:off x="4629470" y="5099298"/>
+            <a:ext cx="4257355" cy="117497"/>
+          </a:xfrm>
+          <a:prstGeom prst="rect">
+            <a:avLst/>
+          </a:prstGeom>
+        </p:spPr>
+        <p:style>
+          <a:lnRef idx="2">
+            <a:schemeClr val="accent1">
+              <a:shade val="50000"/>
+            </a:schemeClr>
+          </a:lnRef>
+          <a:fillRef idx="1">
+            <a:schemeClr val="accent1"/>
+          </a:fillRef>
+          <a:effectRef idx="0">
+            <a:schemeClr val="accent1"/>
+          </a:effectRef>
+          <a:fontRef idx="minor">
+            <a:schemeClr val="lt1"/>
+          </a:fontRef>
+        </p:style>
+        <p:txBody>
+          <a:bodyPr rtlCol="0" anchor="ctr"/>
+          <a:lstStyle/>
+          <a:p>
+            <a:pPr algn="ctr"/>
+            <a:endParaRPr kumimoji="1" lang="zh-CN" altLang="en-US"/>
+          </a:p>
+        </p:txBody>
+      </p:sp>
+      <p:sp>
+        <p:nvSpPr>
+          <p:cNvPr id="59" name="矩形 58">
+            <a:extLst>
+              <a:ext uri="{FF2B5EF4-FFF2-40B4-BE49-F238E27FC236}">
+                <a16:creationId xmlns:a16="http://schemas.microsoft.com/office/drawing/2014/main" id="{441EFDFF-BCF4-415F-9F16-A6F7017F7DF3}"/>
+              </a:ext>
+            </a:extLst>
+          </p:cNvPr>
+          <p:cNvSpPr/>
+          <p:nvPr/>
+        </p:nvSpPr>
+        <p:spPr>
+          <a:xfrm>
+            <a:off x="4629470" y="4956363"/>
+            <a:ext cx="128268" cy="142935"/>
+          </a:xfrm>
+          <a:prstGeom prst="rect">
+            <a:avLst/>
+          </a:prstGeom>
+        </p:spPr>
+        <p:style>
+          <a:lnRef idx="2">
+            <a:schemeClr val="accent1">
+              <a:shade val="50000"/>
+            </a:schemeClr>
+          </a:lnRef>
+          <a:fillRef idx="1">
+            <a:schemeClr val="accent1"/>
+          </a:fillRef>
+          <a:effectRef idx="0">
+            <a:schemeClr val="accent1"/>
+          </a:effectRef>
+          <a:fontRef idx="minor">
+            <a:schemeClr val="lt1"/>
+          </a:fontRef>
+        </p:style>
+        <p:txBody>
+          <a:bodyPr rtlCol="0" anchor="ctr"/>
+          <a:lstStyle/>
+          <a:p>
+            <a:pPr algn="ctr"/>
+            <a:endParaRPr kumimoji="1" lang="zh-CN" altLang="en-US"/>
+          </a:p>
+        </p:txBody>
+      </p:sp>
+      <p:sp>
+        <p:nvSpPr>
+          <p:cNvPr id="60" name="矩形 59">
+            <a:extLst>
+              <a:ext uri="{FF2B5EF4-FFF2-40B4-BE49-F238E27FC236}">
+                <a16:creationId xmlns:a16="http://schemas.microsoft.com/office/drawing/2014/main" id="{7D478DE5-A4BD-43D1-AE1D-00F65C5F09A8}"/>
+              </a:ext>
+            </a:extLst>
+          </p:cNvPr>
+          <p:cNvSpPr/>
+          <p:nvPr/>
+        </p:nvSpPr>
+        <p:spPr>
+          <a:xfrm>
+            <a:off x="8751505" y="4978340"/>
+            <a:ext cx="135319" cy="125086"/>
+          </a:xfrm>
+          <a:prstGeom prst="rect">
+            <a:avLst/>
+          </a:prstGeom>
+        </p:spPr>
+        <p:style>
+          <a:lnRef idx="2">
+            <a:schemeClr val="accent1">
+              <a:shade val="50000"/>
+            </a:schemeClr>
+          </a:lnRef>
+          <a:fillRef idx="1">
+            <a:schemeClr val="accent1"/>
+          </a:fillRef>
+          <a:effectRef idx="0">
+            <a:schemeClr val="accent1"/>
+          </a:effectRef>
+          <a:fontRef idx="minor">
+            <a:schemeClr val="lt1"/>
+          </a:fontRef>
+        </p:style>
+        <p:txBody>
+          <a:bodyPr rtlCol="0" anchor="ctr"/>
+          <a:lstStyle/>
+          <a:p>
+            <a:pPr algn="ctr"/>
+            <a:endParaRPr kumimoji="1" lang="zh-CN" altLang="en-US"/>
+          </a:p>
+        </p:txBody>
+      </p:sp>
+      <p:sp>
+        <p:nvSpPr>
+          <p:cNvPr id="61" name="文本框 60">
+            <a:extLst>
+              <a:ext uri="{FF2B5EF4-FFF2-40B4-BE49-F238E27FC236}">
+                <a16:creationId xmlns:a16="http://schemas.microsoft.com/office/drawing/2014/main" id="{BD9A3CEF-1092-4ABD-9187-6AC71AB077FF}"/>
+              </a:ext>
+            </a:extLst>
+          </p:cNvPr>
+          <p:cNvSpPr txBox="1"/>
+          <p:nvPr/>
+        </p:nvSpPr>
+        <p:spPr>
+          <a:xfrm>
+            <a:off x="6841596" y="5300688"/>
+            <a:ext cx="2120584" cy="369332"/>
+          </a:xfrm>
+          <a:prstGeom prst="rect">
+            <a:avLst/>
+          </a:prstGeom>
+          <a:noFill/>
+        </p:spPr>
+        <p:txBody>
+          <a:bodyPr wrap="square" rtlCol="0">
+            <a:spAutoFit/>
+          </a:bodyPr>
+          <a:lstStyle/>
+          <a:p>
+            <a:r>
+              <a:rPr kumimoji="1" lang="en-US" altLang="zh-CN" b="1" dirty="0">
+                <a:latin typeface="Times New Roman" charset="0"/>
+                <a:ea typeface="Times New Roman" charset="0"/>
+                <a:cs typeface="Times New Roman" charset="0"/>
+              </a:rPr>
+              <a:t>Verified</a:t>
+            </a:r>
+            <a:r>
+              <a:rPr kumimoji="1" lang="zh-CN" altLang="en-US" b="1" dirty="0">
+                <a:latin typeface="Times New Roman" charset="0"/>
+                <a:ea typeface="Times New Roman" charset="0"/>
+                <a:cs typeface="Times New Roman" charset="0"/>
+              </a:rPr>
+              <a:t> </a:t>
+            </a:r>
+            <a:r>
+              <a:rPr kumimoji="1" lang="en-US" altLang="zh-CN" b="1" dirty="0">
+                <a:latin typeface="Times New Roman" charset="0"/>
+                <a:ea typeface="Times New Roman" charset="0"/>
+                <a:cs typeface="Times New Roman" charset="0"/>
+              </a:rPr>
+              <a:t>model</a:t>
             </a:r>
             <a:endParaRPr kumimoji="1" lang="zh-CN" altLang="en-US" b="1" dirty="0">
               <a:latin typeface="Times New Roman" charset="0"/>
@@ -6200,7 +8678,7 @@
     </a:clrScheme>
     <a:fontScheme name="Office">
       <a:majorFont>
-        <a:latin typeface="DengXian Light" panose="020F0302020204030204"/>
+        <a:latin typeface="DengXian Light"/>
         <a:ea typeface=""/>
         <a:cs typeface=""/>
         <a:font script="Jpan" typeface="Yu Gothic Light"/>
@@ -6235,7 +8713,7 @@
         <a:font script="Geor" typeface="Sylfaen"/>
       </a:majorFont>
       <a:minorFont>
-        <a:latin typeface="DengXian" panose="020F0502020204030204"/>
+        <a:latin typeface="DengXian"/>
         <a:ea typeface=""/>
         <a:cs typeface=""/>
         <a:font script="Jpan" typeface="Yu Gothic"/>
@@ -6461,7 +8939,7 @@
     </a:clrScheme>
     <a:fontScheme name="Office">
       <a:majorFont>
-        <a:latin typeface="DengXian Light" panose="020F0302020204030204"/>
+        <a:latin typeface="DengXian Light"/>
         <a:ea typeface=""/>
         <a:cs typeface=""/>
         <a:font script="Jpan" typeface="Yu Gothic Light"/>
@@ -6496,7 +8974,7 @@
         <a:font script="Geor" typeface="Sylfaen"/>
       </a:majorFont>
       <a:minorFont>
-        <a:latin typeface="DengXian" panose="020F0502020204030204"/>
+        <a:latin typeface="DengXian"/>
         <a:ea typeface=""/>
         <a:cs typeface=""/>
         <a:font script="Jpan" typeface="Yu Gothic"/>

--- a/COMPSAC-COMA/ppt/co-sim.pptx
+++ b/COMPSAC-COMA/ppt/co-sim.pptx
@@ -8,8 +8,8 @@
     <p:notesMasterId r:id="rId4"/>
   </p:notesMasterIdLst>
   <p:sldIdLst>
-    <p:sldId id="257" r:id="rId2"/>
-    <p:sldId id="258" r:id="rId3"/>
+    <p:sldId id="258" r:id="rId2"/>
+    <p:sldId id="257" r:id="rId3"/>
   </p:sldIdLst>
   <p:sldSz cx="12192000" cy="6858000"/>
   <p:notesSz cx="6858000" cy="9144000"/>
@@ -214,7 +214,7 @@
             <a:fld id="{D38FC75E-566F-8C4B-92C9-B07534AD11D1}" type="datetimeFigureOut">
               <a:rPr kumimoji="1" lang="zh-CN" altLang="en-US" smtClean="0"/>
               <a:pPr/>
-              <a:t>2018/1/12</a:t>
+              <a:t>2018/1/17</a:t>
             </a:fld>
             <a:endParaRPr kumimoji="1" lang="zh-CN" altLang="en-US"/>
           </a:p>
@@ -612,7 +612,7 @@
             <a:fld id="{4A633183-09AE-CC40-B5FC-8B4DA727F5C8}" type="datetimeFigureOut">
               <a:rPr kumimoji="1" lang="zh-CN" altLang="en-US" smtClean="0"/>
               <a:pPr/>
-              <a:t>2018/1/12</a:t>
+              <a:t>2018/1/17</a:t>
             </a:fld>
             <a:endParaRPr kumimoji="1" lang="zh-CN" altLang="en-US"/>
           </a:p>
@@ -782,7 +782,7 @@
             <a:fld id="{4A633183-09AE-CC40-B5FC-8B4DA727F5C8}" type="datetimeFigureOut">
               <a:rPr kumimoji="1" lang="zh-CN" altLang="en-US" smtClean="0"/>
               <a:pPr/>
-              <a:t>2018/1/12</a:t>
+              <a:t>2018/1/17</a:t>
             </a:fld>
             <a:endParaRPr kumimoji="1" lang="zh-CN" altLang="en-US"/>
           </a:p>
@@ -962,7 +962,7 @@
             <a:fld id="{4A633183-09AE-CC40-B5FC-8B4DA727F5C8}" type="datetimeFigureOut">
               <a:rPr kumimoji="1" lang="zh-CN" altLang="en-US" smtClean="0"/>
               <a:pPr/>
-              <a:t>2018/1/12</a:t>
+              <a:t>2018/1/17</a:t>
             </a:fld>
             <a:endParaRPr kumimoji="1" lang="zh-CN" altLang="en-US"/>
           </a:p>
@@ -1132,7 +1132,7 @@
             <a:fld id="{4A633183-09AE-CC40-B5FC-8B4DA727F5C8}" type="datetimeFigureOut">
               <a:rPr kumimoji="1" lang="zh-CN" altLang="en-US" smtClean="0"/>
               <a:pPr/>
-              <a:t>2018/1/12</a:t>
+              <a:t>2018/1/17</a:t>
             </a:fld>
             <a:endParaRPr kumimoji="1" lang="zh-CN" altLang="en-US"/>
           </a:p>
@@ -1379,7 +1379,7 @@
             <a:fld id="{4A633183-09AE-CC40-B5FC-8B4DA727F5C8}" type="datetimeFigureOut">
               <a:rPr kumimoji="1" lang="zh-CN" altLang="en-US" smtClean="0"/>
               <a:pPr/>
-              <a:t>2018/1/12</a:t>
+              <a:t>2018/1/17</a:t>
             </a:fld>
             <a:endParaRPr kumimoji="1" lang="zh-CN" altLang="en-US"/>
           </a:p>
@@ -1610,7 +1610,7 @@
             <a:fld id="{4A633183-09AE-CC40-B5FC-8B4DA727F5C8}" type="datetimeFigureOut">
               <a:rPr kumimoji="1" lang="zh-CN" altLang="en-US" smtClean="0"/>
               <a:pPr/>
-              <a:t>2018/1/12</a:t>
+              <a:t>2018/1/17</a:t>
             </a:fld>
             <a:endParaRPr kumimoji="1" lang="zh-CN" altLang="en-US"/>
           </a:p>
@@ -1976,7 +1976,7 @@
             <a:fld id="{4A633183-09AE-CC40-B5FC-8B4DA727F5C8}" type="datetimeFigureOut">
               <a:rPr kumimoji="1" lang="zh-CN" altLang="en-US" smtClean="0"/>
               <a:pPr/>
-              <a:t>2018/1/12</a:t>
+              <a:t>2018/1/17</a:t>
             </a:fld>
             <a:endParaRPr kumimoji="1" lang="zh-CN" altLang="en-US"/>
           </a:p>
@@ -2095,7 +2095,7 @@
             <a:fld id="{4A633183-09AE-CC40-B5FC-8B4DA727F5C8}" type="datetimeFigureOut">
               <a:rPr kumimoji="1" lang="zh-CN" altLang="en-US" smtClean="0"/>
               <a:pPr/>
-              <a:t>2018/1/12</a:t>
+              <a:t>2018/1/17</a:t>
             </a:fld>
             <a:endParaRPr kumimoji="1" lang="zh-CN" altLang="en-US"/>
           </a:p>
@@ -2192,7 +2192,7 @@
             <a:fld id="{4A633183-09AE-CC40-B5FC-8B4DA727F5C8}" type="datetimeFigureOut">
               <a:rPr kumimoji="1" lang="zh-CN" altLang="en-US" smtClean="0"/>
               <a:pPr/>
-              <a:t>2018/1/12</a:t>
+              <a:t>2018/1/17</a:t>
             </a:fld>
             <a:endParaRPr kumimoji="1" lang="zh-CN" altLang="en-US"/>
           </a:p>
@@ -2469,7 +2469,7 @@
             <a:fld id="{4A633183-09AE-CC40-B5FC-8B4DA727F5C8}" type="datetimeFigureOut">
               <a:rPr kumimoji="1" lang="zh-CN" altLang="en-US" smtClean="0"/>
               <a:pPr/>
-              <a:t>2018/1/12</a:t>
+              <a:t>2018/1/17</a:t>
             </a:fld>
             <a:endParaRPr kumimoji="1" lang="zh-CN" altLang="en-US"/>
           </a:p>
@@ -2723,7 +2723,7 @@
             <a:fld id="{4A633183-09AE-CC40-B5FC-8B4DA727F5C8}" type="datetimeFigureOut">
               <a:rPr kumimoji="1" lang="zh-CN" altLang="en-US" smtClean="0"/>
               <a:pPr/>
-              <a:t>2018/1/12</a:t>
+              <a:t>2018/1/17</a:t>
             </a:fld>
             <a:endParaRPr kumimoji="1" lang="zh-CN" altLang="en-US"/>
           </a:p>
@@ -2936,7 +2936,7 @@
             <a:fld id="{4A633183-09AE-CC40-B5FC-8B4DA727F5C8}" type="datetimeFigureOut">
               <a:rPr kumimoji="1" lang="zh-CN" altLang="en-US" smtClean="0"/>
               <a:pPr/>
-              <a:t>2018/1/12</a:t>
+              <a:t>2018/1/17</a:t>
             </a:fld>
             <a:endParaRPr kumimoji="1" lang="zh-CN" altLang="en-US"/>
           </a:p>
@@ -3357,8 +3357,8 @@
             <a:avLst/>
           </a:prstGeom>
           <a:noFill/>
-          <a:ln>
-            <a:prstDash val="dash"/>
+          <a:ln w="22225">
+            <a:prstDash val="lgDash"/>
           </a:ln>
         </p:spPr>
         <p:style>
@@ -3383,9 +3383,9 @@
           <a:p>
             <a:pPr algn="ctr"/>
             <a:endParaRPr kumimoji="1" lang="zh-CN" altLang="en-US" b="1">
-              <a:latin typeface="Times New Roman" charset="0"/>
+              <a:latin typeface="Times New Roman" panose="02020603050405020304" pitchFamily="18" charset="0"/>
               <a:ea typeface="Times New Roman" charset="0"/>
-              <a:cs typeface="Times New Roman" charset="0"/>
+              <a:cs typeface="Times New Roman" panose="02020603050405020304" pitchFamily="18" charset="0"/>
             </a:endParaRPr>
           </a:p>
         </p:txBody>
@@ -3398,7 +3398,7 @@
         </p:nvSpPr>
         <p:spPr>
           <a:xfrm>
-            <a:off x="1152674" y="262838"/>
+            <a:off x="1460955" y="259725"/>
             <a:ext cx="1959024" cy="369332"/>
           </a:xfrm>
           <a:prstGeom prst="rect">
@@ -3414,32 +3414,16 @@
           <a:p>
             <a:r>
               <a:rPr kumimoji="1" lang="en-US" altLang="zh-CN" b="1" dirty="0">
-                <a:latin typeface="Times New Roman" charset="0"/>
-                <a:ea typeface="Times New Roman" charset="0"/>
-                <a:cs typeface="Times New Roman" charset="0"/>
+                <a:latin typeface="Times New Roman" panose="02020603050405020304" pitchFamily="18" charset="0"/>
+                <a:ea typeface="Times New Roman" charset="0"/>
+                <a:cs typeface="Times New Roman" panose="02020603050405020304" pitchFamily="18" charset="0"/>
               </a:rPr>
               <a:t>Modeling</a:t>
             </a:r>
-            <a:r>
-              <a:rPr kumimoji="1" lang="zh-CN" altLang="en-US" b="1" dirty="0">
-                <a:latin typeface="Times New Roman" charset="0"/>
-                <a:ea typeface="Times New Roman" charset="0"/>
-                <a:cs typeface="Times New Roman" charset="0"/>
-              </a:rPr>
-              <a:t> </a:t>
-            </a:r>
-            <a:r>
-              <a:rPr kumimoji="1" lang="en-US" altLang="zh-CN" b="1" dirty="0">
-                <a:latin typeface="Times New Roman" charset="0"/>
-                <a:ea typeface="Times New Roman" charset="0"/>
-                <a:cs typeface="Times New Roman" charset="0"/>
-              </a:rPr>
-              <a:t>phase</a:t>
-            </a:r>
             <a:endParaRPr kumimoji="1" lang="zh-CN" altLang="en-US" b="1" dirty="0">
-              <a:latin typeface="Times New Roman" charset="0"/>
+              <a:latin typeface="Times New Roman" panose="02020603050405020304" pitchFamily="18" charset="0"/>
               <a:ea typeface="Times New Roman" charset="0"/>
-              <a:cs typeface="Times New Roman" charset="0"/>
+              <a:cs typeface="Times New Roman" panose="02020603050405020304" pitchFamily="18" charset="0"/>
             </a:endParaRPr>
           </a:p>
         </p:txBody>
@@ -3459,6 +3443,7 @@
             <a:avLst/>
           </a:prstGeom>
           <a:noFill/>
+          <a:ln w="19050"/>
         </p:spPr>
         <p:style>
           <a:lnRef idx="2">
@@ -3486,9 +3471,9 @@
                 <a:solidFill>
                   <a:schemeClr val="tx1"/>
                 </a:solidFill>
-                <a:latin typeface="Times New Roman" charset="0"/>
-                <a:ea typeface="Times New Roman" charset="0"/>
-                <a:cs typeface="Times New Roman" charset="0"/>
+                <a:latin typeface="Times New Roman" panose="02020603050405020304" pitchFamily="18" charset="0"/>
+                <a:ea typeface="Times New Roman" charset="0"/>
+                <a:cs typeface="Times New Roman" panose="02020603050405020304" pitchFamily="18" charset="0"/>
               </a:rPr>
               <a:t>SysML</a:t>
             </a:r>
@@ -3497,9 +3482,9 @@
                 <a:solidFill>
                   <a:schemeClr val="tx1"/>
                 </a:solidFill>
-                <a:latin typeface="Times New Roman" charset="0"/>
-                <a:ea typeface="Times New Roman" charset="0"/>
-                <a:cs typeface="Times New Roman" charset="0"/>
+                <a:latin typeface="Times New Roman" panose="02020603050405020304" pitchFamily="18" charset="0"/>
+                <a:ea typeface="Times New Roman" charset="0"/>
+                <a:cs typeface="Times New Roman" panose="02020603050405020304" pitchFamily="18" charset="0"/>
               </a:rPr>
               <a:t> </a:t>
             </a:r>
@@ -3508,9 +3493,9 @@
                 <a:solidFill>
                   <a:schemeClr val="tx1"/>
                 </a:solidFill>
-                <a:latin typeface="Times New Roman" charset="0"/>
-                <a:ea typeface="Times New Roman" charset="0"/>
-                <a:cs typeface="Times New Roman" charset="0"/>
+                <a:latin typeface="Times New Roman" panose="02020603050405020304" pitchFamily="18" charset="0"/>
+                <a:ea typeface="Times New Roman" charset="0"/>
+                <a:cs typeface="Times New Roman" panose="02020603050405020304" pitchFamily="18" charset="0"/>
               </a:rPr>
               <a:t>connector</a:t>
             </a:r>
@@ -3518,9 +3503,9 @@
               <a:solidFill>
                 <a:schemeClr val="tx1"/>
               </a:solidFill>
-              <a:latin typeface="Times New Roman" charset="0"/>
+              <a:latin typeface="Times New Roman" panose="02020603050405020304" pitchFamily="18" charset="0"/>
               <a:ea typeface="Times New Roman" charset="0"/>
-              <a:cs typeface="Times New Roman" charset="0"/>
+              <a:cs typeface="Times New Roman" panose="02020603050405020304" pitchFamily="18" charset="0"/>
             </a:endParaRPr>
           </a:p>
         </p:txBody>
@@ -3539,6 +3524,17 @@
           <a:prstGeom prst="rect">
             <a:avLst/>
           </a:prstGeom>
+          <a:solidFill>
+            <a:schemeClr val="accent1">
+              <a:lumMod val="60000"/>
+              <a:lumOff val="40000"/>
+            </a:schemeClr>
+          </a:solidFill>
+          <a:ln w="12700">
+            <a:solidFill>
+              <a:schemeClr val="tx1"/>
+            </a:solidFill>
+          </a:ln>
         </p:spPr>
         <p:style>
           <a:lnRef idx="2">
@@ -3562,33 +3558,33 @@
           <a:p>
             <a:pPr algn="ctr"/>
             <a:r>
-              <a:rPr kumimoji="1" lang="en-US" altLang="zh-CN" b="1" dirty="0" err="1">
-                <a:latin typeface="Times New Roman" charset="0"/>
-                <a:ea typeface="Times New Roman" charset="0"/>
-                <a:cs typeface="Times New Roman" charset="0"/>
+              <a:rPr lang="en-US" altLang="zh-CN" b="1" dirty="0" err="1">
+                <a:latin typeface="Times New Roman" panose="02020603050405020304" pitchFamily="18" charset="0"/>
+                <a:ea typeface="Times New Roman" charset="0"/>
+                <a:cs typeface="Times New Roman" panose="02020603050405020304" pitchFamily="18" charset="0"/>
               </a:rPr>
               <a:t>SysML</a:t>
             </a:r>
             <a:r>
-              <a:rPr kumimoji="1" lang="zh-CN" altLang="en-US" b="1" dirty="0">
-                <a:latin typeface="Times New Roman" charset="0"/>
-                <a:ea typeface="Times New Roman" charset="0"/>
-                <a:cs typeface="Times New Roman" charset="0"/>
+              <a:rPr lang="zh-CN" altLang="en-US" b="1" dirty="0">
+                <a:latin typeface="Times New Roman" panose="02020603050405020304" pitchFamily="18" charset="0"/>
+                <a:ea typeface="Times New Roman" charset="0"/>
+                <a:cs typeface="Times New Roman" panose="02020603050405020304" pitchFamily="18" charset="0"/>
               </a:rPr>
               <a:t> </a:t>
             </a:r>
             <a:r>
-              <a:rPr kumimoji="1" lang="en-US" altLang="zh-CN" b="1" dirty="0">
-                <a:latin typeface="Times New Roman" charset="0"/>
-                <a:ea typeface="Times New Roman" charset="0"/>
-                <a:cs typeface="Times New Roman" charset="0"/>
+              <a:rPr lang="en-US" altLang="zh-CN" b="1" dirty="0">
+                <a:latin typeface="Times New Roman" panose="02020603050405020304" pitchFamily="18" charset="0"/>
+                <a:ea typeface="Times New Roman" charset="0"/>
+                <a:cs typeface="Times New Roman" panose="02020603050405020304" pitchFamily="18" charset="0"/>
               </a:rPr>
               <a:t>BDD</a:t>
             </a:r>
-            <a:endParaRPr kumimoji="1" lang="zh-CN" altLang="en-US" b="1" dirty="0">
-              <a:latin typeface="Times New Roman" charset="0"/>
+            <a:endParaRPr lang="zh-CN" altLang="en-US" b="1" dirty="0">
+              <a:latin typeface="Times New Roman" panose="02020603050405020304" pitchFamily="18" charset="0"/>
               <a:ea typeface="Times New Roman" charset="0"/>
-              <a:cs typeface="Times New Roman" charset="0"/>
+              <a:cs typeface="Times New Roman" panose="02020603050405020304" pitchFamily="18" charset="0"/>
             </a:endParaRPr>
           </a:p>
         </p:txBody>
@@ -3607,6 +3603,17 @@
           <a:prstGeom prst="rect">
             <a:avLst/>
           </a:prstGeom>
+          <a:solidFill>
+            <a:schemeClr val="accent1">
+              <a:lumMod val="60000"/>
+              <a:lumOff val="40000"/>
+            </a:schemeClr>
+          </a:solidFill>
+          <a:ln w="12700">
+            <a:solidFill>
+              <a:schemeClr val="tx1"/>
+            </a:solidFill>
+          </a:ln>
         </p:spPr>
         <p:style>
           <a:lnRef idx="2">
@@ -3630,33 +3637,33 @@
           <a:p>
             <a:pPr algn="ctr"/>
             <a:r>
-              <a:rPr kumimoji="1" lang="en-US" altLang="zh-CN" b="1" dirty="0" err="1">
-                <a:latin typeface="Times New Roman" charset="0"/>
-                <a:ea typeface="Times New Roman" charset="0"/>
-                <a:cs typeface="Times New Roman" charset="0"/>
+              <a:rPr lang="en-US" altLang="zh-CN" b="1" dirty="0" err="1">
+                <a:latin typeface="Times New Roman" panose="02020603050405020304" pitchFamily="18" charset="0"/>
+                <a:ea typeface="Times New Roman" charset="0"/>
+                <a:cs typeface="Times New Roman" panose="02020603050405020304" pitchFamily="18" charset="0"/>
               </a:rPr>
               <a:t>SysML</a:t>
             </a:r>
             <a:r>
-              <a:rPr kumimoji="1" lang="zh-CN" altLang="en-US" b="1" dirty="0">
-                <a:latin typeface="Times New Roman" charset="0"/>
-                <a:ea typeface="Times New Roman" charset="0"/>
-                <a:cs typeface="Times New Roman" charset="0"/>
+              <a:rPr lang="zh-CN" altLang="en-US" b="1" dirty="0">
+                <a:latin typeface="Times New Roman" panose="02020603050405020304" pitchFamily="18" charset="0"/>
+                <a:ea typeface="Times New Roman" charset="0"/>
+                <a:cs typeface="Times New Roman" panose="02020603050405020304" pitchFamily="18" charset="0"/>
               </a:rPr>
               <a:t> </a:t>
             </a:r>
             <a:r>
-              <a:rPr kumimoji="1" lang="en-US" altLang="zh-CN" b="1" dirty="0">
-                <a:latin typeface="Times New Roman" charset="0"/>
-                <a:ea typeface="Times New Roman" charset="0"/>
-                <a:cs typeface="Times New Roman" charset="0"/>
+              <a:rPr lang="en-US" altLang="zh-CN" b="1" dirty="0">
+                <a:latin typeface="Times New Roman" panose="02020603050405020304" pitchFamily="18" charset="0"/>
+                <a:ea typeface="Times New Roman" charset="0"/>
+                <a:cs typeface="Times New Roman" panose="02020603050405020304" pitchFamily="18" charset="0"/>
               </a:rPr>
               <a:t>BDD</a:t>
             </a:r>
-            <a:endParaRPr kumimoji="1" lang="zh-CN" altLang="en-US" b="1" dirty="0">
-              <a:latin typeface="Times New Roman" charset="0"/>
+            <a:endParaRPr lang="zh-CN" altLang="en-US" b="1" dirty="0">
+              <a:latin typeface="Times New Roman" panose="02020603050405020304" pitchFamily="18" charset="0"/>
               <a:ea typeface="Times New Roman" charset="0"/>
-              <a:cs typeface="Times New Roman" charset="0"/>
+              <a:cs typeface="Times New Roman" panose="02020603050405020304" pitchFamily="18" charset="0"/>
             </a:endParaRPr>
           </a:p>
         </p:txBody>
@@ -3669,7 +3676,7 @@
         </p:nvSpPr>
         <p:spPr>
           <a:xfrm>
-            <a:off x="1765033" y="3163999"/>
+            <a:off x="1765033" y="3103039"/>
             <a:ext cx="615553" cy="452437"/>
           </a:xfrm>
           <a:prstGeom prst="rect">
@@ -3685,16 +3692,16 @@
           <a:p>
             <a:r>
               <a:rPr kumimoji="1" lang="mr-IN" altLang="zh-CN" sz="2800" b="1" dirty="0">
-                <a:latin typeface="Times New Roman" charset="0"/>
+                <a:latin typeface="Times New Roman" panose="02020603050405020304" pitchFamily="18" charset="0"/>
                 <a:ea typeface="Times New Roman" charset="0"/>
                 <a:cs typeface="Times New Roman" charset="0"/>
               </a:rPr>
               <a:t>…</a:t>
             </a:r>
             <a:endParaRPr kumimoji="1" lang="zh-CN" altLang="en-US" sz="2800" b="1" dirty="0">
-              <a:latin typeface="Times New Roman" charset="0"/>
+              <a:latin typeface="Times New Roman" panose="02020603050405020304" pitchFamily="18" charset="0"/>
               <a:ea typeface="Times New Roman" charset="0"/>
-              <a:cs typeface="Times New Roman" charset="0"/>
+              <a:cs typeface="Times New Roman" panose="02020603050405020304" pitchFamily="18" charset="0"/>
             </a:endParaRPr>
           </a:p>
         </p:txBody>
@@ -3714,8 +3721,8 @@
             <a:avLst/>
           </a:prstGeom>
           <a:noFill/>
-          <a:ln>
-            <a:prstDash val="dash"/>
+          <a:ln w="22225">
+            <a:prstDash val="lgDash"/>
           </a:ln>
         </p:spPr>
         <p:style>
@@ -3740,9 +3747,9 @@
           <a:p>
             <a:pPr algn="ctr"/>
             <a:endParaRPr kumimoji="1" lang="zh-CN" altLang="en-US" b="1">
-              <a:latin typeface="Times New Roman" charset="0"/>
+              <a:latin typeface="Times New Roman" panose="02020603050405020304" pitchFamily="18" charset="0"/>
               <a:ea typeface="Times New Roman" charset="0"/>
-              <a:cs typeface="Times New Roman" charset="0"/>
+              <a:cs typeface="Times New Roman" panose="02020603050405020304" pitchFamily="18" charset="0"/>
             </a:endParaRPr>
           </a:p>
         </p:txBody>
@@ -3755,7 +3762,7 @@
         </p:nvSpPr>
         <p:spPr>
           <a:xfrm>
-            <a:off x="3169260" y="2439209"/>
+            <a:off x="3169260" y="2477831"/>
             <a:ext cx="501438" cy="214310"/>
           </a:xfrm>
           <a:prstGeom prst="stripedRightArrow">
@@ -3784,9 +3791,9 @@
           <a:p>
             <a:pPr algn="ctr"/>
             <a:endParaRPr kumimoji="1" lang="zh-CN" altLang="en-US" b="1">
-              <a:latin typeface="Times New Roman" charset="0"/>
+              <a:latin typeface="Times New Roman" panose="02020603050405020304" pitchFamily="18" charset="0"/>
               <a:ea typeface="Times New Roman" charset="0"/>
-              <a:cs typeface="Times New Roman" charset="0"/>
+              <a:cs typeface="Times New Roman" panose="02020603050405020304" pitchFamily="18" charset="0"/>
             </a:endParaRPr>
           </a:p>
         </p:txBody>
@@ -3806,6 +3813,7 @@
             <a:avLst/>
           </a:prstGeom>
           <a:noFill/>
+          <a:ln w="19050"/>
         </p:spPr>
         <p:style>
           <a:lnRef idx="2">
@@ -3833,9 +3841,9 @@
                 <a:solidFill>
                   <a:schemeClr val="tx1"/>
                 </a:solidFill>
-                <a:latin typeface="Times New Roman" charset="0"/>
-                <a:ea typeface="Times New Roman" charset="0"/>
-                <a:cs typeface="Times New Roman" charset="0"/>
+                <a:latin typeface="Times New Roman" panose="02020603050405020304" pitchFamily="18" charset="0"/>
+                <a:ea typeface="Times New Roman" charset="0"/>
+                <a:cs typeface="Times New Roman" panose="02020603050405020304" pitchFamily="18" charset="0"/>
               </a:rPr>
               <a:t>Connector</a:t>
             </a:r>
@@ -3844,20 +3852,20 @@
                 <a:solidFill>
                   <a:schemeClr val="tx1"/>
                 </a:solidFill>
-                <a:latin typeface="Times New Roman" charset="0"/>
-                <a:ea typeface="Times New Roman" charset="0"/>
-                <a:cs typeface="Times New Roman" charset="0"/>
+                <a:latin typeface="Times New Roman" panose="02020603050405020304" pitchFamily="18" charset="0"/>
+                <a:ea typeface="Times New Roman" charset="0"/>
+                <a:cs typeface="Times New Roman" panose="02020603050405020304" pitchFamily="18" charset="0"/>
               </a:rPr>
               <a:t> </a:t>
             </a:r>
             <a:r>
-              <a:rPr lang="en-US" altLang="zh-CN" b="1" dirty="0">
+              <a:rPr kumimoji="1" lang="en-US" altLang="zh-CN" b="1" dirty="0">
                 <a:solidFill>
                   <a:schemeClr val="tx1"/>
                 </a:solidFill>
-                <a:latin typeface="Times New Roman" charset="0"/>
-                <a:ea typeface="Times New Roman" charset="0"/>
-                <a:cs typeface="Times New Roman" charset="0"/>
+                <a:latin typeface="Times New Roman" panose="02020603050405020304" pitchFamily="18" charset="0"/>
+                <a:ea typeface="Times New Roman" charset="0"/>
+                <a:cs typeface="Times New Roman" panose="02020603050405020304" pitchFamily="18" charset="0"/>
               </a:rPr>
               <a:t>configuration</a:t>
             </a:r>
@@ -3872,7 +3880,7 @@
         </p:nvSpPr>
         <p:spPr>
           <a:xfrm>
-            <a:off x="4629470" y="2815898"/>
+            <a:off x="4629470" y="2734618"/>
             <a:ext cx="615553" cy="452437"/>
           </a:xfrm>
           <a:prstGeom prst="rect">
@@ -3888,16 +3896,16 @@
           <a:p>
             <a:r>
               <a:rPr kumimoji="1" lang="mr-IN" altLang="zh-CN" sz="2800" b="1" dirty="0">
-                <a:latin typeface="Times New Roman" charset="0"/>
+                <a:latin typeface="Times New Roman" panose="02020603050405020304" pitchFamily="18" charset="0"/>
                 <a:ea typeface="Times New Roman" charset="0"/>
                 <a:cs typeface="Times New Roman" charset="0"/>
               </a:rPr>
               <a:t>…</a:t>
             </a:r>
             <a:endParaRPr kumimoji="1" lang="zh-CN" altLang="en-US" sz="2800" b="1" dirty="0">
-              <a:latin typeface="Times New Roman" charset="0"/>
+              <a:latin typeface="Times New Roman" panose="02020603050405020304" pitchFamily="18" charset="0"/>
               <a:ea typeface="Times New Roman" charset="0"/>
-              <a:cs typeface="Times New Roman" charset="0"/>
+              <a:cs typeface="Times New Roman" panose="02020603050405020304" pitchFamily="18" charset="0"/>
             </a:endParaRPr>
           </a:p>
         </p:txBody>
@@ -3911,7 +3919,7 @@
         <p:spPr>
           <a:xfrm>
             <a:off x="3789153" y="233004"/>
-            <a:ext cx="2120584" cy="646331"/>
+            <a:ext cx="2120584" cy="369332"/>
           </a:xfrm>
           <a:prstGeom prst="rect">
             <a:avLst/>
@@ -3927,32 +3935,16 @@
             <a:pPr algn="ctr"/>
             <a:r>
               <a:rPr kumimoji="1" lang="en-US" altLang="zh-CN" b="1" dirty="0">
-                <a:latin typeface="Times New Roman" charset="0"/>
-                <a:ea typeface="Times New Roman" charset="0"/>
-                <a:cs typeface="Times New Roman" charset="0"/>
+                <a:latin typeface="Times New Roman" panose="02020603050405020304" pitchFamily="18" charset="0"/>
+                <a:ea typeface="Times New Roman" charset="0"/>
+                <a:cs typeface="Times New Roman" panose="02020603050405020304" pitchFamily="18" charset="0"/>
               </a:rPr>
               <a:t>Architecture design</a:t>
             </a:r>
-            <a:r>
-              <a:rPr kumimoji="1" lang="zh-CN" altLang="en-US" b="1" dirty="0">
-                <a:latin typeface="Times New Roman" charset="0"/>
-                <a:ea typeface="Times New Roman" charset="0"/>
-                <a:cs typeface="Times New Roman" charset="0"/>
-              </a:rPr>
-              <a:t> </a:t>
-            </a:r>
-            <a:r>
-              <a:rPr kumimoji="1" lang="en-US" altLang="zh-CN" b="1" dirty="0">
-                <a:latin typeface="Times New Roman" charset="0"/>
-                <a:ea typeface="Times New Roman" charset="0"/>
-                <a:cs typeface="Times New Roman" charset="0"/>
-              </a:rPr>
-              <a:t>phase</a:t>
-            </a:r>
             <a:endParaRPr kumimoji="1" lang="zh-CN" altLang="en-US" b="1" dirty="0">
-              <a:latin typeface="Times New Roman" charset="0"/>
+              <a:latin typeface="Times New Roman" panose="02020603050405020304" pitchFamily="18" charset="0"/>
               <a:ea typeface="Times New Roman" charset="0"/>
-              <a:cs typeface="Times New Roman" charset="0"/>
+              <a:cs typeface="Times New Roman" panose="02020603050405020304" pitchFamily="18" charset="0"/>
             </a:endParaRPr>
           </a:p>
         </p:txBody>
@@ -3966,28 +3958,15 @@
         <p:spPr>
           <a:xfrm>
             <a:off x="6530043" y="227278"/>
-            <a:ext cx="4735549" cy="4753516"/>
+            <a:ext cx="4821471" cy="4753516"/>
           </a:xfrm>
           <a:prstGeom prst="rect">
             <a:avLst/>
           </a:prstGeom>
           <a:noFill/>
-          <a:ln>
-            <a:solidFill>
-              <a:schemeClr val="tx1">
-                <a:lumMod val="95000"/>
-                <a:lumOff val="5000"/>
-              </a:schemeClr>
-            </a:solidFill>
-            <a:prstDash val="dash"/>
+          <a:ln w="22225">
+            <a:prstDash val="lgDash"/>
           </a:ln>
-          <a:effectLst>
-            <a:outerShdw blurRad="50800" dist="50800" dir="5400000" algn="ctr" rotWithShape="0">
-              <a:schemeClr val="bg2">
-                <a:lumMod val="10000"/>
-              </a:schemeClr>
-            </a:outerShdw>
-          </a:effectLst>
         </p:spPr>
         <p:style>
           <a:lnRef idx="2">
@@ -4011,9 +3990,9 @@
           <a:p>
             <a:pPr algn="ctr"/>
             <a:endParaRPr kumimoji="1" lang="zh-CN" altLang="en-US" b="1">
-              <a:latin typeface="Times New Roman" charset="0"/>
+              <a:latin typeface="Times New Roman" panose="02020603050405020304" pitchFamily="18" charset="0"/>
               <a:ea typeface="Times New Roman" charset="0"/>
-              <a:cs typeface="Times New Roman" charset="0"/>
+              <a:cs typeface="Times New Roman" panose="02020603050405020304" pitchFamily="18" charset="0"/>
             </a:endParaRPr>
           </a:p>
         </p:txBody>
@@ -4055,9 +4034,9 @@
           <a:p>
             <a:pPr algn="ctr"/>
             <a:endParaRPr kumimoji="1" lang="zh-CN" altLang="en-US" b="1">
-              <a:latin typeface="Times New Roman" charset="0"/>
+              <a:latin typeface="Times New Roman" panose="02020603050405020304" pitchFamily="18" charset="0"/>
               <a:ea typeface="Times New Roman" charset="0"/>
-              <a:cs typeface="Times New Roman" charset="0"/>
+              <a:cs typeface="Times New Roman" panose="02020603050405020304" pitchFamily="18" charset="0"/>
             </a:endParaRPr>
           </a:p>
         </p:txBody>
@@ -4070,13 +4049,14 @@
         </p:nvSpPr>
         <p:spPr>
           <a:xfrm>
-            <a:off x="6759784" y="954886"/>
-            <a:ext cx="1731801" cy="548349"/>
+            <a:off x="6759784" y="865728"/>
+            <a:ext cx="1731801" cy="637508"/>
           </a:xfrm>
           <a:prstGeom prst="rect">
             <a:avLst/>
           </a:prstGeom>
           <a:noFill/>
+          <a:ln w="19050"/>
         </p:spPr>
         <p:style>
           <a:lnRef idx="2">
@@ -4100,13 +4080,13 @@
           <a:p>
             <a:pPr algn="ctr"/>
             <a:r>
-              <a:rPr lang="en-US" altLang="zh-CN" b="1" dirty="0">
+              <a:rPr kumimoji="1" lang="en-US" altLang="zh-CN" b="1" dirty="0">
                 <a:solidFill>
                   <a:schemeClr val="tx1"/>
                 </a:solidFill>
-                <a:latin typeface="Times New Roman" charset="0"/>
-                <a:ea typeface="Times New Roman" charset="0"/>
-                <a:cs typeface="Times New Roman" charset="0"/>
+                <a:latin typeface="Times New Roman" panose="02020603050405020304" pitchFamily="18" charset="0"/>
+                <a:ea typeface="Times New Roman" charset="0"/>
+                <a:cs typeface="Times New Roman" panose="02020603050405020304" pitchFamily="18" charset="0"/>
               </a:rPr>
               <a:t>Channels</a:t>
             </a:r>
@@ -4121,7 +4101,7 @@
         </p:nvSpPr>
         <p:spPr>
           <a:xfrm>
-            <a:off x="8029535" y="227278"/>
+            <a:off x="8245708" y="249185"/>
             <a:ext cx="2183717" cy="369332"/>
           </a:xfrm>
           <a:prstGeom prst="rect">
@@ -4137,33 +4117,20 @@
           <a:p>
             <a:r>
               <a:rPr kumimoji="1" lang="en-US" altLang="zh-CN" b="1" dirty="0">
-                <a:latin typeface="Times New Roman" charset="0"/>
-                <a:ea typeface="Times New Roman" charset="0"/>
-                <a:cs typeface="Times New Roman" charset="0"/>
+                <a:latin typeface="Times New Roman" panose="02020603050405020304" pitchFamily="18" charset="0"/>
+                <a:ea typeface="Times New Roman" charset="0"/>
+                <a:cs typeface="Times New Roman" panose="02020603050405020304" pitchFamily="18" charset="0"/>
               </a:rPr>
               <a:t>Verification</a:t>
             </a:r>
             <a:r>
               <a:rPr kumimoji="1" lang="zh-CN" altLang="en-US" b="1" dirty="0">
-                <a:latin typeface="Times New Roman" charset="0"/>
-                <a:ea typeface="Times New Roman" charset="0"/>
-                <a:cs typeface="Times New Roman" charset="0"/>
+                <a:latin typeface="Times New Roman" panose="02020603050405020304" pitchFamily="18" charset="0"/>
+                <a:ea typeface="Times New Roman" charset="0"/>
+                <a:cs typeface="Times New Roman" panose="02020603050405020304" pitchFamily="18" charset="0"/>
               </a:rPr>
               <a:t> </a:t>
             </a:r>
-            <a:r>
-              <a:rPr kumimoji="1" lang="en-US" altLang="zh-CN" b="1" dirty="0">
-                <a:latin typeface="Times New Roman" charset="0"/>
-                <a:ea typeface="Times New Roman" charset="0"/>
-                <a:cs typeface="Times New Roman" charset="0"/>
-              </a:rPr>
-              <a:t>phase</a:t>
-            </a:r>
-            <a:endParaRPr kumimoji="1" lang="zh-CN" altLang="en-US" b="1" dirty="0">
-              <a:latin typeface="Times New Roman" charset="0"/>
-              <a:ea typeface="Times New Roman" charset="0"/>
-              <a:cs typeface="Times New Roman" charset="0"/>
-            </a:endParaRPr>
           </a:p>
         </p:txBody>
       </p:sp>
@@ -4209,9 +4176,9 @@
                 <a:solidFill>
                   <a:schemeClr val="tx1"/>
                 </a:solidFill>
-                <a:latin typeface="Times New Roman" charset="0"/>
-                <a:ea typeface="Times New Roman" charset="0"/>
-                <a:cs typeface="Times New Roman" charset="0"/>
+                <a:latin typeface="Times New Roman" panose="02020603050405020304" pitchFamily="18" charset="0"/>
+                <a:ea typeface="Times New Roman" charset="0"/>
+                <a:cs typeface="Times New Roman" panose="02020603050405020304" pitchFamily="18" charset="0"/>
               </a:rPr>
               <a:t>Master</a:t>
             </a:r>
@@ -4220,9 +4187,9 @@
                 <a:solidFill>
                   <a:schemeClr val="tx1"/>
                 </a:solidFill>
-                <a:latin typeface="Times New Roman" charset="0"/>
-                <a:ea typeface="Times New Roman" charset="0"/>
-                <a:cs typeface="Times New Roman" charset="0"/>
+                <a:latin typeface="Times New Roman" panose="02020603050405020304" pitchFamily="18" charset="0"/>
+                <a:ea typeface="Times New Roman" charset="0"/>
+                <a:cs typeface="Times New Roman" panose="02020603050405020304" pitchFamily="18" charset="0"/>
               </a:rPr>
               <a:t> </a:t>
             </a:r>
@@ -4231,9 +4198,9 @@
                 <a:solidFill>
                   <a:schemeClr val="tx1"/>
                 </a:solidFill>
-                <a:latin typeface="Times New Roman" charset="0"/>
-                <a:ea typeface="Times New Roman" charset="0"/>
-                <a:cs typeface="Times New Roman" charset="0"/>
+                <a:latin typeface="Times New Roman" panose="02020603050405020304" pitchFamily="18" charset="0"/>
+                <a:ea typeface="Times New Roman" charset="0"/>
+                <a:cs typeface="Times New Roman" panose="02020603050405020304" pitchFamily="18" charset="0"/>
               </a:rPr>
               <a:t>Algorithm</a:t>
             </a:r>
@@ -4242,9 +4209,9 @@
                 <a:solidFill>
                   <a:schemeClr val="tx1"/>
                 </a:solidFill>
-                <a:latin typeface="Times New Roman" charset="0"/>
-                <a:ea typeface="Times New Roman" charset="0"/>
-                <a:cs typeface="Times New Roman" charset="0"/>
+                <a:latin typeface="Times New Roman" panose="02020603050405020304" pitchFamily="18" charset="0"/>
+                <a:ea typeface="Times New Roman" charset="0"/>
+                <a:cs typeface="Times New Roman" panose="02020603050405020304" pitchFamily="18" charset="0"/>
               </a:rPr>
               <a:t> </a:t>
             </a:r>
@@ -4253,9 +4220,9 @@
                 <a:solidFill>
                   <a:schemeClr val="tx1"/>
                 </a:solidFill>
-                <a:latin typeface="Times New Roman" charset="0"/>
-                <a:ea typeface="Times New Roman" charset="0"/>
-                <a:cs typeface="Times New Roman" charset="0"/>
+                <a:latin typeface="Times New Roman" panose="02020603050405020304" pitchFamily="18" charset="0"/>
+                <a:ea typeface="Times New Roman" charset="0"/>
+                <a:cs typeface="Times New Roman" panose="02020603050405020304" pitchFamily="18" charset="0"/>
               </a:rPr>
               <a:t>(MA)</a:t>
             </a:r>
@@ -4286,16 +4253,16 @@
           <a:p>
             <a:r>
               <a:rPr kumimoji="1" lang="mr-IN" altLang="zh-CN" sz="2800" b="1" dirty="0">
-                <a:latin typeface="Times New Roman" charset="0"/>
+                <a:latin typeface="Times New Roman" panose="02020603050405020304" pitchFamily="18" charset="0"/>
                 <a:ea typeface="Times New Roman" charset="0"/>
                 <a:cs typeface="Times New Roman" charset="0"/>
               </a:rPr>
               <a:t>…</a:t>
             </a:r>
             <a:endParaRPr kumimoji="1" lang="zh-CN" altLang="en-US" sz="2800" b="1" dirty="0">
-              <a:latin typeface="Times New Roman" charset="0"/>
+              <a:latin typeface="Times New Roman" panose="02020603050405020304" pitchFamily="18" charset="0"/>
               <a:ea typeface="Times New Roman" charset="0"/>
-              <a:cs typeface="Times New Roman" charset="0"/>
+              <a:cs typeface="Times New Roman" panose="02020603050405020304" pitchFamily="18" charset="0"/>
             </a:endParaRPr>
           </a:p>
         </p:txBody>
@@ -4308,8 +4275,8 @@
         </p:nvSpPr>
         <p:spPr>
           <a:xfrm>
-            <a:off x="8527908" y="1117769"/>
-            <a:ext cx="502234" cy="3345509"/>
+            <a:off x="8527907" y="1117769"/>
+            <a:ext cx="697049" cy="3345509"/>
           </a:xfrm>
           <a:prstGeom prst="rightBrace">
             <a:avLst>
@@ -4339,9 +4306,9 @@
           <a:p>
             <a:pPr algn="ctr"/>
             <a:endParaRPr kumimoji="1" lang="zh-CN" altLang="en-US" b="1">
-              <a:latin typeface="Times New Roman" charset="0"/>
+              <a:latin typeface="Times New Roman" panose="02020603050405020304" pitchFamily="18" charset="0"/>
               <a:ea typeface="Times New Roman" charset="0"/>
-              <a:cs typeface="Times New Roman" charset="0"/>
+              <a:cs typeface="Times New Roman" panose="02020603050405020304" pitchFamily="18" charset="0"/>
             </a:endParaRPr>
           </a:p>
         </p:txBody>
@@ -4355,15 +4322,15 @@
         <p:spPr>
           <a:xfrm>
             <a:off x="10052932" y="4014417"/>
-            <a:ext cx="1004165" cy="493864"/>
+            <a:ext cx="1130219" cy="493864"/>
           </a:xfrm>
           <a:prstGeom prst="rect">
             <a:avLst/>
           </a:prstGeom>
           <a:solidFill>
-            <a:schemeClr val="accent5">
-              <a:lumMod val="60000"/>
-              <a:lumOff val="40000"/>
+            <a:schemeClr val="accent2">
+              <a:lumMod val="40000"/>
+              <a:lumOff val="60000"/>
             </a:schemeClr>
           </a:solidFill>
         </p:spPr>
@@ -4389,15 +4356,29 @@
           <a:p>
             <a:pPr algn="ctr"/>
             <a:r>
-              <a:rPr lang="en-US" altLang="zh-CN" sz="1200" b="1" dirty="0">
+              <a:rPr lang="en-US" altLang="zh-CN" sz="1400" b="1" dirty="0">
                 <a:solidFill>
                   <a:schemeClr val="tx1"/>
                 </a:solidFill>
-                <a:latin typeface="Times New Roman" charset="0"/>
-                <a:ea typeface="Times New Roman" charset="0"/>
-                <a:cs typeface="Times New Roman" charset="0"/>
-              </a:rPr>
-              <a:t>Properties</a:t>
+                <a:latin typeface="Times New Roman" panose="02020603050405020304" pitchFamily="18" charset="0"/>
+                <a:ea typeface="Times New Roman" charset="0"/>
+                <a:cs typeface="Times New Roman" panose="02020603050405020304" pitchFamily="18" charset="0"/>
+              </a:rPr>
+              <a:t>Verified</a:t>
+            </a:r>
+          </a:p>
+          <a:p>
+            <a:pPr algn="ctr"/>
+            <a:r>
+              <a:rPr lang="en-US" altLang="zh-CN" sz="1400" b="1" dirty="0">
+                <a:solidFill>
+                  <a:schemeClr val="tx1"/>
+                </a:solidFill>
+                <a:latin typeface="Times New Roman" panose="02020603050405020304" pitchFamily="18" charset="0"/>
+                <a:ea typeface="Times New Roman" charset="0"/>
+                <a:cs typeface="Times New Roman" panose="02020603050405020304" pitchFamily="18" charset="0"/>
+              </a:rPr>
+              <a:t>Property</a:t>
             </a:r>
           </a:p>
         </p:txBody>
@@ -4456,16 +4437,16 @@
           <a:p>
             <a:r>
               <a:rPr kumimoji="1" lang="en-US" altLang="zh-CN" b="1" dirty="0">
-                <a:latin typeface="Times New Roman" charset="0"/>
-                <a:ea typeface="Times New Roman" charset="0"/>
-                <a:cs typeface="Times New Roman" charset="0"/>
+                <a:latin typeface="Times New Roman" panose="02020603050405020304" pitchFamily="18" charset="0"/>
+                <a:ea typeface="Times New Roman" charset="0"/>
+                <a:cs typeface="Times New Roman" panose="02020603050405020304" pitchFamily="18" charset="0"/>
               </a:rPr>
               <a:t>UPPAAL</a:t>
             </a:r>
             <a:endParaRPr kumimoji="1" lang="zh-CN" altLang="en-US" b="1" dirty="0">
-              <a:latin typeface="Times New Roman" charset="0"/>
+              <a:latin typeface="Times New Roman" panose="02020603050405020304" pitchFamily="18" charset="0"/>
               <a:ea typeface="Times New Roman" charset="0"/>
-              <a:cs typeface="Times New Roman" charset="0"/>
+              <a:cs typeface="Times New Roman" panose="02020603050405020304" pitchFamily="18" charset="0"/>
             </a:endParaRPr>
           </a:p>
         </p:txBody>
@@ -4478,7 +4459,7 @@
         </p:nvSpPr>
         <p:spPr>
           <a:xfrm>
-            <a:off x="10024044" y="1708723"/>
+            <a:off x="10024044" y="1688403"/>
             <a:ext cx="247646" cy="403258"/>
           </a:xfrm>
           <a:prstGeom prst="downArrow">
@@ -4508,9 +4489,9 @@
           <a:p>
             <a:pPr algn="ctr"/>
             <a:endParaRPr kumimoji="1" lang="zh-CN" altLang="en-US" b="1">
-              <a:latin typeface="Times New Roman" charset="0"/>
+              <a:latin typeface="Times New Roman" panose="02020603050405020304" pitchFamily="18" charset="0"/>
               <a:ea typeface="Times New Roman" charset="0"/>
-              <a:cs typeface="Times New Roman" charset="0"/>
+              <a:cs typeface="Times New Roman" panose="02020603050405020304" pitchFamily="18" charset="0"/>
             </a:endParaRPr>
           </a:p>
         </p:txBody>
@@ -4523,7 +4504,7 @@
         </p:nvSpPr>
         <p:spPr>
           <a:xfrm>
-            <a:off x="5698723" y="865727"/>
+            <a:off x="5716014" y="865727"/>
             <a:ext cx="1342043" cy="369332"/>
           </a:xfrm>
           <a:prstGeom prst="rect">
@@ -4538,17 +4519,17 @@
           <a:lstStyle/>
           <a:p>
             <a:r>
-              <a:rPr kumimoji="1" lang="en-US" altLang="zh-CN" b="1">
-                <a:latin typeface="Times New Roman" charset="0"/>
-                <a:ea typeface="Times New Roman" charset="0"/>
-                <a:cs typeface="Times New Roman" charset="0"/>
+              <a:rPr kumimoji="1" lang="en-US" altLang="zh-CN" b="1" dirty="0">
+                <a:latin typeface="Times New Roman" panose="02020603050405020304" pitchFamily="18" charset="0"/>
+                <a:ea typeface="Times New Roman" charset="0"/>
+                <a:cs typeface="Times New Roman" panose="02020603050405020304" pitchFamily="18" charset="0"/>
               </a:rPr>
               <a:t>model</a:t>
             </a:r>
             <a:endParaRPr kumimoji="1" lang="zh-CN" altLang="en-US" b="1" dirty="0">
-              <a:latin typeface="Times New Roman" charset="0"/>
+              <a:latin typeface="Times New Roman" panose="02020603050405020304" pitchFamily="18" charset="0"/>
               <a:ea typeface="Times New Roman" charset="0"/>
-              <a:cs typeface="Times New Roman" charset="0"/>
+              <a:cs typeface="Times New Roman" panose="02020603050405020304" pitchFamily="18" charset="0"/>
             </a:endParaRPr>
           </a:p>
         </p:txBody>
@@ -4561,7 +4542,7 @@
         </p:nvSpPr>
         <p:spPr>
           <a:xfrm>
-            <a:off x="5698723" y="1816117"/>
+            <a:off x="5726339" y="1785467"/>
             <a:ext cx="1342043" cy="369332"/>
           </a:xfrm>
           <a:prstGeom prst="rect">
@@ -4577,16 +4558,16 @@
           <a:p>
             <a:r>
               <a:rPr kumimoji="1" lang="en-US" altLang="zh-CN" b="1" dirty="0">
-                <a:latin typeface="Times New Roman" charset="0"/>
-                <a:ea typeface="Times New Roman" charset="0"/>
-                <a:cs typeface="Times New Roman" charset="0"/>
+                <a:latin typeface="Times New Roman" panose="02020603050405020304" pitchFamily="18" charset="0"/>
+                <a:ea typeface="Times New Roman" charset="0"/>
+                <a:cs typeface="Times New Roman" panose="02020603050405020304" pitchFamily="18" charset="0"/>
               </a:rPr>
               <a:t>encode</a:t>
             </a:r>
             <a:endParaRPr kumimoji="1" lang="zh-CN" altLang="en-US" b="1" dirty="0">
-              <a:latin typeface="Times New Roman" charset="0"/>
+              <a:latin typeface="Times New Roman" panose="02020603050405020304" pitchFamily="18" charset="0"/>
               <a:ea typeface="Times New Roman" charset="0"/>
-              <a:cs typeface="Times New Roman" charset="0"/>
+              <a:cs typeface="Times New Roman" panose="02020603050405020304" pitchFamily="18" charset="0"/>
             </a:endParaRPr>
           </a:p>
         </p:txBody>
@@ -4615,16 +4596,16 @@
           <a:p>
             <a:r>
               <a:rPr kumimoji="1" lang="en-US" altLang="zh-CN" b="1">
-                <a:latin typeface="Times New Roman" charset="0"/>
-                <a:ea typeface="Times New Roman" charset="0"/>
-                <a:cs typeface="Times New Roman" charset="0"/>
+                <a:latin typeface="Times New Roman" panose="02020603050405020304" pitchFamily="18" charset="0"/>
+                <a:ea typeface="Times New Roman" charset="0"/>
+                <a:cs typeface="Times New Roman" panose="02020603050405020304" pitchFamily="18" charset="0"/>
               </a:rPr>
               <a:t>encode</a:t>
             </a:r>
             <a:endParaRPr kumimoji="1" lang="zh-CN" altLang="en-US" b="1" dirty="0">
-              <a:latin typeface="Times New Roman" charset="0"/>
+              <a:latin typeface="Times New Roman" panose="02020603050405020304" pitchFamily="18" charset="0"/>
               <a:ea typeface="Times New Roman" charset="0"/>
-              <a:cs typeface="Times New Roman" charset="0"/>
+              <a:cs typeface="Times New Roman" panose="02020603050405020304" pitchFamily="18" charset="0"/>
             </a:endParaRPr>
           </a:p>
         </p:txBody>
@@ -4653,16 +4634,16 @@
           <a:p>
             <a:r>
               <a:rPr kumimoji="1" lang="en-US" altLang="zh-CN" b="1" dirty="0">
-                <a:latin typeface="Times New Roman" charset="0"/>
-                <a:ea typeface="Times New Roman" charset="0"/>
-                <a:cs typeface="Times New Roman" charset="0"/>
+                <a:latin typeface="Times New Roman" panose="02020603050405020304" pitchFamily="18" charset="0"/>
+                <a:ea typeface="Times New Roman" charset="0"/>
+                <a:cs typeface="Times New Roman" panose="02020603050405020304" pitchFamily="18" charset="0"/>
               </a:rPr>
               <a:t>model</a:t>
             </a:r>
             <a:endParaRPr kumimoji="1" lang="zh-CN" altLang="en-US" b="1" dirty="0">
-              <a:latin typeface="Times New Roman" charset="0"/>
+              <a:latin typeface="Times New Roman" panose="02020603050405020304" pitchFamily="18" charset="0"/>
               <a:ea typeface="Times New Roman" charset="0"/>
-              <a:cs typeface="Times New Roman" charset="0"/>
+              <a:cs typeface="Times New Roman" panose="02020603050405020304" pitchFamily="18" charset="0"/>
             </a:endParaRPr>
           </a:p>
         </p:txBody>
@@ -4681,6 +4662,17 @@
           <a:prstGeom prst="flowChartMultidocument">
             <a:avLst/>
           </a:prstGeom>
+          <a:solidFill>
+            <a:schemeClr val="accent1">
+              <a:lumMod val="60000"/>
+              <a:lumOff val="40000"/>
+            </a:schemeClr>
+          </a:solidFill>
+          <a:ln w="12700">
+            <a:solidFill>
+              <a:schemeClr val="tx1"/>
+            </a:solidFill>
+          </a:ln>
         </p:spPr>
         <p:style>
           <a:lnRef idx="2">
@@ -4705,9 +4697,9 @@
             <a:pPr algn="ctr"/>
             <a:r>
               <a:rPr lang="en-US" altLang="zh-CN" b="1" dirty="0">
-                <a:latin typeface="Times New Roman" charset="0"/>
-                <a:ea typeface="Times New Roman" charset="0"/>
-                <a:cs typeface="Times New Roman" charset="0"/>
+                <a:latin typeface="Times New Roman" panose="02020603050405020304" pitchFamily="18" charset="0"/>
+                <a:ea typeface="Times New Roman" charset="0"/>
+                <a:cs typeface="Times New Roman" panose="02020603050405020304" pitchFamily="18" charset="0"/>
               </a:rPr>
               <a:t>FMU</a:t>
             </a:r>
@@ -4728,6 +4720,17 @@
           <a:prstGeom prst="flowChartMultidocument">
             <a:avLst/>
           </a:prstGeom>
+          <a:solidFill>
+            <a:schemeClr val="accent1">
+              <a:lumMod val="60000"/>
+              <a:lumOff val="40000"/>
+            </a:schemeClr>
+          </a:solidFill>
+          <a:ln w="12700">
+            <a:solidFill>
+              <a:schemeClr val="tx1"/>
+            </a:solidFill>
+          </a:ln>
         </p:spPr>
         <p:style>
           <a:lnRef idx="2">
@@ -4752,9 +4755,9 @@
             <a:pPr algn="ctr"/>
             <a:r>
               <a:rPr lang="en-US" altLang="zh-CN" b="1" dirty="0">
-                <a:latin typeface="Times New Roman" charset="0"/>
-                <a:ea typeface="Times New Roman" charset="0"/>
-                <a:cs typeface="Times New Roman" charset="0"/>
+                <a:latin typeface="Times New Roman" panose="02020603050405020304" pitchFamily="18" charset="0"/>
+                <a:ea typeface="Times New Roman" charset="0"/>
+                <a:cs typeface="Times New Roman" panose="02020603050405020304" pitchFamily="18" charset="0"/>
               </a:rPr>
               <a:t>FMU</a:t>
             </a:r>
@@ -4763,27 +4766,18 @@
       </p:sp>
       <p:sp>
         <p:nvSpPr>
-          <p:cNvPr id="57" name="终止符 56"/>
+          <p:cNvPr id="62" name="燕尾形箭头 61"/>
           <p:cNvSpPr/>
           <p:nvPr/>
         </p:nvSpPr>
         <p:spPr>
           <a:xfrm>
-            <a:off x="6767272" y="1816117"/>
-            <a:ext cx="1841201" cy="733089"/>
-          </a:xfrm>
-          <a:prstGeom prst="flowChartTerminator">
-            <a:avLst/>
-          </a:prstGeom>
-          <a:solidFill>
-            <a:schemeClr val="accent5">
-              <a:lumMod val="60000"/>
-              <a:lumOff val="40000"/>
-            </a:schemeClr>
-          </a:solidFill>
-          <a:ln>
-            <a:noFill/>
-          </a:ln>
+            <a:off x="5727719" y="2052229"/>
+            <a:ext cx="1022446" cy="284785"/>
+          </a:xfrm>
+          <a:prstGeom prst="notchedRightArrow">
+            <a:avLst/>
+          </a:prstGeom>
         </p:spPr>
         <p:style>
           <a:lnRef idx="2">
@@ -4806,109 +4800,27 @@
           <a:lstStyle/>
           <a:p>
             <a:pPr algn="ctr"/>
-            <a:r>
-              <a:rPr lang="en-US" altLang="zh-CN" b="1" dirty="0">
-                <a:solidFill>
-                  <a:schemeClr val="tx1"/>
-                </a:solidFill>
-                <a:latin typeface="Times New Roman" charset="0"/>
-                <a:ea typeface="Times New Roman" charset="0"/>
-                <a:cs typeface="Times New Roman" charset="0"/>
-              </a:rPr>
-              <a:t>Timed</a:t>
-            </a:r>
-            <a:r>
-              <a:rPr lang="zh-CN" altLang="en-US" b="1" dirty="0">
-                <a:solidFill>
-                  <a:schemeClr val="tx1"/>
-                </a:solidFill>
-                <a:latin typeface="Times New Roman" charset="0"/>
-                <a:ea typeface="Times New Roman" charset="0"/>
-                <a:cs typeface="Times New Roman" charset="0"/>
-              </a:rPr>
-              <a:t> </a:t>
-            </a:r>
-            <a:r>
-              <a:rPr lang="en-US" altLang="zh-CN" b="1" dirty="0">
-                <a:solidFill>
-                  <a:schemeClr val="tx1"/>
-                </a:solidFill>
-                <a:latin typeface="Times New Roman" charset="0"/>
-                <a:ea typeface="Times New Roman" charset="0"/>
-                <a:cs typeface="Times New Roman" charset="0"/>
-              </a:rPr>
-              <a:t>Automaton</a:t>
-            </a:r>
-            <a:r>
-              <a:rPr lang="zh-CN" altLang="en-US" b="1" dirty="0">
-                <a:solidFill>
-                  <a:schemeClr val="tx1"/>
-                </a:solidFill>
-                <a:latin typeface="Times New Roman" charset="0"/>
-                <a:ea typeface="Times New Roman" charset="0"/>
-                <a:cs typeface="Times New Roman" charset="0"/>
-              </a:rPr>
-              <a:t> </a:t>
-            </a:r>
-            <a:r>
-              <a:rPr lang="en-US" altLang="zh-CN" b="1" dirty="0">
-                <a:solidFill>
-                  <a:schemeClr val="tx1"/>
-                </a:solidFill>
-                <a:latin typeface="Times New Roman" charset="0"/>
-                <a:ea typeface="Times New Roman" charset="0"/>
-                <a:cs typeface="Times New Roman" charset="0"/>
-              </a:rPr>
-              <a:t>for</a:t>
-            </a:r>
-            <a:r>
-              <a:rPr lang="zh-CN" altLang="en-US" b="1" dirty="0">
-                <a:solidFill>
-                  <a:schemeClr val="tx1"/>
-                </a:solidFill>
-                <a:latin typeface="Times New Roman" charset="0"/>
-                <a:ea typeface="Times New Roman" charset="0"/>
-                <a:cs typeface="Times New Roman" charset="0"/>
-              </a:rPr>
-              <a:t> </a:t>
-            </a:r>
-            <a:r>
-              <a:rPr lang="en-US" altLang="zh-CN" b="1" dirty="0">
-                <a:solidFill>
-                  <a:schemeClr val="tx1"/>
-                </a:solidFill>
-                <a:latin typeface="Times New Roman" charset="0"/>
-                <a:ea typeface="Times New Roman" charset="0"/>
-                <a:cs typeface="Times New Roman" charset="0"/>
-              </a:rPr>
-              <a:t>FMU</a:t>
-            </a:r>
-          </a:p>
-        </p:txBody>
-      </p:sp>
-      <p:sp>
-        <p:nvSpPr>
-          <p:cNvPr id="58" name="终止符 57"/>
+            <a:endParaRPr kumimoji="1" lang="zh-CN" altLang="en-US">
+              <a:latin typeface="Times New Roman" panose="02020603050405020304" pitchFamily="18" charset="0"/>
+              <a:cs typeface="Times New Roman" panose="02020603050405020304" pitchFamily="18" charset="0"/>
+            </a:endParaRPr>
+          </a:p>
+        </p:txBody>
+      </p:sp>
+      <p:sp>
+        <p:nvSpPr>
+          <p:cNvPr id="63" name="燕尾形箭头 62"/>
           <p:cNvSpPr/>
           <p:nvPr/>
         </p:nvSpPr>
         <p:spPr>
           <a:xfrm>
-            <a:off x="6750164" y="3285033"/>
-            <a:ext cx="1841201" cy="733089"/>
-          </a:xfrm>
-          <a:prstGeom prst="flowChartTerminator">
-            <a:avLst/>
-          </a:prstGeom>
-          <a:solidFill>
-            <a:schemeClr val="accent5">
-              <a:lumMod val="60000"/>
-              <a:lumOff val="40000"/>
-            </a:schemeClr>
-          </a:solidFill>
-          <a:ln>
-            <a:noFill/>
-          </a:ln>
+            <a:off x="5710122" y="3475988"/>
+            <a:ext cx="1022446" cy="284785"/>
+          </a:xfrm>
+          <a:prstGeom prst="notchedRightArrow">
+            <a:avLst/>
+          </a:prstGeom>
         </p:spPr>
         <p:style>
           <a:lnRef idx="2">
@@ -4931,109 +4843,27 @@
           <a:lstStyle/>
           <a:p>
             <a:pPr algn="ctr"/>
-            <a:r>
-              <a:rPr lang="en-US" altLang="zh-CN" b="1" dirty="0">
-                <a:solidFill>
-                  <a:schemeClr val="tx1"/>
-                </a:solidFill>
-                <a:latin typeface="Times New Roman" charset="0"/>
-                <a:ea typeface="Times New Roman" charset="0"/>
-                <a:cs typeface="Times New Roman" charset="0"/>
-              </a:rPr>
-              <a:t>Timed</a:t>
-            </a:r>
-            <a:r>
-              <a:rPr lang="zh-CN" altLang="en-US" b="1" dirty="0">
-                <a:solidFill>
-                  <a:schemeClr val="tx1"/>
-                </a:solidFill>
-                <a:latin typeface="Times New Roman" charset="0"/>
-                <a:ea typeface="Times New Roman" charset="0"/>
-                <a:cs typeface="Times New Roman" charset="0"/>
-              </a:rPr>
-              <a:t> </a:t>
-            </a:r>
-            <a:r>
-              <a:rPr lang="en-US" altLang="zh-CN" b="1" dirty="0">
-                <a:solidFill>
-                  <a:schemeClr val="tx1"/>
-                </a:solidFill>
-                <a:latin typeface="Times New Roman" charset="0"/>
-                <a:ea typeface="Times New Roman" charset="0"/>
-                <a:cs typeface="Times New Roman" charset="0"/>
-              </a:rPr>
-              <a:t>Automaton</a:t>
-            </a:r>
-            <a:r>
-              <a:rPr lang="zh-CN" altLang="en-US" b="1" dirty="0">
-                <a:solidFill>
-                  <a:schemeClr val="tx1"/>
-                </a:solidFill>
-                <a:latin typeface="Times New Roman" charset="0"/>
-                <a:ea typeface="Times New Roman" charset="0"/>
-                <a:cs typeface="Times New Roman" charset="0"/>
-              </a:rPr>
-              <a:t> </a:t>
-            </a:r>
-            <a:r>
-              <a:rPr lang="en-US" altLang="zh-CN" b="1" dirty="0">
-                <a:solidFill>
-                  <a:schemeClr val="tx1"/>
-                </a:solidFill>
-                <a:latin typeface="Times New Roman" charset="0"/>
-                <a:ea typeface="Times New Roman" charset="0"/>
-                <a:cs typeface="Times New Roman" charset="0"/>
-              </a:rPr>
-              <a:t>for</a:t>
-            </a:r>
-            <a:r>
-              <a:rPr lang="zh-CN" altLang="en-US" b="1" dirty="0">
-                <a:solidFill>
-                  <a:schemeClr val="tx1"/>
-                </a:solidFill>
-                <a:latin typeface="Times New Roman" charset="0"/>
-                <a:ea typeface="Times New Roman" charset="0"/>
-                <a:cs typeface="Times New Roman" charset="0"/>
-              </a:rPr>
-              <a:t> </a:t>
-            </a:r>
-            <a:r>
-              <a:rPr lang="en-US" altLang="zh-CN" b="1" dirty="0">
-                <a:solidFill>
-                  <a:schemeClr val="tx1"/>
-                </a:solidFill>
-                <a:latin typeface="Times New Roman" charset="0"/>
-                <a:ea typeface="Times New Roman" charset="0"/>
-                <a:cs typeface="Times New Roman" charset="0"/>
-              </a:rPr>
-              <a:t>FMU</a:t>
-            </a:r>
-          </a:p>
-        </p:txBody>
-      </p:sp>
-      <p:sp>
-        <p:nvSpPr>
-          <p:cNvPr id="59" name="终止符 58"/>
+            <a:endParaRPr kumimoji="1" lang="zh-CN" altLang="en-US">
+              <a:latin typeface="Times New Roman" panose="02020603050405020304" pitchFamily="18" charset="0"/>
+              <a:cs typeface="Times New Roman" panose="02020603050405020304" pitchFamily="18" charset="0"/>
+            </a:endParaRPr>
+          </a:p>
+        </p:txBody>
+      </p:sp>
+      <p:sp>
+        <p:nvSpPr>
+          <p:cNvPr id="64" name="右箭头 63"/>
           <p:cNvSpPr/>
           <p:nvPr/>
         </p:nvSpPr>
         <p:spPr>
           <a:xfrm>
-            <a:off x="6764470" y="4181831"/>
-            <a:ext cx="1841201" cy="733089"/>
-          </a:xfrm>
-          <a:prstGeom prst="flowChartTerminator">
-            <a:avLst/>
-          </a:prstGeom>
-          <a:solidFill>
-            <a:schemeClr val="accent5">
-              <a:lumMod val="60000"/>
-              <a:lumOff val="40000"/>
-            </a:schemeClr>
-          </a:solidFill>
-          <a:ln>
-            <a:noFill/>
-          </a:ln>
+            <a:off x="5706912" y="4463279"/>
+            <a:ext cx="1060359" cy="288468"/>
+          </a:xfrm>
+          <a:prstGeom prst="rightArrow">
+            <a:avLst/>
+          </a:prstGeom>
         </p:spPr>
         <p:style>
           <a:lnRef idx="2">
@@ -5056,345 +4886,10 @@
           <a:lstStyle/>
           <a:p>
             <a:pPr algn="ctr"/>
-            <a:r>
-              <a:rPr lang="en-US" altLang="zh-CN" b="1" dirty="0">
-                <a:solidFill>
-                  <a:schemeClr val="tx1"/>
-                </a:solidFill>
-                <a:latin typeface="Times New Roman" charset="0"/>
-                <a:ea typeface="Times New Roman" charset="0"/>
-                <a:cs typeface="Times New Roman" charset="0"/>
-              </a:rPr>
-              <a:t>Timed</a:t>
-            </a:r>
-            <a:r>
-              <a:rPr lang="zh-CN" altLang="en-US" b="1" dirty="0">
-                <a:solidFill>
-                  <a:schemeClr val="tx1"/>
-                </a:solidFill>
-                <a:latin typeface="Times New Roman" charset="0"/>
-                <a:ea typeface="Times New Roman" charset="0"/>
-                <a:cs typeface="Times New Roman" charset="0"/>
-              </a:rPr>
-              <a:t> </a:t>
-            </a:r>
-            <a:r>
-              <a:rPr lang="en-US" altLang="zh-CN" b="1" dirty="0">
-                <a:solidFill>
-                  <a:schemeClr val="tx1"/>
-                </a:solidFill>
-                <a:latin typeface="Times New Roman" charset="0"/>
-                <a:ea typeface="Times New Roman" charset="0"/>
-                <a:cs typeface="Times New Roman" charset="0"/>
-              </a:rPr>
-              <a:t>Automaton</a:t>
-            </a:r>
-            <a:r>
-              <a:rPr lang="zh-CN" altLang="en-US" b="1" dirty="0">
-                <a:solidFill>
-                  <a:schemeClr val="tx1"/>
-                </a:solidFill>
-                <a:latin typeface="Times New Roman" charset="0"/>
-                <a:ea typeface="Times New Roman" charset="0"/>
-                <a:cs typeface="Times New Roman" charset="0"/>
-              </a:rPr>
-              <a:t> </a:t>
-            </a:r>
-            <a:r>
-              <a:rPr lang="en-US" altLang="zh-CN" b="1" dirty="0">
-                <a:solidFill>
-                  <a:schemeClr val="tx1"/>
-                </a:solidFill>
-                <a:latin typeface="Times New Roman" charset="0"/>
-                <a:ea typeface="Times New Roman" charset="0"/>
-                <a:cs typeface="Times New Roman" charset="0"/>
-              </a:rPr>
-              <a:t>for</a:t>
-            </a:r>
-            <a:r>
-              <a:rPr lang="zh-CN" altLang="en-US" b="1" dirty="0">
-                <a:solidFill>
-                  <a:schemeClr val="tx1"/>
-                </a:solidFill>
-                <a:latin typeface="Times New Roman" charset="0"/>
-                <a:ea typeface="Times New Roman" charset="0"/>
-                <a:cs typeface="Times New Roman" charset="0"/>
-              </a:rPr>
-              <a:t> </a:t>
-            </a:r>
-            <a:r>
-              <a:rPr lang="en-US" altLang="zh-CN" b="1" dirty="0">
-                <a:solidFill>
-                  <a:schemeClr val="tx1"/>
-                </a:solidFill>
-                <a:latin typeface="Times New Roman" charset="0"/>
-                <a:ea typeface="Times New Roman" charset="0"/>
-                <a:cs typeface="Times New Roman" charset="0"/>
-              </a:rPr>
-              <a:t>MA</a:t>
-            </a:r>
-          </a:p>
-        </p:txBody>
-      </p:sp>
-      <p:sp>
-        <p:nvSpPr>
-          <p:cNvPr id="60" name="终止符 59"/>
-          <p:cNvSpPr/>
-          <p:nvPr/>
-        </p:nvSpPr>
-        <p:spPr>
-          <a:xfrm>
-            <a:off x="9049038" y="983835"/>
-            <a:ext cx="2138161" cy="733089"/>
-          </a:xfrm>
-          <a:prstGeom prst="flowChartTerminator">
-            <a:avLst/>
-          </a:prstGeom>
-          <a:solidFill>
-            <a:schemeClr val="accent1"/>
-          </a:solidFill>
-          <a:ln>
-            <a:noFill/>
-          </a:ln>
-        </p:spPr>
-        <p:style>
-          <a:lnRef idx="2">
-            <a:schemeClr val="accent1">
-              <a:shade val="50000"/>
-            </a:schemeClr>
-          </a:lnRef>
-          <a:fillRef idx="1">
-            <a:schemeClr val="accent1"/>
-          </a:fillRef>
-          <a:effectRef idx="0">
-            <a:schemeClr val="accent1"/>
-          </a:effectRef>
-          <a:fontRef idx="minor">
-            <a:schemeClr val="lt1"/>
-          </a:fontRef>
-        </p:style>
-        <p:txBody>
-          <a:bodyPr rtlCol="0" anchor="ctr"/>
-          <a:lstStyle/>
-          <a:p>
-            <a:pPr algn="ctr"/>
-            <a:r>
-              <a:rPr lang="en-US" altLang="zh-CN" b="1" dirty="0">
-                <a:latin typeface="Times New Roman" charset="0"/>
-                <a:ea typeface="Times New Roman" charset="0"/>
-                <a:cs typeface="Times New Roman" charset="0"/>
-              </a:rPr>
-              <a:t>Network</a:t>
-            </a:r>
-            <a:r>
-              <a:rPr lang="zh-CN" altLang="en-US" b="1" dirty="0">
-                <a:latin typeface="Times New Roman" charset="0"/>
-                <a:ea typeface="Times New Roman" charset="0"/>
-                <a:cs typeface="Times New Roman" charset="0"/>
-              </a:rPr>
-              <a:t> </a:t>
-            </a:r>
-            <a:r>
-              <a:rPr lang="en-US" altLang="zh-CN" b="1" dirty="0">
-                <a:latin typeface="Times New Roman" charset="0"/>
-                <a:ea typeface="Times New Roman" charset="0"/>
-                <a:cs typeface="Times New Roman" charset="0"/>
-              </a:rPr>
-              <a:t>of</a:t>
-            </a:r>
-            <a:r>
-              <a:rPr lang="zh-CN" altLang="en-US" b="1" dirty="0">
-                <a:latin typeface="Times New Roman" charset="0"/>
-                <a:ea typeface="Times New Roman" charset="0"/>
-                <a:cs typeface="Times New Roman" charset="0"/>
-              </a:rPr>
-              <a:t> </a:t>
-            </a:r>
-            <a:r>
-              <a:rPr lang="en-US" altLang="zh-CN" b="1" dirty="0">
-                <a:latin typeface="Times New Roman" charset="0"/>
-                <a:ea typeface="Times New Roman" charset="0"/>
-                <a:cs typeface="Times New Roman" charset="0"/>
-              </a:rPr>
-              <a:t>Timed</a:t>
-            </a:r>
-            <a:r>
-              <a:rPr lang="zh-CN" altLang="en-US" b="1" dirty="0">
-                <a:latin typeface="Times New Roman" charset="0"/>
-                <a:ea typeface="Times New Roman" charset="0"/>
-                <a:cs typeface="Times New Roman" charset="0"/>
-              </a:rPr>
-              <a:t> </a:t>
-            </a:r>
-            <a:r>
-              <a:rPr lang="en-US" altLang="zh-CN" b="1" dirty="0">
-                <a:latin typeface="Times New Roman" charset="0"/>
-                <a:ea typeface="Times New Roman" charset="0"/>
-                <a:cs typeface="Times New Roman" charset="0"/>
-              </a:rPr>
-              <a:t>Automata</a:t>
-            </a:r>
-          </a:p>
-        </p:txBody>
-      </p:sp>
-      <p:sp>
-        <p:nvSpPr>
-          <p:cNvPr id="61" name="矩形 60"/>
-          <p:cNvSpPr/>
-          <p:nvPr/>
-        </p:nvSpPr>
-        <p:spPr>
-          <a:xfrm>
-            <a:off x="678564" y="106692"/>
-            <a:ext cx="10744200" cy="6602866"/>
-          </a:xfrm>
-          <a:prstGeom prst="rect">
-            <a:avLst/>
-          </a:prstGeom>
-          <a:noFill/>
-        </p:spPr>
-        <p:style>
-          <a:lnRef idx="2">
-            <a:schemeClr val="accent1">
-              <a:shade val="50000"/>
-            </a:schemeClr>
-          </a:lnRef>
-          <a:fillRef idx="1">
-            <a:schemeClr val="accent1"/>
-          </a:fillRef>
-          <a:effectRef idx="0">
-            <a:schemeClr val="accent1"/>
-          </a:effectRef>
-          <a:fontRef idx="minor">
-            <a:schemeClr val="lt1"/>
-          </a:fontRef>
-        </p:style>
-        <p:txBody>
-          <a:bodyPr rtlCol="0" anchor="ctr"/>
-          <a:lstStyle/>
-          <a:p>
-            <a:pPr algn="ctr"/>
-            <a:endParaRPr kumimoji="1" lang="zh-CN" altLang="en-US"/>
-          </a:p>
-        </p:txBody>
-      </p:sp>
-      <p:sp>
-        <p:nvSpPr>
-          <p:cNvPr id="62" name="燕尾形箭头 61"/>
-          <p:cNvSpPr/>
-          <p:nvPr/>
-        </p:nvSpPr>
-        <p:spPr>
-          <a:xfrm>
-            <a:off x="5727719" y="2052229"/>
-            <a:ext cx="1022446" cy="284785"/>
-          </a:xfrm>
-          <a:prstGeom prst="notchedRightArrow">
-            <a:avLst/>
-          </a:prstGeom>
-        </p:spPr>
-        <p:style>
-          <a:lnRef idx="2">
-            <a:schemeClr val="accent1">
-              <a:shade val="50000"/>
-            </a:schemeClr>
-          </a:lnRef>
-          <a:fillRef idx="1">
-            <a:schemeClr val="accent1"/>
-          </a:fillRef>
-          <a:effectRef idx="0">
-            <a:schemeClr val="accent1"/>
-          </a:effectRef>
-          <a:fontRef idx="minor">
-            <a:schemeClr val="lt1"/>
-          </a:fontRef>
-        </p:style>
-        <p:txBody>
-          <a:bodyPr rtlCol="0" anchor="ctr"/>
-          <a:lstStyle/>
-          <a:p>
-            <a:pPr algn="ctr"/>
-            <a:endParaRPr kumimoji="1" lang="zh-CN" altLang="en-US"/>
-          </a:p>
-        </p:txBody>
-      </p:sp>
-      <p:sp>
-        <p:nvSpPr>
-          <p:cNvPr id="63" name="燕尾形箭头 62"/>
-          <p:cNvSpPr/>
-          <p:nvPr/>
-        </p:nvSpPr>
-        <p:spPr>
-          <a:xfrm>
-            <a:off x="5710122" y="3475988"/>
-            <a:ext cx="1022446" cy="284785"/>
-          </a:xfrm>
-          <a:prstGeom prst="notchedRightArrow">
-            <a:avLst/>
-          </a:prstGeom>
-        </p:spPr>
-        <p:style>
-          <a:lnRef idx="2">
-            <a:schemeClr val="accent1">
-              <a:shade val="50000"/>
-            </a:schemeClr>
-          </a:lnRef>
-          <a:fillRef idx="1">
-            <a:schemeClr val="accent1"/>
-          </a:fillRef>
-          <a:effectRef idx="0">
-            <a:schemeClr val="accent1"/>
-          </a:effectRef>
-          <a:fontRef idx="minor">
-            <a:schemeClr val="lt1"/>
-          </a:fontRef>
-        </p:style>
-        <p:txBody>
-          <a:bodyPr rtlCol="0" anchor="ctr"/>
-          <a:lstStyle/>
-          <a:p>
-            <a:pPr algn="ctr"/>
-            <a:endParaRPr kumimoji="1" lang="zh-CN" altLang="en-US"/>
-          </a:p>
-        </p:txBody>
-      </p:sp>
-      <p:sp>
-        <p:nvSpPr>
-          <p:cNvPr id="64" name="右箭头 63"/>
-          <p:cNvSpPr/>
-          <p:nvPr/>
-        </p:nvSpPr>
-        <p:spPr>
-          <a:xfrm>
-            <a:off x="5706912" y="4463279"/>
-            <a:ext cx="1060359" cy="288468"/>
-          </a:xfrm>
-          <a:prstGeom prst="rightArrow">
-            <a:avLst/>
-          </a:prstGeom>
-        </p:spPr>
-        <p:style>
-          <a:lnRef idx="2">
-            <a:schemeClr val="accent1">
-              <a:shade val="50000"/>
-            </a:schemeClr>
-          </a:lnRef>
-          <a:fillRef idx="1">
-            <a:schemeClr val="accent1"/>
-          </a:fillRef>
-          <a:effectRef idx="0">
-            <a:schemeClr val="accent1"/>
-          </a:effectRef>
-          <a:fontRef idx="minor">
-            <a:schemeClr val="lt1"/>
-          </a:fontRef>
-        </p:style>
-        <p:txBody>
-          <a:bodyPr rtlCol="0" anchor="ctr"/>
-          <a:lstStyle/>
-          <a:p>
-            <a:pPr algn="ctr"/>
-            <a:endParaRPr kumimoji="1" lang="zh-CN" altLang="en-US"/>
+            <a:endParaRPr kumimoji="1" lang="zh-CN" altLang="en-US">
+              <a:latin typeface="Times New Roman" panose="02020603050405020304" pitchFamily="18" charset="0"/>
+              <a:cs typeface="Times New Roman" panose="02020603050405020304" pitchFamily="18" charset="0"/>
+            </a:endParaRPr>
           </a:p>
         </p:txBody>
       </p:sp>
@@ -5406,8 +4901,8 @@
         </p:nvSpPr>
         <p:spPr>
           <a:xfrm>
-            <a:off x="4473184" y="6108932"/>
-            <a:ext cx="6786553" cy="386992"/>
+            <a:off x="6530043" y="5987666"/>
+            <a:ext cx="4737646" cy="386992"/>
           </a:xfrm>
           <a:prstGeom prst="rect">
             <a:avLst/>
@@ -5447,6 +4942,8 @@
                 <a:solidFill>
                   <a:schemeClr val="tx1"/>
                 </a:solidFill>
+                <a:latin typeface="Times New Roman" panose="02020603050405020304" pitchFamily="18" charset="0"/>
+                <a:cs typeface="Times New Roman" panose="02020603050405020304" pitchFamily="18" charset="0"/>
               </a:rPr>
               <a:t>Co-simulation</a:t>
             </a:r>
@@ -5455,6 +4952,8 @@
                 <a:solidFill>
                   <a:schemeClr val="tx1"/>
                 </a:solidFill>
+                <a:latin typeface="Times New Roman" panose="02020603050405020304" pitchFamily="18" charset="0"/>
+                <a:cs typeface="Times New Roman" panose="02020603050405020304" pitchFamily="18" charset="0"/>
               </a:rPr>
               <a:t> </a:t>
             </a:r>
@@ -5463,6 +4962,8 @@
                 <a:solidFill>
                   <a:schemeClr val="tx1"/>
                 </a:solidFill>
+                <a:latin typeface="Times New Roman" panose="02020603050405020304" pitchFamily="18" charset="0"/>
+                <a:cs typeface="Times New Roman" panose="02020603050405020304" pitchFamily="18" charset="0"/>
               </a:rPr>
               <a:t>Engine</a:t>
             </a:r>
@@ -5470,6 +4971,8 @@
               <a:solidFill>
                 <a:schemeClr val="tx1"/>
               </a:solidFill>
+              <a:latin typeface="Times New Roman" panose="02020603050405020304" pitchFamily="18" charset="0"/>
+              <a:cs typeface="Times New Roman" panose="02020603050405020304" pitchFamily="18" charset="0"/>
             </a:endParaRPr>
           </a:p>
         </p:txBody>
@@ -5482,8 +4985,8 @@
         </p:nvSpPr>
         <p:spPr>
           <a:xfrm>
-            <a:off x="3361331" y="6181162"/>
-            <a:ext cx="1111854" cy="246784"/>
+            <a:off x="5365600" y="6127874"/>
+            <a:ext cx="1164443" cy="246784"/>
           </a:xfrm>
           <a:prstGeom prst="leftArrow">
             <a:avLst/>
@@ -5525,6 +5028,8 @@
               <a:solidFill>
                 <a:schemeClr val="tx1"/>
               </a:solidFill>
+              <a:latin typeface="Times New Roman" panose="02020603050405020304" pitchFamily="18" charset="0"/>
+              <a:cs typeface="Times New Roman" panose="02020603050405020304" pitchFamily="18" charset="0"/>
             </a:endParaRPr>
           </a:p>
         </p:txBody>
@@ -5537,8 +5042,8 @@
         </p:nvSpPr>
         <p:spPr>
           <a:xfrm>
-            <a:off x="870967" y="6062628"/>
-            <a:ext cx="2490363" cy="445082"/>
+            <a:off x="3169260" y="5987666"/>
+            <a:ext cx="2196340" cy="445082"/>
           </a:xfrm>
           <a:prstGeom prst="foldedCorner">
             <a:avLst/>
@@ -5578,6 +5083,8 @@
                 <a:solidFill>
                   <a:schemeClr val="tx1"/>
                 </a:solidFill>
+                <a:latin typeface="Times New Roman" panose="02020603050405020304" pitchFamily="18" charset="0"/>
+                <a:cs typeface="Times New Roman" panose="02020603050405020304" pitchFamily="18" charset="0"/>
               </a:rPr>
               <a:t>Simulation</a:t>
             </a:r>
@@ -5586,14 +5093,18 @@
                 <a:solidFill>
                   <a:schemeClr val="tx1"/>
                 </a:solidFill>
+                <a:latin typeface="Times New Roman" panose="02020603050405020304" pitchFamily="18" charset="0"/>
+                <a:cs typeface="Times New Roman" panose="02020603050405020304" pitchFamily="18" charset="0"/>
               </a:rPr>
               <a:t> </a:t>
             </a:r>
             <a:r>
-              <a:rPr kumimoji="1" lang="en-US" altLang="zh-CN" b="1">
+              <a:rPr kumimoji="1" lang="en-US" altLang="zh-CN" b="1" dirty="0">
                 <a:solidFill>
                   <a:schemeClr val="tx1"/>
                 </a:solidFill>
+                <a:latin typeface="Times New Roman" panose="02020603050405020304" pitchFamily="18" charset="0"/>
+                <a:cs typeface="Times New Roman" panose="02020603050405020304" pitchFamily="18" charset="0"/>
               </a:rPr>
               <a:t>traces</a:t>
             </a:r>
@@ -5601,6 +5112,8 @@
               <a:solidFill>
                 <a:schemeClr val="tx1"/>
               </a:solidFill>
+              <a:latin typeface="Times New Roman" panose="02020603050405020304" pitchFamily="18" charset="0"/>
+              <a:cs typeface="Times New Roman" panose="02020603050405020304" pitchFamily="18" charset="0"/>
             </a:endParaRPr>
           </a:p>
         </p:txBody>
@@ -5613,20 +5126,15 @@
         </p:nvSpPr>
         <p:spPr>
           <a:xfrm>
-            <a:off x="782036" y="5727729"/>
-            <a:ext cx="10569478" cy="817161"/>
+            <a:off x="876822" y="5674922"/>
+            <a:ext cx="10474691" cy="817161"/>
           </a:xfrm>
           <a:prstGeom prst="rect">
             <a:avLst/>
           </a:prstGeom>
           <a:noFill/>
-          <a:ln>
-            <a:solidFill>
-              <a:schemeClr val="bg2">
-                <a:lumMod val="75000"/>
-              </a:schemeClr>
-            </a:solidFill>
-            <a:prstDash val="dash"/>
+          <a:ln w="22225">
+            <a:prstDash val="lgDash"/>
           </a:ln>
         </p:spPr>
         <p:style>
@@ -5651,14 +5159,9 @@
           <a:p>
             <a:pPr algn="ctr"/>
             <a:endParaRPr kumimoji="1" lang="zh-CN" altLang="en-US" b="1">
-              <a:solidFill>
-                <a:schemeClr val="bg2">
-                  <a:lumMod val="25000"/>
-                </a:schemeClr>
-              </a:solidFill>
-              <a:latin typeface="Times New Roman" charset="0"/>
+              <a:latin typeface="Times New Roman" panose="02020603050405020304" pitchFamily="18" charset="0"/>
               <a:ea typeface="Times New Roman" charset="0"/>
-              <a:cs typeface="Times New Roman" charset="0"/>
+              <a:cs typeface="Times New Roman" panose="02020603050405020304" pitchFamily="18" charset="0"/>
             </a:endParaRPr>
           </a:p>
         </p:txBody>
@@ -5671,7 +5174,7 @@
         </p:nvSpPr>
         <p:spPr>
           <a:xfrm>
-            <a:off x="9043183" y="5674922"/>
+            <a:off x="9033023" y="5593642"/>
             <a:ext cx="2224506" cy="369332"/>
           </a:xfrm>
           <a:prstGeom prst="rect">
@@ -5687,32 +5190,16 @@
           <a:p>
             <a:r>
               <a:rPr kumimoji="1" lang="en-US" altLang="zh-CN" b="1" dirty="0">
-                <a:latin typeface="Times New Roman" charset="0"/>
-                <a:ea typeface="Times New Roman" charset="0"/>
-                <a:cs typeface="Times New Roman" charset="0"/>
+                <a:latin typeface="Times New Roman" panose="02020603050405020304" pitchFamily="18" charset="0"/>
+                <a:ea typeface="Times New Roman" charset="0"/>
+                <a:cs typeface="Times New Roman" panose="02020603050405020304" pitchFamily="18" charset="0"/>
               </a:rPr>
               <a:t>Co-simulation</a:t>
             </a:r>
-            <a:r>
-              <a:rPr kumimoji="1" lang="zh-CN" altLang="en-US" b="1" dirty="0">
-                <a:latin typeface="Times New Roman" charset="0"/>
-                <a:ea typeface="Times New Roman" charset="0"/>
-                <a:cs typeface="Times New Roman" charset="0"/>
-              </a:rPr>
-              <a:t> </a:t>
-            </a:r>
-            <a:r>
-              <a:rPr kumimoji="1" lang="en-US" altLang="zh-CN" b="1" dirty="0">
-                <a:latin typeface="Times New Roman" charset="0"/>
-                <a:ea typeface="Times New Roman" charset="0"/>
-                <a:cs typeface="Times New Roman" charset="0"/>
-              </a:rPr>
-              <a:t>phase</a:t>
-            </a:r>
             <a:endParaRPr kumimoji="1" lang="zh-CN" altLang="en-US" b="1" dirty="0">
-              <a:latin typeface="Times New Roman" charset="0"/>
+              <a:latin typeface="Times New Roman" panose="02020603050405020304" pitchFamily="18" charset="0"/>
               <a:ea typeface="Times New Roman" charset="0"/>
-              <a:cs typeface="Times New Roman" charset="0"/>
+              <a:cs typeface="Times New Roman" panose="02020603050405020304" pitchFamily="18" charset="0"/>
             </a:endParaRPr>
           </a:p>
         </p:txBody>
@@ -5758,7 +5245,10 @@
           <a:lstStyle/>
           <a:p>
             <a:pPr algn="ctr"/>
-            <a:endParaRPr kumimoji="1" lang="zh-CN" altLang="en-US"/>
+            <a:endParaRPr kumimoji="1" lang="zh-CN" altLang="en-US">
+              <a:latin typeface="Times New Roman" panose="02020603050405020304" pitchFamily="18" charset="0"/>
+              <a:cs typeface="Times New Roman" panose="02020603050405020304" pitchFamily="18" charset="0"/>
+            </a:endParaRPr>
           </a:p>
         </p:txBody>
       </p:sp>
@@ -5770,8 +5260,8 @@
         </p:nvSpPr>
         <p:spPr>
           <a:xfrm>
-            <a:off x="10352001" y="3329497"/>
-            <a:ext cx="380344" cy="684920"/>
+            <a:off x="10394301" y="3329497"/>
+            <a:ext cx="314143" cy="684920"/>
           </a:xfrm>
           <a:prstGeom prst="upArrow">
             <a:avLst/>
@@ -5799,27 +5289,76 @@
           <a:lstStyle/>
           <a:p>
             <a:pPr algn="ctr"/>
-            <a:endParaRPr kumimoji="1" lang="zh-CN" altLang="en-US"/>
-          </a:p>
-        </p:txBody>
-      </p:sp>
-      <p:sp>
-        <p:nvSpPr>
-          <p:cNvPr id="13" name="下箭头 12"/>
+            <a:endParaRPr kumimoji="1" lang="zh-CN" altLang="en-US">
+              <a:latin typeface="Times New Roman" panose="02020603050405020304" pitchFamily="18" charset="0"/>
+              <a:cs typeface="Times New Roman" panose="02020603050405020304" pitchFamily="18" charset="0"/>
+            </a:endParaRPr>
+          </a:p>
+        </p:txBody>
+      </p:sp>
+      <p:sp>
+        <p:nvSpPr>
+          <p:cNvPr id="52" name="文本框 51"/>
+          <p:cNvSpPr txBox="1"/>
+          <p:nvPr/>
+        </p:nvSpPr>
+        <p:spPr>
+          <a:xfrm>
+            <a:off x="5425228" y="5859588"/>
+            <a:ext cx="1342043" cy="369332"/>
+          </a:xfrm>
+          <a:prstGeom prst="rect">
+            <a:avLst/>
+          </a:prstGeom>
+          <a:noFill/>
+        </p:spPr>
+        <p:txBody>
+          <a:bodyPr wrap="square" rtlCol="0">
+            <a:spAutoFit/>
+          </a:bodyPr>
+          <a:lstStyle/>
+          <a:p>
+            <a:r>
+              <a:rPr kumimoji="1" lang="en-US" altLang="zh-CN" b="1" dirty="0">
+                <a:latin typeface="Times New Roman" panose="02020603050405020304" pitchFamily="18" charset="0"/>
+                <a:ea typeface="Times New Roman" charset="0"/>
+                <a:cs typeface="Times New Roman" panose="02020603050405020304" pitchFamily="18" charset="0"/>
+              </a:rPr>
+              <a:t>generate</a:t>
+            </a:r>
+            <a:endParaRPr kumimoji="1" lang="zh-CN" altLang="en-US" b="1" dirty="0">
+              <a:latin typeface="Times New Roman" panose="02020603050405020304" pitchFamily="18" charset="0"/>
+              <a:ea typeface="Times New Roman" charset="0"/>
+              <a:cs typeface="Times New Roman" panose="02020603050405020304" pitchFamily="18" charset="0"/>
+            </a:endParaRPr>
+          </a:p>
+        </p:txBody>
+      </p:sp>
+      <p:sp>
+        <p:nvSpPr>
+          <p:cNvPr id="53" name="圆角矩形 52"/>
           <p:cNvSpPr/>
           <p:nvPr/>
         </p:nvSpPr>
         <p:spPr>
-          <a:xfrm flipH="1">
-            <a:off x="6701498" y="5216795"/>
-            <a:ext cx="215453" cy="503760"/>
-          </a:xfrm>
-          <a:prstGeom prst="downArrow">
-            <a:avLst>
-              <a:gd name="adj1" fmla="val 50000"/>
-              <a:gd name="adj2" fmla="val 53886"/>
-            </a:avLst>
-          </a:prstGeom>
+          <a:xfrm>
+            <a:off x="9224957" y="841474"/>
+            <a:ext cx="2013914" cy="842997"/>
+          </a:xfrm>
+          <a:prstGeom prst="roundRect">
+            <a:avLst/>
+          </a:prstGeom>
+          <a:solidFill>
+            <a:schemeClr val="accent1">
+              <a:lumMod val="60000"/>
+              <a:lumOff val="40000"/>
+            </a:schemeClr>
+          </a:solidFill>
+          <a:ln w="12700">
+            <a:solidFill>
+              <a:schemeClr val="tx1"/>
+            </a:solidFill>
+          </a:ln>
         </p:spPr>
         <p:style>
           <a:lnRef idx="2">
@@ -5842,24 +5381,74 @@
           <a:lstStyle/>
           <a:p>
             <a:pPr algn="ctr"/>
-            <a:endParaRPr kumimoji="1" lang="zh-CN" altLang="en-US"/>
-          </a:p>
-        </p:txBody>
-      </p:sp>
-      <p:sp>
-        <p:nvSpPr>
-          <p:cNvPr id="14" name="矩形 13"/>
+            <a:r>
+              <a:rPr lang="en-US" altLang="zh-CN" b="1" dirty="0">
+                <a:latin typeface="Times New Roman" panose="02020603050405020304" pitchFamily="18" charset="0"/>
+                <a:ea typeface="Times New Roman" charset="0"/>
+                <a:cs typeface="Times New Roman" panose="02020603050405020304" pitchFamily="18" charset="0"/>
+              </a:rPr>
+              <a:t>Network</a:t>
+            </a:r>
+            <a:r>
+              <a:rPr lang="zh-CN" altLang="en-US" b="1" dirty="0">
+                <a:latin typeface="Times New Roman" panose="02020603050405020304" pitchFamily="18" charset="0"/>
+                <a:ea typeface="Times New Roman" charset="0"/>
+                <a:cs typeface="Times New Roman" panose="02020603050405020304" pitchFamily="18" charset="0"/>
+              </a:rPr>
+              <a:t> </a:t>
+            </a:r>
+            <a:r>
+              <a:rPr lang="en-US" altLang="zh-CN" b="1" dirty="0">
+                <a:latin typeface="Times New Roman" panose="02020603050405020304" pitchFamily="18" charset="0"/>
+                <a:ea typeface="Times New Roman" charset="0"/>
+                <a:cs typeface="Times New Roman" panose="02020603050405020304" pitchFamily="18" charset="0"/>
+              </a:rPr>
+              <a:t>of</a:t>
+            </a:r>
+            <a:r>
+              <a:rPr lang="zh-CN" altLang="en-US" b="1" dirty="0">
+                <a:latin typeface="Times New Roman" panose="02020603050405020304" pitchFamily="18" charset="0"/>
+                <a:ea typeface="Times New Roman" charset="0"/>
+                <a:cs typeface="Times New Roman" panose="02020603050405020304" pitchFamily="18" charset="0"/>
+              </a:rPr>
+              <a:t>  </a:t>
+            </a:r>
+            <a:r>
+              <a:rPr lang="en-US" altLang="zh-CN" b="1" dirty="0">
+                <a:latin typeface="Times New Roman" panose="02020603050405020304" pitchFamily="18" charset="0"/>
+                <a:ea typeface="Times New Roman" charset="0"/>
+                <a:cs typeface="Times New Roman" panose="02020603050405020304" pitchFamily="18" charset="0"/>
+              </a:rPr>
+              <a:t>TA</a:t>
+            </a:r>
+          </a:p>
+        </p:txBody>
+      </p:sp>
+      <p:sp>
+        <p:nvSpPr>
+          <p:cNvPr id="54" name="圆角矩形 53"/>
           <p:cNvSpPr/>
           <p:nvPr/>
         </p:nvSpPr>
         <p:spPr>
           <a:xfrm>
-            <a:off x="4629470" y="5099298"/>
-            <a:ext cx="4257355" cy="117497"/>
-          </a:xfrm>
-          <a:prstGeom prst="rect">
-            <a:avLst/>
-          </a:prstGeom>
+            <a:off x="6732568" y="1963580"/>
+            <a:ext cx="1835065" cy="630294"/>
+          </a:xfrm>
+          <a:prstGeom prst="roundRect">
+            <a:avLst/>
+          </a:prstGeom>
+          <a:solidFill>
+            <a:schemeClr val="accent1">
+              <a:lumMod val="60000"/>
+              <a:lumOff val="40000"/>
+            </a:schemeClr>
+          </a:solidFill>
+          <a:ln w="12700">
+            <a:solidFill>
+              <a:schemeClr val="tx1"/>
+            </a:solidFill>
+          </a:ln>
         </p:spPr>
         <p:style>
           <a:lnRef idx="2">
@@ -5882,24 +5471,58 @@
           <a:lstStyle/>
           <a:p>
             <a:pPr algn="ctr"/>
-            <a:endParaRPr kumimoji="1" lang="zh-CN" altLang="en-US"/>
-          </a:p>
-        </p:txBody>
-      </p:sp>
-      <p:sp>
-        <p:nvSpPr>
-          <p:cNvPr id="20" name="矩形 19"/>
+            <a:r>
+              <a:rPr lang="en-US" altLang="zh-CN" b="1" dirty="0">
+                <a:latin typeface="Times New Roman" panose="02020603050405020304" pitchFamily="18" charset="0"/>
+                <a:ea typeface="Times New Roman" charset="0"/>
+                <a:cs typeface="Times New Roman" panose="02020603050405020304" pitchFamily="18" charset="0"/>
+              </a:rPr>
+              <a:t>TA  for</a:t>
+            </a:r>
+            <a:r>
+              <a:rPr lang="zh-CN" altLang="en-US" b="1" dirty="0">
+                <a:latin typeface="Times New Roman" panose="02020603050405020304" pitchFamily="18" charset="0"/>
+                <a:ea typeface="Times New Roman" charset="0"/>
+                <a:cs typeface="Times New Roman" panose="02020603050405020304" pitchFamily="18" charset="0"/>
+              </a:rPr>
+              <a:t> </a:t>
+            </a:r>
+            <a:r>
+              <a:rPr lang="en-US" altLang="zh-CN" b="1" dirty="0">
+                <a:latin typeface="Times New Roman" panose="02020603050405020304" pitchFamily="18" charset="0"/>
+                <a:ea typeface="Times New Roman" charset="0"/>
+                <a:cs typeface="Times New Roman" panose="02020603050405020304" pitchFamily="18" charset="0"/>
+              </a:rPr>
+              <a:t>FMU</a:t>
+            </a:r>
+          </a:p>
+        </p:txBody>
+      </p:sp>
+      <p:sp>
+        <p:nvSpPr>
+          <p:cNvPr id="65" name="圆角矩形 64"/>
           <p:cNvSpPr/>
           <p:nvPr/>
         </p:nvSpPr>
         <p:spPr>
           <a:xfrm>
-            <a:off x="4629470" y="4956363"/>
-            <a:ext cx="128268" cy="142935"/>
-          </a:xfrm>
-          <a:prstGeom prst="rect">
-            <a:avLst/>
-          </a:prstGeom>
+            <a:off x="6732568" y="3268335"/>
+            <a:ext cx="1835065" cy="638425"/>
+          </a:xfrm>
+          <a:prstGeom prst="roundRect">
+            <a:avLst/>
+          </a:prstGeom>
+          <a:solidFill>
+            <a:schemeClr val="accent1">
+              <a:lumMod val="60000"/>
+              <a:lumOff val="40000"/>
+            </a:schemeClr>
+          </a:solidFill>
+          <a:ln w="12700">
+            <a:solidFill>
+              <a:schemeClr val="tx1"/>
+            </a:solidFill>
+          </a:ln>
         </p:spPr>
         <p:style>
           <a:lnRef idx="2">
@@ -5922,24 +5545,58 @@
           <a:lstStyle/>
           <a:p>
             <a:pPr algn="ctr"/>
-            <a:endParaRPr kumimoji="1" lang="zh-CN" altLang="en-US"/>
-          </a:p>
-        </p:txBody>
-      </p:sp>
-      <p:sp>
-        <p:nvSpPr>
-          <p:cNvPr id="21" name="矩形 20"/>
+            <a:r>
+              <a:rPr lang="en-US" altLang="zh-CN" b="1" dirty="0">
+                <a:latin typeface="Times New Roman" panose="02020603050405020304" pitchFamily="18" charset="0"/>
+                <a:ea typeface="Times New Roman" charset="0"/>
+                <a:cs typeface="Times New Roman" panose="02020603050405020304" pitchFamily="18" charset="0"/>
+              </a:rPr>
+              <a:t>TA  for</a:t>
+            </a:r>
+            <a:r>
+              <a:rPr lang="zh-CN" altLang="en-US" b="1" dirty="0">
+                <a:latin typeface="Times New Roman" panose="02020603050405020304" pitchFamily="18" charset="0"/>
+                <a:ea typeface="Times New Roman" charset="0"/>
+                <a:cs typeface="Times New Roman" panose="02020603050405020304" pitchFamily="18" charset="0"/>
+              </a:rPr>
+              <a:t> </a:t>
+            </a:r>
+            <a:r>
+              <a:rPr lang="en-US" altLang="zh-CN" b="1" dirty="0">
+                <a:latin typeface="Times New Roman" panose="02020603050405020304" pitchFamily="18" charset="0"/>
+                <a:ea typeface="Times New Roman" charset="0"/>
+                <a:cs typeface="Times New Roman" panose="02020603050405020304" pitchFamily="18" charset="0"/>
+              </a:rPr>
+              <a:t>FMU</a:t>
+            </a:r>
+          </a:p>
+        </p:txBody>
+      </p:sp>
+      <p:sp>
+        <p:nvSpPr>
+          <p:cNvPr id="67" name="圆角矩形 66"/>
           <p:cNvSpPr/>
           <p:nvPr/>
         </p:nvSpPr>
         <p:spPr>
           <a:xfrm>
-            <a:off x="8751505" y="4988500"/>
-            <a:ext cx="135319" cy="125086"/>
-          </a:xfrm>
-          <a:prstGeom prst="rect">
-            <a:avLst/>
-          </a:prstGeom>
+            <a:off x="6745496" y="4225261"/>
+            <a:ext cx="1835065" cy="658441"/>
+          </a:xfrm>
+          <a:prstGeom prst="roundRect">
+            <a:avLst/>
+          </a:prstGeom>
+          <a:solidFill>
+            <a:schemeClr val="accent1">
+              <a:lumMod val="60000"/>
+              <a:lumOff val="40000"/>
+            </a:schemeClr>
+          </a:solidFill>
+          <a:ln w="12700">
+            <a:solidFill>
+              <a:schemeClr val="tx1"/>
+            </a:solidFill>
+          </a:ln>
         </p:spPr>
         <p:style>
           <a:lnRef idx="2">
@@ -5962,13 +5619,241 @@
           <a:lstStyle/>
           <a:p>
             <a:pPr algn="ctr"/>
-            <a:endParaRPr kumimoji="1" lang="zh-CN" altLang="en-US"/>
-          </a:p>
-        </p:txBody>
-      </p:sp>
-      <p:sp>
-        <p:nvSpPr>
-          <p:cNvPr id="66" name="文本框 65"/>
+            <a:r>
+              <a:rPr lang="en-US" altLang="zh-CN" b="1" dirty="0">
+                <a:latin typeface="Times New Roman" panose="02020603050405020304" pitchFamily="18" charset="0"/>
+                <a:ea typeface="Times New Roman" charset="0"/>
+                <a:cs typeface="Times New Roman" panose="02020603050405020304" pitchFamily="18" charset="0"/>
+              </a:rPr>
+              <a:t>TA  for</a:t>
+            </a:r>
+            <a:r>
+              <a:rPr lang="zh-CN" altLang="en-US" b="1" dirty="0">
+                <a:latin typeface="Times New Roman" panose="02020603050405020304" pitchFamily="18" charset="0"/>
+                <a:ea typeface="Times New Roman" charset="0"/>
+                <a:cs typeface="Times New Roman" panose="02020603050405020304" pitchFamily="18" charset="0"/>
+              </a:rPr>
+              <a:t> </a:t>
+            </a:r>
+            <a:r>
+              <a:rPr lang="en-US" altLang="zh-CN" b="1" dirty="0">
+                <a:latin typeface="Times New Roman" panose="02020603050405020304" pitchFamily="18" charset="0"/>
+                <a:ea typeface="Times New Roman" charset="0"/>
+                <a:cs typeface="Times New Roman" panose="02020603050405020304" pitchFamily="18" charset="0"/>
+              </a:rPr>
+              <a:t>MA</a:t>
+            </a:r>
+          </a:p>
+        </p:txBody>
+      </p:sp>
+      <p:sp>
+        <p:nvSpPr>
+          <p:cNvPr id="57" name="下箭头 12">
+            <a:extLst>
+              <a:ext uri="{FF2B5EF4-FFF2-40B4-BE49-F238E27FC236}">
+                <a16:creationId xmlns:a16="http://schemas.microsoft.com/office/drawing/2014/main" id="{B8FBB82C-F281-4B07-9F58-1C63DD75AC40}"/>
+              </a:ext>
+            </a:extLst>
+          </p:cNvPr>
+          <p:cNvSpPr/>
+          <p:nvPr/>
+        </p:nvSpPr>
+        <p:spPr>
+          <a:xfrm flipH="1">
+            <a:off x="6701497" y="5216795"/>
+            <a:ext cx="215453" cy="438460"/>
+          </a:xfrm>
+          <a:prstGeom prst="downArrow">
+            <a:avLst>
+              <a:gd name="adj1" fmla="val 50000"/>
+              <a:gd name="adj2" fmla="val 53886"/>
+            </a:avLst>
+          </a:prstGeom>
+        </p:spPr>
+        <p:style>
+          <a:lnRef idx="2">
+            <a:schemeClr val="accent1">
+              <a:shade val="50000"/>
+            </a:schemeClr>
+          </a:lnRef>
+          <a:fillRef idx="1">
+            <a:schemeClr val="accent1"/>
+          </a:fillRef>
+          <a:effectRef idx="0">
+            <a:schemeClr val="accent1"/>
+          </a:effectRef>
+          <a:fontRef idx="minor">
+            <a:schemeClr val="lt1"/>
+          </a:fontRef>
+        </p:style>
+        <p:txBody>
+          <a:bodyPr rtlCol="0" anchor="ctr"/>
+          <a:lstStyle/>
+          <a:p>
+            <a:pPr algn="ctr"/>
+            <a:endParaRPr kumimoji="1" lang="zh-CN" altLang="en-US">
+              <a:latin typeface="Times New Roman" panose="02020603050405020304" pitchFamily="18" charset="0"/>
+              <a:cs typeface="Times New Roman" panose="02020603050405020304" pitchFamily="18" charset="0"/>
+            </a:endParaRPr>
+          </a:p>
+        </p:txBody>
+      </p:sp>
+      <p:sp>
+        <p:nvSpPr>
+          <p:cNvPr id="58" name="矩形 57">
+            <a:extLst>
+              <a:ext uri="{FF2B5EF4-FFF2-40B4-BE49-F238E27FC236}">
+                <a16:creationId xmlns:a16="http://schemas.microsoft.com/office/drawing/2014/main" id="{CC295189-C515-4E2F-874B-0D0D3E902C72}"/>
+              </a:ext>
+            </a:extLst>
+          </p:cNvPr>
+          <p:cNvSpPr/>
+          <p:nvPr/>
+        </p:nvSpPr>
+        <p:spPr>
+          <a:xfrm>
+            <a:off x="4629470" y="5099298"/>
+            <a:ext cx="4257355" cy="117497"/>
+          </a:xfrm>
+          <a:prstGeom prst="rect">
+            <a:avLst/>
+          </a:prstGeom>
+        </p:spPr>
+        <p:style>
+          <a:lnRef idx="2">
+            <a:schemeClr val="accent1">
+              <a:shade val="50000"/>
+            </a:schemeClr>
+          </a:lnRef>
+          <a:fillRef idx="1">
+            <a:schemeClr val="accent1"/>
+          </a:fillRef>
+          <a:effectRef idx="0">
+            <a:schemeClr val="accent1"/>
+          </a:effectRef>
+          <a:fontRef idx="minor">
+            <a:schemeClr val="lt1"/>
+          </a:fontRef>
+        </p:style>
+        <p:txBody>
+          <a:bodyPr rtlCol="0" anchor="ctr"/>
+          <a:lstStyle/>
+          <a:p>
+            <a:pPr algn="ctr"/>
+            <a:endParaRPr kumimoji="1" lang="zh-CN" altLang="en-US">
+              <a:latin typeface="Times New Roman" panose="02020603050405020304" pitchFamily="18" charset="0"/>
+              <a:cs typeface="Times New Roman" panose="02020603050405020304" pitchFamily="18" charset="0"/>
+            </a:endParaRPr>
+          </a:p>
+        </p:txBody>
+      </p:sp>
+      <p:sp>
+        <p:nvSpPr>
+          <p:cNvPr id="59" name="矩形 58">
+            <a:extLst>
+              <a:ext uri="{FF2B5EF4-FFF2-40B4-BE49-F238E27FC236}">
+                <a16:creationId xmlns:a16="http://schemas.microsoft.com/office/drawing/2014/main" id="{441EFDFF-BCF4-415F-9F16-A6F7017F7DF3}"/>
+              </a:ext>
+            </a:extLst>
+          </p:cNvPr>
+          <p:cNvSpPr/>
+          <p:nvPr/>
+        </p:nvSpPr>
+        <p:spPr>
+          <a:xfrm>
+            <a:off x="4629470" y="4956363"/>
+            <a:ext cx="128268" cy="142935"/>
+          </a:xfrm>
+          <a:prstGeom prst="rect">
+            <a:avLst/>
+          </a:prstGeom>
+        </p:spPr>
+        <p:style>
+          <a:lnRef idx="2">
+            <a:schemeClr val="accent1">
+              <a:shade val="50000"/>
+            </a:schemeClr>
+          </a:lnRef>
+          <a:fillRef idx="1">
+            <a:schemeClr val="accent1"/>
+          </a:fillRef>
+          <a:effectRef idx="0">
+            <a:schemeClr val="accent1"/>
+          </a:effectRef>
+          <a:fontRef idx="minor">
+            <a:schemeClr val="lt1"/>
+          </a:fontRef>
+        </p:style>
+        <p:txBody>
+          <a:bodyPr rtlCol="0" anchor="ctr"/>
+          <a:lstStyle/>
+          <a:p>
+            <a:pPr algn="ctr"/>
+            <a:endParaRPr kumimoji="1" lang="zh-CN" altLang="en-US">
+              <a:latin typeface="Times New Roman" panose="02020603050405020304" pitchFamily="18" charset="0"/>
+              <a:cs typeface="Times New Roman" panose="02020603050405020304" pitchFamily="18" charset="0"/>
+            </a:endParaRPr>
+          </a:p>
+        </p:txBody>
+      </p:sp>
+      <p:sp>
+        <p:nvSpPr>
+          <p:cNvPr id="60" name="矩形 59">
+            <a:extLst>
+              <a:ext uri="{FF2B5EF4-FFF2-40B4-BE49-F238E27FC236}">
+                <a16:creationId xmlns:a16="http://schemas.microsoft.com/office/drawing/2014/main" id="{7D478DE5-A4BD-43D1-AE1D-00F65C5F09A8}"/>
+              </a:ext>
+            </a:extLst>
+          </p:cNvPr>
+          <p:cNvSpPr/>
+          <p:nvPr/>
+        </p:nvSpPr>
+        <p:spPr>
+          <a:xfrm>
+            <a:off x="8751505" y="4978340"/>
+            <a:ext cx="135319" cy="125086"/>
+          </a:xfrm>
+          <a:prstGeom prst="rect">
+            <a:avLst/>
+          </a:prstGeom>
+        </p:spPr>
+        <p:style>
+          <a:lnRef idx="2">
+            <a:schemeClr val="accent1">
+              <a:shade val="50000"/>
+            </a:schemeClr>
+          </a:lnRef>
+          <a:fillRef idx="1">
+            <a:schemeClr val="accent1"/>
+          </a:fillRef>
+          <a:effectRef idx="0">
+            <a:schemeClr val="accent1"/>
+          </a:effectRef>
+          <a:fontRef idx="minor">
+            <a:schemeClr val="lt1"/>
+          </a:fontRef>
+        </p:style>
+        <p:txBody>
+          <a:bodyPr rtlCol="0" anchor="ctr"/>
+          <a:lstStyle/>
+          <a:p>
+            <a:pPr algn="ctr"/>
+            <a:endParaRPr kumimoji="1" lang="zh-CN" altLang="en-US">
+              <a:latin typeface="Times New Roman" panose="02020603050405020304" pitchFamily="18" charset="0"/>
+              <a:cs typeface="Times New Roman" panose="02020603050405020304" pitchFamily="18" charset="0"/>
+            </a:endParaRPr>
+          </a:p>
+        </p:txBody>
+      </p:sp>
+      <p:sp>
+        <p:nvSpPr>
+          <p:cNvPr id="61" name="文本框 60">
+            <a:extLst>
+              <a:ext uri="{FF2B5EF4-FFF2-40B4-BE49-F238E27FC236}">
+                <a16:creationId xmlns:a16="http://schemas.microsoft.com/office/drawing/2014/main" id="{BD9A3CEF-1092-4ABD-9187-6AC71AB077FF}"/>
+              </a:ext>
+            </a:extLst>
+          </p:cNvPr>
           <p:cNvSpPr txBox="1"/>
           <p:nvPr/>
         </p:nvSpPr>
@@ -5990,70 +5875,32 @@
           <a:p>
             <a:r>
               <a:rPr kumimoji="1" lang="en-US" altLang="zh-CN" b="1" dirty="0">
-                <a:latin typeface="Times New Roman" charset="0"/>
-                <a:ea typeface="Times New Roman" charset="0"/>
-                <a:cs typeface="Times New Roman" charset="0"/>
+                <a:latin typeface="Times New Roman" panose="02020603050405020304" pitchFamily="18" charset="0"/>
+                <a:ea typeface="Times New Roman" charset="0"/>
+                <a:cs typeface="Times New Roman" panose="02020603050405020304" pitchFamily="18" charset="0"/>
               </a:rPr>
               <a:t>Verified</a:t>
             </a:r>
             <a:r>
               <a:rPr kumimoji="1" lang="zh-CN" altLang="en-US" b="1" dirty="0">
-                <a:latin typeface="Times New Roman" charset="0"/>
-                <a:ea typeface="Times New Roman" charset="0"/>
-                <a:cs typeface="Times New Roman" charset="0"/>
+                <a:latin typeface="Times New Roman" panose="02020603050405020304" pitchFamily="18" charset="0"/>
+                <a:ea typeface="Times New Roman" charset="0"/>
+                <a:cs typeface="Times New Roman" panose="02020603050405020304" pitchFamily="18" charset="0"/>
               </a:rPr>
               <a:t> </a:t>
             </a:r>
             <a:r>
               <a:rPr kumimoji="1" lang="en-US" altLang="zh-CN" b="1" dirty="0">
-                <a:latin typeface="Times New Roman" charset="0"/>
-                <a:ea typeface="Times New Roman" charset="0"/>
-                <a:cs typeface="Times New Roman" charset="0"/>
+                <a:latin typeface="Times New Roman" panose="02020603050405020304" pitchFamily="18" charset="0"/>
+                <a:ea typeface="Times New Roman" charset="0"/>
+                <a:cs typeface="Times New Roman" panose="02020603050405020304" pitchFamily="18" charset="0"/>
               </a:rPr>
               <a:t>model</a:t>
             </a:r>
             <a:endParaRPr kumimoji="1" lang="zh-CN" altLang="en-US" b="1" dirty="0">
-              <a:latin typeface="Times New Roman" charset="0"/>
+              <a:latin typeface="Times New Roman" panose="02020603050405020304" pitchFamily="18" charset="0"/>
               <a:ea typeface="Times New Roman" charset="0"/>
-              <a:cs typeface="Times New Roman" charset="0"/>
-            </a:endParaRPr>
-          </a:p>
-        </p:txBody>
-      </p:sp>
-      <p:sp>
-        <p:nvSpPr>
-          <p:cNvPr id="52" name="文本框 51"/>
-          <p:cNvSpPr txBox="1"/>
-          <p:nvPr/>
-        </p:nvSpPr>
-        <p:spPr>
-          <a:xfrm>
-            <a:off x="3423487" y="5905720"/>
-            <a:ext cx="1342043" cy="369332"/>
-          </a:xfrm>
-          <a:prstGeom prst="rect">
-            <a:avLst/>
-          </a:prstGeom>
-          <a:noFill/>
-        </p:spPr>
-        <p:txBody>
-          <a:bodyPr wrap="square" rtlCol="0">
-            <a:spAutoFit/>
-          </a:bodyPr>
-          <a:lstStyle/>
-          <a:p>
-            <a:r>
-              <a:rPr kumimoji="1" lang="en-US" altLang="zh-CN" b="1" dirty="0">
-                <a:latin typeface="Times New Roman" charset="0"/>
-                <a:ea typeface="Times New Roman" charset="0"/>
-                <a:cs typeface="Times New Roman" charset="0"/>
-              </a:rPr>
-              <a:t>generate</a:t>
-            </a:r>
-            <a:endParaRPr kumimoji="1" lang="zh-CN" altLang="en-US" b="1" dirty="0">
-              <a:latin typeface="Times New Roman" charset="0"/>
-              <a:ea typeface="Times New Roman" charset="0"/>
-              <a:cs typeface="Times New Roman" charset="0"/>
+              <a:cs typeface="Times New Roman" panose="02020603050405020304" pitchFamily="18" charset="0"/>
             </a:endParaRPr>
           </a:p>
         </p:txBody>
@@ -6103,8 +5950,8 @@
             <a:avLst/>
           </a:prstGeom>
           <a:noFill/>
-          <a:ln w="22225">
-            <a:prstDash val="lgDash"/>
+          <a:ln>
+            <a:prstDash val="dash"/>
           </a:ln>
         </p:spPr>
         <p:style>
@@ -6144,7 +5991,7 @@
         </p:nvSpPr>
         <p:spPr>
           <a:xfrm>
-            <a:off x="1460955" y="259725"/>
+            <a:off x="1152674" y="262838"/>
             <a:ext cx="1959024" cy="369332"/>
           </a:xfrm>
           <a:prstGeom prst="rect">
@@ -6165,6 +6012,22 @@
                 <a:cs typeface="Times New Roman" charset="0"/>
               </a:rPr>
               <a:t>Modeling</a:t>
+            </a:r>
+            <a:r>
+              <a:rPr kumimoji="1" lang="zh-CN" altLang="en-US" b="1" dirty="0">
+                <a:latin typeface="Times New Roman" charset="0"/>
+                <a:ea typeface="Times New Roman" charset="0"/>
+                <a:cs typeface="Times New Roman" charset="0"/>
+              </a:rPr>
+              <a:t> </a:t>
+            </a:r>
+            <a:r>
+              <a:rPr kumimoji="1" lang="en-US" altLang="zh-CN" b="1" dirty="0">
+                <a:latin typeface="Times New Roman" charset="0"/>
+                <a:ea typeface="Times New Roman" charset="0"/>
+                <a:cs typeface="Times New Roman" charset="0"/>
+              </a:rPr>
+              <a:t>phase</a:t>
             </a:r>
             <a:endParaRPr kumimoji="1" lang="zh-CN" altLang="en-US" b="1" dirty="0">
               <a:latin typeface="Times New Roman" charset="0"/>
@@ -6189,7 +6052,6 @@
             <a:avLst/>
           </a:prstGeom>
           <a:noFill/>
-          <a:ln w="19050"/>
         </p:spPr>
         <p:style>
           <a:lnRef idx="2">
@@ -6270,17 +6132,6 @@
           <a:prstGeom prst="rect">
             <a:avLst/>
           </a:prstGeom>
-          <a:solidFill>
-            <a:schemeClr val="accent1">
-              <a:lumMod val="60000"/>
-              <a:lumOff val="40000"/>
-            </a:schemeClr>
-          </a:solidFill>
-          <a:ln w="12700">
-            <a:solidFill>
-              <a:schemeClr val="tx1"/>
-            </a:solidFill>
-          </a:ln>
         </p:spPr>
         <p:style>
           <a:lnRef idx="2">
@@ -6304,7 +6155,7 @@
           <a:p>
             <a:pPr algn="ctr"/>
             <a:r>
-              <a:rPr lang="en-US" altLang="zh-CN" b="1" dirty="0" err="1">
+              <a:rPr kumimoji="1" lang="en-US" altLang="zh-CN" b="1" dirty="0" err="1">
                 <a:latin typeface="Times New Roman" charset="0"/>
                 <a:ea typeface="Times New Roman" charset="0"/>
                 <a:cs typeface="Times New Roman" charset="0"/>
@@ -6312,7 +6163,7 @@
               <a:t>SysML</a:t>
             </a:r>
             <a:r>
-              <a:rPr lang="zh-CN" altLang="en-US" b="1" dirty="0">
+              <a:rPr kumimoji="1" lang="zh-CN" altLang="en-US" b="1" dirty="0">
                 <a:latin typeface="Times New Roman" charset="0"/>
                 <a:ea typeface="Times New Roman" charset="0"/>
                 <a:cs typeface="Times New Roman" charset="0"/>
@@ -6320,14 +6171,14 @@
               <a:t> </a:t>
             </a:r>
             <a:r>
-              <a:rPr lang="en-US" altLang="zh-CN" b="1" dirty="0">
+              <a:rPr kumimoji="1" lang="en-US" altLang="zh-CN" b="1" dirty="0">
                 <a:latin typeface="Times New Roman" charset="0"/>
                 <a:ea typeface="Times New Roman" charset="0"/>
                 <a:cs typeface="Times New Roman" charset="0"/>
               </a:rPr>
               <a:t>BDD</a:t>
             </a:r>
-            <a:endParaRPr lang="zh-CN" altLang="en-US" b="1" dirty="0">
+            <a:endParaRPr kumimoji="1" lang="zh-CN" altLang="en-US" b="1" dirty="0">
               <a:latin typeface="Times New Roman" charset="0"/>
               <a:ea typeface="Times New Roman" charset="0"/>
               <a:cs typeface="Times New Roman" charset="0"/>
@@ -6349,17 +6200,6 @@
           <a:prstGeom prst="rect">
             <a:avLst/>
           </a:prstGeom>
-          <a:solidFill>
-            <a:schemeClr val="accent1">
-              <a:lumMod val="60000"/>
-              <a:lumOff val="40000"/>
-            </a:schemeClr>
-          </a:solidFill>
-          <a:ln w="12700">
-            <a:solidFill>
-              <a:schemeClr val="tx1"/>
-            </a:solidFill>
-          </a:ln>
         </p:spPr>
         <p:style>
           <a:lnRef idx="2">
@@ -6383,7 +6223,7 @@
           <a:p>
             <a:pPr algn="ctr"/>
             <a:r>
-              <a:rPr lang="en-US" altLang="zh-CN" b="1" dirty="0" err="1">
+              <a:rPr kumimoji="1" lang="en-US" altLang="zh-CN" b="1" dirty="0" err="1">
                 <a:latin typeface="Times New Roman" charset="0"/>
                 <a:ea typeface="Times New Roman" charset="0"/>
                 <a:cs typeface="Times New Roman" charset="0"/>
@@ -6391,7 +6231,7 @@
               <a:t>SysML</a:t>
             </a:r>
             <a:r>
-              <a:rPr lang="zh-CN" altLang="en-US" b="1" dirty="0">
+              <a:rPr kumimoji="1" lang="zh-CN" altLang="en-US" b="1" dirty="0">
                 <a:latin typeface="Times New Roman" charset="0"/>
                 <a:ea typeface="Times New Roman" charset="0"/>
                 <a:cs typeface="Times New Roman" charset="0"/>
@@ -6399,14 +6239,14 @@
               <a:t> </a:t>
             </a:r>
             <a:r>
-              <a:rPr lang="en-US" altLang="zh-CN" b="1" dirty="0">
+              <a:rPr kumimoji="1" lang="en-US" altLang="zh-CN" b="1" dirty="0">
                 <a:latin typeface="Times New Roman" charset="0"/>
                 <a:ea typeface="Times New Roman" charset="0"/>
                 <a:cs typeface="Times New Roman" charset="0"/>
               </a:rPr>
               <a:t>BDD</a:t>
             </a:r>
-            <a:endParaRPr lang="zh-CN" altLang="en-US" b="1" dirty="0">
+            <a:endParaRPr kumimoji="1" lang="zh-CN" altLang="en-US" b="1" dirty="0">
               <a:latin typeface="Times New Roman" charset="0"/>
               <a:ea typeface="Times New Roman" charset="0"/>
               <a:cs typeface="Times New Roman" charset="0"/>
@@ -6422,7 +6262,7 @@
         </p:nvSpPr>
         <p:spPr>
           <a:xfrm>
-            <a:off x="1765033" y="3103039"/>
+            <a:off x="1765033" y="3163999"/>
             <a:ext cx="615553" cy="452437"/>
           </a:xfrm>
           <a:prstGeom prst="rect">
@@ -6467,8 +6307,8 @@
             <a:avLst/>
           </a:prstGeom>
           <a:noFill/>
-          <a:ln w="22225">
-            <a:prstDash val="lgDash"/>
+          <a:ln>
+            <a:prstDash val="dash"/>
           </a:ln>
         </p:spPr>
         <p:style>
@@ -6508,7 +6348,7 @@
         </p:nvSpPr>
         <p:spPr>
           <a:xfrm>
-            <a:off x="3169260" y="2477831"/>
+            <a:off x="3169260" y="2439209"/>
             <a:ext cx="501438" cy="214310"/>
           </a:xfrm>
           <a:prstGeom prst="stripedRightArrow">
@@ -6559,7 +6399,6 @@
             <a:avLst/>
           </a:prstGeom>
           <a:noFill/>
-          <a:ln w="19050"/>
         </p:spPr>
         <p:style>
           <a:lnRef idx="2">
@@ -6605,7 +6444,7 @@
               <a:t> </a:t>
             </a:r>
             <a:r>
-              <a:rPr kumimoji="1" lang="en-US" altLang="zh-CN" b="1" dirty="0">
+              <a:rPr lang="en-US" altLang="zh-CN" b="1" dirty="0">
                 <a:solidFill>
                   <a:schemeClr val="tx1"/>
                 </a:solidFill>
@@ -6626,7 +6465,7 @@
         </p:nvSpPr>
         <p:spPr>
           <a:xfrm>
-            <a:off x="4629470" y="2734618"/>
+            <a:off x="4629470" y="2815898"/>
             <a:ext cx="615553" cy="452437"/>
           </a:xfrm>
           <a:prstGeom prst="rect">
@@ -6665,7 +6504,7 @@
         <p:spPr>
           <a:xfrm>
             <a:off x="3789153" y="233004"/>
-            <a:ext cx="2120584" cy="369332"/>
+            <a:ext cx="2120584" cy="646331"/>
           </a:xfrm>
           <a:prstGeom prst="rect">
             <a:avLst/>
@@ -6686,6 +6525,22 @@
                 <a:cs typeface="Times New Roman" charset="0"/>
               </a:rPr>
               <a:t>Architecture design</a:t>
+            </a:r>
+            <a:r>
+              <a:rPr kumimoji="1" lang="zh-CN" altLang="en-US" b="1" dirty="0">
+                <a:latin typeface="Times New Roman" charset="0"/>
+                <a:ea typeface="Times New Roman" charset="0"/>
+                <a:cs typeface="Times New Roman" charset="0"/>
+              </a:rPr>
+              <a:t> </a:t>
+            </a:r>
+            <a:r>
+              <a:rPr kumimoji="1" lang="en-US" altLang="zh-CN" b="1" dirty="0">
+                <a:latin typeface="Times New Roman" charset="0"/>
+                <a:ea typeface="Times New Roman" charset="0"/>
+                <a:cs typeface="Times New Roman" charset="0"/>
+              </a:rPr>
+              <a:t>phase</a:t>
             </a:r>
             <a:endParaRPr kumimoji="1" lang="zh-CN" altLang="en-US" b="1" dirty="0">
               <a:latin typeface="Times New Roman" charset="0"/>
@@ -6704,15 +6559,28 @@
         <p:spPr>
           <a:xfrm>
             <a:off x="6530043" y="227278"/>
-            <a:ext cx="4821471" cy="4753516"/>
+            <a:ext cx="4735549" cy="4753516"/>
           </a:xfrm>
           <a:prstGeom prst="rect">
             <a:avLst/>
           </a:prstGeom>
           <a:noFill/>
-          <a:ln w="22225">
-            <a:prstDash val="lgDash"/>
+          <a:ln>
+            <a:solidFill>
+              <a:schemeClr val="tx1">
+                <a:lumMod val="95000"/>
+                <a:lumOff val="5000"/>
+              </a:schemeClr>
+            </a:solidFill>
+            <a:prstDash val="dash"/>
           </a:ln>
+          <a:effectLst>
+            <a:outerShdw blurRad="50800" dist="50800" dir="5400000" algn="ctr" rotWithShape="0">
+              <a:schemeClr val="bg2">
+                <a:lumMod val="10000"/>
+              </a:schemeClr>
+            </a:outerShdw>
+          </a:effectLst>
         </p:spPr>
         <p:style>
           <a:lnRef idx="2">
@@ -6795,14 +6663,13 @@
         </p:nvSpPr>
         <p:spPr>
           <a:xfrm>
-            <a:off x="6759784" y="865728"/>
-            <a:ext cx="1731801" cy="637508"/>
+            <a:off x="6759784" y="954886"/>
+            <a:ext cx="1731801" cy="548349"/>
           </a:xfrm>
           <a:prstGeom prst="rect">
             <a:avLst/>
           </a:prstGeom>
           <a:noFill/>
-          <a:ln w="19050"/>
         </p:spPr>
         <p:style>
           <a:lnRef idx="2">
@@ -6826,7 +6693,7 @@
           <a:p>
             <a:pPr algn="ctr"/>
             <a:r>
-              <a:rPr kumimoji="1" lang="en-US" altLang="zh-CN" b="1" dirty="0">
+              <a:rPr lang="en-US" altLang="zh-CN" b="1" dirty="0">
                 <a:solidFill>
                   <a:schemeClr val="tx1"/>
                 </a:solidFill>
@@ -6847,7 +6714,7 @@
         </p:nvSpPr>
         <p:spPr>
           <a:xfrm>
-            <a:off x="8245708" y="249185"/>
+            <a:off x="8029535" y="227278"/>
             <a:ext cx="2183717" cy="369332"/>
           </a:xfrm>
           <a:prstGeom prst="rect">
@@ -6877,6 +6744,19 @@
               </a:rPr>
               <a:t> </a:t>
             </a:r>
+            <a:r>
+              <a:rPr kumimoji="1" lang="en-US" altLang="zh-CN" b="1" dirty="0">
+                <a:latin typeface="Times New Roman" charset="0"/>
+                <a:ea typeface="Times New Roman" charset="0"/>
+                <a:cs typeface="Times New Roman" charset="0"/>
+              </a:rPr>
+              <a:t>phase</a:t>
+            </a:r>
+            <a:endParaRPr kumimoji="1" lang="zh-CN" altLang="en-US" b="1" dirty="0">
+              <a:latin typeface="Times New Roman" charset="0"/>
+              <a:ea typeface="Times New Roman" charset="0"/>
+              <a:cs typeface="Times New Roman" charset="0"/>
+            </a:endParaRPr>
           </a:p>
         </p:txBody>
       </p:sp>
@@ -7021,8 +6901,8 @@
         </p:nvSpPr>
         <p:spPr>
           <a:xfrm>
-            <a:off x="8527907" y="1117769"/>
-            <a:ext cx="697049" cy="3345509"/>
+            <a:off x="8527908" y="1117769"/>
+            <a:ext cx="502234" cy="3345509"/>
           </a:xfrm>
           <a:prstGeom prst="rightBrace">
             <a:avLst>
@@ -7074,9 +6954,9 @@
             <a:avLst/>
           </a:prstGeom>
           <a:solidFill>
-            <a:schemeClr val="accent2">
-              <a:lumMod val="40000"/>
-              <a:lumOff val="60000"/>
+            <a:schemeClr val="accent5">
+              <a:lumMod val="60000"/>
+              <a:lumOff val="40000"/>
             </a:schemeClr>
           </a:solidFill>
         </p:spPr>
@@ -7110,21 +6990,7 @@
                 <a:ea typeface="Times New Roman" charset="0"/>
                 <a:cs typeface="Times New Roman" charset="0"/>
               </a:rPr>
-              <a:t>Verified</a:t>
-            </a:r>
-          </a:p>
-          <a:p>
-            <a:pPr algn="ctr"/>
-            <a:r>
-              <a:rPr lang="en-US" altLang="zh-CN" sz="1200" b="1" dirty="0">
-                <a:solidFill>
-                  <a:schemeClr val="tx1"/>
-                </a:solidFill>
-                <a:latin typeface="Times New Roman" charset="0"/>
-                <a:ea typeface="Times New Roman" charset="0"/>
-                <a:cs typeface="Times New Roman" charset="0"/>
-              </a:rPr>
-              <a:t>Property</a:t>
+              <a:t>Properties</a:t>
             </a:r>
           </a:p>
         </p:txBody>
@@ -7205,7 +7071,7 @@
         </p:nvSpPr>
         <p:spPr>
           <a:xfrm>
-            <a:off x="10024044" y="1688403"/>
+            <a:off x="10024044" y="1708723"/>
             <a:ext cx="247646" cy="403258"/>
           </a:xfrm>
           <a:prstGeom prst="downArrow">
@@ -7288,7 +7154,7 @@
         </p:nvSpPr>
         <p:spPr>
           <a:xfrm>
-            <a:off x="5859021" y="1816117"/>
+            <a:off x="5698723" y="1816117"/>
             <a:ext cx="1342043" cy="369332"/>
           </a:xfrm>
           <a:prstGeom prst="rect">
@@ -7408,17 +7274,6 @@
           <a:prstGeom prst="flowChartMultidocument">
             <a:avLst/>
           </a:prstGeom>
-          <a:solidFill>
-            <a:schemeClr val="accent1">
-              <a:lumMod val="60000"/>
-              <a:lumOff val="40000"/>
-            </a:schemeClr>
-          </a:solidFill>
-          <a:ln w="12700">
-            <a:solidFill>
-              <a:schemeClr val="tx1"/>
-            </a:solidFill>
-          </a:ln>
         </p:spPr>
         <p:style>
           <a:lnRef idx="2">
@@ -7466,17 +7321,6 @@
           <a:prstGeom prst="flowChartMultidocument">
             <a:avLst/>
           </a:prstGeom>
-          <a:solidFill>
-            <a:schemeClr val="accent1">
-              <a:lumMod val="60000"/>
-              <a:lumOff val="40000"/>
-            </a:schemeClr>
-          </a:solidFill>
-          <a:ln w="12700">
-            <a:solidFill>
-              <a:schemeClr val="tx1"/>
-            </a:solidFill>
-          </a:ln>
         </p:spPr>
         <p:style>
           <a:lnRef idx="2">
@@ -7512,18 +7356,27 @@
       </p:sp>
       <p:sp>
         <p:nvSpPr>
-          <p:cNvPr id="62" name="燕尾形箭头 61"/>
+          <p:cNvPr id="57" name="终止符 56"/>
           <p:cNvSpPr/>
           <p:nvPr/>
         </p:nvSpPr>
         <p:spPr>
           <a:xfrm>
-            <a:off x="5727719" y="2052229"/>
-            <a:ext cx="1022446" cy="284785"/>
-          </a:xfrm>
-          <a:prstGeom prst="notchedRightArrow">
-            <a:avLst/>
-          </a:prstGeom>
+            <a:off x="6767272" y="1816117"/>
+            <a:ext cx="1841201" cy="733089"/>
+          </a:xfrm>
+          <a:prstGeom prst="flowChartTerminator">
+            <a:avLst/>
+          </a:prstGeom>
+          <a:solidFill>
+            <a:schemeClr val="accent5">
+              <a:lumMod val="60000"/>
+              <a:lumOff val="40000"/>
+            </a:schemeClr>
+          </a:solidFill>
+          <a:ln>
+            <a:noFill/>
+          </a:ln>
         </p:spPr>
         <p:style>
           <a:lnRef idx="2">
@@ -7546,24 +7399,109 @@
           <a:lstStyle/>
           <a:p>
             <a:pPr algn="ctr"/>
-            <a:endParaRPr kumimoji="1" lang="zh-CN" altLang="en-US"/>
-          </a:p>
-        </p:txBody>
-      </p:sp>
-      <p:sp>
-        <p:nvSpPr>
-          <p:cNvPr id="63" name="燕尾形箭头 62"/>
+            <a:r>
+              <a:rPr lang="en-US" altLang="zh-CN" b="1" dirty="0">
+                <a:solidFill>
+                  <a:schemeClr val="tx1"/>
+                </a:solidFill>
+                <a:latin typeface="Times New Roman" charset="0"/>
+                <a:ea typeface="Times New Roman" charset="0"/>
+                <a:cs typeface="Times New Roman" charset="0"/>
+              </a:rPr>
+              <a:t>Timed</a:t>
+            </a:r>
+            <a:r>
+              <a:rPr lang="zh-CN" altLang="en-US" b="1" dirty="0">
+                <a:solidFill>
+                  <a:schemeClr val="tx1"/>
+                </a:solidFill>
+                <a:latin typeface="Times New Roman" charset="0"/>
+                <a:ea typeface="Times New Roman" charset="0"/>
+                <a:cs typeface="Times New Roman" charset="0"/>
+              </a:rPr>
+              <a:t> </a:t>
+            </a:r>
+            <a:r>
+              <a:rPr lang="en-US" altLang="zh-CN" b="1" dirty="0">
+                <a:solidFill>
+                  <a:schemeClr val="tx1"/>
+                </a:solidFill>
+                <a:latin typeface="Times New Roman" charset="0"/>
+                <a:ea typeface="Times New Roman" charset="0"/>
+                <a:cs typeface="Times New Roman" charset="0"/>
+              </a:rPr>
+              <a:t>Automaton</a:t>
+            </a:r>
+            <a:r>
+              <a:rPr lang="zh-CN" altLang="en-US" b="1" dirty="0">
+                <a:solidFill>
+                  <a:schemeClr val="tx1"/>
+                </a:solidFill>
+                <a:latin typeface="Times New Roman" charset="0"/>
+                <a:ea typeface="Times New Roman" charset="0"/>
+                <a:cs typeface="Times New Roman" charset="0"/>
+              </a:rPr>
+              <a:t> </a:t>
+            </a:r>
+            <a:r>
+              <a:rPr lang="en-US" altLang="zh-CN" b="1" dirty="0">
+                <a:solidFill>
+                  <a:schemeClr val="tx1"/>
+                </a:solidFill>
+                <a:latin typeface="Times New Roman" charset="0"/>
+                <a:ea typeface="Times New Roman" charset="0"/>
+                <a:cs typeface="Times New Roman" charset="0"/>
+              </a:rPr>
+              <a:t>for</a:t>
+            </a:r>
+            <a:r>
+              <a:rPr lang="zh-CN" altLang="en-US" b="1" dirty="0">
+                <a:solidFill>
+                  <a:schemeClr val="tx1"/>
+                </a:solidFill>
+                <a:latin typeface="Times New Roman" charset="0"/>
+                <a:ea typeface="Times New Roman" charset="0"/>
+                <a:cs typeface="Times New Roman" charset="0"/>
+              </a:rPr>
+              <a:t> </a:t>
+            </a:r>
+            <a:r>
+              <a:rPr lang="en-US" altLang="zh-CN" b="1" dirty="0">
+                <a:solidFill>
+                  <a:schemeClr val="tx1"/>
+                </a:solidFill>
+                <a:latin typeface="Times New Roman" charset="0"/>
+                <a:ea typeface="Times New Roman" charset="0"/>
+                <a:cs typeface="Times New Roman" charset="0"/>
+              </a:rPr>
+              <a:t>FMU</a:t>
+            </a:r>
+          </a:p>
+        </p:txBody>
+      </p:sp>
+      <p:sp>
+        <p:nvSpPr>
+          <p:cNvPr id="58" name="终止符 57"/>
           <p:cNvSpPr/>
           <p:nvPr/>
         </p:nvSpPr>
         <p:spPr>
           <a:xfrm>
-            <a:off x="5710122" y="3475988"/>
-            <a:ext cx="1022446" cy="284785"/>
-          </a:xfrm>
-          <a:prstGeom prst="notchedRightArrow">
-            <a:avLst/>
-          </a:prstGeom>
+            <a:off x="6750164" y="3285033"/>
+            <a:ext cx="1841201" cy="733089"/>
+          </a:xfrm>
+          <a:prstGeom prst="flowChartTerminator">
+            <a:avLst/>
+          </a:prstGeom>
+          <a:solidFill>
+            <a:schemeClr val="accent5">
+              <a:lumMod val="60000"/>
+              <a:lumOff val="40000"/>
+            </a:schemeClr>
+          </a:solidFill>
+          <a:ln>
+            <a:noFill/>
+          </a:ln>
         </p:spPr>
         <p:style>
           <a:lnRef idx="2">
@@ -7586,24 +7524,109 @@
           <a:lstStyle/>
           <a:p>
             <a:pPr algn="ctr"/>
-            <a:endParaRPr kumimoji="1" lang="zh-CN" altLang="en-US"/>
-          </a:p>
-        </p:txBody>
-      </p:sp>
-      <p:sp>
-        <p:nvSpPr>
-          <p:cNvPr id="64" name="右箭头 63"/>
+            <a:r>
+              <a:rPr lang="en-US" altLang="zh-CN" b="1" dirty="0">
+                <a:solidFill>
+                  <a:schemeClr val="tx1"/>
+                </a:solidFill>
+                <a:latin typeface="Times New Roman" charset="0"/>
+                <a:ea typeface="Times New Roman" charset="0"/>
+                <a:cs typeface="Times New Roman" charset="0"/>
+              </a:rPr>
+              <a:t>Timed</a:t>
+            </a:r>
+            <a:r>
+              <a:rPr lang="zh-CN" altLang="en-US" b="1" dirty="0">
+                <a:solidFill>
+                  <a:schemeClr val="tx1"/>
+                </a:solidFill>
+                <a:latin typeface="Times New Roman" charset="0"/>
+                <a:ea typeface="Times New Roman" charset="0"/>
+                <a:cs typeface="Times New Roman" charset="0"/>
+              </a:rPr>
+              <a:t> </a:t>
+            </a:r>
+            <a:r>
+              <a:rPr lang="en-US" altLang="zh-CN" b="1" dirty="0">
+                <a:solidFill>
+                  <a:schemeClr val="tx1"/>
+                </a:solidFill>
+                <a:latin typeface="Times New Roman" charset="0"/>
+                <a:ea typeface="Times New Roman" charset="0"/>
+                <a:cs typeface="Times New Roman" charset="0"/>
+              </a:rPr>
+              <a:t>Automaton</a:t>
+            </a:r>
+            <a:r>
+              <a:rPr lang="zh-CN" altLang="en-US" b="1" dirty="0">
+                <a:solidFill>
+                  <a:schemeClr val="tx1"/>
+                </a:solidFill>
+                <a:latin typeface="Times New Roman" charset="0"/>
+                <a:ea typeface="Times New Roman" charset="0"/>
+                <a:cs typeface="Times New Roman" charset="0"/>
+              </a:rPr>
+              <a:t> </a:t>
+            </a:r>
+            <a:r>
+              <a:rPr lang="en-US" altLang="zh-CN" b="1" dirty="0">
+                <a:solidFill>
+                  <a:schemeClr val="tx1"/>
+                </a:solidFill>
+                <a:latin typeface="Times New Roman" charset="0"/>
+                <a:ea typeface="Times New Roman" charset="0"/>
+                <a:cs typeface="Times New Roman" charset="0"/>
+              </a:rPr>
+              <a:t>for</a:t>
+            </a:r>
+            <a:r>
+              <a:rPr lang="zh-CN" altLang="en-US" b="1" dirty="0">
+                <a:solidFill>
+                  <a:schemeClr val="tx1"/>
+                </a:solidFill>
+                <a:latin typeface="Times New Roman" charset="0"/>
+                <a:ea typeface="Times New Roman" charset="0"/>
+                <a:cs typeface="Times New Roman" charset="0"/>
+              </a:rPr>
+              <a:t> </a:t>
+            </a:r>
+            <a:r>
+              <a:rPr lang="en-US" altLang="zh-CN" b="1" dirty="0">
+                <a:solidFill>
+                  <a:schemeClr val="tx1"/>
+                </a:solidFill>
+                <a:latin typeface="Times New Roman" charset="0"/>
+                <a:ea typeface="Times New Roman" charset="0"/>
+                <a:cs typeface="Times New Roman" charset="0"/>
+              </a:rPr>
+              <a:t>FMU</a:t>
+            </a:r>
+          </a:p>
+        </p:txBody>
+      </p:sp>
+      <p:sp>
+        <p:nvSpPr>
+          <p:cNvPr id="59" name="终止符 58"/>
           <p:cNvSpPr/>
           <p:nvPr/>
         </p:nvSpPr>
         <p:spPr>
           <a:xfrm>
-            <a:off x="5706912" y="4463279"/>
-            <a:ext cx="1060359" cy="288468"/>
-          </a:xfrm>
-          <a:prstGeom prst="rightArrow">
-            <a:avLst/>
-          </a:prstGeom>
+            <a:off x="6764470" y="4181831"/>
+            <a:ext cx="1841201" cy="733089"/>
+          </a:xfrm>
+          <a:prstGeom prst="flowChartTerminator">
+            <a:avLst/>
+          </a:prstGeom>
+          <a:solidFill>
+            <a:schemeClr val="accent5">
+              <a:lumMod val="60000"/>
+              <a:lumOff val="40000"/>
+            </a:schemeClr>
+          </a:solidFill>
+          <a:ln>
+            <a:noFill/>
+          </a:ln>
         </p:spPr>
         <p:style>
           <a:lnRef idx="2">
@@ -7626,6 +7649,344 @@
           <a:lstStyle/>
           <a:p>
             <a:pPr algn="ctr"/>
+            <a:r>
+              <a:rPr lang="en-US" altLang="zh-CN" b="1" dirty="0">
+                <a:solidFill>
+                  <a:schemeClr val="tx1"/>
+                </a:solidFill>
+                <a:latin typeface="Times New Roman" charset="0"/>
+                <a:ea typeface="Times New Roman" charset="0"/>
+                <a:cs typeface="Times New Roman" charset="0"/>
+              </a:rPr>
+              <a:t>Timed</a:t>
+            </a:r>
+            <a:r>
+              <a:rPr lang="zh-CN" altLang="en-US" b="1" dirty="0">
+                <a:solidFill>
+                  <a:schemeClr val="tx1"/>
+                </a:solidFill>
+                <a:latin typeface="Times New Roman" charset="0"/>
+                <a:ea typeface="Times New Roman" charset="0"/>
+                <a:cs typeface="Times New Roman" charset="0"/>
+              </a:rPr>
+              <a:t> </a:t>
+            </a:r>
+            <a:r>
+              <a:rPr lang="en-US" altLang="zh-CN" b="1" dirty="0">
+                <a:solidFill>
+                  <a:schemeClr val="tx1"/>
+                </a:solidFill>
+                <a:latin typeface="Times New Roman" charset="0"/>
+                <a:ea typeface="Times New Roman" charset="0"/>
+                <a:cs typeface="Times New Roman" charset="0"/>
+              </a:rPr>
+              <a:t>Automaton</a:t>
+            </a:r>
+            <a:r>
+              <a:rPr lang="zh-CN" altLang="en-US" b="1" dirty="0">
+                <a:solidFill>
+                  <a:schemeClr val="tx1"/>
+                </a:solidFill>
+                <a:latin typeface="Times New Roman" charset="0"/>
+                <a:ea typeface="Times New Roman" charset="0"/>
+                <a:cs typeface="Times New Roman" charset="0"/>
+              </a:rPr>
+              <a:t> </a:t>
+            </a:r>
+            <a:r>
+              <a:rPr lang="en-US" altLang="zh-CN" b="1" dirty="0">
+                <a:solidFill>
+                  <a:schemeClr val="tx1"/>
+                </a:solidFill>
+                <a:latin typeface="Times New Roman" charset="0"/>
+                <a:ea typeface="Times New Roman" charset="0"/>
+                <a:cs typeface="Times New Roman" charset="0"/>
+              </a:rPr>
+              <a:t>for</a:t>
+            </a:r>
+            <a:r>
+              <a:rPr lang="zh-CN" altLang="en-US" b="1" dirty="0">
+                <a:solidFill>
+                  <a:schemeClr val="tx1"/>
+                </a:solidFill>
+                <a:latin typeface="Times New Roman" charset="0"/>
+                <a:ea typeface="Times New Roman" charset="0"/>
+                <a:cs typeface="Times New Roman" charset="0"/>
+              </a:rPr>
+              <a:t> </a:t>
+            </a:r>
+            <a:r>
+              <a:rPr lang="en-US" altLang="zh-CN" b="1" dirty="0">
+                <a:solidFill>
+                  <a:schemeClr val="tx1"/>
+                </a:solidFill>
+                <a:latin typeface="Times New Roman" charset="0"/>
+                <a:ea typeface="Times New Roman" charset="0"/>
+                <a:cs typeface="Times New Roman" charset="0"/>
+              </a:rPr>
+              <a:t>MA</a:t>
+            </a:r>
+          </a:p>
+        </p:txBody>
+      </p:sp>
+      <p:sp>
+        <p:nvSpPr>
+          <p:cNvPr id="60" name="终止符 59"/>
+          <p:cNvSpPr/>
+          <p:nvPr/>
+        </p:nvSpPr>
+        <p:spPr>
+          <a:xfrm>
+            <a:off x="9049038" y="983835"/>
+            <a:ext cx="2138161" cy="733089"/>
+          </a:xfrm>
+          <a:prstGeom prst="flowChartTerminator">
+            <a:avLst/>
+          </a:prstGeom>
+          <a:solidFill>
+            <a:schemeClr val="accent1"/>
+          </a:solidFill>
+          <a:ln>
+            <a:noFill/>
+          </a:ln>
+        </p:spPr>
+        <p:style>
+          <a:lnRef idx="2">
+            <a:schemeClr val="accent1">
+              <a:shade val="50000"/>
+            </a:schemeClr>
+          </a:lnRef>
+          <a:fillRef idx="1">
+            <a:schemeClr val="accent1"/>
+          </a:fillRef>
+          <a:effectRef idx="0">
+            <a:schemeClr val="accent1"/>
+          </a:effectRef>
+          <a:fontRef idx="minor">
+            <a:schemeClr val="lt1"/>
+          </a:fontRef>
+        </p:style>
+        <p:txBody>
+          <a:bodyPr rtlCol="0" anchor="ctr"/>
+          <a:lstStyle/>
+          <a:p>
+            <a:pPr algn="ctr"/>
+            <a:r>
+              <a:rPr lang="en-US" altLang="zh-CN" b="1" dirty="0">
+                <a:latin typeface="Times New Roman" charset="0"/>
+                <a:ea typeface="Times New Roman" charset="0"/>
+                <a:cs typeface="Times New Roman" charset="0"/>
+              </a:rPr>
+              <a:t>Network</a:t>
+            </a:r>
+            <a:r>
+              <a:rPr lang="zh-CN" altLang="en-US" b="1" dirty="0">
+                <a:latin typeface="Times New Roman" charset="0"/>
+                <a:ea typeface="Times New Roman" charset="0"/>
+                <a:cs typeface="Times New Roman" charset="0"/>
+              </a:rPr>
+              <a:t> </a:t>
+            </a:r>
+            <a:r>
+              <a:rPr lang="en-US" altLang="zh-CN" b="1" dirty="0">
+                <a:latin typeface="Times New Roman" charset="0"/>
+                <a:ea typeface="Times New Roman" charset="0"/>
+                <a:cs typeface="Times New Roman" charset="0"/>
+              </a:rPr>
+              <a:t>of</a:t>
+            </a:r>
+            <a:r>
+              <a:rPr lang="zh-CN" altLang="en-US" b="1" dirty="0">
+                <a:latin typeface="Times New Roman" charset="0"/>
+                <a:ea typeface="Times New Roman" charset="0"/>
+                <a:cs typeface="Times New Roman" charset="0"/>
+              </a:rPr>
+              <a:t> </a:t>
+            </a:r>
+            <a:r>
+              <a:rPr lang="en-US" altLang="zh-CN" b="1" dirty="0">
+                <a:latin typeface="Times New Roman" charset="0"/>
+                <a:ea typeface="Times New Roman" charset="0"/>
+                <a:cs typeface="Times New Roman" charset="0"/>
+              </a:rPr>
+              <a:t>Timed</a:t>
+            </a:r>
+            <a:r>
+              <a:rPr lang="zh-CN" altLang="en-US" b="1" dirty="0">
+                <a:latin typeface="Times New Roman" charset="0"/>
+                <a:ea typeface="Times New Roman" charset="0"/>
+                <a:cs typeface="Times New Roman" charset="0"/>
+              </a:rPr>
+              <a:t> </a:t>
+            </a:r>
+            <a:r>
+              <a:rPr lang="en-US" altLang="zh-CN" b="1" dirty="0">
+                <a:latin typeface="Times New Roman" charset="0"/>
+                <a:ea typeface="Times New Roman" charset="0"/>
+                <a:cs typeface="Times New Roman" charset="0"/>
+              </a:rPr>
+              <a:t>Automata</a:t>
+            </a:r>
+          </a:p>
+        </p:txBody>
+      </p:sp>
+      <p:sp>
+        <p:nvSpPr>
+          <p:cNvPr id="61" name="矩形 60"/>
+          <p:cNvSpPr/>
+          <p:nvPr/>
+        </p:nvSpPr>
+        <p:spPr>
+          <a:xfrm>
+            <a:off x="678564" y="106692"/>
+            <a:ext cx="10744200" cy="6602866"/>
+          </a:xfrm>
+          <a:prstGeom prst="rect">
+            <a:avLst/>
+          </a:prstGeom>
+          <a:noFill/>
+        </p:spPr>
+        <p:style>
+          <a:lnRef idx="2">
+            <a:schemeClr val="accent1">
+              <a:shade val="50000"/>
+            </a:schemeClr>
+          </a:lnRef>
+          <a:fillRef idx="1">
+            <a:schemeClr val="accent1"/>
+          </a:fillRef>
+          <a:effectRef idx="0">
+            <a:schemeClr val="accent1"/>
+          </a:effectRef>
+          <a:fontRef idx="minor">
+            <a:schemeClr val="lt1"/>
+          </a:fontRef>
+        </p:style>
+        <p:txBody>
+          <a:bodyPr rtlCol="0" anchor="ctr"/>
+          <a:lstStyle/>
+          <a:p>
+            <a:pPr algn="ctr"/>
+            <a:endParaRPr kumimoji="1" lang="zh-CN" altLang="en-US"/>
+          </a:p>
+        </p:txBody>
+      </p:sp>
+      <p:sp>
+        <p:nvSpPr>
+          <p:cNvPr id="62" name="燕尾形箭头 61"/>
+          <p:cNvSpPr/>
+          <p:nvPr/>
+        </p:nvSpPr>
+        <p:spPr>
+          <a:xfrm>
+            <a:off x="5727719" y="2052229"/>
+            <a:ext cx="1022446" cy="284785"/>
+          </a:xfrm>
+          <a:prstGeom prst="notchedRightArrow">
+            <a:avLst/>
+          </a:prstGeom>
+        </p:spPr>
+        <p:style>
+          <a:lnRef idx="2">
+            <a:schemeClr val="accent1">
+              <a:shade val="50000"/>
+            </a:schemeClr>
+          </a:lnRef>
+          <a:fillRef idx="1">
+            <a:schemeClr val="accent1"/>
+          </a:fillRef>
+          <a:effectRef idx="0">
+            <a:schemeClr val="accent1"/>
+          </a:effectRef>
+          <a:fontRef idx="minor">
+            <a:schemeClr val="lt1"/>
+          </a:fontRef>
+        </p:style>
+        <p:txBody>
+          <a:bodyPr rtlCol="0" anchor="ctr"/>
+          <a:lstStyle/>
+          <a:p>
+            <a:pPr algn="ctr"/>
+            <a:endParaRPr kumimoji="1" lang="zh-CN" altLang="en-US"/>
+          </a:p>
+        </p:txBody>
+      </p:sp>
+      <p:sp>
+        <p:nvSpPr>
+          <p:cNvPr id="63" name="燕尾形箭头 62"/>
+          <p:cNvSpPr/>
+          <p:nvPr/>
+        </p:nvSpPr>
+        <p:spPr>
+          <a:xfrm>
+            <a:off x="5710122" y="3475988"/>
+            <a:ext cx="1022446" cy="284785"/>
+          </a:xfrm>
+          <a:prstGeom prst="notchedRightArrow">
+            <a:avLst/>
+          </a:prstGeom>
+        </p:spPr>
+        <p:style>
+          <a:lnRef idx="2">
+            <a:schemeClr val="accent1">
+              <a:shade val="50000"/>
+            </a:schemeClr>
+          </a:lnRef>
+          <a:fillRef idx="1">
+            <a:schemeClr val="accent1"/>
+          </a:fillRef>
+          <a:effectRef idx="0">
+            <a:schemeClr val="accent1"/>
+          </a:effectRef>
+          <a:fontRef idx="minor">
+            <a:schemeClr val="lt1"/>
+          </a:fontRef>
+        </p:style>
+        <p:txBody>
+          <a:bodyPr rtlCol="0" anchor="ctr"/>
+          <a:lstStyle/>
+          <a:p>
+            <a:pPr algn="ctr"/>
+            <a:endParaRPr kumimoji="1" lang="zh-CN" altLang="en-US"/>
+          </a:p>
+        </p:txBody>
+      </p:sp>
+      <p:sp>
+        <p:nvSpPr>
+          <p:cNvPr id="64" name="右箭头 63"/>
+          <p:cNvSpPr/>
+          <p:nvPr/>
+        </p:nvSpPr>
+        <p:spPr>
+          <a:xfrm>
+            <a:off x="5706912" y="4463279"/>
+            <a:ext cx="1060359" cy="288468"/>
+          </a:xfrm>
+          <a:prstGeom prst="rightArrow">
+            <a:avLst/>
+          </a:prstGeom>
+        </p:spPr>
+        <p:style>
+          <a:lnRef idx="2">
+            <a:schemeClr val="accent1">
+              <a:shade val="50000"/>
+            </a:schemeClr>
+          </a:lnRef>
+          <a:fillRef idx="1">
+            <a:schemeClr val="accent1"/>
+          </a:fillRef>
+          <a:effectRef idx="0">
+            <a:schemeClr val="accent1"/>
+          </a:effectRef>
+          <a:fontRef idx="minor">
+            <a:schemeClr val="lt1"/>
+          </a:fontRef>
+        </p:style>
+        <p:txBody>
+          <a:bodyPr rtlCol="0" anchor="ctr"/>
+          <a:lstStyle/>
+          <a:p>
+            <a:pPr algn="ctr"/>
             <a:endParaRPr kumimoji="1" lang="zh-CN" altLang="en-US"/>
           </a:p>
         </p:txBody>
@@ -7638,8 +7999,8 @@
         </p:nvSpPr>
         <p:spPr>
           <a:xfrm>
-            <a:off x="6530043" y="5987666"/>
-            <a:ext cx="4737646" cy="386992"/>
+            <a:off x="4473184" y="6108932"/>
+            <a:ext cx="6786553" cy="386992"/>
           </a:xfrm>
           <a:prstGeom prst="rect">
             <a:avLst/>
@@ -7714,8 +8075,8 @@
         </p:nvSpPr>
         <p:spPr>
           <a:xfrm>
-            <a:off x="5365600" y="6127874"/>
-            <a:ext cx="1164443" cy="246784"/>
+            <a:off x="3361331" y="6181162"/>
+            <a:ext cx="1111854" cy="246784"/>
           </a:xfrm>
           <a:prstGeom prst="leftArrow">
             <a:avLst/>
@@ -7769,8 +8130,8 @@
         </p:nvSpPr>
         <p:spPr>
           <a:xfrm>
-            <a:off x="3169260" y="5987666"/>
-            <a:ext cx="2196340" cy="445082"/>
+            <a:off x="870967" y="6062628"/>
+            <a:ext cx="2490363" cy="445082"/>
           </a:xfrm>
           <a:prstGeom prst="foldedCorner">
             <a:avLst/>
@@ -7822,7 +8183,7 @@
               <a:t> </a:t>
             </a:r>
             <a:r>
-              <a:rPr kumimoji="1" lang="en-US" altLang="zh-CN" b="1" dirty="0">
+              <a:rPr kumimoji="1" lang="en-US" altLang="zh-CN" b="1">
                 <a:solidFill>
                   <a:schemeClr val="tx1"/>
                 </a:solidFill>
@@ -7845,15 +8206,20 @@
         </p:nvSpPr>
         <p:spPr>
           <a:xfrm>
-            <a:off x="876822" y="5674922"/>
-            <a:ext cx="10474691" cy="817161"/>
+            <a:off x="782036" y="5727729"/>
+            <a:ext cx="10569478" cy="817161"/>
           </a:xfrm>
           <a:prstGeom prst="rect">
             <a:avLst/>
           </a:prstGeom>
           <a:noFill/>
-          <a:ln w="22225">
-            <a:prstDash val="lgDash"/>
+          <a:ln>
+            <a:solidFill>
+              <a:schemeClr val="bg2">
+                <a:lumMod val="75000"/>
+              </a:schemeClr>
+            </a:solidFill>
+            <a:prstDash val="dash"/>
           </a:ln>
         </p:spPr>
         <p:style>
@@ -7878,6 +8244,11 @@
           <a:p>
             <a:pPr algn="ctr"/>
             <a:endParaRPr kumimoji="1" lang="zh-CN" altLang="en-US" b="1">
+              <a:solidFill>
+                <a:schemeClr val="bg2">
+                  <a:lumMod val="25000"/>
+                </a:schemeClr>
+              </a:solidFill>
               <a:latin typeface="Times New Roman" charset="0"/>
               <a:ea typeface="Times New Roman" charset="0"/>
               <a:cs typeface="Times New Roman" charset="0"/>
@@ -7893,7 +8264,7 @@
         </p:nvSpPr>
         <p:spPr>
           <a:xfrm>
-            <a:off x="9033023" y="5593642"/>
+            <a:off x="9043183" y="5674922"/>
             <a:ext cx="2224506" cy="369332"/>
           </a:xfrm>
           <a:prstGeom prst="rect">
@@ -7914,6 +8285,22 @@
                 <a:cs typeface="Times New Roman" charset="0"/>
               </a:rPr>
               <a:t>Co-simulation</a:t>
+            </a:r>
+            <a:r>
+              <a:rPr kumimoji="1" lang="zh-CN" altLang="en-US" b="1" dirty="0">
+                <a:latin typeface="Times New Roman" charset="0"/>
+                <a:ea typeface="Times New Roman" charset="0"/>
+                <a:cs typeface="Times New Roman" charset="0"/>
+              </a:rPr>
+              <a:t> </a:t>
+            </a:r>
+            <a:r>
+              <a:rPr kumimoji="1" lang="en-US" altLang="zh-CN" b="1" dirty="0">
+                <a:latin typeface="Times New Roman" charset="0"/>
+                <a:ea typeface="Times New Roman" charset="0"/>
+                <a:cs typeface="Times New Roman" charset="0"/>
+              </a:rPr>
+              <a:t>phase</a:t>
             </a:r>
             <a:endParaRPr kumimoji="1" lang="zh-CN" altLang="en-US" b="1" dirty="0">
               <a:latin typeface="Times New Roman" charset="0"/>
@@ -7976,8 +8363,8 @@
         </p:nvSpPr>
         <p:spPr>
           <a:xfrm>
-            <a:off x="10394301" y="3329497"/>
-            <a:ext cx="314143" cy="684920"/>
+            <a:off x="10352001" y="3329497"/>
+            <a:ext cx="380344" cy="684920"/>
           </a:xfrm>
           <a:prstGeom prst="upArrow">
             <a:avLst/>
@@ -8011,67 +8398,21 @@
       </p:sp>
       <p:sp>
         <p:nvSpPr>
-          <p:cNvPr id="52" name="文本框 51"/>
-          <p:cNvSpPr txBox="1"/>
-          <p:nvPr/>
-        </p:nvSpPr>
-        <p:spPr>
-          <a:xfrm>
-            <a:off x="5425228" y="5859588"/>
-            <a:ext cx="1342043" cy="369332"/>
-          </a:xfrm>
-          <a:prstGeom prst="rect">
-            <a:avLst/>
-          </a:prstGeom>
-          <a:noFill/>
-        </p:spPr>
-        <p:txBody>
-          <a:bodyPr wrap="square" rtlCol="0">
-            <a:spAutoFit/>
-          </a:bodyPr>
-          <a:lstStyle/>
-          <a:p>
-            <a:r>
-              <a:rPr kumimoji="1" lang="en-US" altLang="zh-CN" b="1" dirty="0">
-                <a:latin typeface="Times New Roman" charset="0"/>
-                <a:ea typeface="Times New Roman" charset="0"/>
-                <a:cs typeface="Times New Roman" charset="0"/>
-              </a:rPr>
-              <a:t>generate</a:t>
-            </a:r>
-            <a:endParaRPr kumimoji="1" lang="zh-CN" altLang="en-US" b="1" dirty="0">
-              <a:latin typeface="Times New Roman" charset="0"/>
-              <a:ea typeface="Times New Roman" charset="0"/>
-              <a:cs typeface="Times New Roman" charset="0"/>
-            </a:endParaRPr>
-          </a:p>
-        </p:txBody>
-      </p:sp>
-      <p:sp>
-        <p:nvSpPr>
-          <p:cNvPr id="53" name="圆角矩形 52"/>
+          <p:cNvPr id="13" name="下箭头 12"/>
           <p:cNvSpPr/>
           <p:nvPr/>
         </p:nvSpPr>
         <p:spPr>
-          <a:xfrm>
-            <a:off x="9224957" y="841474"/>
-            <a:ext cx="2013914" cy="842997"/>
-          </a:xfrm>
-          <a:prstGeom prst="roundRect">
-            <a:avLst/>
-          </a:prstGeom>
-          <a:solidFill>
-            <a:schemeClr val="accent1">
-              <a:lumMod val="60000"/>
-              <a:lumOff val="40000"/>
-            </a:schemeClr>
-          </a:solidFill>
-          <a:ln w="12700">
-            <a:solidFill>
-              <a:schemeClr val="tx1"/>
-            </a:solidFill>
-          </a:ln>
+          <a:xfrm flipH="1">
+            <a:off x="6701498" y="5216795"/>
+            <a:ext cx="215453" cy="503760"/>
+          </a:xfrm>
+          <a:prstGeom prst="downArrow">
+            <a:avLst>
+              <a:gd name="adj1" fmla="val 50000"/>
+              <a:gd name="adj2" fmla="val 53886"/>
+            </a:avLst>
+          </a:prstGeom>
         </p:spPr>
         <p:style>
           <a:lnRef idx="2">
@@ -8094,90 +8435,24 @@
           <a:lstStyle/>
           <a:p>
             <a:pPr algn="ctr"/>
-            <a:r>
-              <a:rPr lang="en-US" altLang="zh-CN" b="1" dirty="0">
-                <a:latin typeface="Times New Roman" charset="0"/>
-                <a:ea typeface="Times New Roman" charset="0"/>
-                <a:cs typeface="Times New Roman" charset="0"/>
-              </a:rPr>
-              <a:t>Network</a:t>
-            </a:r>
-            <a:r>
-              <a:rPr lang="zh-CN" altLang="en-US" b="1" dirty="0">
-                <a:latin typeface="Times New Roman" charset="0"/>
-                <a:ea typeface="Times New Roman" charset="0"/>
-                <a:cs typeface="Times New Roman" charset="0"/>
-              </a:rPr>
-              <a:t> </a:t>
-            </a:r>
-            <a:r>
-              <a:rPr lang="en-US" altLang="zh-CN" b="1" dirty="0">
-                <a:latin typeface="Times New Roman" charset="0"/>
-                <a:ea typeface="Times New Roman" charset="0"/>
-                <a:cs typeface="Times New Roman" charset="0"/>
-              </a:rPr>
-              <a:t>of</a:t>
-            </a:r>
-            <a:r>
-              <a:rPr lang="zh-CN" altLang="en-US" b="1" dirty="0">
-                <a:latin typeface="Times New Roman" charset="0"/>
-                <a:ea typeface="Times New Roman" charset="0"/>
-                <a:cs typeface="Times New Roman" charset="0"/>
-              </a:rPr>
-              <a:t> </a:t>
-            </a:r>
-            <a:r>
-              <a:rPr lang="en-US" altLang="zh-CN" b="1" dirty="0">
-                <a:latin typeface="Times New Roman" charset="0"/>
-                <a:ea typeface="Times New Roman" charset="0"/>
-                <a:cs typeface="Times New Roman" charset="0"/>
-              </a:rPr>
-              <a:t>Timed</a:t>
-            </a:r>
-            <a:r>
-              <a:rPr lang="zh-CN" altLang="en-US" b="1" dirty="0">
-                <a:latin typeface="Times New Roman" charset="0"/>
-                <a:ea typeface="Times New Roman" charset="0"/>
-                <a:cs typeface="Times New Roman" charset="0"/>
-              </a:rPr>
-              <a:t> </a:t>
-            </a:r>
-            <a:r>
-              <a:rPr lang="en-US" altLang="zh-CN" b="1" dirty="0">
-                <a:latin typeface="Times New Roman" charset="0"/>
-                <a:ea typeface="Times New Roman" charset="0"/>
-                <a:cs typeface="Times New Roman" charset="0"/>
-              </a:rPr>
-              <a:t>Automata</a:t>
-            </a:r>
-          </a:p>
-        </p:txBody>
-      </p:sp>
-      <p:sp>
-        <p:nvSpPr>
-          <p:cNvPr id="54" name="圆角矩形 53"/>
+            <a:endParaRPr kumimoji="1" lang="zh-CN" altLang="en-US"/>
+          </a:p>
+        </p:txBody>
+      </p:sp>
+      <p:sp>
+        <p:nvSpPr>
+          <p:cNvPr id="14" name="矩形 13"/>
           <p:cNvSpPr/>
           <p:nvPr/>
         </p:nvSpPr>
         <p:spPr>
           <a:xfrm>
-            <a:off x="6732568" y="1963580"/>
-            <a:ext cx="1835065" cy="630294"/>
-          </a:xfrm>
-          <a:prstGeom prst="roundRect">
-            <a:avLst/>
-          </a:prstGeom>
-          <a:solidFill>
-            <a:schemeClr val="accent1">
-              <a:lumMod val="60000"/>
-              <a:lumOff val="40000"/>
-            </a:schemeClr>
-          </a:solidFill>
-          <a:ln w="12700">
-            <a:solidFill>
-              <a:schemeClr val="tx1"/>
-            </a:solidFill>
-          </a:ln>
+            <a:off x="4629470" y="5099298"/>
+            <a:ext cx="4257355" cy="117497"/>
+          </a:xfrm>
+          <a:prstGeom prst="rect">
+            <a:avLst/>
+          </a:prstGeom>
         </p:spPr>
         <p:style>
           <a:lnRef idx="2">
@@ -8200,58 +8475,24 @@
           <a:lstStyle/>
           <a:p>
             <a:pPr algn="ctr"/>
-            <a:r>
-              <a:rPr lang="en-US" altLang="zh-CN" b="1" dirty="0">
-                <a:latin typeface="Times New Roman" charset="0"/>
-                <a:ea typeface="Times New Roman" charset="0"/>
-                <a:cs typeface="Times New Roman" charset="0"/>
-              </a:rPr>
-              <a:t>TA  for</a:t>
-            </a:r>
-            <a:r>
-              <a:rPr lang="zh-CN" altLang="en-US" b="1" dirty="0">
-                <a:latin typeface="Times New Roman" charset="0"/>
-                <a:ea typeface="Times New Roman" charset="0"/>
-                <a:cs typeface="Times New Roman" charset="0"/>
-              </a:rPr>
-              <a:t> </a:t>
-            </a:r>
-            <a:r>
-              <a:rPr lang="en-US" altLang="zh-CN" b="1" dirty="0">
-                <a:latin typeface="Times New Roman" charset="0"/>
-                <a:ea typeface="Times New Roman" charset="0"/>
-                <a:cs typeface="Times New Roman" charset="0"/>
-              </a:rPr>
-              <a:t>FMU</a:t>
-            </a:r>
-          </a:p>
-        </p:txBody>
-      </p:sp>
-      <p:sp>
-        <p:nvSpPr>
-          <p:cNvPr id="65" name="圆角矩形 64"/>
+            <a:endParaRPr kumimoji="1" lang="zh-CN" altLang="en-US"/>
+          </a:p>
+        </p:txBody>
+      </p:sp>
+      <p:sp>
+        <p:nvSpPr>
+          <p:cNvPr id="20" name="矩形 19"/>
           <p:cNvSpPr/>
           <p:nvPr/>
         </p:nvSpPr>
         <p:spPr>
           <a:xfrm>
-            <a:off x="6732568" y="3268335"/>
-            <a:ext cx="1835065" cy="638425"/>
-          </a:xfrm>
-          <a:prstGeom prst="roundRect">
-            <a:avLst/>
-          </a:prstGeom>
-          <a:solidFill>
-            <a:schemeClr val="accent1">
-              <a:lumMod val="60000"/>
-              <a:lumOff val="40000"/>
-            </a:schemeClr>
-          </a:solidFill>
-          <a:ln w="12700">
-            <a:solidFill>
-              <a:schemeClr val="tx1"/>
-            </a:solidFill>
-          </a:ln>
+            <a:off x="4629470" y="4956363"/>
+            <a:ext cx="128268" cy="142935"/>
+          </a:xfrm>
+          <a:prstGeom prst="rect">
+            <a:avLst/>
+          </a:prstGeom>
         </p:spPr>
         <p:style>
           <a:lnRef idx="2">
@@ -8274,58 +8515,24 @@
           <a:lstStyle/>
           <a:p>
             <a:pPr algn="ctr"/>
-            <a:r>
-              <a:rPr lang="en-US" altLang="zh-CN" b="1" dirty="0">
-                <a:latin typeface="Times New Roman" charset="0"/>
-                <a:ea typeface="Times New Roman" charset="0"/>
-                <a:cs typeface="Times New Roman" charset="0"/>
-              </a:rPr>
-              <a:t>TA  for</a:t>
-            </a:r>
-            <a:r>
-              <a:rPr lang="zh-CN" altLang="en-US" b="1" dirty="0">
-                <a:latin typeface="Times New Roman" charset="0"/>
-                <a:ea typeface="Times New Roman" charset="0"/>
-                <a:cs typeface="Times New Roman" charset="0"/>
-              </a:rPr>
-              <a:t> </a:t>
-            </a:r>
-            <a:r>
-              <a:rPr lang="en-US" altLang="zh-CN" b="1" dirty="0">
-                <a:latin typeface="Times New Roman" charset="0"/>
-                <a:ea typeface="Times New Roman" charset="0"/>
-                <a:cs typeface="Times New Roman" charset="0"/>
-              </a:rPr>
-              <a:t>FMU</a:t>
-            </a:r>
-          </a:p>
-        </p:txBody>
-      </p:sp>
-      <p:sp>
-        <p:nvSpPr>
-          <p:cNvPr id="67" name="圆角矩形 66"/>
+            <a:endParaRPr kumimoji="1" lang="zh-CN" altLang="en-US"/>
+          </a:p>
+        </p:txBody>
+      </p:sp>
+      <p:sp>
+        <p:nvSpPr>
+          <p:cNvPr id="21" name="矩形 20"/>
           <p:cNvSpPr/>
           <p:nvPr/>
         </p:nvSpPr>
         <p:spPr>
           <a:xfrm>
-            <a:off x="6745496" y="4225261"/>
-            <a:ext cx="1835065" cy="658441"/>
-          </a:xfrm>
-          <a:prstGeom prst="roundRect">
-            <a:avLst/>
-          </a:prstGeom>
-          <a:solidFill>
-            <a:schemeClr val="accent1">
-              <a:lumMod val="60000"/>
-              <a:lumOff val="40000"/>
-            </a:schemeClr>
-          </a:solidFill>
-          <a:ln w="12700">
-            <a:solidFill>
-              <a:schemeClr val="tx1"/>
-            </a:solidFill>
-          </a:ln>
+            <a:off x="8751505" y="4988500"/>
+            <a:ext cx="135319" cy="125086"/>
+          </a:xfrm>
+          <a:prstGeom prst="rect">
+            <a:avLst/>
+          </a:prstGeom>
         </p:spPr>
         <p:style>
           <a:lnRef idx="2">
@@ -8348,229 +8555,13 @@
           <a:lstStyle/>
           <a:p>
             <a:pPr algn="ctr"/>
-            <a:r>
-              <a:rPr lang="en-US" altLang="zh-CN" b="1" dirty="0">
-                <a:latin typeface="Times New Roman" charset="0"/>
-                <a:ea typeface="Times New Roman" charset="0"/>
-                <a:cs typeface="Times New Roman" charset="0"/>
-              </a:rPr>
-              <a:t>TA  for</a:t>
-            </a:r>
-            <a:r>
-              <a:rPr lang="zh-CN" altLang="en-US" b="1" dirty="0">
-                <a:latin typeface="Times New Roman" charset="0"/>
-                <a:ea typeface="Times New Roman" charset="0"/>
-                <a:cs typeface="Times New Roman" charset="0"/>
-              </a:rPr>
-              <a:t> </a:t>
-            </a:r>
-            <a:r>
-              <a:rPr lang="en-US" altLang="zh-CN" b="1" dirty="0">
-                <a:latin typeface="Times New Roman" charset="0"/>
-                <a:ea typeface="Times New Roman" charset="0"/>
-                <a:cs typeface="Times New Roman" charset="0"/>
-              </a:rPr>
-              <a:t>MA</a:t>
-            </a:r>
-          </a:p>
-        </p:txBody>
-      </p:sp>
-      <p:sp>
-        <p:nvSpPr>
-          <p:cNvPr id="57" name="下箭头 12">
-            <a:extLst>
-              <a:ext uri="{FF2B5EF4-FFF2-40B4-BE49-F238E27FC236}">
-                <a16:creationId xmlns:a16="http://schemas.microsoft.com/office/drawing/2014/main" id="{B8FBB82C-F281-4B07-9F58-1C63DD75AC40}"/>
-              </a:ext>
-            </a:extLst>
-          </p:cNvPr>
-          <p:cNvSpPr/>
-          <p:nvPr/>
-        </p:nvSpPr>
-        <p:spPr>
-          <a:xfrm flipH="1">
-            <a:off x="6701497" y="5216795"/>
-            <a:ext cx="215453" cy="438460"/>
-          </a:xfrm>
-          <a:prstGeom prst="downArrow">
-            <a:avLst>
-              <a:gd name="adj1" fmla="val 50000"/>
-              <a:gd name="adj2" fmla="val 53886"/>
-            </a:avLst>
-          </a:prstGeom>
-        </p:spPr>
-        <p:style>
-          <a:lnRef idx="2">
-            <a:schemeClr val="accent1">
-              <a:shade val="50000"/>
-            </a:schemeClr>
-          </a:lnRef>
-          <a:fillRef idx="1">
-            <a:schemeClr val="accent1"/>
-          </a:fillRef>
-          <a:effectRef idx="0">
-            <a:schemeClr val="accent1"/>
-          </a:effectRef>
-          <a:fontRef idx="minor">
-            <a:schemeClr val="lt1"/>
-          </a:fontRef>
-        </p:style>
-        <p:txBody>
-          <a:bodyPr rtlCol="0" anchor="ctr"/>
-          <a:lstStyle/>
-          <a:p>
-            <a:pPr algn="ctr"/>
             <a:endParaRPr kumimoji="1" lang="zh-CN" altLang="en-US"/>
           </a:p>
         </p:txBody>
       </p:sp>
       <p:sp>
         <p:nvSpPr>
-          <p:cNvPr id="58" name="矩形 57">
-            <a:extLst>
-              <a:ext uri="{FF2B5EF4-FFF2-40B4-BE49-F238E27FC236}">
-                <a16:creationId xmlns:a16="http://schemas.microsoft.com/office/drawing/2014/main" id="{CC295189-C515-4E2F-874B-0D0D3E902C72}"/>
-              </a:ext>
-            </a:extLst>
-          </p:cNvPr>
-          <p:cNvSpPr/>
-          <p:nvPr/>
-        </p:nvSpPr>
-        <p:spPr>
-          <a:xfrm>
-            <a:off x="4629470" y="5099298"/>
-            <a:ext cx="4257355" cy="117497"/>
-          </a:xfrm>
-          <a:prstGeom prst="rect">
-            <a:avLst/>
-          </a:prstGeom>
-        </p:spPr>
-        <p:style>
-          <a:lnRef idx="2">
-            <a:schemeClr val="accent1">
-              <a:shade val="50000"/>
-            </a:schemeClr>
-          </a:lnRef>
-          <a:fillRef idx="1">
-            <a:schemeClr val="accent1"/>
-          </a:fillRef>
-          <a:effectRef idx="0">
-            <a:schemeClr val="accent1"/>
-          </a:effectRef>
-          <a:fontRef idx="minor">
-            <a:schemeClr val="lt1"/>
-          </a:fontRef>
-        </p:style>
-        <p:txBody>
-          <a:bodyPr rtlCol="0" anchor="ctr"/>
-          <a:lstStyle/>
-          <a:p>
-            <a:pPr algn="ctr"/>
-            <a:endParaRPr kumimoji="1" lang="zh-CN" altLang="en-US"/>
-          </a:p>
-        </p:txBody>
-      </p:sp>
-      <p:sp>
-        <p:nvSpPr>
-          <p:cNvPr id="59" name="矩形 58">
-            <a:extLst>
-              <a:ext uri="{FF2B5EF4-FFF2-40B4-BE49-F238E27FC236}">
-                <a16:creationId xmlns:a16="http://schemas.microsoft.com/office/drawing/2014/main" id="{441EFDFF-BCF4-415F-9F16-A6F7017F7DF3}"/>
-              </a:ext>
-            </a:extLst>
-          </p:cNvPr>
-          <p:cNvSpPr/>
-          <p:nvPr/>
-        </p:nvSpPr>
-        <p:spPr>
-          <a:xfrm>
-            <a:off x="4629470" y="4956363"/>
-            <a:ext cx="128268" cy="142935"/>
-          </a:xfrm>
-          <a:prstGeom prst="rect">
-            <a:avLst/>
-          </a:prstGeom>
-        </p:spPr>
-        <p:style>
-          <a:lnRef idx="2">
-            <a:schemeClr val="accent1">
-              <a:shade val="50000"/>
-            </a:schemeClr>
-          </a:lnRef>
-          <a:fillRef idx="1">
-            <a:schemeClr val="accent1"/>
-          </a:fillRef>
-          <a:effectRef idx="0">
-            <a:schemeClr val="accent1"/>
-          </a:effectRef>
-          <a:fontRef idx="minor">
-            <a:schemeClr val="lt1"/>
-          </a:fontRef>
-        </p:style>
-        <p:txBody>
-          <a:bodyPr rtlCol="0" anchor="ctr"/>
-          <a:lstStyle/>
-          <a:p>
-            <a:pPr algn="ctr"/>
-            <a:endParaRPr kumimoji="1" lang="zh-CN" altLang="en-US"/>
-          </a:p>
-        </p:txBody>
-      </p:sp>
-      <p:sp>
-        <p:nvSpPr>
-          <p:cNvPr id="60" name="矩形 59">
-            <a:extLst>
-              <a:ext uri="{FF2B5EF4-FFF2-40B4-BE49-F238E27FC236}">
-                <a16:creationId xmlns:a16="http://schemas.microsoft.com/office/drawing/2014/main" id="{7D478DE5-A4BD-43D1-AE1D-00F65C5F09A8}"/>
-              </a:ext>
-            </a:extLst>
-          </p:cNvPr>
-          <p:cNvSpPr/>
-          <p:nvPr/>
-        </p:nvSpPr>
-        <p:spPr>
-          <a:xfrm>
-            <a:off x="8751505" y="4978340"/>
-            <a:ext cx="135319" cy="125086"/>
-          </a:xfrm>
-          <a:prstGeom prst="rect">
-            <a:avLst/>
-          </a:prstGeom>
-        </p:spPr>
-        <p:style>
-          <a:lnRef idx="2">
-            <a:schemeClr val="accent1">
-              <a:shade val="50000"/>
-            </a:schemeClr>
-          </a:lnRef>
-          <a:fillRef idx="1">
-            <a:schemeClr val="accent1"/>
-          </a:fillRef>
-          <a:effectRef idx="0">
-            <a:schemeClr val="accent1"/>
-          </a:effectRef>
-          <a:fontRef idx="minor">
-            <a:schemeClr val="lt1"/>
-          </a:fontRef>
-        </p:style>
-        <p:txBody>
-          <a:bodyPr rtlCol="0" anchor="ctr"/>
-          <a:lstStyle/>
-          <a:p>
-            <a:pPr algn="ctr"/>
-            <a:endParaRPr kumimoji="1" lang="zh-CN" altLang="en-US"/>
-          </a:p>
-        </p:txBody>
-      </p:sp>
-      <p:sp>
-        <p:nvSpPr>
-          <p:cNvPr id="61" name="文本框 60">
-            <a:extLst>
-              <a:ext uri="{FF2B5EF4-FFF2-40B4-BE49-F238E27FC236}">
-                <a16:creationId xmlns:a16="http://schemas.microsoft.com/office/drawing/2014/main" id="{BD9A3CEF-1092-4ABD-9187-6AC71AB077FF}"/>
-              </a:ext>
-            </a:extLst>
-          </p:cNvPr>
+          <p:cNvPr id="66" name="文本框 65"/>
           <p:cNvSpPr txBox="1"/>
           <p:nvPr/>
         </p:nvSpPr>
@@ -8613,6 +8604,44 @@
                 <a:cs typeface="Times New Roman" charset="0"/>
               </a:rPr>
               <a:t>model</a:t>
+            </a:r>
+            <a:endParaRPr kumimoji="1" lang="zh-CN" altLang="en-US" b="1" dirty="0">
+              <a:latin typeface="Times New Roman" charset="0"/>
+              <a:ea typeface="Times New Roman" charset="0"/>
+              <a:cs typeface="Times New Roman" charset="0"/>
+            </a:endParaRPr>
+          </a:p>
+        </p:txBody>
+      </p:sp>
+      <p:sp>
+        <p:nvSpPr>
+          <p:cNvPr id="52" name="文本框 51"/>
+          <p:cNvSpPr txBox="1"/>
+          <p:nvPr/>
+        </p:nvSpPr>
+        <p:spPr>
+          <a:xfrm>
+            <a:off x="3423487" y="5905720"/>
+            <a:ext cx="1342043" cy="369332"/>
+          </a:xfrm>
+          <a:prstGeom prst="rect">
+            <a:avLst/>
+          </a:prstGeom>
+          <a:noFill/>
+        </p:spPr>
+        <p:txBody>
+          <a:bodyPr wrap="square" rtlCol="0">
+            <a:spAutoFit/>
+          </a:bodyPr>
+          <a:lstStyle/>
+          <a:p>
+            <a:r>
+              <a:rPr kumimoji="1" lang="en-US" altLang="zh-CN" b="1" dirty="0">
+                <a:latin typeface="Times New Roman" charset="0"/>
+                <a:ea typeface="Times New Roman" charset="0"/>
+                <a:cs typeface="Times New Roman" charset="0"/>
+              </a:rPr>
+              <a:t>generate</a:t>
             </a:r>
             <a:endParaRPr kumimoji="1" lang="zh-CN" altLang="en-US" b="1" dirty="0">
               <a:latin typeface="Times New Roman" charset="0"/>
